--- a/仕様/プレゼンテーション/第一回発表.pptx
+++ b/仕様/プレゼンテーション/第一回発表.pptx
@@ -5,7 +5,7 @@
     <p:sldMasterId id="2147483696" r:id="rId1"/>
   </p:sldMasterIdLst>
   <p:notesMasterIdLst>
-    <p:notesMasterId r:id="rId21"/>
+    <p:notesMasterId r:id="rId24"/>
   </p:notesMasterIdLst>
   <p:sldIdLst>
     <p:sldId id="256" r:id="rId2"/>
@@ -21,12 +21,15 @@
     <p:sldId id="267" r:id="rId12"/>
     <p:sldId id="268" r:id="rId13"/>
     <p:sldId id="269" r:id="rId14"/>
-    <p:sldId id="270" r:id="rId15"/>
-    <p:sldId id="271" r:id="rId16"/>
-    <p:sldId id="272" r:id="rId17"/>
-    <p:sldId id="273" r:id="rId18"/>
-    <p:sldId id="274" r:id="rId19"/>
-    <p:sldId id="275" r:id="rId20"/>
+    <p:sldId id="276" r:id="rId15"/>
+    <p:sldId id="277" r:id="rId16"/>
+    <p:sldId id="278" r:id="rId17"/>
+    <p:sldId id="270" r:id="rId18"/>
+    <p:sldId id="271" r:id="rId19"/>
+    <p:sldId id="272" r:id="rId20"/>
+    <p:sldId id="273" r:id="rId21"/>
+    <p:sldId id="274" r:id="rId22"/>
+    <p:sldId id="275" r:id="rId23"/>
   </p:sldIdLst>
   <p:sldSz cx="9144000" cy="5143500" type="screen16x9"/>
   <p:notesSz cx="6858000" cy="9144000"/>
@@ -1010,14 +1013,35 @@
         </dgm:presLayoutVars>
       </dgm:prSet>
       <dgm:spPr/>
+      <dgm:t>
+        <a:bodyPr/>
+        <a:lstStyle/>
+        <a:p>
+          <a:endParaRPr kumimoji="1" lang="ja-JP" altLang="en-US"/>
+        </a:p>
+      </dgm:t>
     </dgm:pt>
     <dgm:pt modelId="{CC55A980-22C3-4369-825E-F9C6F0E088C2}" type="pres">
       <dgm:prSet presAssocID="{0BC502A7-E623-47EF-B1D2-DE5469A79F19}" presName="centerShape" presStyleLbl="node0" presStyleIdx="0" presStyleCnt="1"/>
       <dgm:spPr/>
+      <dgm:t>
+        <a:bodyPr/>
+        <a:lstStyle/>
+        <a:p>
+          <a:endParaRPr kumimoji="1" lang="ja-JP" altLang="en-US"/>
+        </a:p>
+      </dgm:t>
     </dgm:pt>
     <dgm:pt modelId="{D2A6FD57-E061-42DF-AC5C-237B5FB51F39}" type="pres">
       <dgm:prSet presAssocID="{C07AAE14-4CFF-4E96-8EBF-A540A6E100F8}" presName="parTrans" presStyleLbl="bgSibTrans2D1" presStyleIdx="0" presStyleCnt="2"/>
       <dgm:spPr/>
+      <dgm:t>
+        <a:bodyPr/>
+        <a:lstStyle/>
+        <a:p>
+          <a:endParaRPr kumimoji="1" lang="ja-JP" altLang="en-US"/>
+        </a:p>
+      </dgm:t>
     </dgm:pt>
     <dgm:pt modelId="{DD8B176E-BF7E-48BE-8110-E4243F07C9D3}" type="pres">
       <dgm:prSet presAssocID="{CABB9B53-24F3-4E6C-BD92-A730871B2CFE}" presName="node" presStyleLbl="node1" presStyleIdx="0" presStyleCnt="2">
@@ -1026,10 +1050,24 @@
         </dgm:presLayoutVars>
       </dgm:prSet>
       <dgm:spPr/>
+      <dgm:t>
+        <a:bodyPr/>
+        <a:lstStyle/>
+        <a:p>
+          <a:endParaRPr kumimoji="1" lang="ja-JP" altLang="en-US"/>
+        </a:p>
+      </dgm:t>
     </dgm:pt>
     <dgm:pt modelId="{E9637C0E-5A9E-4758-9346-FD89C085D02F}" type="pres">
       <dgm:prSet presAssocID="{48934849-2E2D-4899-A302-170ED75276E1}" presName="parTrans" presStyleLbl="bgSibTrans2D1" presStyleIdx="1" presStyleCnt="2"/>
       <dgm:spPr/>
+      <dgm:t>
+        <a:bodyPr/>
+        <a:lstStyle/>
+        <a:p>
+          <a:endParaRPr kumimoji="1" lang="ja-JP" altLang="en-US"/>
+        </a:p>
+      </dgm:t>
     </dgm:pt>
     <dgm:pt modelId="{535D7A86-C65F-41EA-AC4E-88F3C1AE9A97}" type="pres">
       <dgm:prSet presAssocID="{1624E47C-B54D-4630-BACF-20CD7D7918BB}" presName="node" presStyleLbl="node1" presStyleIdx="1" presStyleCnt="2">
@@ -1038,6 +1076,13 @@
         </dgm:presLayoutVars>
       </dgm:prSet>
       <dgm:spPr/>
+      <dgm:t>
+        <a:bodyPr/>
+        <a:lstStyle/>
+        <a:p>
+          <a:endParaRPr kumimoji="1" lang="ja-JP" altLang="en-US"/>
+        </a:p>
+      </dgm:t>
     </dgm:pt>
   </dgm:ptLst>
   <dgm:cxnLst>
@@ -2809,7 +2854,7 @@
           <a:p>
             <a:fld id="{94FD8BCF-D63F-423A-BBFA-53EA679724C4}" type="datetimeFigureOut">
               <a:rPr kumimoji="1" lang="ja-JP" altLang="en-US" smtClean="0"/>
-              <a:t>2016/10/11</a:t>
+              <a:t>2016/10/12</a:t>
             </a:fld>
             <a:endParaRPr kumimoji="1" lang="ja-JP" altLang="en-US"/>
           </a:p>
@@ -3193,6 +3238,90 @@
 </p:notes>
 </file>
 
+<file path=ppt/notesSlides/notesSlide2.xml><?xml version="1.0" encoding="utf-8"?>
+<p:notes xmlns:a="http://schemas.openxmlformats.org/drawingml/2006/main" xmlns:r="http://schemas.openxmlformats.org/officeDocument/2006/relationships" xmlns:p="http://schemas.openxmlformats.org/presentationml/2006/main">
+  <p:cSld>
+    <p:spTree>
+      <p:nvGrpSpPr>
+        <p:cNvPr id="1" name=""/>
+        <p:cNvGrpSpPr/>
+        <p:nvPr/>
+      </p:nvGrpSpPr>
+      <p:grpSpPr>
+        <a:xfrm>
+          <a:off x="0" y="0"/>
+          <a:ext cx="0" cy="0"/>
+          <a:chOff x="0" y="0"/>
+          <a:chExt cx="0" cy="0"/>
+        </a:xfrm>
+      </p:grpSpPr>
+      <p:sp>
+        <p:nvSpPr>
+          <p:cNvPr id="2" name="スライド イメージ プレースホルダー 1"/>
+          <p:cNvSpPr>
+            <a:spLocks noGrp="1" noRot="1" noChangeAspect="1"/>
+          </p:cNvSpPr>
+          <p:nvPr>
+            <p:ph type="sldImg"/>
+          </p:nvPr>
+        </p:nvSpPr>
+        <p:spPr/>
+      </p:sp>
+      <p:sp>
+        <p:nvSpPr>
+          <p:cNvPr id="3" name="ノート プレースホルダー 2"/>
+          <p:cNvSpPr>
+            <a:spLocks noGrp="1"/>
+          </p:cNvSpPr>
+          <p:nvPr>
+            <p:ph type="body" idx="1"/>
+          </p:nvPr>
+        </p:nvSpPr>
+        <p:spPr/>
+        <p:txBody>
+          <a:bodyPr/>
+          <a:lstStyle/>
+          <a:p>
+            <a:endParaRPr kumimoji="1" lang="ja-JP" altLang="en-US" dirty="0"/>
+          </a:p>
+        </p:txBody>
+      </p:sp>
+      <p:sp>
+        <p:nvSpPr>
+          <p:cNvPr id="4" name="スライド番号プレースホルダー 3"/>
+          <p:cNvSpPr>
+            <a:spLocks noGrp="1"/>
+          </p:cNvSpPr>
+          <p:nvPr>
+            <p:ph type="sldNum" sz="quarter" idx="10"/>
+          </p:nvPr>
+        </p:nvSpPr>
+        <p:spPr/>
+        <p:txBody>
+          <a:bodyPr/>
+          <a:lstStyle/>
+          <a:p>
+            <a:fld id="{917D347F-F281-4828-BA46-1DDEB626BA2B}" type="slidenum">
+              <a:rPr kumimoji="1" lang="ja-JP" altLang="en-US" smtClean="0"/>
+              <a:t>14</a:t>
+            </a:fld>
+            <a:endParaRPr kumimoji="1" lang="ja-JP" altLang="en-US"/>
+          </a:p>
+        </p:txBody>
+      </p:sp>
+    </p:spTree>
+    <p:extLst>
+      <p:ext uri="{BB962C8B-B14F-4D97-AF65-F5344CB8AC3E}">
+        <p14:creationId xmlns:p14="http://schemas.microsoft.com/office/powerpoint/2010/main" val="4192604276"/>
+      </p:ext>
+    </p:extLst>
+  </p:cSld>
+  <p:clrMapOvr>
+    <a:masterClrMapping/>
+  </p:clrMapOvr>
+</p:notes>
+</file>
+
 <file path=ppt/slideLayouts/slideLayout1.xml><?xml version="1.0" encoding="utf-8"?>
 <p:sldLayout xmlns:a="http://schemas.openxmlformats.org/drawingml/2006/main" xmlns:r="http://schemas.openxmlformats.org/officeDocument/2006/relationships" xmlns:p="http://schemas.openxmlformats.org/presentationml/2006/main" showMasterSp="0" type="title" preserve="1">
   <p:cSld name="タイトル スライド">
@@ -3387,7 +3516,7 @@
           <a:p>
             <a:fld id="{E90ED720-0104-4369-84BC-D37694168613}" type="datetimeFigureOut">
               <a:rPr kumimoji="1" lang="ja-JP" altLang="en-US" smtClean="0"/>
-              <a:t>2016/10/11</a:t>
+              <a:t>2016/10/12</a:t>
             </a:fld>
             <a:endParaRPr kumimoji="1" lang="ja-JP" altLang="en-US"/>
           </a:p>
@@ -3772,7 +3901,7 @@
           <a:p>
             <a:fld id="{E90ED720-0104-4369-84BC-D37694168613}" type="datetimeFigureOut">
               <a:rPr kumimoji="1" lang="ja-JP" altLang="en-US" smtClean="0"/>
-              <a:t>2016/10/11</a:t>
+              <a:t>2016/10/12</a:t>
             </a:fld>
             <a:endParaRPr kumimoji="1" lang="ja-JP" altLang="en-US"/>
           </a:p>
@@ -3979,7 +4108,7 @@
           <a:p>
             <a:fld id="{E90ED720-0104-4369-84BC-D37694168613}" type="datetimeFigureOut">
               <a:rPr kumimoji="1" lang="ja-JP" altLang="en-US" smtClean="0"/>
-              <a:t>2016/10/11</a:t>
+              <a:t>2016/10/12</a:t>
             </a:fld>
             <a:endParaRPr kumimoji="1" lang="ja-JP" altLang="en-US"/>
           </a:p>
@@ -4092,7 +4221,7 @@
           <a:p>
             <a:fld id="{E90ED720-0104-4369-84BC-D37694168613}" type="datetimeFigureOut">
               <a:rPr kumimoji="1" lang="ja-JP" altLang="en-US" smtClean="0"/>
-              <a:t>2016/10/11</a:t>
+              <a:t>2016/10/12</a:t>
             </a:fld>
             <a:endParaRPr kumimoji="1" lang="ja-JP" altLang="en-US"/>
           </a:p>
@@ -4482,7 +4611,7 @@
           <a:p>
             <a:fld id="{E90ED720-0104-4369-84BC-D37694168613}" type="datetimeFigureOut">
               <a:rPr kumimoji="1" lang="ja-JP" altLang="en-US" smtClean="0"/>
-              <a:t>2016/10/11</a:t>
+              <a:t>2016/10/12</a:t>
             </a:fld>
             <a:endParaRPr kumimoji="1" lang="ja-JP" altLang="en-US"/>
           </a:p>
@@ -4747,7 +4876,7 @@
           <a:p>
             <a:fld id="{E90ED720-0104-4369-84BC-D37694168613}" type="datetimeFigureOut">
               <a:rPr kumimoji="1" lang="ja-JP" altLang="en-US" smtClean="0"/>
-              <a:t>2016/10/11</a:t>
+              <a:t>2016/10/12</a:t>
             </a:fld>
             <a:endParaRPr kumimoji="1" lang="ja-JP" altLang="en-US"/>
           </a:p>
@@ -5173,7 +5302,7 @@
           <a:p>
             <a:fld id="{E90ED720-0104-4369-84BC-D37694168613}" type="datetimeFigureOut">
               <a:rPr kumimoji="1" lang="ja-JP" altLang="en-US" smtClean="0"/>
-              <a:t>2016/10/11</a:t>
+              <a:t>2016/10/12</a:t>
             </a:fld>
             <a:endParaRPr kumimoji="1" lang="ja-JP" altLang="en-US"/>
           </a:p>
@@ -5464,7 +5593,7 @@
           <a:p>
             <a:fld id="{E90ED720-0104-4369-84BC-D37694168613}" type="datetimeFigureOut">
               <a:rPr kumimoji="1" lang="ja-JP" altLang="en-US" smtClean="0"/>
-              <a:t>2016/10/11</a:t>
+              <a:t>2016/10/12</a:t>
             </a:fld>
             <a:endParaRPr kumimoji="1" lang="ja-JP" altLang="en-US"/>
           </a:p>
@@ -5554,7 +5683,7 @@
           <a:p>
             <a:fld id="{E90ED720-0104-4369-84BC-D37694168613}" type="datetimeFigureOut">
               <a:rPr kumimoji="1" lang="ja-JP" altLang="en-US" smtClean="0"/>
-              <a:t>2016/10/11</a:t>
+              <a:t>2016/10/12</a:t>
             </a:fld>
             <a:endParaRPr kumimoji="1" lang="ja-JP" altLang="en-US"/>
           </a:p>
@@ -5821,7 +5950,7 @@
           <a:p>
             <a:fld id="{E90ED720-0104-4369-84BC-D37694168613}" type="datetimeFigureOut">
               <a:rPr kumimoji="1" lang="ja-JP" altLang="en-US" smtClean="0"/>
-              <a:t>2016/10/11</a:t>
+              <a:t>2016/10/12</a:t>
             </a:fld>
             <a:endParaRPr kumimoji="1" lang="ja-JP" altLang="en-US"/>
           </a:p>
@@ -6081,7 +6210,7 @@
           <a:p>
             <a:fld id="{E90ED720-0104-4369-84BC-D37694168613}" type="datetimeFigureOut">
               <a:rPr kumimoji="1" lang="ja-JP" altLang="en-US" smtClean="0"/>
-              <a:t>2016/10/11</a:t>
+              <a:t>2016/10/12</a:t>
             </a:fld>
             <a:endParaRPr kumimoji="1" lang="ja-JP" altLang="en-US"/>
           </a:p>
@@ -6612,7 +6741,7 @@
           <a:p>
             <a:fld id="{E90ED720-0104-4369-84BC-D37694168613}" type="datetimeFigureOut">
               <a:rPr kumimoji="1" lang="ja-JP" altLang="en-US" smtClean="0"/>
-              <a:t>2016/10/11</a:t>
+              <a:t>2016/10/12</a:t>
             </a:fld>
             <a:endParaRPr kumimoji="1" lang="ja-JP" altLang="en-US"/>
           </a:p>
@@ -7132,7 +7261,12 @@
             <p:ph sz="quarter" idx="1"/>
           </p:nvPr>
         </p:nvSpPr>
-        <p:spPr/>
+        <p:spPr>
+          <a:xfrm>
+            <a:off x="685800" y="1900808"/>
+            <a:ext cx="7772400" cy="1341884"/>
+          </a:xfrm>
+        </p:spPr>
         <p:txBody>
           <a:bodyPr/>
           <a:lstStyle/>
@@ -7145,7 +7279,7 @@
               <a:rPr kumimoji="1" lang="ja-JP" altLang="en-US" dirty="0" smtClean="0"/>
               <a:t>とは、</a:t>
             </a:r>
-            <a:endParaRPr kumimoji="1" lang="en-US" altLang="ja-JP" dirty="0" smtClean="0"/>
+            <a:endParaRPr lang="en-US" altLang="ja-JP" dirty="0"/>
           </a:p>
           <a:p>
             <a:pPr marL="0" indent="0">
@@ -7161,7 +7295,23 @@
             </a:r>
             <a:r>
               <a:rPr kumimoji="1" lang="ja-JP" altLang="en-US" dirty="0" smtClean="0"/>
-              <a:t>何の能力も持たない勇者を</a:t>
+              <a:t>何の能力も</a:t>
+            </a:r>
+            <a:r>
+              <a:rPr kumimoji="1" lang="ja-JP" altLang="en-US" dirty="0" smtClean="0"/>
+              <a:t>持たない</a:t>
+            </a:r>
+            <a:r>
+              <a:rPr lang="ja-JP" altLang="en-US" dirty="0" err="1"/>
+              <a:t>すっ</a:t>
+            </a:r>
+            <a:r>
+              <a:rPr lang="ja-JP" altLang="en-US" dirty="0"/>
+              <a:t>ぴん君</a:t>
+            </a:r>
+            <a:r>
+              <a:rPr kumimoji="1" lang="ja-JP" altLang="en-US" dirty="0" smtClean="0"/>
+              <a:t>を</a:t>
             </a:r>
             <a:r>
               <a:rPr kumimoji="1" lang="en-US" altLang="ja-JP" dirty="0" smtClean="0"/>
@@ -7171,6 +7321,45 @@
           </a:p>
         </p:txBody>
       </p:sp>
+      <p:pic>
+        <p:nvPicPr>
+          <p:cNvPr id="1026" name="Picture 2" descr="C:\Users\2130071\Desktop\VSRPG\仕様\参考画像\プレイヤーラフ\20161005_135039.jpg"/>
+          <p:cNvPicPr>
+            <a:picLocks noChangeAspect="1" noChangeArrowheads="1"/>
+          </p:cNvPicPr>
+          <p:nvPr/>
+        </p:nvPicPr>
+        <p:blipFill rotWithShape="1">
+          <a:blip r:embed="rId2">
+            <a:extLst>
+              <a:ext uri="{28A0092B-C50C-407E-A947-70E740481C1C}">
+                <a14:useLocalDpi xmlns:a14="http://schemas.microsoft.com/office/drawing/2010/main" val="0"/>
+              </a:ext>
+            </a:extLst>
+          </a:blip>
+          <a:srcRect l="36214" t="23355" r="19419" b="11342"/>
+          <a:stretch/>
+        </p:blipFill>
+        <p:spPr bwMode="auto">
+          <a:xfrm>
+            <a:off x="6804248" y="555526"/>
+            <a:ext cx="1584191" cy="4145163"/>
+          </a:xfrm>
+          <a:prstGeom prst="rect">
+            <a:avLst/>
+          </a:prstGeom>
+          <a:noFill/>
+          <a:extLst>
+            <a:ext uri="{909E8E84-426E-40DD-AFC4-6F175D3DCCD1}">
+              <a14:hiddenFill xmlns:a14="http://schemas.microsoft.com/office/drawing/2010/main">
+                <a:solidFill>
+                  <a:srgbClr val="FFFFFF"/>
+                </a:solidFill>
+              </a14:hiddenFill>
+            </a:ext>
+          </a:extLst>
+        </p:spPr>
+      </p:pic>
     </p:spTree>
     <p:extLst>
       <p:ext uri="{BB962C8B-B14F-4D97-AF65-F5344CB8AC3E}">
@@ -7241,14 +7430,39 @@
             <p:ph sz="quarter" idx="1"/>
           </p:nvPr>
         </p:nvSpPr>
-        <p:spPr/>
-        <p:txBody>
-          <a:bodyPr/>
+        <p:spPr>
+          <a:xfrm>
+            <a:off x="685800" y="2044824"/>
+            <a:ext cx="7772400" cy="1053852"/>
+          </a:xfrm>
+        </p:spPr>
+        <p:txBody>
+          <a:bodyPr>
+            <a:normAutofit/>
+          </a:bodyPr>
           <a:lstStyle/>
           <a:p>
             <a:r>
               <a:rPr kumimoji="1" lang="ja-JP" altLang="en-US" dirty="0" smtClean="0"/>
-              <a:t>能力を極め、勇ましい姿に成長させ</a:t>
+              <a:t>能力を極め、</a:t>
+            </a:r>
+            <a:endParaRPr kumimoji="1" lang="en-US" altLang="ja-JP" dirty="0" smtClean="0"/>
+          </a:p>
+          <a:p>
+            <a:pPr marL="0" indent="0">
+              <a:buNone/>
+            </a:pPr>
+            <a:r>
+              <a:rPr lang="ja-JP" altLang="en-US" dirty="0"/>
+              <a:t>　</a:t>
+            </a:r>
+            <a:r>
+              <a:rPr lang="ja-JP" altLang="en-US" dirty="0" smtClean="0"/>
+              <a:t>　</a:t>
+            </a:r>
+            <a:r>
+              <a:rPr kumimoji="1" lang="ja-JP" altLang="en-US" dirty="0" smtClean="0"/>
+              <a:t>勇ましい姿に成長させ</a:t>
             </a:r>
             <a:r>
               <a:rPr kumimoji="1" lang="en-US" altLang="ja-JP" dirty="0" smtClean="0"/>
@@ -7258,6 +7472,86 @@
           </a:p>
         </p:txBody>
       </p:sp>
+      <p:pic>
+        <p:nvPicPr>
+          <p:cNvPr id="2050" name="Picture 2" descr="C:\Users\2130071\Desktop\VSRPG\仕様\参考画像\プレイヤーラフ\1475676831565.png"/>
+          <p:cNvPicPr>
+            <a:picLocks noChangeAspect="1" noChangeArrowheads="1"/>
+          </p:cNvPicPr>
+          <p:nvPr/>
+        </p:nvPicPr>
+        <p:blipFill rotWithShape="1">
+          <a:blip r:embed="rId2">
+            <a:extLst>
+              <a:ext uri="{28A0092B-C50C-407E-A947-70E740481C1C}">
+                <a14:useLocalDpi xmlns:a14="http://schemas.microsoft.com/office/drawing/2010/main" val="0"/>
+              </a:ext>
+            </a:extLst>
+          </a:blip>
+          <a:srcRect l="36705" t="9873" r="4832"/>
+          <a:stretch/>
+        </p:blipFill>
+        <p:spPr bwMode="auto">
+          <a:xfrm>
+            <a:off x="7131797" y="2067694"/>
+            <a:ext cx="1600823" cy="2857500"/>
+          </a:xfrm>
+          <a:prstGeom prst="rect">
+            <a:avLst/>
+          </a:prstGeom>
+          <a:noFill/>
+          <a:extLst>
+            <a:ext uri="{909E8E84-426E-40DD-AFC4-6F175D3DCCD1}">
+              <a14:hiddenFill xmlns:a14="http://schemas.microsoft.com/office/drawing/2010/main">
+                <a:solidFill>
+                  <a:srgbClr val="FFFFFF"/>
+                </a:solidFill>
+              </a14:hiddenFill>
+            </a:ext>
+          </a:extLst>
+        </p:spPr>
+      </p:pic>
+      <p:pic>
+        <p:nvPicPr>
+          <p:cNvPr id="2052" name="Picture 4" descr="C:\Users\2130071\Desktop\VSRPG\仕様\参考画像\プレイヤーラフ\1475667039219.png"/>
+          <p:cNvPicPr>
+            <a:picLocks noChangeAspect="1" noChangeArrowheads="1"/>
+          </p:cNvPicPr>
+          <p:nvPr/>
+        </p:nvPicPr>
+        <p:blipFill>
+          <a:blip r:embed="rId3">
+            <a:extLst>
+              <a:ext uri="{28A0092B-C50C-407E-A947-70E740481C1C}">
+                <a14:useLocalDpi xmlns:a14="http://schemas.microsoft.com/office/drawing/2010/main" val="0"/>
+              </a:ext>
+            </a:extLst>
+          </a:blip>
+          <a:srcRect/>
+          <a:stretch>
+            <a:fillRect/>
+          </a:stretch>
+        </p:blipFill>
+        <p:spPr bwMode="auto">
+          <a:xfrm>
+            <a:off x="5773240" y="638944"/>
+            <a:ext cx="1463056" cy="2857500"/>
+          </a:xfrm>
+          <a:prstGeom prst="rect">
+            <a:avLst/>
+          </a:prstGeom>
+          <a:noFill/>
+          <a:extLst>
+            <a:ext uri="{909E8E84-426E-40DD-AFC4-6F175D3DCCD1}">
+              <a14:hiddenFill xmlns:a14="http://schemas.microsoft.com/office/drawing/2010/main">
+                <a:solidFill>
+                  <a:srgbClr val="FFFFFF"/>
+                </a:solidFill>
+              </a14:hiddenFill>
+            </a:ext>
+          </a:extLst>
+        </p:spPr>
+      </p:pic>
     </p:spTree>
     <p:extLst>
       <p:ext uri="{BB962C8B-B14F-4D97-AF65-F5344CB8AC3E}">
@@ -7328,18 +7622,31 @@
             <p:ph sz="quarter" idx="1"/>
           </p:nvPr>
         </p:nvSpPr>
-        <p:spPr/>
+        <p:spPr>
+          <a:xfrm>
+            <a:off x="685800" y="1972816"/>
+            <a:ext cx="7772400" cy="1197868"/>
+          </a:xfrm>
+        </p:spPr>
         <p:txBody>
           <a:bodyPr/>
           <a:lstStyle/>
           <a:p>
             <a:r>
-              <a:rPr lang="ja-JP" altLang="en-US" dirty="0"/>
-              <a:t>巨大</a:t>
-            </a:r>
-            <a:r>
               <a:rPr kumimoji="1" lang="ja-JP" altLang="en-US" dirty="0" smtClean="0"/>
-              <a:t>な敵を狩りまくり、その数を競い合うゲームです。</a:t>
+              <a:t>大型モンスターを狩りまくり、</a:t>
+            </a:r>
+            <a:r>
+              <a:rPr lang="en-US" altLang="ja-JP" dirty="0"/>
+              <a:t> </a:t>
+            </a:r>
+            <a:r>
+              <a:rPr lang="en-US" altLang="ja-JP" dirty="0" smtClean="0"/>
+              <a:t>                             </a:t>
+            </a:r>
+            <a:r>
+              <a:rPr kumimoji="1" lang="ja-JP" altLang="en-US" dirty="0" smtClean="0"/>
+              <a:t>その数を競い合うゲームです。</a:t>
             </a:r>
             <a:endParaRPr kumimoji="1" lang="ja-JP" altLang="en-US" dirty="0"/>
           </a:p>
@@ -7485,140 +7792,66 @@
             <p:ph type="title"/>
           </p:nvPr>
         </p:nvSpPr>
-        <p:spPr>
-          <a:xfrm>
-            <a:off x="539552" y="1493342"/>
-            <a:ext cx="8147248" cy="2156817"/>
-          </a:xfrm>
-        </p:spPr>
-        <p:txBody>
-          <a:bodyPr>
-            <a:noAutofit/>
-          </a:bodyPr>
-          <a:lstStyle/>
-          <a:p>
-            <a:r>
-              <a:rPr lang="en-US" altLang="ja-JP" sz="4400" dirty="0" smtClean="0">
-                <a:solidFill>
-                  <a:schemeClr val="tx1"/>
-                </a:solidFill>
-              </a:rPr>
-              <a:t>MOVA</a:t>
-            </a:r>
-            <a:r>
-              <a:rPr lang="ja-JP" altLang="en-US" sz="4400" dirty="0" smtClean="0">
-                <a:solidFill>
-                  <a:schemeClr val="tx1"/>
-                </a:solidFill>
-              </a:rPr>
-              <a:t>系の敷居</a:t>
-            </a:r>
-            <a:r>
-              <a:rPr lang="ja-JP" altLang="en-US" sz="4400" dirty="0">
-                <a:solidFill>
-                  <a:schemeClr val="tx1"/>
-                </a:solidFill>
-              </a:rPr>
-              <a:t>の</a:t>
-            </a:r>
-            <a:r>
-              <a:rPr lang="ja-JP" altLang="en-US" sz="4400" dirty="0" smtClean="0">
-                <a:solidFill>
-                  <a:schemeClr val="tx1"/>
-                </a:solidFill>
-              </a:rPr>
-              <a:t>高さを</a:t>
-            </a:r>
-            <a:r>
-              <a:rPr lang="en-US" altLang="ja-JP" sz="4400" dirty="0" smtClean="0">
-                <a:solidFill>
-                  <a:schemeClr val="tx1"/>
-                </a:solidFill>
-              </a:rPr>
-              <a:t/>
-            </a:r>
-            <a:br>
-              <a:rPr lang="en-US" altLang="ja-JP" sz="4400" dirty="0" smtClean="0">
-                <a:solidFill>
-                  <a:schemeClr val="tx1"/>
-                </a:solidFill>
-              </a:rPr>
-            </a:br>
-            <a:r>
-              <a:rPr lang="ja-JP" altLang="en-US" sz="5400" dirty="0">
-                <a:solidFill>
-                  <a:schemeClr val="tx1"/>
-                </a:solidFill>
-              </a:rPr>
-              <a:t>ルール</a:t>
-            </a:r>
-            <a:r>
-              <a:rPr lang="ja-JP" altLang="en-US" sz="5400" dirty="0" smtClean="0">
-                <a:solidFill>
-                  <a:schemeClr val="tx1"/>
-                </a:solidFill>
-              </a:rPr>
-              <a:t>や操作の簡略化</a:t>
-            </a:r>
-            <a:r>
-              <a:rPr lang="ja-JP" altLang="en-US" sz="4400" dirty="0">
-                <a:solidFill>
-                  <a:schemeClr val="tx1"/>
-                </a:solidFill>
-              </a:rPr>
-              <a:t>に</a:t>
-            </a:r>
-            <a:r>
-              <a:rPr lang="ja-JP" altLang="en-US" sz="4400" dirty="0" smtClean="0">
-                <a:solidFill>
-                  <a:schemeClr val="tx1"/>
-                </a:solidFill>
-              </a:rPr>
-              <a:t>より</a:t>
-            </a:r>
-            <a:r>
-              <a:rPr lang="en-US" altLang="ja-JP" sz="4400" dirty="0" smtClean="0">
-                <a:solidFill>
-                  <a:schemeClr val="tx1"/>
-                </a:solidFill>
-              </a:rPr>
-              <a:t/>
-            </a:r>
-            <a:br>
-              <a:rPr lang="en-US" altLang="ja-JP" sz="4400" dirty="0" smtClean="0">
-                <a:solidFill>
-                  <a:schemeClr val="tx1"/>
-                </a:solidFill>
-              </a:rPr>
-            </a:br>
-            <a:r>
-              <a:rPr lang="ja-JP" altLang="en-US" sz="4400" dirty="0">
-                <a:solidFill>
-                  <a:srgbClr val="FF0000"/>
-                </a:solidFill>
-              </a:rPr>
-              <a:t>窓口</a:t>
-            </a:r>
-            <a:r>
-              <a:rPr lang="ja-JP" altLang="en-US" sz="4400" dirty="0" smtClean="0">
-                <a:solidFill>
-                  <a:srgbClr val="FF0000"/>
-                </a:solidFill>
-              </a:rPr>
-              <a:t>を広げたい！</a:t>
-            </a:r>
-            <a:endParaRPr kumimoji="1" lang="ja-JP" altLang="en-US" sz="4400" dirty="0">
-              <a:solidFill>
-                <a:srgbClr val="FF0000"/>
-              </a:solidFill>
-            </a:endParaRPr>
+        <p:spPr/>
+        <p:txBody>
+          <a:bodyPr/>
+          <a:lstStyle/>
+          <a:p>
+            <a:r>
+              <a:rPr kumimoji="1" lang="ja-JP" altLang="en-US" dirty="0" smtClean="0"/>
+              <a:t>詳しく説明</a:t>
+            </a:r>
+            <a:r>
+              <a:rPr kumimoji="1" lang="en-US" altLang="ja-JP" dirty="0" smtClean="0"/>
+              <a:t>(</a:t>
+            </a:r>
+            <a:r>
+              <a:rPr kumimoji="1" lang="ja-JP" altLang="en-US" dirty="0" smtClean="0"/>
+              <a:t>アップグレード編</a:t>
+            </a:r>
+            <a:r>
+              <a:rPr kumimoji="1" lang="en-US" altLang="ja-JP" dirty="0" smtClean="0"/>
+              <a:t>)</a:t>
+            </a:r>
+            <a:endParaRPr kumimoji="1" lang="ja-JP" altLang="en-US" dirty="0"/>
+          </a:p>
+        </p:txBody>
+      </p:sp>
+      <p:sp>
+        <p:nvSpPr>
+          <p:cNvPr id="3" name="コンテンツ プレースホルダー 2"/>
+          <p:cNvSpPr>
+            <a:spLocks noGrp="1"/>
+          </p:cNvSpPr>
+          <p:nvPr>
+            <p:ph sz="quarter" idx="1"/>
+          </p:nvPr>
+        </p:nvSpPr>
+        <p:spPr/>
+        <p:txBody>
+          <a:bodyPr/>
+          <a:lstStyle/>
+          <a:p>
+            <a:r>
+              <a:rPr kumimoji="1" lang="ja-JP" altLang="en-US" dirty="0" smtClean="0"/>
+              <a:t>小型</a:t>
+            </a:r>
+            <a:r>
+              <a:rPr lang="ja-JP" altLang="en-US" dirty="0"/>
+              <a:t>モンスター</a:t>
+            </a:r>
+            <a:r>
+              <a:rPr lang="ja-JP" altLang="en-US" dirty="0" smtClean="0"/>
+              <a:t>を倒して経験値を獲得！</a:t>
+            </a:r>
+            <a:endParaRPr kumimoji="1" lang="ja-JP" altLang="en-US" dirty="0"/>
           </a:p>
         </p:txBody>
       </p:sp>
     </p:spTree>
     <p:extLst>
       <p:ext uri="{BB962C8B-B14F-4D97-AF65-F5344CB8AC3E}">
-        <p14:creationId xmlns:p14="http://schemas.microsoft.com/office/powerpoint/2010/main" val="3659646229"/>
+        <p14:creationId xmlns:p14="http://schemas.microsoft.com/office/powerpoint/2010/main" val="4234748290"/>
       </p:ext>
     </p:extLst>
   </p:cSld>
@@ -7668,12 +7901,43 @@
           <a:lstStyle/>
           <a:p>
             <a:r>
+              <a:rPr lang="ja-JP" altLang="en-US" dirty="0"/>
+              <a:t>詳しく説明</a:t>
+            </a:r>
+            <a:r>
+              <a:rPr lang="en-US" altLang="ja-JP" dirty="0"/>
+              <a:t>(</a:t>
+            </a:r>
+            <a:r>
+              <a:rPr lang="ja-JP" altLang="en-US" dirty="0"/>
+              <a:t>アップグレード編</a:t>
+            </a:r>
+            <a:r>
+              <a:rPr lang="en-US" altLang="ja-JP" dirty="0"/>
+              <a:t>)</a:t>
+            </a:r>
+            <a:endParaRPr kumimoji="1" lang="ja-JP" altLang="en-US" dirty="0"/>
+          </a:p>
+        </p:txBody>
+      </p:sp>
+      <p:sp>
+        <p:nvSpPr>
+          <p:cNvPr id="3" name="コンテンツ プレースホルダー 2"/>
+          <p:cNvSpPr>
+            <a:spLocks noGrp="1"/>
+          </p:cNvSpPr>
+          <p:nvPr>
+            <p:ph sz="quarter" idx="1"/>
+          </p:nvPr>
+        </p:nvSpPr>
+        <p:spPr/>
+        <p:txBody>
+          <a:bodyPr/>
+          <a:lstStyle/>
+          <a:p>
+            <a:r>
               <a:rPr kumimoji="1" lang="ja-JP" altLang="en-US" dirty="0" smtClean="0"/>
-              <a:t>そんな思いを秘めたのが</a:t>
-            </a:r>
-            <a:r>
-              <a:rPr kumimoji="1" lang="en-US" altLang="ja-JP" dirty="0" smtClean="0"/>
-              <a:t>……</a:t>
+              <a:t>集めた経験値を使ってアップグレードを獲得！</a:t>
             </a:r>
             <a:endParaRPr kumimoji="1" lang="ja-JP" altLang="en-US" dirty="0"/>
           </a:p>
@@ -7682,13 +7946,20 @@
     </p:spTree>
     <p:extLst>
       <p:ext uri="{BB962C8B-B14F-4D97-AF65-F5344CB8AC3E}">
-        <p14:creationId xmlns:p14="http://schemas.microsoft.com/office/powerpoint/2010/main" val="860430194"/>
+        <p14:creationId xmlns:p14="http://schemas.microsoft.com/office/powerpoint/2010/main" val="502041248"/>
       </p:ext>
     </p:extLst>
   </p:cSld>
   <p:clrMapOvr>
     <a:masterClrMapping/>
   </p:clrMapOvr>
+  <p:timing>
+    <p:tnLst>
+      <p:par>
+        <p:cTn id="1" dur="indefinite" restart="never" nodeType="tmRoot"/>
+      </p:par>
+    </p:tnLst>
+  </p:timing>
 </p:sld>
 </file>
 
@@ -7721,14 +7992,24 @@
         </p:nvSpPr>
         <p:spPr/>
         <p:txBody>
-          <a:bodyPr>
-            <a:normAutofit/>
-          </a:bodyPr>
-          <a:lstStyle/>
-          <a:p>
-            <a:r>
-              <a:rPr kumimoji="1" lang="ja-JP" altLang="en-US" dirty="0" smtClean="0"/>
-              <a:t>今まで出来上がった物</a:t>
+          <a:bodyPr/>
+          <a:lstStyle/>
+          <a:p>
+            <a:r>
+              <a:rPr lang="ja-JP" altLang="en-US" dirty="0"/>
+              <a:t>詳しく説明</a:t>
+            </a:r>
+            <a:r>
+              <a:rPr lang="en-US" altLang="ja-JP" dirty="0"/>
+              <a:t>(</a:t>
+            </a:r>
+            <a:r>
+              <a:rPr lang="ja-JP" altLang="en-US" dirty="0"/>
+              <a:t>アップグレード編</a:t>
+            </a:r>
+            <a:r>
+              <a:rPr lang="en-US" altLang="ja-JP" dirty="0"/>
+              <a:t>)</a:t>
             </a:r>
             <a:endParaRPr kumimoji="1" lang="ja-JP" altLang="en-US" dirty="0"/>
           </a:p>
@@ -7750,8 +8031,20 @@
           <a:lstStyle/>
           <a:p>
             <a:r>
-              <a:rPr lang="ja-JP" altLang="en-US" dirty="0" smtClean="0"/>
-              <a:t>プレイヤー</a:t>
+              <a:rPr kumimoji="1" lang="en-US" altLang="ja-JP" dirty="0" smtClean="0"/>
+              <a:t>『</a:t>
+            </a:r>
+            <a:r>
+              <a:rPr kumimoji="1" lang="ja-JP" altLang="en-US" dirty="0" smtClean="0"/>
+              <a:t>極アップグレード</a:t>
+            </a:r>
+            <a:r>
+              <a:rPr kumimoji="1" lang="en-US" altLang="ja-JP" dirty="0" smtClean="0"/>
+              <a:t>』</a:t>
+            </a:r>
+            <a:r>
+              <a:rPr kumimoji="1" lang="ja-JP" altLang="en-US" dirty="0" smtClean="0"/>
+              <a:t>を獲得すると見た目が変化！</a:t>
             </a:r>
             <a:endParaRPr kumimoji="1" lang="ja-JP" altLang="en-US" dirty="0"/>
           </a:p>
@@ -7760,13 +8053,20 @@
     </p:spTree>
     <p:extLst>
       <p:ext uri="{BB962C8B-B14F-4D97-AF65-F5344CB8AC3E}">
-        <p14:creationId xmlns:p14="http://schemas.microsoft.com/office/powerpoint/2010/main" val="3585750419"/>
+        <p14:creationId xmlns:p14="http://schemas.microsoft.com/office/powerpoint/2010/main" val="2728950007"/>
       </p:ext>
     </p:extLst>
   </p:cSld>
   <p:clrMapOvr>
     <a:masterClrMapping/>
   </p:clrMapOvr>
+  <p:timing>
+    <p:tnLst>
+      <p:par>
+        <p:cTn id="1" dur="indefinite" restart="never" nodeType="tmRoot"/>
+      </p:par>
+    </p:tnLst>
+  </p:timing>
 </p:sld>
 </file>
 
@@ -7797,52 +8097,153 @@
             <p:ph type="title"/>
           </p:nvPr>
         </p:nvSpPr>
-        <p:spPr/>
-        <p:txBody>
-          <a:bodyPr/>
-          <a:lstStyle/>
-          <a:p>
-            <a:r>
-              <a:rPr lang="ja-JP" altLang="en-US" dirty="0"/>
-              <a:t>今まで出来上がった物</a:t>
-            </a:r>
-            <a:endParaRPr kumimoji="1" lang="ja-JP" altLang="en-US" dirty="0"/>
-          </a:p>
-        </p:txBody>
-      </p:sp>
-      <p:sp>
-        <p:nvSpPr>
-          <p:cNvPr id="3" name="コンテンツ プレースホルダー 2"/>
-          <p:cNvSpPr>
-            <a:spLocks noGrp="1"/>
-          </p:cNvSpPr>
-          <p:nvPr>
-            <p:ph sz="quarter" idx="1"/>
-          </p:nvPr>
-        </p:nvSpPr>
-        <p:spPr/>
-        <p:txBody>
-          <a:bodyPr/>
-          <a:lstStyle/>
-          <a:p>
-            <a:r>
-              <a:rPr kumimoji="1" lang="ja-JP" altLang="en-US" dirty="0" smtClean="0"/>
-              <a:t>ステージ</a:t>
-            </a:r>
-            <a:endParaRPr kumimoji="1" lang="ja-JP" altLang="en-US" dirty="0"/>
+        <p:spPr>
+          <a:xfrm>
+            <a:off x="539552" y="1493342"/>
+            <a:ext cx="8147248" cy="2156817"/>
+          </a:xfrm>
+        </p:spPr>
+        <p:txBody>
+          <a:bodyPr>
+            <a:noAutofit/>
+          </a:bodyPr>
+          <a:lstStyle/>
+          <a:p>
+            <a:r>
+              <a:rPr lang="en-US" altLang="ja-JP" sz="4400" dirty="0" smtClean="0">
+                <a:solidFill>
+                  <a:schemeClr val="tx1"/>
+                </a:solidFill>
+              </a:rPr>
+              <a:t>MOVA</a:t>
+            </a:r>
+            <a:r>
+              <a:rPr lang="ja-JP" altLang="en-US" sz="4400" dirty="0" smtClean="0">
+                <a:solidFill>
+                  <a:schemeClr val="tx1"/>
+                </a:solidFill>
+              </a:rPr>
+              <a:t>系の敷居</a:t>
+            </a:r>
+            <a:r>
+              <a:rPr lang="ja-JP" altLang="en-US" sz="4400" dirty="0">
+                <a:solidFill>
+                  <a:schemeClr val="tx1"/>
+                </a:solidFill>
+              </a:rPr>
+              <a:t>の</a:t>
+            </a:r>
+            <a:r>
+              <a:rPr lang="ja-JP" altLang="en-US" sz="4400" dirty="0" smtClean="0">
+                <a:solidFill>
+                  <a:schemeClr val="tx1"/>
+                </a:solidFill>
+              </a:rPr>
+              <a:t>高さを</a:t>
+            </a:r>
+            <a:r>
+              <a:rPr lang="en-US" altLang="ja-JP" sz="4400" dirty="0" smtClean="0">
+                <a:solidFill>
+                  <a:schemeClr val="tx1"/>
+                </a:solidFill>
+              </a:rPr>
+              <a:t/>
+            </a:r>
+            <a:br>
+              <a:rPr lang="en-US" altLang="ja-JP" sz="4400" dirty="0" smtClean="0">
+                <a:solidFill>
+                  <a:schemeClr val="tx1"/>
+                </a:solidFill>
+              </a:rPr>
+            </a:br>
+            <a:r>
+              <a:rPr lang="ja-JP" altLang="en-US" sz="5400" dirty="0">
+                <a:solidFill>
+                  <a:schemeClr val="tx1"/>
+                </a:solidFill>
+              </a:rPr>
+              <a:t>ルール</a:t>
+            </a:r>
+            <a:r>
+              <a:rPr lang="ja-JP" altLang="en-US" sz="5400" dirty="0" smtClean="0">
+                <a:solidFill>
+                  <a:schemeClr val="tx1"/>
+                </a:solidFill>
+              </a:rPr>
+              <a:t>や操作の簡略化</a:t>
+            </a:r>
+            <a:r>
+              <a:rPr lang="ja-JP" altLang="en-US" sz="4400" dirty="0">
+                <a:solidFill>
+                  <a:schemeClr val="tx1"/>
+                </a:solidFill>
+              </a:rPr>
+              <a:t>に</a:t>
+            </a:r>
+            <a:r>
+              <a:rPr lang="ja-JP" altLang="en-US" sz="4400" dirty="0" smtClean="0">
+                <a:solidFill>
+                  <a:schemeClr val="tx1"/>
+                </a:solidFill>
+              </a:rPr>
+              <a:t>より</a:t>
+            </a:r>
+            <a:r>
+              <a:rPr lang="en-US" altLang="ja-JP" sz="4400" dirty="0" smtClean="0">
+                <a:solidFill>
+                  <a:schemeClr val="tx1"/>
+                </a:solidFill>
+              </a:rPr>
+              <a:t/>
+            </a:r>
+            <a:br>
+              <a:rPr lang="en-US" altLang="ja-JP" sz="4400" dirty="0" smtClean="0">
+                <a:solidFill>
+                  <a:schemeClr val="tx1"/>
+                </a:solidFill>
+              </a:rPr>
+            </a:br>
+            <a:r>
+              <a:rPr lang="ja-JP" altLang="en-US" sz="4400" dirty="0">
+                <a:solidFill>
+                  <a:srgbClr val="FF0000"/>
+                </a:solidFill>
+              </a:rPr>
+              <a:t>窓口</a:t>
+            </a:r>
+            <a:r>
+              <a:rPr lang="ja-JP" altLang="en-US" sz="4400" dirty="0" smtClean="0">
+                <a:solidFill>
+                  <a:srgbClr val="FF0000"/>
+                </a:solidFill>
+              </a:rPr>
+              <a:t>を広げたい！</a:t>
+            </a:r>
+            <a:endParaRPr kumimoji="1" lang="ja-JP" altLang="en-US" sz="4400" dirty="0">
+              <a:solidFill>
+                <a:srgbClr val="FF0000"/>
+              </a:solidFill>
+            </a:endParaRPr>
           </a:p>
         </p:txBody>
       </p:sp>
     </p:spTree>
     <p:extLst>
       <p:ext uri="{BB962C8B-B14F-4D97-AF65-F5344CB8AC3E}">
-        <p14:creationId xmlns:p14="http://schemas.microsoft.com/office/powerpoint/2010/main" val="3205090828"/>
+        <p14:creationId xmlns:p14="http://schemas.microsoft.com/office/powerpoint/2010/main" val="3659646229"/>
       </p:ext>
     </p:extLst>
   </p:cSld>
   <p:clrMapOvr>
     <a:masterClrMapping/>
   </p:clrMapOvr>
+  <p:timing>
+    <p:tnLst>
+      <p:par>
+        <p:cTn id="1" dur="indefinite" restart="never" nodeType="tmRoot"/>
+      </p:par>
+    </p:tnLst>
+  </p:timing>
 </p:sld>
 </file>
 
@@ -7879,31 +8280,12 @@
           <a:lstStyle/>
           <a:p>
             <a:r>
-              <a:rPr lang="ja-JP" altLang="en-US" dirty="0"/>
-              <a:t>今まで出来上がった物</a:t>
-            </a:r>
-            <a:endParaRPr kumimoji="1" lang="ja-JP" altLang="en-US" dirty="0"/>
-          </a:p>
-        </p:txBody>
-      </p:sp>
-      <p:sp>
-        <p:nvSpPr>
-          <p:cNvPr id="3" name="コンテンツ プレースホルダー 2"/>
-          <p:cNvSpPr>
-            <a:spLocks noGrp="1"/>
-          </p:cNvSpPr>
-          <p:nvPr>
-            <p:ph sz="quarter" idx="1"/>
-          </p:nvPr>
-        </p:nvSpPr>
-        <p:spPr/>
-        <p:txBody>
-          <a:bodyPr/>
-          <a:lstStyle/>
-          <a:p>
-            <a:r>
               <a:rPr kumimoji="1" lang="ja-JP" altLang="en-US" dirty="0" smtClean="0"/>
-              <a:t>プロトタイプ</a:t>
+              <a:t>そんな思いを秘めたのが</a:t>
+            </a:r>
+            <a:r>
+              <a:rPr kumimoji="1" lang="en-US" altLang="ja-JP" dirty="0" smtClean="0"/>
+              <a:t>……</a:t>
             </a:r>
             <a:endParaRPr kumimoji="1" lang="ja-JP" altLang="en-US" dirty="0"/>
           </a:p>
@@ -7912,13 +8294,20 @@
     </p:spTree>
     <p:extLst>
       <p:ext uri="{BB962C8B-B14F-4D97-AF65-F5344CB8AC3E}">
-        <p14:creationId xmlns:p14="http://schemas.microsoft.com/office/powerpoint/2010/main" val="1595542022"/>
+        <p14:creationId xmlns:p14="http://schemas.microsoft.com/office/powerpoint/2010/main" val="860430194"/>
       </p:ext>
     </p:extLst>
   </p:cSld>
   <p:clrMapOvr>
     <a:masterClrMapping/>
   </p:clrMapOvr>
+  <p:timing>
+    <p:tnLst>
+      <p:par>
+        <p:cTn id="1" dur="indefinite" restart="never" nodeType="tmRoot"/>
+      </p:par>
+    </p:tnLst>
+  </p:timing>
 </p:sld>
 </file>
 
@@ -7951,20 +8340,14 @@
         </p:nvSpPr>
         <p:spPr/>
         <p:txBody>
-          <a:bodyPr/>
+          <a:bodyPr>
+            <a:normAutofit/>
+          </a:bodyPr>
           <a:lstStyle/>
           <a:p>
             <a:r>
               <a:rPr kumimoji="1" lang="ja-JP" altLang="en-US" dirty="0" smtClean="0"/>
-              <a:t>今後の進行</a:t>
-            </a:r>
-            <a:r>
-              <a:rPr kumimoji="1" lang="en-US" altLang="ja-JP" dirty="0" smtClean="0"/>
-              <a:t>/</a:t>
-            </a:r>
-            <a:r>
-              <a:rPr kumimoji="1" lang="ja-JP" altLang="en-US" dirty="0" smtClean="0"/>
-              <a:t>実装予定</a:t>
+              <a:t>今まで出来上がった物</a:t>
             </a:r>
             <a:endParaRPr kumimoji="1" lang="ja-JP" altLang="en-US" dirty="0"/>
           </a:p>
@@ -7985,20 +8368,31 @@
           <a:bodyPr/>
           <a:lstStyle/>
           <a:p>
-            <a:endParaRPr kumimoji="1" lang="ja-JP" altLang="en-US"/>
+            <a:r>
+              <a:rPr lang="ja-JP" altLang="en-US" dirty="0" smtClean="0"/>
+              <a:t>プレイヤー</a:t>
+            </a:r>
+            <a:endParaRPr kumimoji="1" lang="ja-JP" altLang="en-US" dirty="0"/>
           </a:p>
         </p:txBody>
       </p:sp>
     </p:spTree>
     <p:extLst>
       <p:ext uri="{BB962C8B-B14F-4D97-AF65-F5344CB8AC3E}">
-        <p14:creationId xmlns:p14="http://schemas.microsoft.com/office/powerpoint/2010/main" val="1894901488"/>
+        <p14:creationId xmlns:p14="http://schemas.microsoft.com/office/powerpoint/2010/main" val="3585750419"/>
       </p:ext>
     </p:extLst>
   </p:cSld>
   <p:clrMapOvr>
     <a:masterClrMapping/>
   </p:clrMapOvr>
+  <p:timing>
+    <p:tnLst>
+      <p:par>
+        <p:cTn id="1" dur="indefinite" restart="never" nodeType="tmRoot"/>
+      </p:par>
+    </p:tnLst>
+  </p:timing>
 </p:sld>
 </file>
 
@@ -8054,6 +8448,337 @@
     <p:extLst>
       <p:ext uri="{BB962C8B-B14F-4D97-AF65-F5344CB8AC3E}">
         <p14:creationId xmlns:p14="http://schemas.microsoft.com/office/powerpoint/2010/main" val="3725201162"/>
+      </p:ext>
+    </p:extLst>
+  </p:cSld>
+  <p:clrMapOvr>
+    <a:masterClrMapping/>
+  </p:clrMapOvr>
+  <p:timing>
+    <p:tnLst>
+      <p:par>
+        <p:cTn id="1" dur="indefinite" restart="never" nodeType="tmRoot"/>
+      </p:par>
+    </p:tnLst>
+  </p:timing>
+</p:sld>
+</file>
+
+<file path=ppt/slides/slide20.xml><?xml version="1.0" encoding="utf-8"?>
+<p:sld xmlns:a="http://schemas.openxmlformats.org/drawingml/2006/main" xmlns:r="http://schemas.openxmlformats.org/officeDocument/2006/relationships" xmlns:p="http://schemas.openxmlformats.org/presentationml/2006/main">
+  <p:cSld>
+    <p:spTree>
+      <p:nvGrpSpPr>
+        <p:cNvPr id="1" name=""/>
+        <p:cNvGrpSpPr/>
+        <p:nvPr/>
+      </p:nvGrpSpPr>
+      <p:grpSpPr>
+        <a:xfrm>
+          <a:off x="0" y="0"/>
+          <a:ext cx="0" cy="0"/>
+          <a:chOff x="0" y="0"/>
+          <a:chExt cx="0" cy="0"/>
+        </a:xfrm>
+      </p:grpSpPr>
+      <p:sp>
+        <p:nvSpPr>
+          <p:cNvPr id="2" name="タイトル 1"/>
+          <p:cNvSpPr>
+            <a:spLocks noGrp="1"/>
+          </p:cNvSpPr>
+          <p:nvPr>
+            <p:ph type="title"/>
+          </p:nvPr>
+        </p:nvSpPr>
+        <p:spPr/>
+        <p:txBody>
+          <a:bodyPr/>
+          <a:lstStyle/>
+          <a:p>
+            <a:r>
+              <a:rPr lang="ja-JP" altLang="en-US" dirty="0"/>
+              <a:t>今まで出来上がった物</a:t>
+            </a:r>
+            <a:endParaRPr kumimoji="1" lang="ja-JP" altLang="en-US" dirty="0"/>
+          </a:p>
+        </p:txBody>
+      </p:sp>
+      <p:sp>
+        <p:nvSpPr>
+          <p:cNvPr id="3" name="コンテンツ プレースホルダー 2"/>
+          <p:cNvSpPr>
+            <a:spLocks noGrp="1"/>
+          </p:cNvSpPr>
+          <p:nvPr>
+            <p:ph sz="quarter" idx="1"/>
+          </p:nvPr>
+        </p:nvSpPr>
+        <p:spPr/>
+        <p:txBody>
+          <a:bodyPr/>
+          <a:lstStyle/>
+          <a:p>
+            <a:r>
+              <a:rPr kumimoji="1" lang="ja-JP" altLang="en-US" dirty="0" smtClean="0"/>
+              <a:t>ステージ</a:t>
+            </a:r>
+            <a:endParaRPr kumimoji="1" lang="ja-JP" altLang="en-US" dirty="0"/>
+          </a:p>
+        </p:txBody>
+      </p:sp>
+    </p:spTree>
+    <p:extLst>
+      <p:ext uri="{BB962C8B-B14F-4D97-AF65-F5344CB8AC3E}">
+        <p14:creationId xmlns:p14="http://schemas.microsoft.com/office/powerpoint/2010/main" val="3205090828"/>
+      </p:ext>
+    </p:extLst>
+  </p:cSld>
+  <p:clrMapOvr>
+    <a:masterClrMapping/>
+  </p:clrMapOvr>
+  <p:timing>
+    <p:tnLst>
+      <p:par>
+        <p:cTn id="1" dur="indefinite" restart="never" nodeType="tmRoot"/>
+      </p:par>
+    </p:tnLst>
+  </p:timing>
+</p:sld>
+</file>
+
+<file path=ppt/slides/slide21.xml><?xml version="1.0" encoding="utf-8"?>
+<p:sld xmlns:a="http://schemas.openxmlformats.org/drawingml/2006/main" xmlns:r="http://schemas.openxmlformats.org/officeDocument/2006/relationships" xmlns:p="http://schemas.openxmlformats.org/presentationml/2006/main">
+  <p:cSld>
+    <p:spTree>
+      <p:nvGrpSpPr>
+        <p:cNvPr id="1" name=""/>
+        <p:cNvGrpSpPr/>
+        <p:nvPr/>
+      </p:nvGrpSpPr>
+      <p:grpSpPr>
+        <a:xfrm>
+          <a:off x="0" y="0"/>
+          <a:ext cx="0" cy="0"/>
+          <a:chOff x="0" y="0"/>
+          <a:chExt cx="0" cy="0"/>
+        </a:xfrm>
+      </p:grpSpPr>
+      <p:sp>
+        <p:nvSpPr>
+          <p:cNvPr id="2" name="タイトル 1"/>
+          <p:cNvSpPr>
+            <a:spLocks noGrp="1"/>
+          </p:cNvSpPr>
+          <p:nvPr>
+            <p:ph type="title"/>
+          </p:nvPr>
+        </p:nvSpPr>
+        <p:spPr/>
+        <p:txBody>
+          <a:bodyPr/>
+          <a:lstStyle/>
+          <a:p>
+            <a:r>
+              <a:rPr lang="ja-JP" altLang="en-US" dirty="0"/>
+              <a:t>今まで出来上がった物</a:t>
+            </a:r>
+            <a:endParaRPr kumimoji="1" lang="ja-JP" altLang="en-US" dirty="0"/>
+          </a:p>
+        </p:txBody>
+      </p:sp>
+      <p:sp>
+        <p:nvSpPr>
+          <p:cNvPr id="3" name="コンテンツ プレースホルダー 2"/>
+          <p:cNvSpPr>
+            <a:spLocks noGrp="1"/>
+          </p:cNvSpPr>
+          <p:nvPr>
+            <p:ph sz="quarter" idx="1"/>
+          </p:nvPr>
+        </p:nvSpPr>
+        <p:spPr/>
+        <p:txBody>
+          <a:bodyPr/>
+          <a:lstStyle/>
+          <a:p>
+            <a:r>
+              <a:rPr kumimoji="1" lang="ja-JP" altLang="en-US" dirty="0" smtClean="0"/>
+              <a:t>プロトタイプ</a:t>
+            </a:r>
+            <a:endParaRPr kumimoji="1" lang="ja-JP" altLang="en-US" dirty="0"/>
+          </a:p>
+        </p:txBody>
+      </p:sp>
+    </p:spTree>
+    <p:extLst>
+      <p:ext uri="{BB962C8B-B14F-4D97-AF65-F5344CB8AC3E}">
+        <p14:creationId xmlns:p14="http://schemas.microsoft.com/office/powerpoint/2010/main" val="1595542022"/>
+      </p:ext>
+    </p:extLst>
+  </p:cSld>
+  <p:clrMapOvr>
+    <a:masterClrMapping/>
+  </p:clrMapOvr>
+  <p:timing>
+    <p:tnLst>
+      <p:par>
+        <p:cTn id="1" dur="indefinite" restart="never" nodeType="tmRoot"/>
+      </p:par>
+    </p:tnLst>
+  </p:timing>
+</p:sld>
+</file>
+
+<file path=ppt/slides/slide22.xml><?xml version="1.0" encoding="utf-8"?>
+<p:sld xmlns:a="http://schemas.openxmlformats.org/drawingml/2006/main" xmlns:r="http://schemas.openxmlformats.org/officeDocument/2006/relationships" xmlns:p="http://schemas.openxmlformats.org/presentationml/2006/main">
+  <p:cSld>
+    <p:spTree>
+      <p:nvGrpSpPr>
+        <p:cNvPr id="1" name=""/>
+        <p:cNvGrpSpPr/>
+        <p:nvPr/>
+      </p:nvGrpSpPr>
+      <p:grpSpPr>
+        <a:xfrm>
+          <a:off x="0" y="0"/>
+          <a:ext cx="0" cy="0"/>
+          <a:chOff x="0" y="0"/>
+          <a:chExt cx="0" cy="0"/>
+        </a:xfrm>
+      </p:grpSpPr>
+      <p:sp>
+        <p:nvSpPr>
+          <p:cNvPr id="2" name="タイトル 1"/>
+          <p:cNvSpPr>
+            <a:spLocks noGrp="1"/>
+          </p:cNvSpPr>
+          <p:nvPr>
+            <p:ph type="title"/>
+          </p:nvPr>
+        </p:nvSpPr>
+        <p:spPr/>
+        <p:txBody>
+          <a:bodyPr/>
+          <a:lstStyle/>
+          <a:p>
+            <a:r>
+              <a:rPr kumimoji="1" lang="ja-JP" altLang="en-US" dirty="0" smtClean="0"/>
+              <a:t>今後の進行</a:t>
+            </a:r>
+            <a:r>
+              <a:rPr kumimoji="1" lang="en-US" altLang="ja-JP" dirty="0" smtClean="0"/>
+              <a:t>/</a:t>
+            </a:r>
+            <a:r>
+              <a:rPr kumimoji="1" lang="ja-JP" altLang="en-US" dirty="0" smtClean="0"/>
+              <a:t>実装予定</a:t>
+            </a:r>
+            <a:endParaRPr kumimoji="1" lang="ja-JP" altLang="en-US" dirty="0"/>
+          </a:p>
+        </p:txBody>
+      </p:sp>
+      <p:sp>
+        <p:nvSpPr>
+          <p:cNvPr id="3" name="コンテンツ プレースホルダー 2"/>
+          <p:cNvSpPr>
+            <a:spLocks noGrp="1"/>
+          </p:cNvSpPr>
+          <p:nvPr>
+            <p:ph sz="quarter" idx="1"/>
+          </p:nvPr>
+        </p:nvSpPr>
+        <p:spPr>
+          <a:xfrm>
+            <a:off x="914400" y="1230982"/>
+            <a:ext cx="7772400" cy="3429000"/>
+          </a:xfrm>
+        </p:spPr>
+        <p:txBody>
+          <a:bodyPr>
+            <a:normAutofit lnSpcReduction="10000"/>
+          </a:bodyPr>
+          <a:lstStyle/>
+          <a:p>
+            <a:r>
+              <a:rPr lang="ja-JP" altLang="en-US" dirty="0" smtClean="0"/>
+              <a:t>プログラム面</a:t>
+            </a:r>
+            <a:endParaRPr lang="en-US" altLang="ja-JP" dirty="0" smtClean="0"/>
+          </a:p>
+          <a:p>
+            <a:pPr lvl="1"/>
+            <a:r>
+              <a:rPr kumimoji="1" lang="ja-JP" altLang="en-US" dirty="0" smtClean="0"/>
+              <a:t>サーバー等通信周りの作成</a:t>
+            </a:r>
+            <a:endParaRPr kumimoji="1" lang="en-US" altLang="ja-JP" dirty="0" smtClean="0"/>
+          </a:p>
+          <a:p>
+            <a:pPr lvl="1"/>
+            <a:r>
+              <a:rPr lang="ja-JP" altLang="en-US" dirty="0"/>
+              <a:t>ゲーム本編</a:t>
+            </a:r>
+            <a:r>
+              <a:rPr lang="ja-JP" altLang="en-US" dirty="0" smtClean="0"/>
+              <a:t>の</a:t>
+            </a:r>
+            <a:r>
+              <a:rPr lang="en-US" altLang="ja-JP" dirty="0" smtClean="0"/>
+              <a:t>α</a:t>
+            </a:r>
+            <a:r>
+              <a:rPr lang="ja-JP" altLang="en-US" dirty="0" smtClean="0"/>
+              <a:t>版完成</a:t>
+            </a:r>
+            <a:endParaRPr lang="en-US" altLang="ja-JP" dirty="0" smtClean="0"/>
+          </a:p>
+          <a:p>
+            <a:pPr lvl="1"/>
+            <a:endParaRPr kumimoji="1" lang="en-US" altLang="ja-JP" dirty="0"/>
+          </a:p>
+          <a:p>
+            <a:r>
+              <a:rPr lang="ja-JP" altLang="en-US" dirty="0" smtClean="0"/>
+              <a:t>デザイン面</a:t>
+            </a:r>
+            <a:endParaRPr lang="en-US" altLang="ja-JP" dirty="0" smtClean="0"/>
+          </a:p>
+          <a:p>
+            <a:pPr lvl="1"/>
+            <a:r>
+              <a:rPr kumimoji="1" lang="ja-JP" altLang="en-US" dirty="0" smtClean="0"/>
+              <a:t>プレイヤーモデルの完成</a:t>
+            </a:r>
+            <a:endParaRPr kumimoji="1" lang="en-US" altLang="ja-JP" dirty="0" smtClean="0"/>
+          </a:p>
+          <a:p>
+            <a:pPr lvl="1"/>
+            <a:r>
+              <a:rPr lang="ja-JP" altLang="en-US" dirty="0" smtClean="0"/>
+              <a:t>ステージの完成</a:t>
+            </a:r>
+            <a:endParaRPr lang="en-US" altLang="ja-JP" dirty="0" smtClean="0"/>
+          </a:p>
+          <a:p>
+            <a:pPr lvl="1"/>
+            <a:r>
+              <a:rPr kumimoji="1" lang="ja-JP" altLang="en-US" dirty="0"/>
+              <a:t>敵キャラクター</a:t>
+            </a:r>
+            <a:r>
+              <a:rPr kumimoji="1" lang="ja-JP" altLang="en-US" dirty="0" smtClean="0"/>
+              <a:t>の着手</a:t>
+            </a:r>
+            <a:endParaRPr kumimoji="1" lang="ja-JP" altLang="en-US" dirty="0"/>
+          </a:p>
+        </p:txBody>
+      </p:sp>
+    </p:spTree>
+    <p:extLst>
+      <p:ext uri="{BB962C8B-B14F-4D97-AF65-F5344CB8AC3E}">
+        <p14:creationId xmlns:p14="http://schemas.microsoft.com/office/powerpoint/2010/main" val="1894901488"/>
       </p:ext>
     </p:extLst>
   </p:cSld>
@@ -8309,11 +9034,6 @@
               </a:rPr>
               <a:t>上田　和佳　　山口　香奈実　　永見　美里</a:t>
             </a:r>
-            <a:endParaRPr lang="ja-JP" altLang="en-US" sz="2800" dirty="0">
-              <a:solidFill>
-                <a:schemeClr val="tx1"/>
-              </a:solidFill>
-            </a:endParaRPr>
           </a:p>
         </p:txBody>
       </p:sp>
@@ -8638,8 +9358,8 @@
         </p:nvSpPr>
         <p:spPr>
           <a:xfrm>
-            <a:off x="685800" y="2143125"/>
-            <a:ext cx="7772400" cy="857250"/>
+            <a:off x="685800" y="1779662"/>
+            <a:ext cx="7772400" cy="1220713"/>
           </a:xfrm>
         </p:spPr>
         <p:txBody>
@@ -8675,6 +9395,170 @@
           </a:p>
         </p:txBody>
       </p:sp>
+      <p:pic>
+        <p:nvPicPr>
+          <p:cNvPr id="1026" name="Picture 2" descr="C:\Users\2130071\Desktop\今までの作ったもの\過去ログ\めかにかるうぃんぐ\素材\ロゴ\MechanicalWing.png"/>
+          <p:cNvPicPr>
+            <a:picLocks noChangeAspect="1" noChangeArrowheads="1"/>
+          </p:cNvPicPr>
+          <p:nvPr/>
+        </p:nvPicPr>
+        <p:blipFill>
+          <a:blip r:embed="rId2">
+            <a:extLst>
+              <a:ext uri="{28A0092B-C50C-407E-A947-70E740481C1C}">
+                <a14:useLocalDpi xmlns:a14="http://schemas.microsoft.com/office/drawing/2010/main" val="0"/>
+              </a:ext>
+            </a:extLst>
+          </a:blip>
+          <a:srcRect/>
+          <a:stretch>
+            <a:fillRect/>
+          </a:stretch>
+        </p:blipFill>
+        <p:spPr bwMode="auto">
+          <a:xfrm>
+            <a:off x="4211960" y="2874962"/>
+            <a:ext cx="2719485" cy="2268538"/>
+          </a:xfrm>
+          <a:prstGeom prst="rect">
+            <a:avLst/>
+          </a:prstGeom>
+          <a:noFill/>
+          <a:extLst>
+            <a:ext uri="{909E8E84-426E-40DD-AFC4-6F175D3DCCD1}">
+              <a14:hiddenFill xmlns:a14="http://schemas.microsoft.com/office/drawing/2010/main">
+                <a:solidFill>
+                  <a:srgbClr val="FFFFFF"/>
+                </a:solidFill>
+              </a14:hiddenFill>
+            </a:ext>
+          </a:extLst>
+        </p:spPr>
+      </p:pic>
+      <p:pic>
+        <p:nvPicPr>
+          <p:cNvPr id="1027" name="Picture 3" descr="C:\Users\2130071\Desktop\今までの作ったもの\過去ログ\ワンダー★トイボックス\素材\title.png"/>
+          <p:cNvPicPr>
+            <a:picLocks noChangeAspect="1" noChangeArrowheads="1"/>
+          </p:cNvPicPr>
+          <p:nvPr/>
+        </p:nvPicPr>
+        <p:blipFill>
+          <a:blip r:embed="rId3" cstate="print">
+            <a:extLst>
+              <a:ext uri="{28A0092B-C50C-407E-A947-70E740481C1C}">
+                <a14:useLocalDpi xmlns:a14="http://schemas.microsoft.com/office/drawing/2010/main" val="0"/>
+              </a:ext>
+            </a:extLst>
+          </a:blip>
+          <a:srcRect/>
+          <a:stretch>
+            <a:fillRect/>
+          </a:stretch>
+        </p:blipFill>
+        <p:spPr bwMode="auto">
+          <a:xfrm>
+            <a:off x="6871755" y="3163789"/>
+            <a:ext cx="1979712" cy="1979711"/>
+          </a:xfrm>
+          <a:prstGeom prst="rect">
+            <a:avLst/>
+          </a:prstGeom>
+          <a:noFill/>
+          <a:extLst>
+            <a:ext uri="{909E8E84-426E-40DD-AFC4-6F175D3DCCD1}">
+              <a14:hiddenFill xmlns:a14="http://schemas.microsoft.com/office/drawing/2010/main">
+                <a:solidFill>
+                  <a:srgbClr val="FFFFFF"/>
+                </a:solidFill>
+              </a14:hiddenFill>
+            </a:ext>
+          </a:extLst>
+        </p:spPr>
+      </p:pic>
+      <p:pic>
+        <p:nvPicPr>
+          <p:cNvPr id="1028" name="Picture 4" descr="C:\Users\2130071\Desktop\今までの作ったもの\過去ログ\１ｓｔ進級制作\1ST進級\名称未設定 2.png"/>
+          <p:cNvPicPr>
+            <a:picLocks noChangeAspect="1" noChangeArrowheads="1"/>
+          </p:cNvPicPr>
+          <p:nvPr/>
+        </p:nvPicPr>
+        <p:blipFill>
+          <a:blip r:embed="rId4">
+            <a:extLst>
+              <a:ext uri="{28A0092B-C50C-407E-A947-70E740481C1C}">
+                <a14:useLocalDpi xmlns:a14="http://schemas.microsoft.com/office/drawing/2010/main" val="0"/>
+              </a:ext>
+            </a:extLst>
+          </a:blip>
+          <a:srcRect/>
+          <a:stretch>
+            <a:fillRect/>
+          </a:stretch>
+        </p:blipFill>
+        <p:spPr bwMode="auto">
+          <a:xfrm>
+            <a:off x="29481" y="2996070"/>
+            <a:ext cx="2215282" cy="2215282"/>
+          </a:xfrm>
+          <a:prstGeom prst="rect">
+            <a:avLst/>
+          </a:prstGeom>
+          <a:noFill/>
+          <a:extLst>
+            <a:ext uri="{909E8E84-426E-40DD-AFC4-6F175D3DCCD1}">
+              <a14:hiddenFill xmlns:a14="http://schemas.microsoft.com/office/drawing/2010/main">
+                <a:solidFill>
+                  <a:srgbClr val="FFFFFF"/>
+                </a:solidFill>
+              </a14:hiddenFill>
+            </a:ext>
+          </a:extLst>
+        </p:spPr>
+      </p:pic>
+      <p:pic>
+        <p:nvPicPr>
+          <p:cNvPr id="6" name="Picture 3" descr="C:\Users\2130071\Desktop\進級制作\企画書\rogo.png"/>
+          <p:cNvPicPr>
+            <a:picLocks noChangeAspect="1" noChangeArrowheads="1"/>
+          </p:cNvPicPr>
+          <p:nvPr/>
+        </p:nvPicPr>
+        <p:blipFill>
+          <a:blip r:embed="rId5" cstate="print">
+            <a:extLst>
+              <a:ext uri="{28A0092B-C50C-407E-A947-70E740481C1C}">
+                <a14:useLocalDpi xmlns:a14="http://schemas.microsoft.com/office/drawing/2010/main" val="0"/>
+              </a:ext>
+            </a:extLst>
+          </a:blip>
+          <a:srcRect/>
+          <a:stretch>
+            <a:fillRect/>
+          </a:stretch>
+        </p:blipFill>
+        <p:spPr bwMode="auto">
+          <a:xfrm>
+            <a:off x="2269706" y="3066605"/>
+            <a:ext cx="1885251" cy="1885251"/>
+          </a:xfrm>
+          <a:prstGeom prst="rect">
+            <a:avLst/>
+          </a:prstGeom>
+          <a:noFill/>
+          <a:extLst>
+            <a:ext uri="{909E8E84-426E-40DD-AFC4-6F175D3DCCD1}">
+              <a14:hiddenFill xmlns:a14="http://schemas.microsoft.com/office/drawing/2010/main">
+                <a:solidFill>
+                  <a:srgbClr val="FFFFFF"/>
+                </a:solidFill>
+              </a14:hiddenFill>
+            </a:ext>
+          </a:extLst>
+        </p:spPr>
+      </p:pic>
     </p:spTree>
     <p:extLst>
       <p:ext uri="{BB962C8B-B14F-4D97-AF65-F5344CB8AC3E}">
@@ -8688,7 +9572,218 @@
   <p:timing>
     <p:tnLst>
       <p:par>
-        <p:cTn id="1" dur="indefinite" restart="never" nodeType="tmRoot"/>
+        <p:cTn id="1" dur="indefinite" restart="never" nodeType="tmRoot">
+          <p:childTnLst>
+            <p:seq concurrent="1" nextAc="seek">
+              <p:cTn id="2" dur="indefinite" nodeType="mainSeq">
+                <p:childTnLst>
+                  <p:par>
+                    <p:cTn id="3" fill="hold">
+                      <p:stCondLst>
+                        <p:cond delay="indefinite"/>
+                        <p:cond evt="onBegin" delay="0">
+                          <p:tn val="2"/>
+                        </p:cond>
+                      </p:stCondLst>
+                      <p:childTnLst>
+                        <p:par>
+                          <p:cTn id="4" fill="hold">
+                            <p:stCondLst>
+                              <p:cond delay="0"/>
+                            </p:stCondLst>
+                            <p:childTnLst>
+                              <p:par>
+                                <p:cTn id="5" presetID="10" presetClass="entr" presetSubtype="0" fill="hold" nodeType="withEffect">
+                                  <p:stCondLst>
+                                    <p:cond delay="0"/>
+                                  </p:stCondLst>
+                                  <p:childTnLst>
+                                    <p:set>
+                                      <p:cBhvr>
+                                        <p:cTn id="6" dur="1" fill="hold">
+                                          <p:stCondLst>
+                                            <p:cond delay="0"/>
+                                          </p:stCondLst>
+                                        </p:cTn>
+                                        <p:tgtEl>
+                                          <p:spTgt spid="1028"/>
+                                        </p:tgtEl>
+                                        <p:attrNameLst>
+                                          <p:attrName>style.visibility</p:attrName>
+                                        </p:attrNameLst>
+                                      </p:cBhvr>
+                                      <p:to>
+                                        <p:strVal val="visible"/>
+                                      </p:to>
+                                    </p:set>
+                                    <p:animEffect transition="in" filter="fade">
+                                      <p:cBhvr>
+                                        <p:cTn id="7" dur="500"/>
+                                        <p:tgtEl>
+                                          <p:spTgt spid="1028"/>
+                                        </p:tgtEl>
+                                      </p:cBhvr>
+                                    </p:animEffect>
+                                  </p:childTnLst>
+                                </p:cTn>
+                              </p:par>
+                            </p:childTnLst>
+                          </p:cTn>
+                        </p:par>
+                        <p:par>
+                          <p:cTn id="8" fill="hold">
+                            <p:stCondLst>
+                              <p:cond delay="500"/>
+                            </p:stCondLst>
+                            <p:childTnLst>
+                              <p:par>
+                                <p:cTn id="9" presetID="10" presetClass="entr" presetSubtype="0" fill="hold" nodeType="afterEffect">
+                                  <p:stCondLst>
+                                    <p:cond delay="0"/>
+                                  </p:stCondLst>
+                                  <p:childTnLst>
+                                    <p:set>
+                                      <p:cBhvr>
+                                        <p:cTn id="10" dur="1" fill="hold">
+                                          <p:stCondLst>
+                                            <p:cond delay="0"/>
+                                          </p:stCondLst>
+                                        </p:cTn>
+                                        <p:tgtEl>
+                                          <p:spTgt spid="6"/>
+                                        </p:tgtEl>
+                                        <p:attrNameLst>
+                                          <p:attrName>style.visibility</p:attrName>
+                                        </p:attrNameLst>
+                                      </p:cBhvr>
+                                      <p:to>
+                                        <p:strVal val="visible"/>
+                                      </p:to>
+                                    </p:set>
+                                    <p:animEffect transition="in" filter="fade">
+                                      <p:cBhvr>
+                                        <p:cTn id="11" dur="500"/>
+                                        <p:tgtEl>
+                                          <p:spTgt spid="6"/>
+                                        </p:tgtEl>
+                                      </p:cBhvr>
+                                    </p:animEffect>
+                                  </p:childTnLst>
+                                </p:cTn>
+                              </p:par>
+                            </p:childTnLst>
+                          </p:cTn>
+                        </p:par>
+                        <p:par>
+                          <p:cTn id="12" fill="hold">
+                            <p:stCondLst>
+                              <p:cond delay="1000"/>
+                            </p:stCondLst>
+                            <p:childTnLst>
+                              <p:par>
+                                <p:cTn id="13" presetID="10" presetClass="entr" presetSubtype="0" fill="hold" nodeType="afterEffect">
+                                  <p:stCondLst>
+                                    <p:cond delay="0"/>
+                                  </p:stCondLst>
+                                  <p:childTnLst>
+                                    <p:set>
+                                      <p:cBhvr>
+                                        <p:cTn id="14" dur="1" fill="hold">
+                                          <p:stCondLst>
+                                            <p:cond delay="0"/>
+                                          </p:stCondLst>
+                                        </p:cTn>
+                                        <p:tgtEl>
+                                          <p:spTgt spid="1026"/>
+                                        </p:tgtEl>
+                                        <p:attrNameLst>
+                                          <p:attrName>style.visibility</p:attrName>
+                                        </p:attrNameLst>
+                                      </p:cBhvr>
+                                      <p:to>
+                                        <p:strVal val="visible"/>
+                                      </p:to>
+                                    </p:set>
+                                    <p:animEffect transition="in" filter="fade">
+                                      <p:cBhvr>
+                                        <p:cTn id="15" dur="500"/>
+                                        <p:tgtEl>
+                                          <p:spTgt spid="1026"/>
+                                        </p:tgtEl>
+                                      </p:cBhvr>
+                                    </p:animEffect>
+                                  </p:childTnLst>
+                                </p:cTn>
+                              </p:par>
+                            </p:childTnLst>
+                          </p:cTn>
+                        </p:par>
+                        <p:par>
+                          <p:cTn id="16" fill="hold">
+                            <p:stCondLst>
+                              <p:cond delay="1500"/>
+                            </p:stCondLst>
+                            <p:childTnLst>
+                              <p:par>
+                                <p:cTn id="17" presetID="10" presetClass="entr" presetSubtype="0" fill="hold" nodeType="afterEffect">
+                                  <p:stCondLst>
+                                    <p:cond delay="0"/>
+                                  </p:stCondLst>
+                                  <p:childTnLst>
+                                    <p:set>
+                                      <p:cBhvr>
+                                        <p:cTn id="18" dur="1" fill="hold">
+                                          <p:stCondLst>
+                                            <p:cond delay="0"/>
+                                          </p:stCondLst>
+                                        </p:cTn>
+                                        <p:tgtEl>
+                                          <p:spTgt spid="1027"/>
+                                        </p:tgtEl>
+                                        <p:attrNameLst>
+                                          <p:attrName>style.visibility</p:attrName>
+                                        </p:attrNameLst>
+                                      </p:cBhvr>
+                                      <p:to>
+                                        <p:strVal val="visible"/>
+                                      </p:to>
+                                    </p:set>
+                                    <p:animEffect transition="in" filter="fade">
+                                      <p:cBhvr>
+                                        <p:cTn id="19" dur="500"/>
+                                        <p:tgtEl>
+                                          <p:spTgt spid="1027"/>
+                                        </p:tgtEl>
+                                      </p:cBhvr>
+                                    </p:animEffect>
+                                  </p:childTnLst>
+                                </p:cTn>
+                              </p:par>
+                            </p:childTnLst>
+                          </p:cTn>
+                        </p:par>
+                      </p:childTnLst>
+                    </p:cTn>
+                  </p:par>
+                </p:childTnLst>
+              </p:cTn>
+              <p:prevCondLst>
+                <p:cond evt="onPrev" delay="0">
+                  <p:tgtEl>
+                    <p:sldTgt/>
+                  </p:tgtEl>
+                </p:cond>
+              </p:prevCondLst>
+              <p:nextCondLst>
+                <p:cond evt="onNext" delay="0">
+                  <p:tgtEl>
+                    <p:sldTgt/>
+                  </p:tgtEl>
+                </p:cond>
+              </p:nextCondLst>
+            </p:seq>
+          </p:childTnLst>
+        </p:cTn>
       </p:par>
     </p:tnLst>
   </p:timing>
@@ -8736,7 +9831,15 @@
           <a:p>
             <a:r>
               <a:rPr kumimoji="1" lang="ja-JP" altLang="en-US" dirty="0" smtClean="0"/>
-              <a:t>今回、最後となる制作は</a:t>
+              <a:t>今回</a:t>
+            </a:r>
+            <a:r>
+              <a:rPr kumimoji="1" lang="ja-JP" altLang="en-US" dirty="0" smtClean="0"/>
+              <a:t>、最後</a:t>
+            </a:r>
+            <a:r>
+              <a:rPr kumimoji="1" lang="ja-JP" altLang="en-US" dirty="0" smtClean="0"/>
+              <a:t>となる制作は</a:t>
             </a:r>
             <a:endParaRPr kumimoji="1" lang="ja-JP" altLang="en-US" dirty="0"/>
           </a:p>

--- a/仕様/プレゼンテーション/第一回発表.pptx
+++ b/仕様/プレゼンテーション/第一回発表.pptx
@@ -2854,7 +2854,7 @@
           <a:p>
             <a:fld id="{94FD8BCF-D63F-423A-BBFA-53EA679724C4}" type="datetimeFigureOut">
               <a:rPr kumimoji="1" lang="ja-JP" altLang="en-US" smtClean="0"/>
-              <a:t>2016/10/12</a:t>
+              <a:t>2016/10/13</a:t>
             </a:fld>
             <a:endParaRPr kumimoji="1" lang="ja-JP" altLang="en-US"/>
           </a:p>
@@ -3516,7 +3516,7 @@
           <a:p>
             <a:fld id="{E90ED720-0104-4369-84BC-D37694168613}" type="datetimeFigureOut">
               <a:rPr kumimoji="1" lang="ja-JP" altLang="en-US" smtClean="0"/>
-              <a:t>2016/10/12</a:t>
+              <a:t>2016/10/13</a:t>
             </a:fld>
             <a:endParaRPr kumimoji="1" lang="ja-JP" altLang="en-US"/>
           </a:p>
@@ -3901,7 +3901,7 @@
           <a:p>
             <a:fld id="{E90ED720-0104-4369-84BC-D37694168613}" type="datetimeFigureOut">
               <a:rPr kumimoji="1" lang="ja-JP" altLang="en-US" smtClean="0"/>
-              <a:t>2016/10/12</a:t>
+              <a:t>2016/10/13</a:t>
             </a:fld>
             <a:endParaRPr kumimoji="1" lang="ja-JP" altLang="en-US"/>
           </a:p>
@@ -4108,7 +4108,7 @@
           <a:p>
             <a:fld id="{E90ED720-0104-4369-84BC-D37694168613}" type="datetimeFigureOut">
               <a:rPr kumimoji="1" lang="ja-JP" altLang="en-US" smtClean="0"/>
-              <a:t>2016/10/12</a:t>
+              <a:t>2016/10/13</a:t>
             </a:fld>
             <a:endParaRPr kumimoji="1" lang="ja-JP" altLang="en-US"/>
           </a:p>
@@ -4221,7 +4221,7 @@
           <a:p>
             <a:fld id="{E90ED720-0104-4369-84BC-D37694168613}" type="datetimeFigureOut">
               <a:rPr kumimoji="1" lang="ja-JP" altLang="en-US" smtClean="0"/>
-              <a:t>2016/10/12</a:t>
+              <a:t>2016/10/13</a:t>
             </a:fld>
             <a:endParaRPr kumimoji="1" lang="ja-JP" altLang="en-US"/>
           </a:p>
@@ -4611,7 +4611,7 @@
           <a:p>
             <a:fld id="{E90ED720-0104-4369-84BC-D37694168613}" type="datetimeFigureOut">
               <a:rPr kumimoji="1" lang="ja-JP" altLang="en-US" smtClean="0"/>
-              <a:t>2016/10/12</a:t>
+              <a:t>2016/10/13</a:t>
             </a:fld>
             <a:endParaRPr kumimoji="1" lang="ja-JP" altLang="en-US"/>
           </a:p>
@@ -4876,7 +4876,7 @@
           <a:p>
             <a:fld id="{E90ED720-0104-4369-84BC-D37694168613}" type="datetimeFigureOut">
               <a:rPr kumimoji="1" lang="ja-JP" altLang="en-US" smtClean="0"/>
-              <a:t>2016/10/12</a:t>
+              <a:t>2016/10/13</a:t>
             </a:fld>
             <a:endParaRPr kumimoji="1" lang="ja-JP" altLang="en-US"/>
           </a:p>
@@ -5302,7 +5302,7 @@
           <a:p>
             <a:fld id="{E90ED720-0104-4369-84BC-D37694168613}" type="datetimeFigureOut">
               <a:rPr kumimoji="1" lang="ja-JP" altLang="en-US" smtClean="0"/>
-              <a:t>2016/10/12</a:t>
+              <a:t>2016/10/13</a:t>
             </a:fld>
             <a:endParaRPr kumimoji="1" lang="ja-JP" altLang="en-US"/>
           </a:p>
@@ -5593,7 +5593,7 @@
           <a:p>
             <a:fld id="{E90ED720-0104-4369-84BC-D37694168613}" type="datetimeFigureOut">
               <a:rPr kumimoji="1" lang="ja-JP" altLang="en-US" smtClean="0"/>
-              <a:t>2016/10/12</a:t>
+              <a:t>2016/10/13</a:t>
             </a:fld>
             <a:endParaRPr kumimoji="1" lang="ja-JP" altLang="en-US"/>
           </a:p>
@@ -5683,7 +5683,7 @@
           <a:p>
             <a:fld id="{E90ED720-0104-4369-84BC-D37694168613}" type="datetimeFigureOut">
               <a:rPr kumimoji="1" lang="ja-JP" altLang="en-US" smtClean="0"/>
-              <a:t>2016/10/12</a:t>
+              <a:t>2016/10/13</a:t>
             </a:fld>
             <a:endParaRPr kumimoji="1" lang="ja-JP" altLang="en-US"/>
           </a:p>
@@ -5950,7 +5950,7 @@
           <a:p>
             <a:fld id="{E90ED720-0104-4369-84BC-D37694168613}" type="datetimeFigureOut">
               <a:rPr kumimoji="1" lang="ja-JP" altLang="en-US" smtClean="0"/>
-              <a:t>2016/10/12</a:t>
+              <a:t>2016/10/13</a:t>
             </a:fld>
             <a:endParaRPr kumimoji="1" lang="ja-JP" altLang="en-US"/>
           </a:p>
@@ -6210,7 +6210,7 @@
           <a:p>
             <a:fld id="{E90ED720-0104-4369-84BC-D37694168613}" type="datetimeFigureOut">
               <a:rPr kumimoji="1" lang="ja-JP" altLang="en-US" smtClean="0"/>
-              <a:t>2016/10/12</a:t>
+              <a:t>2016/10/13</a:t>
             </a:fld>
             <a:endParaRPr kumimoji="1" lang="ja-JP" altLang="en-US"/>
           </a:p>
@@ -6741,7 +6741,7 @@
           <a:p>
             <a:fld id="{E90ED720-0104-4369-84BC-D37694168613}" type="datetimeFigureOut">
               <a:rPr kumimoji="1" lang="ja-JP" altLang="en-US" smtClean="0"/>
-              <a:t>2016/10/12</a:t>
+              <a:t>2016/10/13</a:t>
             </a:fld>
             <a:endParaRPr kumimoji="1" lang="ja-JP" altLang="en-US"/>
           </a:p>
@@ -7273,7 +7273,15 @@
           <a:p>
             <a:r>
               <a:rPr kumimoji="1" lang="en-US" altLang="ja-JP" dirty="0" smtClean="0"/>
-              <a:t>『』</a:t>
+              <a:t>『</a:t>
+            </a:r>
+            <a:r>
+              <a:rPr kumimoji="1" lang="ja-JP" altLang="en-US" dirty="0" smtClean="0"/>
+              <a:t>ハンティングブレイブス</a:t>
+            </a:r>
+            <a:r>
+              <a:rPr kumimoji="1" lang="en-US" altLang="ja-JP" dirty="0" smtClean="0"/>
+              <a:t>』</a:t>
             </a:r>
             <a:r>
               <a:rPr kumimoji="1" lang="ja-JP" altLang="en-US" dirty="0" smtClean="0"/>
@@ -7295,11 +7303,7 @@
             </a:r>
             <a:r>
               <a:rPr kumimoji="1" lang="ja-JP" altLang="en-US" dirty="0" smtClean="0"/>
-              <a:t>何の能力も</a:t>
-            </a:r>
-            <a:r>
-              <a:rPr kumimoji="1" lang="ja-JP" altLang="en-US" dirty="0" smtClean="0"/>
-              <a:t>持たない</a:t>
+              <a:t>何の能力も持たない</a:t>
             </a:r>
             <a:r>
               <a:rPr lang="ja-JP" altLang="en-US" dirty="0" err="1"/>
@@ -8291,6 +8295,45 @@
           </a:p>
         </p:txBody>
       </p:sp>
+      <p:pic>
+        <p:nvPicPr>
+          <p:cNvPr id="3" name="Picture 2" descr="C:\Users\2130071\Desktop\名称未設定 1.png"/>
+          <p:cNvPicPr>
+            <a:picLocks noChangeAspect="1" noChangeArrowheads="1"/>
+          </p:cNvPicPr>
+          <p:nvPr/>
+        </p:nvPicPr>
+        <p:blipFill rotWithShape="1">
+          <a:blip r:embed="rId2" cstate="print">
+            <a:extLst>
+              <a:ext uri="{28A0092B-C50C-407E-A947-70E740481C1C}">
+                <a14:useLocalDpi xmlns:a14="http://schemas.microsoft.com/office/drawing/2010/main" val="0"/>
+              </a:ext>
+            </a:extLst>
+          </a:blip>
+          <a:srcRect b="43171"/>
+          <a:stretch/>
+        </p:blipFill>
+        <p:spPr bwMode="auto">
+          <a:xfrm>
+            <a:off x="1187624" y="1127207"/>
+            <a:ext cx="6768752" cy="3846616"/>
+          </a:xfrm>
+          <a:prstGeom prst="rect">
+            <a:avLst/>
+          </a:prstGeom>
+          <a:noFill/>
+          <a:extLst>
+            <a:ext uri="{909E8E84-426E-40DD-AFC4-6F175D3DCCD1}">
+              <a14:hiddenFill xmlns:a14="http://schemas.microsoft.com/office/drawing/2010/main">
+                <a:solidFill>
+                  <a:srgbClr val="FFFFFF"/>
+                </a:solidFill>
+              </a14:hiddenFill>
+            </a:ext>
+          </a:extLst>
+        </p:spPr>
+      </p:pic>
     </p:spTree>
     <p:extLst>
       <p:ext uri="{BB962C8B-B14F-4D97-AF65-F5344CB8AC3E}">
@@ -8304,7 +8347,75 @@
   <p:timing>
     <p:tnLst>
       <p:par>
-        <p:cTn id="1" dur="indefinite" restart="never" nodeType="tmRoot"/>
+        <p:cTn id="1" dur="indefinite" restart="never" nodeType="tmRoot">
+          <p:childTnLst>
+            <p:seq concurrent="1" nextAc="seek">
+              <p:cTn id="2" dur="indefinite" nodeType="mainSeq">
+                <p:childTnLst>
+                  <p:par>
+                    <p:cTn id="3" fill="hold">
+                      <p:stCondLst>
+                        <p:cond delay="indefinite"/>
+                      </p:stCondLst>
+                      <p:childTnLst>
+                        <p:par>
+                          <p:cTn id="4" fill="hold">
+                            <p:stCondLst>
+                              <p:cond delay="0"/>
+                            </p:stCondLst>
+                            <p:childTnLst>
+                              <p:par>
+                                <p:cTn id="5" presetID="1" presetClass="entr" presetSubtype="0" fill="hold" nodeType="clickEffect">
+                                  <p:stCondLst>
+                                    <p:cond delay="0"/>
+                                  </p:stCondLst>
+                                  <p:childTnLst>
+                                    <p:set>
+                                      <p:cBhvr>
+                                        <p:cTn id="6" dur="1" fill="hold">
+                                          <p:stCondLst>
+                                            <p:cond delay="0"/>
+                                          </p:stCondLst>
+                                        </p:cTn>
+                                        <p:tgtEl>
+                                          <p:spTgt spid="3"/>
+                                        </p:tgtEl>
+                                        <p:attrNameLst>
+                                          <p:attrName>style.visibility</p:attrName>
+                                        </p:attrNameLst>
+                                      </p:cBhvr>
+                                      <p:to>
+                                        <p:strVal val="visible"/>
+                                      </p:to>
+                                    </p:set>
+                                  </p:childTnLst>
+                                </p:cTn>
+                              </p:par>
+                            </p:childTnLst>
+                          </p:cTn>
+                        </p:par>
+                      </p:childTnLst>
+                    </p:cTn>
+                  </p:par>
+                </p:childTnLst>
+              </p:cTn>
+              <p:prevCondLst>
+                <p:cond evt="onPrev" delay="0">
+                  <p:tgtEl>
+                    <p:sldTgt/>
+                  </p:tgtEl>
+                </p:cond>
+              </p:prevCondLst>
+              <p:nextCondLst>
+                <p:cond evt="onNext" delay="0">
+                  <p:tgtEl>
+                    <p:sldTgt/>
+                  </p:tgtEl>
+                </p:cond>
+              </p:nextCondLst>
+            </p:seq>
+          </p:childTnLst>
+        </p:cTn>
       </p:par>
     </p:tnLst>
   </p:timing>
@@ -9831,15 +9942,7 @@
           <a:p>
             <a:r>
               <a:rPr kumimoji="1" lang="ja-JP" altLang="en-US" dirty="0" smtClean="0"/>
-              <a:t>今回</a:t>
-            </a:r>
-            <a:r>
-              <a:rPr kumimoji="1" lang="ja-JP" altLang="en-US" dirty="0" smtClean="0"/>
-              <a:t>、最後</a:t>
-            </a:r>
-            <a:r>
-              <a:rPr kumimoji="1" lang="ja-JP" altLang="en-US" dirty="0" smtClean="0"/>
-              <a:t>となる制作は</a:t>
+              <a:t>今回、最後となる制作は</a:t>
             </a:r>
             <a:endParaRPr kumimoji="1" lang="ja-JP" altLang="en-US" dirty="0"/>
           </a:p>
@@ -10121,32 +10224,45 @@
           </a:p>
         </p:txBody>
       </p:sp>
-      <p:sp>
-        <p:nvSpPr>
-          <p:cNvPr id="3" name="コンテンツ プレースホルダー 2"/>
-          <p:cNvSpPr>
-            <a:spLocks noGrp="1"/>
-          </p:cNvSpPr>
-          <p:nvPr>
-            <p:ph sz="quarter" idx="1"/>
-          </p:nvPr>
-        </p:nvSpPr>
-        <p:spPr/>
-        <p:txBody>
-          <a:bodyPr/>
-          <a:lstStyle/>
-          <a:p>
-            <a:pPr marL="0" indent="0">
-              <a:buNone/>
-            </a:pPr>
-            <a:r>
-              <a:rPr kumimoji="1" lang="ja-JP" altLang="en-US" dirty="0" smtClean="0"/>
-              <a:t>タイトル画像</a:t>
-            </a:r>
-            <a:endParaRPr kumimoji="1" lang="ja-JP" altLang="en-US" dirty="0"/>
-          </a:p>
-        </p:txBody>
-      </p:sp>
+      <p:pic>
+        <p:nvPicPr>
+          <p:cNvPr id="1026" name="Picture 2" descr="C:\Users\2130071\Desktop\名称未設定 1.png"/>
+          <p:cNvPicPr>
+            <a:picLocks noChangeAspect="1" noChangeArrowheads="1"/>
+          </p:cNvPicPr>
+          <p:nvPr/>
+        </p:nvPicPr>
+        <p:blipFill rotWithShape="1">
+          <a:blip r:embed="rId2" cstate="print">
+            <a:extLst>
+              <a:ext uri="{28A0092B-C50C-407E-A947-70E740481C1C}">
+                <a14:useLocalDpi xmlns:a14="http://schemas.microsoft.com/office/drawing/2010/main" val="0"/>
+              </a:ext>
+            </a:extLst>
+          </a:blip>
+          <a:srcRect b="43171"/>
+          <a:stretch/>
+        </p:blipFill>
+        <p:spPr bwMode="auto">
+          <a:xfrm>
+            <a:off x="1187624" y="1127207"/>
+            <a:ext cx="6768752" cy="3846616"/>
+          </a:xfrm>
+          <a:prstGeom prst="rect">
+            <a:avLst/>
+          </a:prstGeom>
+          <a:noFill/>
+          <a:extLst>
+            <a:ext uri="{909E8E84-426E-40DD-AFC4-6F175D3DCCD1}">
+              <a14:hiddenFill xmlns:a14="http://schemas.microsoft.com/office/drawing/2010/main">
+                <a:solidFill>
+                  <a:srgbClr val="FFFFFF"/>
+                </a:solidFill>
+              </a14:hiddenFill>
+            </a:ext>
+          </a:extLst>
+        </p:spPr>
+      </p:pic>
     </p:spTree>
     <p:extLst>
       <p:ext uri="{BB962C8B-B14F-4D97-AF65-F5344CB8AC3E}">
@@ -10160,7 +10276,75 @@
   <p:timing>
     <p:tnLst>
       <p:par>
-        <p:cTn id="1" dur="indefinite" restart="never" nodeType="tmRoot"/>
+        <p:cTn id="1" dur="indefinite" restart="never" nodeType="tmRoot">
+          <p:childTnLst>
+            <p:seq concurrent="1" nextAc="seek">
+              <p:cTn id="2" dur="indefinite" nodeType="mainSeq">
+                <p:childTnLst>
+                  <p:par>
+                    <p:cTn id="3" fill="hold">
+                      <p:stCondLst>
+                        <p:cond delay="indefinite"/>
+                      </p:stCondLst>
+                      <p:childTnLst>
+                        <p:par>
+                          <p:cTn id="4" fill="hold">
+                            <p:stCondLst>
+                              <p:cond delay="0"/>
+                            </p:stCondLst>
+                            <p:childTnLst>
+                              <p:par>
+                                <p:cTn id="5" presetID="1" presetClass="entr" presetSubtype="0" fill="hold" nodeType="clickEffect">
+                                  <p:stCondLst>
+                                    <p:cond delay="0"/>
+                                  </p:stCondLst>
+                                  <p:childTnLst>
+                                    <p:set>
+                                      <p:cBhvr>
+                                        <p:cTn id="6" dur="1" fill="hold">
+                                          <p:stCondLst>
+                                            <p:cond delay="0"/>
+                                          </p:stCondLst>
+                                        </p:cTn>
+                                        <p:tgtEl>
+                                          <p:spTgt spid="1026"/>
+                                        </p:tgtEl>
+                                        <p:attrNameLst>
+                                          <p:attrName>style.visibility</p:attrName>
+                                        </p:attrNameLst>
+                                      </p:cBhvr>
+                                      <p:to>
+                                        <p:strVal val="visible"/>
+                                      </p:to>
+                                    </p:set>
+                                  </p:childTnLst>
+                                </p:cTn>
+                              </p:par>
+                            </p:childTnLst>
+                          </p:cTn>
+                        </p:par>
+                      </p:childTnLst>
+                    </p:cTn>
+                  </p:par>
+                </p:childTnLst>
+              </p:cTn>
+              <p:prevCondLst>
+                <p:cond evt="onPrev" delay="0">
+                  <p:tgtEl>
+                    <p:sldTgt/>
+                  </p:tgtEl>
+                </p:cond>
+              </p:prevCondLst>
+              <p:nextCondLst>
+                <p:cond evt="onNext" delay="0">
+                  <p:tgtEl>
+                    <p:sldTgt/>
+                  </p:tgtEl>
+                </p:cond>
+              </p:nextCondLst>
+            </p:seq>
+          </p:childTnLst>
+        </p:cTn>
       </p:par>
     </p:tnLst>
   </p:timing>

--- a/仕様/プレゼンテーション/第一回発表.pptx
+++ b/仕様/プレゼンテーション/第一回発表.pptx
@@ -2854,7 +2854,7 @@
           <a:p>
             <a:fld id="{94FD8BCF-D63F-423A-BBFA-53EA679724C4}" type="datetimeFigureOut">
               <a:rPr kumimoji="1" lang="ja-JP" altLang="en-US" smtClean="0"/>
-              <a:t>2016/10/13</a:t>
+              <a:t>2016/10/16</a:t>
             </a:fld>
             <a:endParaRPr kumimoji="1" lang="ja-JP" altLang="en-US"/>
           </a:p>
@@ -3516,7 +3516,7 @@
           <a:p>
             <a:fld id="{E90ED720-0104-4369-84BC-D37694168613}" type="datetimeFigureOut">
               <a:rPr kumimoji="1" lang="ja-JP" altLang="en-US" smtClean="0"/>
-              <a:t>2016/10/13</a:t>
+              <a:t>2016/10/16</a:t>
             </a:fld>
             <a:endParaRPr kumimoji="1" lang="ja-JP" altLang="en-US"/>
           </a:p>
@@ -3901,7 +3901,7 @@
           <a:p>
             <a:fld id="{E90ED720-0104-4369-84BC-D37694168613}" type="datetimeFigureOut">
               <a:rPr kumimoji="1" lang="ja-JP" altLang="en-US" smtClean="0"/>
-              <a:t>2016/10/13</a:t>
+              <a:t>2016/10/16</a:t>
             </a:fld>
             <a:endParaRPr kumimoji="1" lang="ja-JP" altLang="en-US"/>
           </a:p>
@@ -4108,7 +4108,7 @@
           <a:p>
             <a:fld id="{E90ED720-0104-4369-84BC-D37694168613}" type="datetimeFigureOut">
               <a:rPr kumimoji="1" lang="ja-JP" altLang="en-US" smtClean="0"/>
-              <a:t>2016/10/13</a:t>
+              <a:t>2016/10/16</a:t>
             </a:fld>
             <a:endParaRPr kumimoji="1" lang="ja-JP" altLang="en-US"/>
           </a:p>
@@ -4221,7 +4221,7 @@
           <a:p>
             <a:fld id="{E90ED720-0104-4369-84BC-D37694168613}" type="datetimeFigureOut">
               <a:rPr kumimoji="1" lang="ja-JP" altLang="en-US" smtClean="0"/>
-              <a:t>2016/10/13</a:t>
+              <a:t>2016/10/16</a:t>
             </a:fld>
             <a:endParaRPr kumimoji="1" lang="ja-JP" altLang="en-US"/>
           </a:p>
@@ -4611,7 +4611,7 @@
           <a:p>
             <a:fld id="{E90ED720-0104-4369-84BC-D37694168613}" type="datetimeFigureOut">
               <a:rPr kumimoji="1" lang="ja-JP" altLang="en-US" smtClean="0"/>
-              <a:t>2016/10/13</a:t>
+              <a:t>2016/10/16</a:t>
             </a:fld>
             <a:endParaRPr kumimoji="1" lang="ja-JP" altLang="en-US"/>
           </a:p>
@@ -4876,7 +4876,7 @@
           <a:p>
             <a:fld id="{E90ED720-0104-4369-84BC-D37694168613}" type="datetimeFigureOut">
               <a:rPr kumimoji="1" lang="ja-JP" altLang="en-US" smtClean="0"/>
-              <a:t>2016/10/13</a:t>
+              <a:t>2016/10/16</a:t>
             </a:fld>
             <a:endParaRPr kumimoji="1" lang="ja-JP" altLang="en-US"/>
           </a:p>
@@ -5302,7 +5302,7 @@
           <a:p>
             <a:fld id="{E90ED720-0104-4369-84BC-D37694168613}" type="datetimeFigureOut">
               <a:rPr kumimoji="1" lang="ja-JP" altLang="en-US" smtClean="0"/>
-              <a:t>2016/10/13</a:t>
+              <a:t>2016/10/16</a:t>
             </a:fld>
             <a:endParaRPr kumimoji="1" lang="ja-JP" altLang="en-US"/>
           </a:p>
@@ -5593,7 +5593,7 @@
           <a:p>
             <a:fld id="{E90ED720-0104-4369-84BC-D37694168613}" type="datetimeFigureOut">
               <a:rPr kumimoji="1" lang="ja-JP" altLang="en-US" smtClean="0"/>
-              <a:t>2016/10/13</a:t>
+              <a:t>2016/10/16</a:t>
             </a:fld>
             <a:endParaRPr kumimoji="1" lang="ja-JP" altLang="en-US"/>
           </a:p>
@@ -5683,7 +5683,7 @@
           <a:p>
             <a:fld id="{E90ED720-0104-4369-84BC-D37694168613}" type="datetimeFigureOut">
               <a:rPr kumimoji="1" lang="ja-JP" altLang="en-US" smtClean="0"/>
-              <a:t>2016/10/13</a:t>
+              <a:t>2016/10/16</a:t>
             </a:fld>
             <a:endParaRPr kumimoji="1" lang="ja-JP" altLang="en-US"/>
           </a:p>
@@ -5950,7 +5950,7 @@
           <a:p>
             <a:fld id="{E90ED720-0104-4369-84BC-D37694168613}" type="datetimeFigureOut">
               <a:rPr kumimoji="1" lang="ja-JP" altLang="en-US" smtClean="0"/>
-              <a:t>2016/10/13</a:t>
+              <a:t>2016/10/16</a:t>
             </a:fld>
             <a:endParaRPr kumimoji="1" lang="ja-JP" altLang="en-US"/>
           </a:p>
@@ -6210,7 +6210,7 @@
           <a:p>
             <a:fld id="{E90ED720-0104-4369-84BC-D37694168613}" type="datetimeFigureOut">
               <a:rPr kumimoji="1" lang="ja-JP" altLang="en-US" smtClean="0"/>
-              <a:t>2016/10/13</a:t>
+              <a:t>2016/10/16</a:t>
             </a:fld>
             <a:endParaRPr kumimoji="1" lang="ja-JP" altLang="en-US"/>
           </a:p>
@@ -6741,7 +6741,7 @@
           <a:p>
             <a:fld id="{E90ED720-0104-4369-84BC-D37694168613}" type="datetimeFigureOut">
               <a:rPr kumimoji="1" lang="ja-JP" altLang="en-US" smtClean="0"/>
-              <a:t>2016/10/13</a:t>
+              <a:t>2016/10/16</a:t>
             </a:fld>
             <a:endParaRPr kumimoji="1" lang="ja-JP" altLang="en-US"/>
           </a:p>
@@ -7228,126 +7228,31 @@
           <a:chExt cx="0" cy="0"/>
         </a:xfrm>
       </p:grpSpPr>
-      <p:sp>
-        <p:nvSpPr>
-          <p:cNvPr id="2" name="タイトル 1"/>
-          <p:cNvSpPr>
-            <a:spLocks noGrp="1"/>
-          </p:cNvSpPr>
-          <p:nvPr>
-            <p:ph type="title"/>
-          </p:nvPr>
-        </p:nvSpPr>
-        <p:spPr/>
-        <p:txBody>
-          <a:bodyPr/>
-          <a:lstStyle/>
-          <a:p>
-            <a:r>
-              <a:rPr kumimoji="1" lang="ja-JP" altLang="en-US" dirty="0" smtClean="0"/>
-              <a:t>簡単に説明</a:t>
-            </a:r>
-            <a:endParaRPr kumimoji="1" lang="ja-JP" altLang="en-US" dirty="0"/>
-          </a:p>
-        </p:txBody>
-      </p:sp>
-      <p:sp>
-        <p:nvSpPr>
-          <p:cNvPr id="3" name="コンテンツ プレースホルダー 2"/>
-          <p:cNvSpPr>
-            <a:spLocks noGrp="1"/>
-          </p:cNvSpPr>
-          <p:nvPr>
-            <p:ph sz="quarter" idx="1"/>
-          </p:nvPr>
-        </p:nvSpPr>
-        <p:spPr>
-          <a:xfrm>
-            <a:off x="685800" y="1900808"/>
-            <a:ext cx="7772400" cy="1341884"/>
-          </a:xfrm>
-        </p:spPr>
-        <p:txBody>
-          <a:bodyPr/>
-          <a:lstStyle/>
-          <a:p>
-            <a:r>
-              <a:rPr kumimoji="1" lang="en-US" altLang="ja-JP" dirty="0" smtClean="0"/>
-              <a:t>『</a:t>
-            </a:r>
-            <a:r>
-              <a:rPr kumimoji="1" lang="ja-JP" altLang="en-US" dirty="0" smtClean="0"/>
-              <a:t>ハンティングブレイブス</a:t>
-            </a:r>
-            <a:r>
-              <a:rPr kumimoji="1" lang="en-US" altLang="ja-JP" dirty="0" smtClean="0"/>
-              <a:t>』</a:t>
-            </a:r>
-            <a:r>
-              <a:rPr kumimoji="1" lang="ja-JP" altLang="en-US" dirty="0" smtClean="0"/>
-              <a:t>とは、</a:t>
-            </a:r>
-            <a:endParaRPr lang="en-US" altLang="ja-JP" dirty="0"/>
-          </a:p>
-          <a:p>
-            <a:pPr marL="0" indent="0">
-              <a:buNone/>
-            </a:pPr>
-            <a:r>
-              <a:rPr lang="ja-JP" altLang="en-US" dirty="0"/>
-              <a:t>　</a:t>
-            </a:r>
-            <a:r>
-              <a:rPr lang="ja-JP" altLang="en-US" dirty="0" smtClean="0"/>
-              <a:t>　</a:t>
-            </a:r>
-            <a:r>
-              <a:rPr kumimoji="1" lang="ja-JP" altLang="en-US" dirty="0" smtClean="0"/>
-              <a:t>何の能力も持たない</a:t>
-            </a:r>
-            <a:r>
-              <a:rPr lang="ja-JP" altLang="en-US" dirty="0" err="1"/>
-              <a:t>すっ</a:t>
-            </a:r>
-            <a:r>
-              <a:rPr lang="ja-JP" altLang="en-US" dirty="0"/>
-              <a:t>ぴん君</a:t>
-            </a:r>
-            <a:r>
-              <a:rPr kumimoji="1" lang="ja-JP" altLang="en-US" dirty="0" smtClean="0"/>
-              <a:t>を</a:t>
-            </a:r>
-            <a:r>
-              <a:rPr kumimoji="1" lang="en-US" altLang="ja-JP" dirty="0" smtClean="0"/>
-              <a:t>……</a:t>
-            </a:r>
-            <a:endParaRPr kumimoji="1" lang="ja-JP" altLang="en-US" dirty="0"/>
-          </a:p>
-        </p:txBody>
-      </p:sp>
       <p:pic>
         <p:nvPicPr>
-          <p:cNvPr id="1026" name="Picture 2" descr="C:\Users\2130071\Desktop\VSRPG\仕様\参考画像\プレイヤーラフ\20161005_135039.jpg"/>
+          <p:cNvPr id="4" name="Picture 2" descr="C:\Users\2130071\Desktop\scan-001.png"/>
           <p:cNvPicPr>
             <a:picLocks noChangeAspect="1" noChangeArrowheads="1"/>
           </p:cNvPicPr>
           <p:nvPr/>
         </p:nvPicPr>
-        <p:blipFill rotWithShape="1">
-          <a:blip r:embed="rId2">
+        <p:blipFill>
+          <a:blip r:embed="rId2" cstate="print">
             <a:extLst>
               <a:ext uri="{28A0092B-C50C-407E-A947-70E740481C1C}">
                 <a14:useLocalDpi xmlns:a14="http://schemas.microsoft.com/office/drawing/2010/main" val="0"/>
               </a:ext>
             </a:extLst>
           </a:blip>
-          <a:srcRect l="36214" t="23355" r="19419" b="11342"/>
-          <a:stretch/>
+          <a:srcRect/>
+          <a:stretch>
+            <a:fillRect/>
+          </a:stretch>
         </p:blipFill>
         <p:spPr bwMode="auto">
           <a:xfrm>
-            <a:off x="6804248" y="555526"/>
-            <a:ext cx="1584191" cy="4145163"/>
+            <a:off x="4860032" y="555526"/>
+            <a:ext cx="4074189" cy="4369420"/>
           </a:xfrm>
           <a:prstGeom prst="rect">
             <a:avLst/>
@@ -7364,6 +7269,103 @@
           </a:extLst>
         </p:spPr>
       </p:pic>
+      <p:sp>
+        <p:nvSpPr>
+          <p:cNvPr id="2" name="タイトル 1"/>
+          <p:cNvSpPr>
+            <a:spLocks noGrp="1"/>
+          </p:cNvSpPr>
+          <p:nvPr>
+            <p:ph type="title"/>
+          </p:nvPr>
+        </p:nvSpPr>
+        <p:spPr/>
+        <p:txBody>
+          <a:bodyPr/>
+          <a:lstStyle/>
+          <a:p>
+            <a:r>
+              <a:rPr kumimoji="1" lang="ja-JP" altLang="en-US" dirty="0" smtClean="0"/>
+              <a:t>簡単に説明</a:t>
+            </a:r>
+            <a:endParaRPr kumimoji="1" lang="ja-JP" altLang="en-US" dirty="0"/>
+          </a:p>
+        </p:txBody>
+      </p:sp>
+      <p:sp>
+        <p:nvSpPr>
+          <p:cNvPr id="3" name="コンテンツ プレースホルダー 2"/>
+          <p:cNvSpPr>
+            <a:spLocks noGrp="1"/>
+          </p:cNvSpPr>
+          <p:nvPr>
+            <p:ph sz="quarter" idx="1"/>
+          </p:nvPr>
+        </p:nvSpPr>
+        <p:spPr>
+          <a:xfrm>
+            <a:off x="685800" y="1900808"/>
+            <a:ext cx="7772400" cy="1341884"/>
+          </a:xfrm>
+        </p:spPr>
+        <p:txBody>
+          <a:bodyPr/>
+          <a:lstStyle/>
+          <a:p>
+            <a:r>
+              <a:rPr kumimoji="1" lang="en-US" altLang="ja-JP" dirty="0" smtClean="0"/>
+              <a:t>『</a:t>
+            </a:r>
+            <a:r>
+              <a:rPr kumimoji="1" lang="ja-JP" altLang="en-US" dirty="0" smtClean="0"/>
+              <a:t>ハンティングブレイブス</a:t>
+            </a:r>
+            <a:r>
+              <a:rPr kumimoji="1" lang="en-US" altLang="ja-JP" dirty="0" smtClean="0"/>
+              <a:t>』</a:t>
+            </a:r>
+            <a:r>
+              <a:rPr kumimoji="1" lang="ja-JP" altLang="en-US" dirty="0" smtClean="0"/>
+              <a:t>とは、</a:t>
+            </a:r>
+            <a:endParaRPr lang="en-US" altLang="ja-JP" dirty="0"/>
+          </a:p>
+          <a:p>
+            <a:pPr marL="0" indent="0">
+              <a:buNone/>
+            </a:pPr>
+            <a:r>
+              <a:rPr lang="ja-JP" altLang="en-US" dirty="0"/>
+              <a:t>　</a:t>
+            </a:r>
+            <a:r>
+              <a:rPr lang="ja-JP" altLang="en-US" dirty="0" smtClean="0"/>
+              <a:t>　</a:t>
+            </a:r>
+            <a:r>
+              <a:rPr kumimoji="1" lang="ja-JP" altLang="en-US" dirty="0" smtClean="0"/>
+              <a:t>何の能力も持たない</a:t>
+            </a:r>
+            <a:r>
+              <a:rPr lang="ja-JP" altLang="en-US" dirty="0" err="1"/>
+              <a:t>すっ</a:t>
+            </a:r>
+            <a:r>
+              <a:rPr lang="ja-JP" altLang="en-US" dirty="0"/>
+              <a:t>ぴん君</a:t>
+            </a:r>
+            <a:r>
+              <a:rPr kumimoji="1" lang="ja-JP" altLang="en-US" dirty="0" smtClean="0"/>
+              <a:t>を</a:t>
+            </a:r>
+            <a:r>
+              <a:rPr kumimoji="1" lang="en-US" altLang="ja-JP" dirty="0" smtClean="0"/>
+              <a:t>……</a:t>
+            </a:r>
+            <a:endParaRPr kumimoji="1" lang="ja-JP" altLang="en-US" dirty="0"/>
+          </a:p>
+        </p:txBody>
+      </p:sp>
     </p:spTree>
     <p:extLst>
       <p:ext uri="{BB962C8B-B14F-4D97-AF65-F5344CB8AC3E}">
@@ -8048,7 +8050,25 @@
             </a:r>
             <a:r>
               <a:rPr kumimoji="1" lang="ja-JP" altLang="en-US" dirty="0" smtClean="0"/>
-              <a:t>を獲得すると見た目が変化！</a:t>
+              <a:t>を獲得すると見た目が変化</a:t>
+            </a:r>
+            <a:r>
+              <a:rPr kumimoji="1" lang="ja-JP" altLang="en-US" dirty="0" smtClean="0"/>
+              <a:t>！</a:t>
+            </a:r>
+            <a:endParaRPr kumimoji="1" lang="en-US" altLang="ja-JP" dirty="0" smtClean="0"/>
+          </a:p>
+          <a:p>
+            <a:pPr marL="0" indent="0">
+              <a:buNone/>
+            </a:pPr>
+            <a:r>
+              <a:rPr lang="ja-JP" altLang="en-US"/>
+              <a:t>　</a:t>
+            </a:r>
+            <a:r>
+              <a:rPr lang="ja-JP" altLang="en-US" smtClean="0"/>
+              <a:t>　効果も非常に強力！</a:t>
             </a:r>
             <a:endParaRPr kumimoji="1" lang="ja-JP" altLang="en-US" dirty="0"/>
           </a:p>

--- a/仕様/プレゼンテーション/第一回発表.pptx
+++ b/仕様/プレゼンテーション/第一回発表.pptx
@@ -5,7 +5,7 @@
     <p:sldMasterId id="2147483696" r:id="rId1"/>
   </p:sldMasterIdLst>
   <p:notesMasterIdLst>
-    <p:notesMasterId r:id="rId24"/>
+    <p:notesMasterId r:id="rId25"/>
   </p:notesMasterIdLst>
   <p:sldIdLst>
     <p:sldId id="256" r:id="rId2"/>
@@ -30,6 +30,7 @@
     <p:sldId id="273" r:id="rId21"/>
     <p:sldId id="274" r:id="rId22"/>
     <p:sldId id="275" r:id="rId23"/>
+    <p:sldId id="279" r:id="rId24"/>
   </p:sldIdLst>
   <p:sldSz cx="9144000" cy="5143500" type="screen16x9"/>
   <p:notesSz cx="6858000" cy="9144000"/>
@@ -2854,7 +2855,7 @@
           <a:p>
             <a:fld id="{94FD8BCF-D63F-423A-BBFA-53EA679724C4}" type="datetimeFigureOut">
               <a:rPr kumimoji="1" lang="ja-JP" altLang="en-US" smtClean="0"/>
-              <a:t>2016/10/16</a:t>
+              <a:t>2016/10/18</a:t>
             </a:fld>
             <a:endParaRPr kumimoji="1" lang="ja-JP" altLang="en-US"/>
           </a:p>
@@ -3516,7 +3517,7 @@
           <a:p>
             <a:fld id="{E90ED720-0104-4369-84BC-D37694168613}" type="datetimeFigureOut">
               <a:rPr kumimoji="1" lang="ja-JP" altLang="en-US" smtClean="0"/>
-              <a:t>2016/10/16</a:t>
+              <a:t>2016/10/18</a:t>
             </a:fld>
             <a:endParaRPr kumimoji="1" lang="ja-JP" altLang="en-US"/>
           </a:p>
@@ -3901,7 +3902,7 @@
           <a:p>
             <a:fld id="{E90ED720-0104-4369-84BC-D37694168613}" type="datetimeFigureOut">
               <a:rPr kumimoji="1" lang="ja-JP" altLang="en-US" smtClean="0"/>
-              <a:t>2016/10/16</a:t>
+              <a:t>2016/10/18</a:t>
             </a:fld>
             <a:endParaRPr kumimoji="1" lang="ja-JP" altLang="en-US"/>
           </a:p>
@@ -4108,7 +4109,7 @@
           <a:p>
             <a:fld id="{E90ED720-0104-4369-84BC-D37694168613}" type="datetimeFigureOut">
               <a:rPr kumimoji="1" lang="ja-JP" altLang="en-US" smtClean="0"/>
-              <a:t>2016/10/16</a:t>
+              <a:t>2016/10/18</a:t>
             </a:fld>
             <a:endParaRPr kumimoji="1" lang="ja-JP" altLang="en-US"/>
           </a:p>
@@ -4221,7 +4222,7 @@
           <a:p>
             <a:fld id="{E90ED720-0104-4369-84BC-D37694168613}" type="datetimeFigureOut">
               <a:rPr kumimoji="1" lang="ja-JP" altLang="en-US" smtClean="0"/>
-              <a:t>2016/10/16</a:t>
+              <a:t>2016/10/18</a:t>
             </a:fld>
             <a:endParaRPr kumimoji="1" lang="ja-JP" altLang="en-US"/>
           </a:p>
@@ -4611,7 +4612,7 @@
           <a:p>
             <a:fld id="{E90ED720-0104-4369-84BC-D37694168613}" type="datetimeFigureOut">
               <a:rPr kumimoji="1" lang="ja-JP" altLang="en-US" smtClean="0"/>
-              <a:t>2016/10/16</a:t>
+              <a:t>2016/10/18</a:t>
             </a:fld>
             <a:endParaRPr kumimoji="1" lang="ja-JP" altLang="en-US"/>
           </a:p>
@@ -4876,7 +4877,7 @@
           <a:p>
             <a:fld id="{E90ED720-0104-4369-84BC-D37694168613}" type="datetimeFigureOut">
               <a:rPr kumimoji="1" lang="ja-JP" altLang="en-US" smtClean="0"/>
-              <a:t>2016/10/16</a:t>
+              <a:t>2016/10/18</a:t>
             </a:fld>
             <a:endParaRPr kumimoji="1" lang="ja-JP" altLang="en-US"/>
           </a:p>
@@ -5302,7 +5303,7 @@
           <a:p>
             <a:fld id="{E90ED720-0104-4369-84BC-D37694168613}" type="datetimeFigureOut">
               <a:rPr kumimoji="1" lang="ja-JP" altLang="en-US" smtClean="0"/>
-              <a:t>2016/10/16</a:t>
+              <a:t>2016/10/18</a:t>
             </a:fld>
             <a:endParaRPr kumimoji="1" lang="ja-JP" altLang="en-US"/>
           </a:p>
@@ -5593,7 +5594,7 @@
           <a:p>
             <a:fld id="{E90ED720-0104-4369-84BC-D37694168613}" type="datetimeFigureOut">
               <a:rPr kumimoji="1" lang="ja-JP" altLang="en-US" smtClean="0"/>
-              <a:t>2016/10/16</a:t>
+              <a:t>2016/10/18</a:t>
             </a:fld>
             <a:endParaRPr kumimoji="1" lang="ja-JP" altLang="en-US"/>
           </a:p>
@@ -5683,7 +5684,7 @@
           <a:p>
             <a:fld id="{E90ED720-0104-4369-84BC-D37694168613}" type="datetimeFigureOut">
               <a:rPr kumimoji="1" lang="ja-JP" altLang="en-US" smtClean="0"/>
-              <a:t>2016/10/16</a:t>
+              <a:t>2016/10/18</a:t>
             </a:fld>
             <a:endParaRPr kumimoji="1" lang="ja-JP" altLang="en-US"/>
           </a:p>
@@ -5950,7 +5951,7 @@
           <a:p>
             <a:fld id="{E90ED720-0104-4369-84BC-D37694168613}" type="datetimeFigureOut">
               <a:rPr kumimoji="1" lang="ja-JP" altLang="en-US" smtClean="0"/>
-              <a:t>2016/10/16</a:t>
+              <a:t>2016/10/18</a:t>
             </a:fld>
             <a:endParaRPr kumimoji="1" lang="ja-JP" altLang="en-US"/>
           </a:p>
@@ -6210,7 +6211,7 @@
           <a:p>
             <a:fld id="{E90ED720-0104-4369-84BC-D37694168613}" type="datetimeFigureOut">
               <a:rPr kumimoji="1" lang="ja-JP" altLang="en-US" smtClean="0"/>
-              <a:t>2016/10/16</a:t>
+              <a:t>2016/10/18</a:t>
             </a:fld>
             <a:endParaRPr kumimoji="1" lang="ja-JP" altLang="en-US"/>
           </a:p>
@@ -6741,7 +6742,7 @@
           <a:p>
             <a:fld id="{E90ED720-0104-4369-84BC-D37694168613}" type="datetimeFigureOut">
               <a:rPr kumimoji="1" lang="ja-JP" altLang="en-US" smtClean="0"/>
-              <a:t>2016/10/16</a:t>
+              <a:t>2016/10/18</a:t>
             </a:fld>
             <a:endParaRPr kumimoji="1" lang="ja-JP" altLang="en-US"/>
           </a:p>
@@ -7403,104 +7404,29 @@
           <a:chExt cx="0" cy="0"/>
         </a:xfrm>
       </p:grpSpPr>
-      <p:sp>
-        <p:nvSpPr>
-          <p:cNvPr id="2" name="タイトル 1"/>
-          <p:cNvSpPr>
-            <a:spLocks noGrp="1"/>
-          </p:cNvSpPr>
-          <p:nvPr>
-            <p:ph type="title"/>
-          </p:nvPr>
-        </p:nvSpPr>
-        <p:spPr/>
-        <p:txBody>
-          <a:bodyPr/>
-          <a:lstStyle/>
-          <a:p>
-            <a:r>
-              <a:rPr kumimoji="1" lang="ja-JP" altLang="en-US" dirty="0" smtClean="0"/>
-              <a:t>簡単に説明</a:t>
-            </a:r>
-            <a:endParaRPr kumimoji="1" lang="ja-JP" altLang="en-US" dirty="0"/>
-          </a:p>
-        </p:txBody>
-      </p:sp>
-      <p:sp>
-        <p:nvSpPr>
-          <p:cNvPr id="3" name="コンテンツ プレースホルダー 2"/>
-          <p:cNvSpPr>
-            <a:spLocks noGrp="1"/>
-          </p:cNvSpPr>
-          <p:nvPr>
-            <p:ph sz="quarter" idx="1"/>
-          </p:nvPr>
-        </p:nvSpPr>
-        <p:spPr>
-          <a:xfrm>
-            <a:off x="685800" y="2044824"/>
-            <a:ext cx="7772400" cy="1053852"/>
-          </a:xfrm>
-        </p:spPr>
-        <p:txBody>
-          <a:bodyPr>
-            <a:normAutofit/>
-          </a:bodyPr>
-          <a:lstStyle/>
-          <a:p>
-            <a:r>
-              <a:rPr kumimoji="1" lang="ja-JP" altLang="en-US" dirty="0" smtClean="0"/>
-              <a:t>能力を極め、</a:t>
-            </a:r>
-            <a:endParaRPr kumimoji="1" lang="en-US" altLang="ja-JP" dirty="0" smtClean="0"/>
-          </a:p>
-          <a:p>
-            <a:pPr marL="0" indent="0">
-              <a:buNone/>
-            </a:pPr>
-            <a:r>
-              <a:rPr lang="ja-JP" altLang="en-US" dirty="0"/>
-              <a:t>　</a:t>
-            </a:r>
-            <a:r>
-              <a:rPr lang="ja-JP" altLang="en-US" dirty="0" smtClean="0"/>
-              <a:t>　</a:t>
-            </a:r>
-            <a:r>
-              <a:rPr kumimoji="1" lang="ja-JP" altLang="en-US" dirty="0" smtClean="0"/>
-              <a:t>勇ましい姿に成長させ</a:t>
-            </a:r>
-            <a:r>
-              <a:rPr kumimoji="1" lang="en-US" altLang="ja-JP" dirty="0" smtClean="0"/>
-              <a:t>……</a:t>
-            </a:r>
-            <a:endParaRPr kumimoji="1" lang="ja-JP" altLang="en-US" dirty="0"/>
-          </a:p>
-        </p:txBody>
-      </p:sp>
       <p:pic>
         <p:nvPicPr>
-          <p:cNvPr id="2050" name="Picture 2" descr="C:\Users\2130071\Desktop\VSRPG\仕様\参考画像\プレイヤーラフ\1475676831565.png"/>
+          <p:cNvPr id="5" name="Picture 4" descr="C:\Users\2130071\Desktop\scan-001.jpg"/>
           <p:cNvPicPr>
             <a:picLocks noChangeAspect="1" noChangeArrowheads="1"/>
           </p:cNvPicPr>
           <p:nvPr/>
         </p:nvPicPr>
         <p:blipFill rotWithShape="1">
-          <a:blip r:embed="rId2">
+          <a:blip r:embed="rId2" cstate="print">
             <a:extLst>
               <a:ext uri="{28A0092B-C50C-407E-A947-70E740481C1C}">
                 <a14:useLocalDpi xmlns:a14="http://schemas.microsoft.com/office/drawing/2010/main" val="0"/>
               </a:ext>
             </a:extLst>
           </a:blip>
-          <a:srcRect l="36705" t="9873" r="4832"/>
+          <a:srcRect t="3267" r="48458" b="46492"/>
           <a:stretch/>
         </p:blipFill>
         <p:spPr bwMode="auto">
           <a:xfrm>
-            <a:off x="7131797" y="2067694"/>
-            <a:ext cx="1600823" cy="2857500"/>
+            <a:off x="2123728" y="1335643"/>
+            <a:ext cx="5318637" cy="3665727"/>
           </a:xfrm>
           <a:prstGeom prst="rect">
             <a:avLst/>
@@ -7517,16 +7443,91 @@
           </a:extLst>
         </p:spPr>
       </p:pic>
+      <p:sp>
+        <p:nvSpPr>
+          <p:cNvPr id="2" name="タイトル 1"/>
+          <p:cNvSpPr>
+            <a:spLocks noGrp="1"/>
+          </p:cNvSpPr>
+          <p:nvPr>
+            <p:ph type="title"/>
+          </p:nvPr>
+        </p:nvSpPr>
+        <p:spPr/>
+        <p:txBody>
+          <a:bodyPr/>
+          <a:lstStyle/>
+          <a:p>
+            <a:r>
+              <a:rPr kumimoji="1" lang="ja-JP" altLang="en-US" dirty="0" smtClean="0"/>
+              <a:t>簡単に説明</a:t>
+            </a:r>
+            <a:endParaRPr kumimoji="1" lang="ja-JP" altLang="en-US" dirty="0"/>
+          </a:p>
+        </p:txBody>
+      </p:sp>
+      <p:sp>
+        <p:nvSpPr>
+          <p:cNvPr id="3" name="コンテンツ プレースホルダー 2"/>
+          <p:cNvSpPr>
+            <a:spLocks noGrp="1"/>
+          </p:cNvSpPr>
+          <p:nvPr>
+            <p:ph sz="quarter" idx="1"/>
+          </p:nvPr>
+        </p:nvSpPr>
+        <p:spPr>
+          <a:xfrm>
+            <a:off x="685800" y="2044824"/>
+            <a:ext cx="7772400" cy="1053852"/>
+          </a:xfrm>
+        </p:spPr>
+        <p:txBody>
+          <a:bodyPr>
+            <a:normAutofit/>
+          </a:bodyPr>
+          <a:lstStyle/>
+          <a:p>
+            <a:r>
+              <a:rPr kumimoji="1" lang="ja-JP" altLang="en-US" dirty="0" smtClean="0"/>
+              <a:t>能力を極め、</a:t>
+            </a:r>
+            <a:endParaRPr kumimoji="1" lang="en-US" altLang="ja-JP" dirty="0" smtClean="0"/>
+          </a:p>
+          <a:p>
+            <a:pPr marL="0" indent="0">
+              <a:buNone/>
+            </a:pPr>
+            <a:r>
+              <a:rPr lang="ja-JP" altLang="en-US" dirty="0"/>
+              <a:t>　</a:t>
+            </a:r>
+            <a:r>
+              <a:rPr lang="ja-JP" altLang="en-US" dirty="0" smtClean="0"/>
+              <a:t>　</a:t>
+            </a:r>
+            <a:r>
+              <a:rPr kumimoji="1" lang="ja-JP" altLang="en-US" dirty="0" smtClean="0"/>
+              <a:t>勇ましい姿に成長させ</a:t>
+            </a:r>
+            <a:r>
+              <a:rPr kumimoji="1" lang="en-US" altLang="ja-JP" dirty="0" smtClean="0"/>
+              <a:t>……</a:t>
+            </a:r>
+            <a:endParaRPr kumimoji="1" lang="ja-JP" altLang="en-US" dirty="0"/>
+          </a:p>
+        </p:txBody>
+      </p:sp>
       <p:pic>
         <p:nvPicPr>
-          <p:cNvPr id="2052" name="Picture 4" descr="C:\Users\2130071\Desktop\VSRPG\仕様\参考画像\プレイヤーラフ\1475667039219.png"/>
+          <p:cNvPr id="9" name="Picture 2" descr="C:\Users\2130071\Desktop\scan-001.png"/>
           <p:cNvPicPr>
             <a:picLocks noChangeAspect="1" noChangeArrowheads="1"/>
           </p:cNvPicPr>
           <p:nvPr/>
         </p:nvPicPr>
         <p:blipFill>
-          <a:blip r:embed="rId3">
+          <a:blip r:embed="rId3" cstate="print">
             <a:extLst>
               <a:ext uri="{28A0092B-C50C-407E-A947-70E740481C1C}">
                 <a14:useLocalDpi xmlns:a14="http://schemas.microsoft.com/office/drawing/2010/main" val="0"/>
@@ -7540,8 +7541,8 @@
         </p:blipFill>
         <p:spPr bwMode="auto">
           <a:xfrm>
-            <a:off x="5773240" y="638944"/>
-            <a:ext cx="1463056" cy="2857500"/>
+            <a:off x="7020272" y="265171"/>
+            <a:ext cx="1858483" cy="1993156"/>
           </a:xfrm>
           <a:prstGeom prst="rect">
             <a:avLst/>
@@ -7558,6 +7559,50 @@
           </a:extLst>
         </p:spPr>
       </p:pic>
+      <p:sp>
+        <p:nvSpPr>
+          <p:cNvPr id="6" name="曲折矢印 5"/>
+          <p:cNvSpPr/>
+          <p:nvPr/>
+        </p:nvSpPr>
+        <p:spPr>
+          <a:xfrm rot="10800000">
+            <a:off x="6804248" y="2272161"/>
+            <a:ext cx="1686503" cy="1800200"/>
+          </a:xfrm>
+          <a:prstGeom prst="bentArrow">
+            <a:avLst/>
+          </a:prstGeom>
+        </p:spPr>
+        <p:style>
+          <a:lnRef idx="2">
+            <a:schemeClr val="accent1">
+              <a:shade val="50000"/>
+            </a:schemeClr>
+          </a:lnRef>
+          <a:fillRef idx="1">
+            <a:schemeClr val="accent1"/>
+          </a:fillRef>
+          <a:effectRef idx="0">
+            <a:schemeClr val="accent1"/>
+          </a:effectRef>
+          <a:fontRef idx="minor">
+            <a:schemeClr val="lt1"/>
+          </a:fontRef>
+        </p:style>
+        <p:txBody>
+          <a:bodyPr rtlCol="0" anchor="ctr"/>
+          <a:lstStyle/>
+          <a:p>
+            <a:pPr algn="ctr"/>
+            <a:endParaRPr kumimoji="1" lang="ja-JP" altLang="en-US">
+              <a:solidFill>
+                <a:schemeClr val="tx1"/>
+              </a:solidFill>
+            </a:endParaRPr>
+          </a:p>
+        </p:txBody>
+      </p:sp>
     </p:spTree>
     <p:extLst>
       <p:ext uri="{BB962C8B-B14F-4D97-AF65-F5344CB8AC3E}">
@@ -7655,6 +7700,295 @@
               <a:t>その数を競い合うゲームです。</a:t>
             </a:r>
             <a:endParaRPr kumimoji="1" lang="ja-JP" altLang="en-US" dirty="0"/>
+          </a:p>
+        </p:txBody>
+      </p:sp>
+      <p:pic>
+        <p:nvPicPr>
+          <p:cNvPr id="3074" name="Picture 2" descr="C:\Users\2130071\Desktop\画像素材\敵グラ\ほんわか\Laugh_monster\Zボス013_ワイバーン.png"/>
+          <p:cNvPicPr>
+            <a:picLocks noChangeAspect="1" noChangeArrowheads="1"/>
+          </p:cNvPicPr>
+          <p:nvPr/>
+        </p:nvPicPr>
+        <p:blipFill>
+          <a:blip r:embed="rId2">
+            <a:extLst>
+              <a:ext uri="{28A0092B-C50C-407E-A947-70E740481C1C}">
+                <a14:useLocalDpi xmlns:a14="http://schemas.microsoft.com/office/drawing/2010/main" val="0"/>
+              </a:ext>
+            </a:extLst>
+          </a:blip>
+          <a:srcRect/>
+          <a:stretch>
+            <a:fillRect/>
+          </a:stretch>
+        </p:blipFill>
+        <p:spPr bwMode="auto">
+          <a:xfrm>
+            <a:off x="6156176" y="627534"/>
+            <a:ext cx="2840499" cy="2944738"/>
+          </a:xfrm>
+          <a:prstGeom prst="rect">
+            <a:avLst/>
+          </a:prstGeom>
+          <a:noFill/>
+          <a:extLst>
+            <a:ext uri="{909E8E84-426E-40DD-AFC4-6F175D3DCCD1}">
+              <a14:hiddenFill xmlns:a14="http://schemas.microsoft.com/office/drawing/2010/main">
+                <a:solidFill>
+                  <a:srgbClr val="FFFFFF"/>
+                </a:solidFill>
+              </a14:hiddenFill>
+            </a:ext>
+          </a:extLst>
+        </p:spPr>
+      </p:pic>
+      <p:pic>
+        <p:nvPicPr>
+          <p:cNvPr id="3075" name="Picture 3" descr="C:\Users\2130071\Desktop\画像素材\敵グラ\ほんわか\Laugh_monster\Zボス017_タランチュラ.png"/>
+          <p:cNvPicPr>
+            <a:picLocks noChangeAspect="1" noChangeArrowheads="1"/>
+          </p:cNvPicPr>
+          <p:nvPr/>
+        </p:nvPicPr>
+        <p:blipFill>
+          <a:blip r:embed="rId3">
+            <a:extLst>
+              <a:ext uri="{28A0092B-C50C-407E-A947-70E740481C1C}">
+                <a14:useLocalDpi xmlns:a14="http://schemas.microsoft.com/office/drawing/2010/main" val="0"/>
+              </a:ext>
+            </a:extLst>
+          </a:blip>
+          <a:srcRect/>
+          <a:stretch>
+            <a:fillRect/>
+          </a:stretch>
+        </p:blipFill>
+        <p:spPr bwMode="auto">
+          <a:xfrm>
+            <a:off x="4283968" y="2499742"/>
+            <a:ext cx="3096344" cy="2533372"/>
+          </a:xfrm>
+          <a:prstGeom prst="rect">
+            <a:avLst/>
+          </a:prstGeom>
+          <a:noFill/>
+          <a:extLst>
+            <a:ext uri="{909E8E84-426E-40DD-AFC4-6F175D3DCCD1}">
+              <a14:hiddenFill xmlns:a14="http://schemas.microsoft.com/office/drawing/2010/main">
+                <a:solidFill>
+                  <a:srgbClr val="FFFFFF"/>
+                </a:solidFill>
+              </a14:hiddenFill>
+            </a:ext>
+          </a:extLst>
+        </p:spPr>
+      </p:pic>
+      <p:sp>
+        <p:nvSpPr>
+          <p:cNvPr id="6" name="コンテンツ プレースホルダー 2"/>
+          <p:cNvSpPr txBox="1">
+            <a:spLocks/>
+          </p:cNvSpPr>
+          <p:nvPr/>
+        </p:nvSpPr>
+        <p:spPr>
+          <a:xfrm>
+            <a:off x="107504" y="4556913"/>
+            <a:ext cx="3600400" cy="439316"/>
+          </a:xfrm>
+          <a:prstGeom prst="rect">
+            <a:avLst/>
+          </a:prstGeom>
+        </p:spPr>
+        <p:txBody>
+          <a:bodyPr vert="horz">
+            <a:normAutofit/>
+          </a:bodyPr>
+          <a:lstStyle>
+            <a:lvl1pPr marL="274320" indent="-274320" algn="l" rtl="0" eaLnBrk="1" latinLnBrk="0" hangingPunct="1">
+              <a:spcBef>
+                <a:spcPts val="580"/>
+              </a:spcBef>
+              <a:buClr>
+                <a:schemeClr val="accent1"/>
+              </a:buClr>
+              <a:buSzPct val="85000"/>
+              <a:buFont typeface="Wingdings 2"/>
+              <a:buChar char=""/>
+              <a:defRPr kumimoji="1" sz="2600" kern="1200">
+                <a:solidFill>
+                  <a:schemeClr val="tx1"/>
+                </a:solidFill>
+                <a:latin typeface="+mn-lt"/>
+                <a:ea typeface="+mn-ea"/>
+                <a:cs typeface="+mn-cs"/>
+              </a:defRPr>
+            </a:lvl1pPr>
+            <a:lvl2pPr marL="548640" indent="-228600" algn="l" rtl="0" eaLnBrk="1" latinLnBrk="0" hangingPunct="1">
+              <a:spcBef>
+                <a:spcPts val="370"/>
+              </a:spcBef>
+              <a:buClr>
+                <a:schemeClr val="accent2"/>
+              </a:buClr>
+              <a:buSzPct val="85000"/>
+              <a:buFont typeface="Wingdings 2"/>
+              <a:buChar char=""/>
+              <a:defRPr kumimoji="1" sz="2400" kern="1200">
+                <a:solidFill>
+                  <a:schemeClr val="tx1"/>
+                </a:solidFill>
+                <a:latin typeface="+mn-lt"/>
+                <a:ea typeface="+mn-ea"/>
+                <a:cs typeface="+mn-cs"/>
+              </a:defRPr>
+            </a:lvl2pPr>
+            <a:lvl3pPr marL="822960" indent="-228600" algn="l" rtl="0" eaLnBrk="1" latinLnBrk="0" hangingPunct="1">
+              <a:spcBef>
+                <a:spcPts val="370"/>
+              </a:spcBef>
+              <a:buClr>
+                <a:schemeClr val="accent1">
+                  <a:tint val="60000"/>
+                </a:schemeClr>
+              </a:buClr>
+              <a:buSzPct val="85000"/>
+              <a:buFont typeface="Wingdings 2"/>
+              <a:buChar char=""/>
+              <a:defRPr kumimoji="1" sz="2000" kern="1200">
+                <a:solidFill>
+                  <a:schemeClr val="tx1"/>
+                </a:solidFill>
+                <a:latin typeface="+mn-lt"/>
+                <a:ea typeface="+mn-ea"/>
+                <a:cs typeface="+mn-cs"/>
+              </a:defRPr>
+            </a:lvl3pPr>
+            <a:lvl4pPr marL="1097280" indent="-228600" algn="l" rtl="0" eaLnBrk="1" latinLnBrk="0" hangingPunct="1">
+              <a:spcBef>
+                <a:spcPts val="370"/>
+              </a:spcBef>
+              <a:buClr>
+                <a:schemeClr val="accent3"/>
+              </a:buClr>
+              <a:buSzPct val="80000"/>
+              <a:buFont typeface="Wingdings 2"/>
+              <a:buChar char=""/>
+              <a:defRPr kumimoji="1" sz="2000" kern="1200">
+                <a:solidFill>
+                  <a:schemeClr val="tx1"/>
+                </a:solidFill>
+                <a:latin typeface="+mn-lt"/>
+                <a:ea typeface="+mn-ea"/>
+                <a:cs typeface="+mn-cs"/>
+              </a:defRPr>
+            </a:lvl4pPr>
+            <a:lvl5pPr marL="1371600" indent="-228600" algn="l" rtl="0" eaLnBrk="1" latinLnBrk="0" hangingPunct="1">
+              <a:spcBef>
+                <a:spcPts val="370"/>
+              </a:spcBef>
+              <a:buClr>
+                <a:schemeClr val="accent3"/>
+              </a:buClr>
+              <a:buFontTx/>
+              <a:buChar char="o"/>
+              <a:defRPr kumimoji="1" sz="2000" kern="1200">
+                <a:solidFill>
+                  <a:schemeClr val="tx1"/>
+                </a:solidFill>
+                <a:latin typeface="+mn-lt"/>
+                <a:ea typeface="+mn-ea"/>
+                <a:cs typeface="+mn-cs"/>
+              </a:defRPr>
+            </a:lvl5pPr>
+            <a:lvl6pPr marL="1645920" indent="-228600" algn="l" rtl="0" eaLnBrk="1" latinLnBrk="0" hangingPunct="1">
+              <a:spcBef>
+                <a:spcPts val="370"/>
+              </a:spcBef>
+              <a:buClr>
+                <a:schemeClr val="accent3"/>
+              </a:buClr>
+              <a:buChar char="•"/>
+              <a:defRPr kumimoji="1" sz="1800" kern="1200" baseline="0">
+                <a:solidFill>
+                  <a:schemeClr val="tx1"/>
+                </a:solidFill>
+                <a:latin typeface="+mn-lt"/>
+                <a:ea typeface="+mn-ea"/>
+                <a:cs typeface="+mn-cs"/>
+              </a:defRPr>
+            </a:lvl6pPr>
+            <a:lvl7pPr marL="1920240" indent="-228600" algn="l" rtl="0" eaLnBrk="1" latinLnBrk="0" hangingPunct="1">
+              <a:spcBef>
+                <a:spcPts val="370"/>
+              </a:spcBef>
+              <a:buClr>
+                <a:schemeClr val="accent2"/>
+              </a:buClr>
+              <a:buChar char="•"/>
+              <a:defRPr kumimoji="1" sz="1800" kern="1200">
+                <a:solidFill>
+                  <a:schemeClr val="tx1"/>
+                </a:solidFill>
+                <a:latin typeface="+mn-lt"/>
+                <a:ea typeface="+mn-ea"/>
+                <a:cs typeface="+mn-cs"/>
+              </a:defRPr>
+            </a:lvl7pPr>
+            <a:lvl8pPr marL="2194560" indent="-228600" algn="l" rtl="0" eaLnBrk="1" latinLnBrk="0" hangingPunct="1">
+              <a:spcBef>
+                <a:spcPts val="370"/>
+              </a:spcBef>
+              <a:buClr>
+                <a:schemeClr val="accent1">
+                  <a:tint val="60000"/>
+                </a:schemeClr>
+              </a:buClr>
+              <a:buChar char="•"/>
+              <a:defRPr kumimoji="1" sz="1800" kern="1200">
+                <a:solidFill>
+                  <a:schemeClr val="tx1"/>
+                </a:solidFill>
+                <a:latin typeface="+mn-lt"/>
+                <a:ea typeface="+mn-ea"/>
+                <a:cs typeface="+mn-cs"/>
+              </a:defRPr>
+            </a:lvl8pPr>
+            <a:lvl9pPr marL="2468880" indent="-228600" algn="l" rtl="0" eaLnBrk="1" latinLnBrk="0" hangingPunct="1">
+              <a:spcBef>
+                <a:spcPts val="370"/>
+              </a:spcBef>
+              <a:buClr>
+                <a:schemeClr val="accent2">
+                  <a:tint val="60000"/>
+                </a:schemeClr>
+              </a:buClr>
+              <a:buChar char="•"/>
+              <a:defRPr kumimoji="1" sz="1800" kern="1200">
+                <a:solidFill>
+                  <a:schemeClr val="tx1"/>
+                </a:solidFill>
+                <a:latin typeface="+mn-lt"/>
+                <a:ea typeface="+mn-ea"/>
+                <a:cs typeface="+mn-cs"/>
+              </a:defRPr>
+            </a:lvl9pPr>
+          </a:lstStyle>
+          <a:p>
+            <a:pPr marL="0" indent="0">
+              <a:buNone/>
+            </a:pPr>
+            <a:r>
+              <a:rPr lang="en-US" altLang="ja-JP" sz="2000" dirty="0" smtClean="0"/>
+              <a:t>※</a:t>
+            </a:r>
+            <a:r>
+              <a:rPr lang="ja-JP" altLang="en-US" sz="2000" dirty="0" smtClean="0"/>
+              <a:t>画像はイメージです。</a:t>
+            </a:r>
+            <a:endParaRPr lang="ja-JP" altLang="en-US" sz="2000" dirty="0"/>
           </a:p>
         </p:txBody>
       </p:sp>
@@ -7848,9 +8182,397 @@
             </a:r>
             <a:r>
               <a:rPr lang="ja-JP" altLang="en-US" dirty="0" smtClean="0"/>
-              <a:t>を倒して経験値を獲得！</a:t>
+              <a:t>を倒して経験値</a:t>
+            </a:r>
+            <a:r>
+              <a:rPr lang="ja-JP" altLang="en-US" dirty="0" smtClean="0"/>
+              <a:t>を</a:t>
+            </a:r>
+            <a:r>
+              <a:rPr lang="ja-JP" altLang="en-US" dirty="0"/>
+              <a:t>ゲット</a:t>
+            </a:r>
+            <a:r>
+              <a:rPr lang="ja-JP" altLang="en-US" dirty="0" smtClean="0"/>
+              <a:t>！</a:t>
             </a:r>
             <a:endParaRPr kumimoji="1" lang="ja-JP" altLang="en-US" dirty="0"/>
+          </a:p>
+        </p:txBody>
+      </p:sp>
+      <p:pic>
+        <p:nvPicPr>
+          <p:cNvPr id="1026" name="Picture 2" descr="C:\Users\2130071\Desktop\画像素材\敵グラ\ほんわか\Laugh_monster\A動物026_いのしし.png"/>
+          <p:cNvPicPr>
+            <a:picLocks noChangeAspect="1" noChangeArrowheads="1"/>
+          </p:cNvPicPr>
+          <p:nvPr/>
+        </p:nvPicPr>
+        <p:blipFill>
+          <a:blip r:embed="rId3">
+            <a:extLst>
+              <a:ext uri="{28A0092B-C50C-407E-A947-70E740481C1C}">
+                <a14:useLocalDpi xmlns:a14="http://schemas.microsoft.com/office/drawing/2010/main" val="0"/>
+              </a:ext>
+            </a:extLst>
+          </a:blip>
+          <a:srcRect/>
+          <a:stretch>
+            <a:fillRect/>
+          </a:stretch>
+        </p:blipFill>
+        <p:spPr bwMode="auto">
+          <a:xfrm flipH="1">
+            <a:off x="1547664" y="2979736"/>
+            <a:ext cx="2304256" cy="1543919"/>
+          </a:xfrm>
+          <a:prstGeom prst="rect">
+            <a:avLst/>
+          </a:prstGeom>
+          <a:noFill/>
+          <a:extLst>
+            <a:ext uri="{909E8E84-426E-40DD-AFC4-6F175D3DCCD1}">
+              <a14:hiddenFill xmlns:a14="http://schemas.microsoft.com/office/drawing/2010/main">
+                <a:solidFill>
+                  <a:srgbClr val="FFFFFF"/>
+                </a:solidFill>
+              </a14:hiddenFill>
+            </a:ext>
+          </a:extLst>
+        </p:spPr>
+      </p:pic>
+      <p:sp>
+        <p:nvSpPr>
+          <p:cNvPr id="6" name="コンテンツ プレースホルダー 2"/>
+          <p:cNvSpPr txBox="1">
+            <a:spLocks/>
+          </p:cNvSpPr>
+          <p:nvPr/>
+        </p:nvSpPr>
+        <p:spPr>
+          <a:xfrm>
+            <a:off x="107504" y="4556913"/>
+            <a:ext cx="3600400" cy="439316"/>
+          </a:xfrm>
+          <a:prstGeom prst="rect">
+            <a:avLst/>
+          </a:prstGeom>
+        </p:spPr>
+        <p:txBody>
+          <a:bodyPr vert="horz">
+            <a:normAutofit/>
+          </a:bodyPr>
+          <a:lstStyle>
+            <a:lvl1pPr marL="274320" indent="-274320" algn="l" rtl="0" eaLnBrk="1" latinLnBrk="0" hangingPunct="1">
+              <a:spcBef>
+                <a:spcPts val="580"/>
+              </a:spcBef>
+              <a:buClr>
+                <a:schemeClr val="accent1"/>
+              </a:buClr>
+              <a:buSzPct val="85000"/>
+              <a:buFont typeface="Wingdings 2"/>
+              <a:buChar char=""/>
+              <a:defRPr kumimoji="1" sz="2600" kern="1200">
+                <a:solidFill>
+                  <a:schemeClr val="tx1"/>
+                </a:solidFill>
+                <a:latin typeface="+mn-lt"/>
+                <a:ea typeface="+mn-ea"/>
+                <a:cs typeface="+mn-cs"/>
+              </a:defRPr>
+            </a:lvl1pPr>
+            <a:lvl2pPr marL="548640" indent="-228600" algn="l" rtl="0" eaLnBrk="1" latinLnBrk="0" hangingPunct="1">
+              <a:spcBef>
+                <a:spcPts val="370"/>
+              </a:spcBef>
+              <a:buClr>
+                <a:schemeClr val="accent2"/>
+              </a:buClr>
+              <a:buSzPct val="85000"/>
+              <a:buFont typeface="Wingdings 2"/>
+              <a:buChar char=""/>
+              <a:defRPr kumimoji="1" sz="2400" kern="1200">
+                <a:solidFill>
+                  <a:schemeClr val="tx1"/>
+                </a:solidFill>
+                <a:latin typeface="+mn-lt"/>
+                <a:ea typeface="+mn-ea"/>
+                <a:cs typeface="+mn-cs"/>
+              </a:defRPr>
+            </a:lvl2pPr>
+            <a:lvl3pPr marL="822960" indent="-228600" algn="l" rtl="0" eaLnBrk="1" latinLnBrk="0" hangingPunct="1">
+              <a:spcBef>
+                <a:spcPts val="370"/>
+              </a:spcBef>
+              <a:buClr>
+                <a:schemeClr val="accent1">
+                  <a:tint val="60000"/>
+                </a:schemeClr>
+              </a:buClr>
+              <a:buSzPct val="85000"/>
+              <a:buFont typeface="Wingdings 2"/>
+              <a:buChar char=""/>
+              <a:defRPr kumimoji="1" sz="2000" kern="1200">
+                <a:solidFill>
+                  <a:schemeClr val="tx1"/>
+                </a:solidFill>
+                <a:latin typeface="+mn-lt"/>
+                <a:ea typeface="+mn-ea"/>
+                <a:cs typeface="+mn-cs"/>
+              </a:defRPr>
+            </a:lvl3pPr>
+            <a:lvl4pPr marL="1097280" indent="-228600" algn="l" rtl="0" eaLnBrk="1" latinLnBrk="0" hangingPunct="1">
+              <a:spcBef>
+                <a:spcPts val="370"/>
+              </a:spcBef>
+              <a:buClr>
+                <a:schemeClr val="accent3"/>
+              </a:buClr>
+              <a:buSzPct val="80000"/>
+              <a:buFont typeface="Wingdings 2"/>
+              <a:buChar char=""/>
+              <a:defRPr kumimoji="1" sz="2000" kern="1200">
+                <a:solidFill>
+                  <a:schemeClr val="tx1"/>
+                </a:solidFill>
+                <a:latin typeface="+mn-lt"/>
+                <a:ea typeface="+mn-ea"/>
+                <a:cs typeface="+mn-cs"/>
+              </a:defRPr>
+            </a:lvl4pPr>
+            <a:lvl5pPr marL="1371600" indent="-228600" algn="l" rtl="0" eaLnBrk="1" latinLnBrk="0" hangingPunct="1">
+              <a:spcBef>
+                <a:spcPts val="370"/>
+              </a:spcBef>
+              <a:buClr>
+                <a:schemeClr val="accent3"/>
+              </a:buClr>
+              <a:buFontTx/>
+              <a:buChar char="o"/>
+              <a:defRPr kumimoji="1" sz="2000" kern="1200">
+                <a:solidFill>
+                  <a:schemeClr val="tx1"/>
+                </a:solidFill>
+                <a:latin typeface="+mn-lt"/>
+                <a:ea typeface="+mn-ea"/>
+                <a:cs typeface="+mn-cs"/>
+              </a:defRPr>
+            </a:lvl5pPr>
+            <a:lvl6pPr marL="1645920" indent="-228600" algn="l" rtl="0" eaLnBrk="1" latinLnBrk="0" hangingPunct="1">
+              <a:spcBef>
+                <a:spcPts val="370"/>
+              </a:spcBef>
+              <a:buClr>
+                <a:schemeClr val="accent3"/>
+              </a:buClr>
+              <a:buChar char="•"/>
+              <a:defRPr kumimoji="1" sz="1800" kern="1200" baseline="0">
+                <a:solidFill>
+                  <a:schemeClr val="tx1"/>
+                </a:solidFill>
+                <a:latin typeface="+mn-lt"/>
+                <a:ea typeface="+mn-ea"/>
+                <a:cs typeface="+mn-cs"/>
+              </a:defRPr>
+            </a:lvl6pPr>
+            <a:lvl7pPr marL="1920240" indent="-228600" algn="l" rtl="0" eaLnBrk="1" latinLnBrk="0" hangingPunct="1">
+              <a:spcBef>
+                <a:spcPts val="370"/>
+              </a:spcBef>
+              <a:buClr>
+                <a:schemeClr val="accent2"/>
+              </a:buClr>
+              <a:buChar char="•"/>
+              <a:defRPr kumimoji="1" sz="1800" kern="1200">
+                <a:solidFill>
+                  <a:schemeClr val="tx1"/>
+                </a:solidFill>
+                <a:latin typeface="+mn-lt"/>
+                <a:ea typeface="+mn-ea"/>
+                <a:cs typeface="+mn-cs"/>
+              </a:defRPr>
+            </a:lvl7pPr>
+            <a:lvl8pPr marL="2194560" indent="-228600" algn="l" rtl="0" eaLnBrk="1" latinLnBrk="0" hangingPunct="1">
+              <a:spcBef>
+                <a:spcPts val="370"/>
+              </a:spcBef>
+              <a:buClr>
+                <a:schemeClr val="accent1">
+                  <a:tint val="60000"/>
+                </a:schemeClr>
+              </a:buClr>
+              <a:buChar char="•"/>
+              <a:defRPr kumimoji="1" sz="1800" kern="1200">
+                <a:solidFill>
+                  <a:schemeClr val="tx1"/>
+                </a:solidFill>
+                <a:latin typeface="+mn-lt"/>
+                <a:ea typeface="+mn-ea"/>
+                <a:cs typeface="+mn-cs"/>
+              </a:defRPr>
+            </a:lvl8pPr>
+            <a:lvl9pPr marL="2468880" indent="-228600" algn="l" rtl="0" eaLnBrk="1" latinLnBrk="0" hangingPunct="1">
+              <a:spcBef>
+                <a:spcPts val="370"/>
+              </a:spcBef>
+              <a:buClr>
+                <a:schemeClr val="accent2">
+                  <a:tint val="60000"/>
+                </a:schemeClr>
+              </a:buClr>
+              <a:buChar char="•"/>
+              <a:defRPr kumimoji="1" sz="1800" kern="1200">
+                <a:solidFill>
+                  <a:schemeClr val="tx1"/>
+                </a:solidFill>
+                <a:latin typeface="+mn-lt"/>
+                <a:ea typeface="+mn-ea"/>
+                <a:cs typeface="+mn-cs"/>
+              </a:defRPr>
+            </a:lvl9pPr>
+          </a:lstStyle>
+          <a:p>
+            <a:pPr marL="0" indent="0">
+              <a:buNone/>
+            </a:pPr>
+            <a:r>
+              <a:rPr lang="en-US" altLang="ja-JP" sz="2000" dirty="0" smtClean="0"/>
+              <a:t>※</a:t>
+            </a:r>
+            <a:r>
+              <a:rPr lang="ja-JP" altLang="en-US" sz="2000" dirty="0" smtClean="0"/>
+              <a:t>一部画像はイメージです。</a:t>
+            </a:r>
+            <a:endParaRPr lang="ja-JP" altLang="en-US" sz="2000" dirty="0"/>
+          </a:p>
+        </p:txBody>
+      </p:sp>
+      <p:pic>
+        <p:nvPicPr>
+          <p:cNvPr id="7" name="Picture 5" descr="C:\Users\2130071\Desktop\画像素材\自作\エフェクト\斬撃\slash1のコピー.png"/>
+          <p:cNvPicPr>
+            <a:picLocks noChangeAspect="1" noChangeArrowheads="1"/>
+          </p:cNvPicPr>
+          <p:nvPr/>
+        </p:nvPicPr>
+        <p:blipFill>
+          <a:blip r:embed="rId4" cstate="print">
+            <a:extLst>
+              <a:ext uri="{28A0092B-C50C-407E-A947-70E740481C1C}">
+                <a14:useLocalDpi xmlns:a14="http://schemas.microsoft.com/office/drawing/2010/main" val="0"/>
+              </a:ext>
+            </a:extLst>
+          </a:blip>
+          <a:srcRect/>
+          <a:stretch>
+            <a:fillRect/>
+          </a:stretch>
+        </p:blipFill>
+        <p:spPr bwMode="auto">
+          <a:xfrm>
+            <a:off x="1547664" y="2211710"/>
+            <a:ext cx="2434505" cy="2434505"/>
+          </a:xfrm>
+          <a:prstGeom prst="rect">
+            <a:avLst/>
+          </a:prstGeom>
+          <a:noFill/>
+          <a:extLst>
+            <a:ext uri="{909E8E84-426E-40DD-AFC4-6F175D3DCCD1}">
+              <a14:hiddenFill xmlns:a14="http://schemas.microsoft.com/office/drawing/2010/main">
+                <a:solidFill>
+                  <a:srgbClr val="FFFFFF"/>
+                </a:solidFill>
+              </a14:hiddenFill>
+            </a:ext>
+          </a:extLst>
+        </p:spPr>
+      </p:pic>
+      <p:pic>
+        <p:nvPicPr>
+          <p:cNvPr id="8" name="Picture 4" descr="C:\Users\2130071\Desktop\scan-001.jpg"/>
+          <p:cNvPicPr>
+            <a:picLocks noChangeAspect="1" noChangeArrowheads="1"/>
+          </p:cNvPicPr>
+          <p:nvPr/>
+        </p:nvPicPr>
+        <p:blipFill rotWithShape="1">
+          <a:blip r:embed="rId5" cstate="print">
+            <a:extLst>
+              <a:ext uri="{28A0092B-C50C-407E-A947-70E740481C1C}">
+                <a14:useLocalDpi xmlns:a14="http://schemas.microsoft.com/office/drawing/2010/main" val="0"/>
+              </a:ext>
+            </a:extLst>
+          </a:blip>
+          <a:srcRect t="3266" r="48458" b="44927"/>
+          <a:stretch/>
+        </p:blipFill>
+        <p:spPr bwMode="auto">
+          <a:xfrm>
+            <a:off x="4499992" y="1834157"/>
+            <a:ext cx="3744416" cy="2661171"/>
+          </a:xfrm>
+          <a:prstGeom prst="rect">
+            <a:avLst/>
+          </a:prstGeom>
+          <a:noFill/>
+          <a:extLst>
+            <a:ext uri="{909E8E84-426E-40DD-AFC4-6F175D3DCCD1}">
+              <a14:hiddenFill xmlns:a14="http://schemas.microsoft.com/office/drawing/2010/main">
+                <a:solidFill>
+                  <a:srgbClr val="FFFFFF"/>
+                </a:solidFill>
+              </a14:hiddenFill>
+            </a:ext>
+          </a:extLst>
+        </p:spPr>
+      </p:pic>
+      <p:sp>
+        <p:nvSpPr>
+          <p:cNvPr id="5" name="テキスト ボックス 4"/>
+          <p:cNvSpPr txBox="1"/>
+          <p:nvPr/>
+        </p:nvSpPr>
+        <p:spPr>
+          <a:xfrm>
+            <a:off x="7380312" y="1892821"/>
+            <a:ext cx="1043876" cy="523220"/>
+          </a:xfrm>
+          <a:prstGeom prst="rect">
+            <a:avLst/>
+          </a:prstGeom>
+          <a:noFill/>
+        </p:spPr>
+        <p:txBody>
+          <a:bodyPr wrap="none" rtlCol="0">
+            <a:spAutoFit/>
+          </a:bodyPr>
+          <a:lstStyle/>
+          <a:p>
+            <a:r>
+              <a:rPr kumimoji="1" lang="en-US" altLang="ja-JP" sz="2800" dirty="0" smtClean="0">
+                <a:solidFill>
+                  <a:schemeClr val="accent5">
+                    <a:lumMod val="60000"/>
+                    <a:lumOff val="40000"/>
+                  </a:schemeClr>
+                </a:solidFill>
+                <a:latin typeface="A-OTF ゴシックMB101 Pro U" pitchFamily="34" charset="-128"/>
+                <a:ea typeface="A-OTF ゴシックMB101 Pro U" pitchFamily="34" charset="-128"/>
+              </a:rPr>
+              <a:t>EXP</a:t>
+            </a:r>
+            <a:endParaRPr kumimoji="1" lang="ja-JP" altLang="en-US" sz="2800" dirty="0">
+              <a:solidFill>
+                <a:schemeClr val="accent5">
+                  <a:lumMod val="60000"/>
+                  <a:lumOff val="40000"/>
+                </a:schemeClr>
+              </a:solidFill>
+              <a:latin typeface="A-OTF ゴシックMB101 Pro U" pitchFamily="34" charset="-128"/>
+              <a:ea typeface="A-OTF ゴシックMB101 Pro U" pitchFamily="34" charset="-128"/>
+            </a:endParaRPr>
           </a:p>
         </p:txBody>
       </p:sp>
@@ -7867,9 +8589,257 @@
   <p:timing>
     <p:tnLst>
       <p:par>
-        <p:cTn id="1" dur="indefinite" restart="never" nodeType="tmRoot"/>
+        <p:cTn id="1" dur="indefinite" restart="never" nodeType="tmRoot">
+          <p:childTnLst>
+            <p:seq concurrent="1" nextAc="seek">
+              <p:cTn id="2" dur="indefinite" nodeType="mainSeq">
+                <p:childTnLst>
+                  <p:par>
+                    <p:cTn id="3" fill="hold">
+                      <p:stCondLst>
+                        <p:cond delay="indefinite"/>
+                      </p:stCondLst>
+                      <p:childTnLst>
+                        <p:par>
+                          <p:cTn id="4" fill="hold">
+                            <p:stCondLst>
+                              <p:cond delay="0"/>
+                            </p:stCondLst>
+                            <p:childTnLst>
+                              <p:par>
+                                <p:cTn id="5" presetID="22" presetClass="entr" presetSubtype="1" fill="hold" nodeType="clickEffect">
+                                  <p:stCondLst>
+                                    <p:cond delay="0"/>
+                                  </p:stCondLst>
+                                  <p:childTnLst>
+                                    <p:set>
+                                      <p:cBhvr>
+                                        <p:cTn id="6" dur="1" fill="hold">
+                                          <p:stCondLst>
+                                            <p:cond delay="0"/>
+                                          </p:stCondLst>
+                                        </p:cTn>
+                                        <p:tgtEl>
+                                          <p:spTgt spid="7"/>
+                                        </p:tgtEl>
+                                        <p:attrNameLst>
+                                          <p:attrName>style.visibility</p:attrName>
+                                        </p:attrNameLst>
+                                      </p:cBhvr>
+                                      <p:to>
+                                        <p:strVal val="visible"/>
+                                      </p:to>
+                                    </p:set>
+                                    <p:animEffect transition="in" filter="wipe(up)">
+                                      <p:cBhvr>
+                                        <p:cTn id="7" dur="500"/>
+                                        <p:tgtEl>
+                                          <p:spTgt spid="7"/>
+                                        </p:tgtEl>
+                                      </p:cBhvr>
+                                    </p:animEffect>
+                                  </p:childTnLst>
+                                </p:cTn>
+                              </p:par>
+                              <p:par>
+                                <p:cTn id="8" presetID="22" presetClass="exit" presetSubtype="1" fill="hold" nodeType="withEffect">
+                                  <p:stCondLst>
+                                    <p:cond delay="0"/>
+                                  </p:stCondLst>
+                                  <p:childTnLst>
+                                    <p:animEffect transition="out" filter="wipe(up)">
+                                      <p:cBhvr>
+                                        <p:cTn id="9" dur="500"/>
+                                        <p:tgtEl>
+                                          <p:spTgt spid="7"/>
+                                        </p:tgtEl>
+                                      </p:cBhvr>
+                                    </p:animEffect>
+                                    <p:set>
+                                      <p:cBhvr>
+                                        <p:cTn id="10" dur="1" fill="hold">
+                                          <p:stCondLst>
+                                            <p:cond delay="499"/>
+                                          </p:stCondLst>
+                                        </p:cTn>
+                                        <p:tgtEl>
+                                          <p:spTgt spid="7"/>
+                                        </p:tgtEl>
+                                        <p:attrNameLst>
+                                          <p:attrName>style.visibility</p:attrName>
+                                        </p:attrNameLst>
+                                      </p:cBhvr>
+                                      <p:to>
+                                        <p:strVal val="hidden"/>
+                                      </p:to>
+                                    </p:set>
+                                  </p:childTnLst>
+                                </p:cTn>
+                              </p:par>
+                            </p:childTnLst>
+                          </p:cTn>
+                        </p:par>
+                        <p:par>
+                          <p:cTn id="11" fill="hold">
+                            <p:stCondLst>
+                              <p:cond delay="500"/>
+                            </p:stCondLst>
+                            <p:childTnLst>
+                              <p:par>
+                                <p:cTn id="12" presetID="10" presetClass="exit" presetSubtype="0" fill="hold" nodeType="afterEffect">
+                                  <p:stCondLst>
+                                    <p:cond delay="0"/>
+                                  </p:stCondLst>
+                                  <p:childTnLst>
+                                    <p:animEffect transition="out" filter="fade">
+                                      <p:cBhvr>
+                                        <p:cTn id="13" dur="500"/>
+                                        <p:tgtEl>
+                                          <p:spTgt spid="1026"/>
+                                        </p:tgtEl>
+                                      </p:cBhvr>
+                                    </p:animEffect>
+                                    <p:set>
+                                      <p:cBhvr>
+                                        <p:cTn id="14" dur="1" fill="hold">
+                                          <p:stCondLst>
+                                            <p:cond delay="499"/>
+                                          </p:stCondLst>
+                                        </p:cTn>
+                                        <p:tgtEl>
+                                          <p:spTgt spid="1026"/>
+                                        </p:tgtEl>
+                                        <p:attrNameLst>
+                                          <p:attrName>style.visibility</p:attrName>
+                                        </p:attrNameLst>
+                                      </p:cBhvr>
+                                      <p:to>
+                                        <p:strVal val="hidden"/>
+                                      </p:to>
+                                    </p:set>
+                                  </p:childTnLst>
+                                </p:cTn>
+                              </p:par>
+                            </p:childTnLst>
+                          </p:cTn>
+                        </p:par>
+                        <p:par>
+                          <p:cTn id="15" fill="hold">
+                            <p:stCondLst>
+                              <p:cond delay="1000"/>
+                            </p:stCondLst>
+                            <p:childTnLst>
+                              <p:par>
+                                <p:cTn id="16" presetID="42" presetClass="entr" presetSubtype="0" fill="hold" grpId="0" nodeType="afterEffect">
+                                  <p:stCondLst>
+                                    <p:cond delay="0"/>
+                                  </p:stCondLst>
+                                  <p:childTnLst>
+                                    <p:set>
+                                      <p:cBhvr>
+                                        <p:cTn id="17" dur="1" fill="hold">
+                                          <p:stCondLst>
+                                            <p:cond delay="0"/>
+                                          </p:stCondLst>
+                                        </p:cTn>
+                                        <p:tgtEl>
+                                          <p:spTgt spid="5"/>
+                                        </p:tgtEl>
+                                        <p:attrNameLst>
+                                          <p:attrName>style.visibility</p:attrName>
+                                        </p:attrNameLst>
+                                      </p:cBhvr>
+                                      <p:to>
+                                        <p:strVal val="visible"/>
+                                      </p:to>
+                                    </p:set>
+                                    <p:animEffect transition="in" filter="fade">
+                                      <p:cBhvr>
+                                        <p:cTn id="18" dur="500"/>
+                                        <p:tgtEl>
+                                          <p:spTgt spid="5"/>
+                                        </p:tgtEl>
+                                      </p:cBhvr>
+                                    </p:animEffect>
+                                    <p:anim calcmode="lin" valueType="num">
+                                      <p:cBhvr>
+                                        <p:cTn id="19" dur="500" fill="hold"/>
+                                        <p:tgtEl>
+                                          <p:spTgt spid="5"/>
+                                        </p:tgtEl>
+                                        <p:attrNameLst>
+                                          <p:attrName>ppt_x</p:attrName>
+                                        </p:attrNameLst>
+                                      </p:cBhvr>
+                                      <p:tavLst>
+                                        <p:tav tm="0">
+                                          <p:val>
+                                            <p:strVal val="#ppt_x"/>
+                                          </p:val>
+                                        </p:tav>
+                                        <p:tav tm="100000">
+                                          <p:val>
+                                            <p:strVal val="#ppt_x"/>
+                                          </p:val>
+                                        </p:tav>
+                                      </p:tavLst>
+                                    </p:anim>
+                                    <p:anim calcmode="lin" valueType="num">
+                                      <p:cBhvr>
+                                        <p:cTn id="20" dur="500" fill="hold"/>
+                                        <p:tgtEl>
+                                          <p:spTgt spid="5"/>
+                                        </p:tgtEl>
+                                        <p:attrNameLst>
+                                          <p:attrName>ppt_y</p:attrName>
+                                        </p:attrNameLst>
+                                      </p:cBhvr>
+                                      <p:tavLst>
+                                        <p:tav tm="0">
+                                          <p:val>
+                                            <p:strVal val="#ppt_y+.1"/>
+                                          </p:val>
+                                        </p:tav>
+                                        <p:tav tm="100000">
+                                          <p:val>
+                                            <p:strVal val="#ppt_y"/>
+                                          </p:val>
+                                        </p:tav>
+                                      </p:tavLst>
+                                    </p:anim>
+                                  </p:childTnLst>
+                                </p:cTn>
+                              </p:par>
+                            </p:childTnLst>
+                          </p:cTn>
+                        </p:par>
+                      </p:childTnLst>
+                    </p:cTn>
+                  </p:par>
+                </p:childTnLst>
+              </p:cTn>
+              <p:prevCondLst>
+                <p:cond evt="onPrev" delay="0">
+                  <p:tgtEl>
+                    <p:sldTgt/>
+                  </p:tgtEl>
+                </p:cond>
+              </p:prevCondLst>
+              <p:nextCondLst>
+                <p:cond evt="onNext" delay="0">
+                  <p:tgtEl>
+                    <p:sldTgt/>
+                  </p:tgtEl>
+                </p:cond>
+              </p:nextCondLst>
+            </p:seq>
+          </p:childTnLst>
+        </p:cTn>
       </p:par>
     </p:tnLst>
+    <p:bldLst>
+      <p:bldP spid="5" grpId="0"/>
+    </p:bldLst>
   </p:timing>
 </p:sld>
 </file>
@@ -7893,6 +8863,87 @@
       </p:grpSpPr>
       <p:sp>
         <p:nvSpPr>
+          <p:cNvPr id="4" name="正方形/長方形 3"/>
+          <p:cNvSpPr/>
+          <p:nvPr/>
+        </p:nvSpPr>
+        <p:spPr>
+          <a:xfrm>
+            <a:off x="251520" y="1851670"/>
+            <a:ext cx="3960440" cy="1290114"/>
+          </a:xfrm>
+          <a:prstGeom prst="rect">
+            <a:avLst/>
+          </a:prstGeom>
+        </p:spPr>
+        <p:style>
+          <a:lnRef idx="2">
+            <a:schemeClr val="accent1">
+              <a:shade val="50000"/>
+            </a:schemeClr>
+          </a:lnRef>
+          <a:fillRef idx="1">
+            <a:schemeClr val="accent1"/>
+          </a:fillRef>
+          <a:effectRef idx="0">
+            <a:schemeClr val="accent1"/>
+          </a:effectRef>
+          <a:fontRef idx="minor">
+            <a:schemeClr val="lt1"/>
+          </a:fontRef>
+        </p:style>
+        <p:txBody>
+          <a:bodyPr rtlCol="0" anchor="ctr"/>
+          <a:lstStyle/>
+          <a:p>
+            <a:pPr algn="ctr"/>
+            <a:endParaRPr kumimoji="1" lang="ja-JP" altLang="en-US"/>
+          </a:p>
+        </p:txBody>
+      </p:sp>
+      <p:pic>
+        <p:nvPicPr>
+          <p:cNvPr id="7" name="Picture 2" descr="C:\Users\2130071\Desktop\scan-001.png"/>
+          <p:cNvPicPr>
+            <a:picLocks noChangeAspect="1" noChangeArrowheads="1"/>
+          </p:cNvPicPr>
+          <p:nvPr/>
+        </p:nvPicPr>
+        <p:blipFill>
+          <a:blip r:embed="rId2" cstate="print">
+            <a:extLst>
+              <a:ext uri="{28A0092B-C50C-407E-A947-70E740481C1C}">
+                <a14:useLocalDpi xmlns:a14="http://schemas.microsoft.com/office/drawing/2010/main" val="0"/>
+              </a:ext>
+            </a:extLst>
+          </a:blip>
+          <a:srcRect/>
+          <a:stretch>
+            <a:fillRect/>
+          </a:stretch>
+        </p:blipFill>
+        <p:spPr bwMode="auto">
+          <a:xfrm>
+            <a:off x="5292080" y="1563638"/>
+            <a:ext cx="3104703" cy="3329682"/>
+          </a:xfrm>
+          <a:prstGeom prst="rect">
+            <a:avLst/>
+          </a:prstGeom>
+          <a:noFill/>
+          <a:extLst>
+            <a:ext uri="{909E8E84-426E-40DD-AFC4-6F175D3DCCD1}">
+              <a14:hiddenFill xmlns:a14="http://schemas.microsoft.com/office/drawing/2010/main">
+                <a:solidFill>
+                  <a:srgbClr val="FFFFFF"/>
+                </a:solidFill>
+              </a14:hiddenFill>
+            </a:ext>
+          </a:extLst>
+        </p:spPr>
+      </p:pic>
+      <p:sp>
+        <p:nvSpPr>
           <p:cNvPr id="2" name="タイトル 1"/>
           <p:cNvSpPr>
             <a:spLocks noGrp="1"/>
@@ -7946,6 +8997,178 @@
               <a:t>集めた経験値を使ってアップグレードを獲得！</a:t>
             </a:r>
             <a:endParaRPr kumimoji="1" lang="ja-JP" altLang="en-US" dirty="0"/>
+          </a:p>
+        </p:txBody>
+      </p:sp>
+      <p:pic>
+        <p:nvPicPr>
+          <p:cNvPr id="4098" name="Picture 2" descr="C:\Users\2130071\Desktop\VSRPG\DATA\UI\icon\Mga-do.png"/>
+          <p:cNvPicPr>
+            <a:picLocks noChangeAspect="1" noChangeArrowheads="1"/>
+          </p:cNvPicPr>
+          <p:nvPr/>
+        </p:nvPicPr>
+        <p:blipFill>
+          <a:blip r:embed="rId3">
+            <a:extLst>
+              <a:ext uri="{28A0092B-C50C-407E-A947-70E740481C1C}">
+                <a14:useLocalDpi xmlns:a14="http://schemas.microsoft.com/office/drawing/2010/main" val="0"/>
+              </a:ext>
+            </a:extLst>
+          </a:blip>
+          <a:srcRect/>
+          <a:stretch>
+            <a:fillRect/>
+          </a:stretch>
+        </p:blipFill>
+        <p:spPr bwMode="auto">
+          <a:xfrm>
+            <a:off x="1689375" y="2006541"/>
+            <a:ext cx="1008111" cy="1008116"/>
+          </a:xfrm>
+          <a:prstGeom prst="rect">
+            <a:avLst/>
+          </a:prstGeom>
+          <a:noFill/>
+          <a:extLst>
+            <a:ext uri="{909E8E84-426E-40DD-AFC4-6F175D3DCCD1}">
+              <a14:hiddenFill xmlns:a14="http://schemas.microsoft.com/office/drawing/2010/main">
+                <a:solidFill>
+                  <a:srgbClr val="FFFFFF"/>
+                </a:solidFill>
+              </a14:hiddenFill>
+            </a:ext>
+          </a:extLst>
+        </p:spPr>
+      </p:pic>
+      <p:pic>
+        <p:nvPicPr>
+          <p:cNvPr id="4099" name="Picture 3" descr="C:\Users\2130071\Desktop\VSRPG\DATA\UI\icon\Mturugi.png"/>
+          <p:cNvPicPr>
+            <a:picLocks noChangeAspect="1" noChangeArrowheads="1"/>
+          </p:cNvPicPr>
+          <p:nvPr/>
+        </p:nvPicPr>
+        <p:blipFill>
+          <a:blip r:embed="rId4">
+            <a:extLst>
+              <a:ext uri="{28A0092B-C50C-407E-A947-70E740481C1C}">
+                <a14:useLocalDpi xmlns:a14="http://schemas.microsoft.com/office/drawing/2010/main" val="0"/>
+              </a:ext>
+            </a:extLst>
+          </a:blip>
+          <a:srcRect/>
+          <a:stretch>
+            <a:fillRect/>
+          </a:stretch>
+        </p:blipFill>
+        <p:spPr bwMode="auto">
+          <a:xfrm>
+            <a:off x="478343" y="2002961"/>
+            <a:ext cx="1008115" cy="1008115"/>
+          </a:xfrm>
+          <a:prstGeom prst="rect">
+            <a:avLst/>
+          </a:prstGeom>
+          <a:noFill/>
+          <a:extLst>
+            <a:ext uri="{909E8E84-426E-40DD-AFC4-6F175D3DCCD1}">
+              <a14:hiddenFill xmlns:a14="http://schemas.microsoft.com/office/drawing/2010/main">
+                <a:solidFill>
+                  <a:srgbClr val="FFFFFF"/>
+                </a:solidFill>
+              </a14:hiddenFill>
+            </a:ext>
+          </a:extLst>
+        </p:spPr>
+      </p:pic>
+      <p:pic>
+        <p:nvPicPr>
+          <p:cNvPr id="4100" name="Picture 4" descr="C:\Users\2130071\Desktop\VSRPG\DATA\UI\icon\rakky.png"/>
+          <p:cNvPicPr>
+            <a:picLocks noChangeAspect="1" noChangeArrowheads="1"/>
+          </p:cNvPicPr>
+          <p:nvPr/>
+        </p:nvPicPr>
+        <p:blipFill>
+          <a:blip r:embed="rId5">
+            <a:extLst>
+              <a:ext uri="{28A0092B-C50C-407E-A947-70E740481C1C}">
+                <a14:useLocalDpi xmlns:a14="http://schemas.microsoft.com/office/drawing/2010/main" val="0"/>
+              </a:ext>
+            </a:extLst>
+          </a:blip>
+          <a:srcRect/>
+          <a:stretch>
+            <a:fillRect/>
+          </a:stretch>
+        </p:blipFill>
+        <p:spPr bwMode="auto">
+          <a:xfrm>
+            <a:off x="2915816" y="2006550"/>
+            <a:ext cx="1008112" cy="1008107"/>
+          </a:xfrm>
+          <a:prstGeom prst="rect">
+            <a:avLst/>
+          </a:prstGeom>
+          <a:noFill/>
+          <a:extLst>
+            <a:ext uri="{909E8E84-426E-40DD-AFC4-6F175D3DCCD1}">
+              <a14:hiddenFill xmlns:a14="http://schemas.microsoft.com/office/drawing/2010/main">
+                <a:solidFill>
+                  <a:srgbClr val="FFFFFF"/>
+                </a:solidFill>
+              </a14:hiddenFill>
+            </a:ext>
+          </a:extLst>
+        </p:spPr>
+      </p:pic>
+      <p:sp>
+        <p:nvSpPr>
+          <p:cNvPr id="8" name="曲折矢印 7"/>
+          <p:cNvSpPr/>
+          <p:nvPr/>
+        </p:nvSpPr>
+        <p:spPr>
+          <a:xfrm rot="10800000" flipH="1">
+            <a:off x="2123728" y="3141784"/>
+            <a:ext cx="2736304" cy="1800200"/>
+          </a:xfrm>
+          <a:prstGeom prst="bentArrow">
+            <a:avLst>
+              <a:gd name="adj1" fmla="val 25000"/>
+              <a:gd name="adj2" fmla="val 25883"/>
+              <a:gd name="adj3" fmla="val 26325"/>
+              <a:gd name="adj4" fmla="val 28291"/>
+            </a:avLst>
+          </a:prstGeom>
+        </p:spPr>
+        <p:style>
+          <a:lnRef idx="2">
+            <a:schemeClr val="accent1">
+              <a:shade val="50000"/>
+            </a:schemeClr>
+          </a:lnRef>
+          <a:fillRef idx="1">
+            <a:schemeClr val="accent1"/>
+          </a:fillRef>
+          <a:effectRef idx="0">
+            <a:schemeClr val="accent1"/>
+          </a:effectRef>
+          <a:fontRef idx="minor">
+            <a:schemeClr val="lt1"/>
+          </a:fontRef>
+        </p:style>
+        <p:txBody>
+          <a:bodyPr rtlCol="0" anchor="ctr"/>
+          <a:lstStyle/>
+          <a:p>
+            <a:pPr algn="ctr"/>
+            <a:endParaRPr kumimoji="1" lang="ja-JP" altLang="en-US">
+              <a:solidFill>
+                <a:schemeClr val="tx1"/>
+              </a:solidFill>
+            </a:endParaRPr>
           </a:p>
         </p:txBody>
       </p:sp>
@@ -7986,6 +9209,45 @@
           <a:chExt cx="0" cy="0"/>
         </a:xfrm>
       </p:grpSpPr>
+      <p:pic>
+        <p:nvPicPr>
+          <p:cNvPr id="5" name="Picture 4" descr="C:\Users\2130071\Desktop\scan-001.jpg"/>
+          <p:cNvPicPr>
+            <a:picLocks noChangeAspect="1" noChangeArrowheads="1"/>
+          </p:cNvPicPr>
+          <p:nvPr/>
+        </p:nvPicPr>
+        <p:blipFill rotWithShape="1">
+          <a:blip r:embed="rId2" cstate="print">
+            <a:extLst>
+              <a:ext uri="{28A0092B-C50C-407E-A947-70E740481C1C}">
+                <a14:useLocalDpi xmlns:a14="http://schemas.microsoft.com/office/drawing/2010/main" val="0"/>
+              </a:ext>
+            </a:extLst>
+          </a:blip>
+          <a:srcRect t="3266" r="48458" b="44927"/>
+          <a:stretch/>
+        </p:blipFill>
+        <p:spPr bwMode="auto">
+          <a:xfrm>
+            <a:off x="6228184" y="2787774"/>
+            <a:ext cx="2832647" cy="2013173"/>
+          </a:xfrm>
+          <a:prstGeom prst="rect">
+            <a:avLst/>
+          </a:prstGeom>
+          <a:noFill/>
+          <a:extLst>
+            <a:ext uri="{909E8E84-426E-40DD-AFC4-6F175D3DCCD1}">
+              <a14:hiddenFill xmlns:a14="http://schemas.microsoft.com/office/drawing/2010/main">
+                <a:solidFill>
+                  <a:srgbClr val="FFFFFF"/>
+                </a:solidFill>
+              </a14:hiddenFill>
+            </a:ext>
+          </a:extLst>
+        </p:spPr>
+      </p:pic>
       <p:sp>
         <p:nvSpPr>
           <p:cNvPr id="2" name="タイトル 1"/>
@@ -8031,7 +9293,12 @@
             <p:ph sz="quarter" idx="1"/>
           </p:nvPr>
         </p:nvSpPr>
-        <p:spPr/>
+        <p:spPr>
+          <a:xfrm>
+            <a:off x="914400" y="1085850"/>
+            <a:ext cx="7772400" cy="1125860"/>
+          </a:xfrm>
+        </p:spPr>
         <p:txBody>
           <a:bodyPr/>
           <a:lstStyle/>
@@ -8050,11 +9317,7 @@
             </a:r>
             <a:r>
               <a:rPr kumimoji="1" lang="ja-JP" altLang="en-US" dirty="0" smtClean="0"/>
-              <a:t>を獲得すると見た目が変化</a:t>
-            </a:r>
-            <a:r>
-              <a:rPr kumimoji="1" lang="ja-JP" altLang="en-US" dirty="0" smtClean="0"/>
-              <a:t>！</a:t>
+              <a:t>を獲得すると見た目が変化！</a:t>
             </a:r>
             <a:endParaRPr kumimoji="1" lang="en-US" altLang="ja-JP" dirty="0" smtClean="0"/>
           </a:p>
@@ -8063,17 +9326,216 @@
               <a:buNone/>
             </a:pPr>
             <a:r>
-              <a:rPr lang="ja-JP" altLang="en-US"/>
+              <a:rPr lang="ja-JP" altLang="en-US" dirty="0"/>
               <a:t>　</a:t>
             </a:r>
             <a:r>
-              <a:rPr lang="ja-JP" altLang="en-US" smtClean="0"/>
+              <a:rPr lang="ja-JP" altLang="en-US" dirty="0" smtClean="0"/>
               <a:t>　効果も非常に強力！</a:t>
             </a:r>
             <a:endParaRPr kumimoji="1" lang="ja-JP" altLang="en-US" dirty="0"/>
           </a:p>
         </p:txBody>
       </p:sp>
+      <p:pic>
+        <p:nvPicPr>
+          <p:cNvPr id="5122" name="Picture 2" descr="C:\Users\2130071\Desktop\プリースト案.PNG"/>
+          <p:cNvPicPr>
+            <a:picLocks noChangeAspect="1" noChangeArrowheads="1"/>
+          </p:cNvPicPr>
+          <p:nvPr/>
+        </p:nvPicPr>
+        <p:blipFill>
+          <a:blip r:embed="rId3" cstate="print">
+            <a:extLst>
+              <a:ext uri="{28A0092B-C50C-407E-A947-70E740481C1C}">
+                <a14:useLocalDpi xmlns:a14="http://schemas.microsoft.com/office/drawing/2010/main" val="0"/>
+              </a:ext>
+            </a:extLst>
+          </a:blip>
+          <a:srcRect/>
+          <a:stretch>
+            <a:fillRect/>
+          </a:stretch>
+        </p:blipFill>
+        <p:spPr bwMode="auto">
+          <a:xfrm>
+            <a:off x="1533412" y="2731453"/>
+            <a:ext cx="1621988" cy="2157190"/>
+          </a:xfrm>
+          <a:prstGeom prst="rect">
+            <a:avLst/>
+          </a:prstGeom>
+          <a:noFill/>
+          <a:extLst>
+            <a:ext uri="{909E8E84-426E-40DD-AFC4-6F175D3DCCD1}">
+              <a14:hiddenFill xmlns:a14="http://schemas.microsoft.com/office/drawing/2010/main">
+                <a:solidFill>
+                  <a:srgbClr val="FFFFFF"/>
+                </a:solidFill>
+              </a14:hiddenFill>
+            </a:ext>
+          </a:extLst>
+        </p:spPr>
+      </p:pic>
+      <p:pic>
+        <p:nvPicPr>
+          <p:cNvPr id="5124" name="Picture 4" descr="C:\Users\2130071\Desktop\VSRPG\仕様\参考画像\プレイヤーラフ\1475676831565.png"/>
+          <p:cNvPicPr>
+            <a:picLocks noChangeAspect="1" noChangeArrowheads="1"/>
+          </p:cNvPicPr>
+          <p:nvPr/>
+        </p:nvPicPr>
+        <p:blipFill rotWithShape="1">
+          <a:blip r:embed="rId4" cstate="print">
+            <a:extLst>
+              <a:ext uri="{28A0092B-C50C-407E-A947-70E740481C1C}">
+                <a14:useLocalDpi xmlns:a14="http://schemas.microsoft.com/office/drawing/2010/main" val="0"/>
+              </a:ext>
+            </a:extLst>
+          </a:blip>
+          <a:srcRect l="35773" t="11005"/>
+          <a:stretch/>
+        </p:blipFill>
+        <p:spPr bwMode="auto">
+          <a:xfrm>
+            <a:off x="4427984" y="2924938"/>
+            <a:ext cx="1169288" cy="1876009"/>
+          </a:xfrm>
+          <a:prstGeom prst="rect">
+            <a:avLst/>
+          </a:prstGeom>
+          <a:noFill/>
+          <a:extLst>
+            <a:ext uri="{909E8E84-426E-40DD-AFC4-6F175D3DCCD1}">
+              <a14:hiddenFill xmlns:a14="http://schemas.microsoft.com/office/drawing/2010/main">
+                <a:solidFill>
+                  <a:srgbClr val="FFFFFF"/>
+                </a:solidFill>
+              </a14:hiddenFill>
+            </a:ext>
+          </a:extLst>
+        </p:spPr>
+      </p:pic>
+      <p:pic>
+        <p:nvPicPr>
+          <p:cNvPr id="5125" name="Picture 5" descr="C:\Users\2130071\Desktop\VSRPG\仕様\参考画像\プレイヤーラフ\1475667039219.png"/>
+          <p:cNvPicPr>
+            <a:picLocks noChangeAspect="1" noChangeArrowheads="1"/>
+          </p:cNvPicPr>
+          <p:nvPr/>
+        </p:nvPicPr>
+        <p:blipFill>
+          <a:blip r:embed="rId5" cstate="print">
+            <a:extLst>
+              <a:ext uri="{28A0092B-C50C-407E-A947-70E740481C1C}">
+                <a14:useLocalDpi xmlns:a14="http://schemas.microsoft.com/office/drawing/2010/main" val="0"/>
+              </a:ext>
+            </a:extLst>
+          </a:blip>
+          <a:srcRect/>
+          <a:stretch>
+            <a:fillRect/>
+          </a:stretch>
+        </p:blipFill>
+        <p:spPr bwMode="auto">
+          <a:xfrm>
+            <a:off x="3349054" y="2595148"/>
+            <a:ext cx="1150938" cy="2247900"/>
+          </a:xfrm>
+          <a:prstGeom prst="rect">
+            <a:avLst/>
+          </a:prstGeom>
+          <a:noFill/>
+          <a:extLst>
+            <a:ext uri="{909E8E84-426E-40DD-AFC4-6F175D3DCCD1}">
+              <a14:hiddenFill xmlns:a14="http://schemas.microsoft.com/office/drawing/2010/main">
+                <a:solidFill>
+                  <a:srgbClr val="FFFFFF"/>
+                </a:solidFill>
+              </a14:hiddenFill>
+            </a:ext>
+          </a:extLst>
+        </p:spPr>
+      </p:pic>
+      <p:pic>
+        <p:nvPicPr>
+          <p:cNvPr id="5126" name="Picture 6" descr="C:\Users\2130071\Desktop\mahou.png"/>
+          <p:cNvPicPr>
+            <a:picLocks noChangeAspect="1" noChangeArrowheads="1"/>
+          </p:cNvPicPr>
+          <p:nvPr/>
+        </p:nvPicPr>
+        <p:blipFill rotWithShape="1">
+          <a:blip r:embed="rId6" cstate="print">
+            <a:extLst>
+              <a:ext uri="{28A0092B-C50C-407E-A947-70E740481C1C}">
+                <a14:useLocalDpi xmlns:a14="http://schemas.microsoft.com/office/drawing/2010/main" val="0"/>
+              </a:ext>
+            </a:extLst>
+          </a:blip>
+          <a:srcRect t="11178" r="11037" b="6606"/>
+          <a:stretch/>
+        </p:blipFill>
+        <p:spPr bwMode="auto">
+          <a:xfrm>
+            <a:off x="251520" y="2924938"/>
+            <a:ext cx="1425908" cy="1863739"/>
+          </a:xfrm>
+          <a:prstGeom prst="rect">
+            <a:avLst/>
+          </a:prstGeom>
+          <a:noFill/>
+          <a:extLst>
+            <a:ext uri="{909E8E84-426E-40DD-AFC4-6F175D3DCCD1}">
+              <a14:hiddenFill xmlns:a14="http://schemas.microsoft.com/office/drawing/2010/main">
+                <a:solidFill>
+                  <a:srgbClr val="FFFFFF"/>
+                </a:solidFill>
+              </a14:hiddenFill>
+            </a:ext>
+          </a:extLst>
+        </p:spPr>
+      </p:pic>
+      <p:pic>
+        <p:nvPicPr>
+          <p:cNvPr id="5123" name="Picture 3" descr="C:\Users\2130071\Desktop\とうぞく.png"/>
+          <p:cNvPicPr>
+            <a:picLocks noChangeAspect="1" noChangeArrowheads="1"/>
+          </p:cNvPicPr>
+          <p:nvPr/>
+        </p:nvPicPr>
+        <p:blipFill rotWithShape="1">
+          <a:blip r:embed="rId7" cstate="print">
+            <a:extLst>
+              <a:ext uri="{28A0092B-C50C-407E-A947-70E740481C1C}">
+                <a14:useLocalDpi xmlns:a14="http://schemas.microsoft.com/office/drawing/2010/main" val="0"/>
+              </a:ext>
+            </a:extLst>
+          </a:blip>
+          <a:srcRect t="21286" r="21140" b="9221"/>
+          <a:stretch/>
+        </p:blipFill>
+        <p:spPr bwMode="auto">
+          <a:xfrm>
+            <a:off x="5328084" y="2852035"/>
+            <a:ext cx="1512168" cy="1884649"/>
+          </a:xfrm>
+          <a:prstGeom prst="rect">
+            <a:avLst/>
+          </a:prstGeom>
+          <a:noFill/>
+          <a:extLst>
+            <a:ext uri="{909E8E84-426E-40DD-AFC4-6F175D3DCCD1}">
+              <a14:hiddenFill xmlns:a14="http://schemas.microsoft.com/office/drawing/2010/main">
+                <a:solidFill>
+                  <a:srgbClr val="FFFFFF"/>
+                </a:solidFill>
+              </a14:hiddenFill>
+            </a:ext>
+          </a:extLst>
+        </p:spPr>
+      </p:pic>
     </p:spTree>
     <p:extLst>
       <p:ext uri="{BB962C8B-B14F-4D97-AF65-F5344CB8AC3E}">
@@ -8910,6 +10372,166 @@
     <p:extLst>
       <p:ext uri="{BB962C8B-B14F-4D97-AF65-F5344CB8AC3E}">
         <p14:creationId xmlns:p14="http://schemas.microsoft.com/office/powerpoint/2010/main" val="1894901488"/>
+      </p:ext>
+    </p:extLst>
+  </p:cSld>
+  <p:clrMapOvr>
+    <a:masterClrMapping/>
+  </p:clrMapOvr>
+  <p:timing>
+    <p:tnLst>
+      <p:par>
+        <p:cTn id="1" dur="indefinite" restart="never" nodeType="tmRoot"/>
+      </p:par>
+    </p:tnLst>
+  </p:timing>
+</p:sld>
+</file>
+
+<file path=ppt/slides/slide23.xml><?xml version="1.0" encoding="utf-8"?>
+<p:sld xmlns:a="http://schemas.openxmlformats.org/drawingml/2006/main" xmlns:r="http://schemas.openxmlformats.org/officeDocument/2006/relationships" xmlns:p="http://schemas.openxmlformats.org/presentationml/2006/main">
+  <p:cSld>
+    <p:spTree>
+      <p:nvGrpSpPr>
+        <p:cNvPr id="1" name=""/>
+        <p:cNvGrpSpPr/>
+        <p:nvPr/>
+      </p:nvGrpSpPr>
+      <p:grpSpPr>
+        <a:xfrm>
+          <a:off x="0" y="0"/>
+          <a:ext cx="0" cy="0"/>
+          <a:chOff x="0" y="0"/>
+          <a:chExt cx="0" cy="0"/>
+        </a:xfrm>
+      </p:grpSpPr>
+      <p:pic>
+        <p:nvPicPr>
+          <p:cNvPr id="5" name="Picture 2" descr="C:\Users\2130071\Desktop\scan-001.png"/>
+          <p:cNvPicPr>
+            <a:picLocks noChangeAspect="1" noChangeArrowheads="1"/>
+          </p:cNvPicPr>
+          <p:nvPr/>
+        </p:nvPicPr>
+        <p:blipFill rotWithShape="1">
+          <a:blip r:embed="rId2" cstate="print">
+            <a:extLst>
+              <a:ext uri="{28A0092B-C50C-407E-A947-70E740481C1C}">
+                <a14:useLocalDpi xmlns:a14="http://schemas.microsoft.com/office/drawing/2010/main" val="0"/>
+              </a:ext>
+            </a:extLst>
+          </a:blip>
+          <a:srcRect r="17618"/>
+          <a:stretch/>
+        </p:blipFill>
+        <p:spPr bwMode="auto">
+          <a:xfrm>
+            <a:off x="5680127" y="555526"/>
+            <a:ext cx="3356369" cy="4369420"/>
+          </a:xfrm>
+          <a:prstGeom prst="rect">
+            <a:avLst/>
+          </a:prstGeom>
+          <a:noFill/>
+          <a:extLst>
+            <a:ext uri="{909E8E84-426E-40DD-AFC4-6F175D3DCCD1}">
+              <a14:hiddenFill xmlns:a14="http://schemas.microsoft.com/office/drawing/2010/main">
+                <a:solidFill>
+                  <a:srgbClr val="FFFFFF"/>
+                </a:solidFill>
+              </a14:hiddenFill>
+            </a:ext>
+          </a:extLst>
+        </p:spPr>
+      </p:pic>
+      <p:sp>
+        <p:nvSpPr>
+          <p:cNvPr id="2" name="タイトル 1"/>
+          <p:cNvSpPr>
+            <a:spLocks noGrp="1"/>
+          </p:cNvSpPr>
+          <p:nvPr>
+            <p:ph type="title"/>
+          </p:nvPr>
+        </p:nvSpPr>
+        <p:spPr>
+          <a:xfrm>
+            <a:off x="323528" y="3446339"/>
+            <a:ext cx="7772400" cy="1357659"/>
+          </a:xfrm>
+        </p:spPr>
+        <p:txBody>
+          <a:bodyPr>
+            <a:normAutofit/>
+          </a:bodyPr>
+          <a:lstStyle/>
+          <a:p>
+            <a:r>
+              <a:rPr kumimoji="1" lang="ja-JP" altLang="en-US" dirty="0" smtClean="0"/>
+              <a:t>ご清聴頂き、</a:t>
+            </a:r>
+            <a:r>
+              <a:rPr kumimoji="1" lang="en-US" altLang="ja-JP" dirty="0" smtClean="0"/>
+              <a:t/>
+            </a:r>
+            <a:br>
+              <a:rPr kumimoji="1" lang="en-US" altLang="ja-JP" dirty="0" smtClean="0"/>
+            </a:br>
+            <a:r>
+              <a:rPr lang="ja-JP" altLang="en-US" dirty="0"/>
+              <a:t>ありがとう</a:t>
+            </a:r>
+            <a:r>
+              <a:rPr lang="ja-JP" altLang="en-US" dirty="0" smtClean="0"/>
+              <a:t>ございました。</a:t>
+            </a:r>
+            <a:endParaRPr kumimoji="1" lang="ja-JP" altLang="en-US" dirty="0"/>
+          </a:p>
+        </p:txBody>
+      </p:sp>
+      <p:pic>
+        <p:nvPicPr>
+          <p:cNvPr id="4" name="Picture 2" descr="C:\Users\2130071\Desktop\名称未設定 1.png"/>
+          <p:cNvPicPr>
+            <a:picLocks noChangeAspect="1" noChangeArrowheads="1"/>
+          </p:cNvPicPr>
+          <p:nvPr/>
+        </p:nvPicPr>
+        <p:blipFill rotWithShape="1">
+          <a:blip r:embed="rId3" cstate="print">
+            <a:extLst>
+              <a:ext uri="{28A0092B-C50C-407E-A947-70E740481C1C}">
+                <a14:useLocalDpi xmlns:a14="http://schemas.microsoft.com/office/drawing/2010/main" val="0"/>
+              </a:ext>
+            </a:extLst>
+          </a:blip>
+          <a:srcRect b="43171"/>
+          <a:stretch/>
+        </p:blipFill>
+        <p:spPr bwMode="auto">
+          <a:xfrm>
+            <a:off x="323529" y="-92546"/>
+            <a:ext cx="5544616" cy="3150951"/>
+          </a:xfrm>
+          <a:prstGeom prst="rect">
+            <a:avLst/>
+          </a:prstGeom>
+          <a:noFill/>
+          <a:extLst>
+            <a:ext uri="{909E8E84-426E-40DD-AFC4-6F175D3DCCD1}">
+              <a14:hiddenFill xmlns:a14="http://schemas.microsoft.com/office/drawing/2010/main">
+                <a:solidFill>
+                  <a:srgbClr val="FFFFFF"/>
+                </a:solidFill>
+              </a14:hiddenFill>
+            </a:ext>
+          </a:extLst>
+        </p:spPr>
+      </p:pic>
+    </p:spTree>
+    <p:extLst>
+      <p:ext uri="{BB962C8B-B14F-4D97-AF65-F5344CB8AC3E}">
+        <p14:creationId xmlns:p14="http://schemas.microsoft.com/office/powerpoint/2010/main" val="26119247"/>
       </p:ext>
     </p:extLst>
   </p:cSld>

--- a/仕様/プレゼンテーション/第一回発表.pptx
+++ b/仕様/プレゼンテーション/第一回発表.pptx
@@ -5,32 +5,38 @@
     <p:sldMasterId id="2147483696" r:id="rId1"/>
   </p:sldMasterIdLst>
   <p:notesMasterIdLst>
-    <p:notesMasterId r:id="rId25"/>
+    <p:notesMasterId r:id="rId31"/>
   </p:notesMasterIdLst>
   <p:sldIdLst>
     <p:sldId id="256" r:id="rId2"/>
     <p:sldId id="257" r:id="rId3"/>
-    <p:sldId id="258" r:id="rId4"/>
-    <p:sldId id="259" r:id="rId5"/>
-    <p:sldId id="260" r:id="rId6"/>
-    <p:sldId id="261" r:id="rId7"/>
-    <p:sldId id="262" r:id="rId8"/>
-    <p:sldId id="265" r:id="rId9"/>
-    <p:sldId id="263" r:id="rId10"/>
-    <p:sldId id="266" r:id="rId11"/>
-    <p:sldId id="267" r:id="rId12"/>
-    <p:sldId id="268" r:id="rId13"/>
-    <p:sldId id="269" r:id="rId14"/>
-    <p:sldId id="276" r:id="rId15"/>
-    <p:sldId id="277" r:id="rId16"/>
-    <p:sldId id="278" r:id="rId17"/>
-    <p:sldId id="270" r:id="rId18"/>
-    <p:sldId id="271" r:id="rId19"/>
-    <p:sldId id="272" r:id="rId20"/>
-    <p:sldId id="273" r:id="rId21"/>
-    <p:sldId id="274" r:id="rId22"/>
-    <p:sldId id="275" r:id="rId23"/>
-    <p:sldId id="279" r:id="rId24"/>
+    <p:sldId id="280" r:id="rId4"/>
+    <p:sldId id="258" r:id="rId5"/>
+    <p:sldId id="259" r:id="rId6"/>
+    <p:sldId id="260" r:id="rId7"/>
+    <p:sldId id="261" r:id="rId8"/>
+    <p:sldId id="262" r:id="rId9"/>
+    <p:sldId id="265" r:id="rId10"/>
+    <p:sldId id="263" r:id="rId11"/>
+    <p:sldId id="266" r:id="rId12"/>
+    <p:sldId id="267" r:id="rId13"/>
+    <p:sldId id="268" r:id="rId14"/>
+    <p:sldId id="269" r:id="rId15"/>
+    <p:sldId id="281" r:id="rId16"/>
+    <p:sldId id="276" r:id="rId17"/>
+    <p:sldId id="277" r:id="rId18"/>
+    <p:sldId id="278" r:id="rId19"/>
+    <p:sldId id="282" r:id="rId20"/>
+    <p:sldId id="286" r:id="rId21"/>
+    <p:sldId id="287" r:id="rId22"/>
+    <p:sldId id="270" r:id="rId23"/>
+    <p:sldId id="284" r:id="rId24"/>
+    <p:sldId id="285" r:id="rId25"/>
+    <p:sldId id="272" r:id="rId26"/>
+    <p:sldId id="273" r:id="rId27"/>
+    <p:sldId id="274" r:id="rId28"/>
+    <p:sldId id="275" r:id="rId29"/>
+    <p:sldId id="279" r:id="rId30"/>
   </p:sldIdLst>
   <p:sldSz cx="9144000" cy="5143500" type="screen16x9"/>
   <p:notesSz cx="6858000" cy="9144000"/>
@@ -1106,7 +1112,7 @@
   <dgm:whole/>
   <dgm:extLst>
     <a:ext uri="http://schemas.microsoft.com/office/drawing/2008/diagram">
-      <dsp:dataModelExt xmlns:dsp="http://schemas.microsoft.com/office/drawing/2008/diagram" relId="rId6" minVer="http://schemas.openxmlformats.org/drawingml/2006/diagram"/>
+      <dsp:dataModelExt xmlns:dsp="http://schemas.microsoft.com/office/drawing/2008/diagram" relId="rId7" minVer="http://schemas.openxmlformats.org/drawingml/2006/diagram"/>
     </a:ext>
   </dgm:extLst>
 </dgm:dataModel>
@@ -2855,7 +2861,7 @@
           <a:p>
             <a:fld id="{94FD8BCF-D63F-423A-BBFA-53EA679724C4}" type="datetimeFigureOut">
               <a:rPr kumimoji="1" lang="ja-JP" altLang="en-US" smtClean="0"/>
-              <a:t>2016/10/18</a:t>
+              <a:t>2016/10/20</a:t>
             </a:fld>
             <a:endParaRPr kumimoji="1" lang="ja-JP" altLang="en-US"/>
           </a:p>
@@ -3229,7 +3235,724 @@
     </p:spTree>
     <p:extLst>
       <p:ext uri="{BB962C8B-B14F-4D97-AF65-F5344CB8AC3E}">
-        <p14:creationId xmlns:p14="http://schemas.microsoft.com/office/powerpoint/2010/main" val="793074364"/>
+        <p14:creationId xmlns:p14="http://schemas.microsoft.com/office/powerpoint/2010/main" val="2681341432"/>
+      </p:ext>
+    </p:extLst>
+  </p:cSld>
+  <p:clrMapOvr>
+    <a:masterClrMapping/>
+  </p:clrMapOvr>
+</p:notes>
+</file>
+
+<file path=ppt/notesSlides/notesSlide10.xml><?xml version="1.0" encoding="utf-8"?>
+<p:notes xmlns:a="http://schemas.openxmlformats.org/drawingml/2006/main" xmlns:r="http://schemas.openxmlformats.org/officeDocument/2006/relationships" xmlns:p="http://schemas.openxmlformats.org/presentationml/2006/main">
+  <p:cSld>
+    <p:spTree>
+      <p:nvGrpSpPr>
+        <p:cNvPr id="1" name=""/>
+        <p:cNvGrpSpPr/>
+        <p:nvPr/>
+      </p:nvGrpSpPr>
+      <p:grpSpPr>
+        <a:xfrm>
+          <a:off x="0" y="0"/>
+          <a:ext cx="0" cy="0"/>
+          <a:chOff x="0" y="0"/>
+          <a:chExt cx="0" cy="0"/>
+        </a:xfrm>
+      </p:grpSpPr>
+      <p:sp>
+        <p:nvSpPr>
+          <p:cNvPr id="2" name="スライド イメージ プレースホルダー 1"/>
+          <p:cNvSpPr>
+            <a:spLocks noGrp="1" noRot="1" noChangeAspect="1"/>
+          </p:cNvSpPr>
+          <p:nvPr>
+            <p:ph type="sldImg"/>
+          </p:nvPr>
+        </p:nvSpPr>
+        <p:spPr/>
+      </p:sp>
+      <p:sp>
+        <p:nvSpPr>
+          <p:cNvPr id="3" name="ノート プレースホルダー 2"/>
+          <p:cNvSpPr>
+            <a:spLocks noGrp="1"/>
+          </p:cNvSpPr>
+          <p:nvPr>
+            <p:ph type="body" idx="1"/>
+          </p:nvPr>
+        </p:nvSpPr>
+        <p:spPr/>
+        <p:txBody>
+          <a:bodyPr/>
+          <a:lstStyle/>
+          <a:p>
+            <a:r>
+              <a:rPr kumimoji="1" lang="ja-JP" altLang="en-US" dirty="0" smtClean="0"/>
+              <a:t>このゲームは　どのように育成を進めるかが勝負のカギであり、</a:t>
+            </a:r>
+            <a:endParaRPr kumimoji="1" lang="en-US" altLang="ja-JP" dirty="0" smtClean="0"/>
+          </a:p>
+          <a:p>
+            <a:r>
+              <a:rPr kumimoji="1" lang="ja-JP" altLang="en-US" dirty="0" smtClean="0"/>
+              <a:t>プレイヤーの個性の</a:t>
+            </a:r>
+            <a:r>
+              <a:rPr kumimoji="1" lang="ja-JP" altLang="en-US" dirty="0" smtClean="0"/>
+              <a:t>見せ所、</a:t>
+            </a:r>
+            <a:endParaRPr kumimoji="1" lang="en-US" altLang="ja-JP" dirty="0" smtClean="0"/>
+          </a:p>
+          <a:p>
+            <a:r>
+              <a:rPr kumimoji="1" lang="ja-JP" altLang="en-US" dirty="0" smtClean="0"/>
+              <a:t>そして、本ゲーム最大のウリです。</a:t>
+            </a:r>
+            <a:endParaRPr kumimoji="1" lang="ja-JP" altLang="en-US" dirty="0"/>
+          </a:p>
+        </p:txBody>
+      </p:sp>
+      <p:sp>
+        <p:nvSpPr>
+          <p:cNvPr id="4" name="スライド番号プレースホルダー 3"/>
+          <p:cNvSpPr>
+            <a:spLocks noGrp="1"/>
+          </p:cNvSpPr>
+          <p:nvPr>
+            <p:ph type="sldNum" sz="quarter" idx="10"/>
+          </p:nvPr>
+        </p:nvSpPr>
+        <p:spPr/>
+        <p:txBody>
+          <a:bodyPr/>
+          <a:lstStyle/>
+          <a:p>
+            <a:fld id="{917D347F-F281-4828-BA46-1DDEB626BA2B}" type="slidenum">
+              <a:rPr kumimoji="1" lang="ja-JP" altLang="en-US" smtClean="0"/>
+              <a:t>20</a:t>
+            </a:fld>
+            <a:endParaRPr kumimoji="1" lang="ja-JP" altLang="en-US"/>
+          </a:p>
+        </p:txBody>
+      </p:sp>
+    </p:spTree>
+    <p:extLst>
+      <p:ext uri="{BB962C8B-B14F-4D97-AF65-F5344CB8AC3E}">
+        <p14:creationId xmlns:p14="http://schemas.microsoft.com/office/powerpoint/2010/main" val="3578957990"/>
+      </p:ext>
+    </p:extLst>
+  </p:cSld>
+  <p:clrMapOvr>
+    <a:masterClrMapping/>
+  </p:clrMapOvr>
+</p:notes>
+</file>
+
+<file path=ppt/notesSlides/notesSlide11.xml><?xml version="1.0" encoding="utf-8"?>
+<p:notes xmlns:a="http://schemas.openxmlformats.org/drawingml/2006/main" xmlns:r="http://schemas.openxmlformats.org/officeDocument/2006/relationships" xmlns:p="http://schemas.openxmlformats.org/presentationml/2006/main">
+  <p:cSld>
+    <p:spTree>
+      <p:nvGrpSpPr>
+        <p:cNvPr id="1" name=""/>
+        <p:cNvGrpSpPr/>
+        <p:nvPr/>
+      </p:nvGrpSpPr>
+      <p:grpSpPr>
+        <a:xfrm>
+          <a:off x="0" y="0"/>
+          <a:ext cx="0" cy="0"/>
+          <a:chOff x="0" y="0"/>
+          <a:chExt cx="0" cy="0"/>
+        </a:xfrm>
+      </p:grpSpPr>
+      <p:sp>
+        <p:nvSpPr>
+          <p:cNvPr id="2" name="スライド イメージ プレースホルダー 1"/>
+          <p:cNvSpPr>
+            <a:spLocks noGrp="1" noRot="1" noChangeAspect="1"/>
+          </p:cNvSpPr>
+          <p:nvPr>
+            <p:ph type="sldImg"/>
+          </p:nvPr>
+        </p:nvSpPr>
+        <p:spPr/>
+      </p:sp>
+      <p:sp>
+        <p:nvSpPr>
+          <p:cNvPr id="3" name="ノート プレースホルダー 2"/>
+          <p:cNvSpPr>
+            <a:spLocks noGrp="1"/>
+          </p:cNvSpPr>
+          <p:nvPr>
+            <p:ph type="body" idx="1"/>
+          </p:nvPr>
+        </p:nvSpPr>
+        <p:spPr/>
+        <p:txBody>
+          <a:bodyPr/>
+          <a:lstStyle/>
+          <a:p>
+            <a:endParaRPr kumimoji="1" lang="ja-JP" altLang="en-US" dirty="0"/>
+          </a:p>
+        </p:txBody>
+      </p:sp>
+      <p:sp>
+        <p:nvSpPr>
+          <p:cNvPr id="4" name="スライド番号プレースホルダー 3"/>
+          <p:cNvSpPr>
+            <a:spLocks noGrp="1"/>
+          </p:cNvSpPr>
+          <p:nvPr>
+            <p:ph type="sldNum" sz="quarter" idx="10"/>
+          </p:nvPr>
+        </p:nvSpPr>
+        <p:spPr/>
+        <p:txBody>
+          <a:bodyPr/>
+          <a:lstStyle/>
+          <a:p>
+            <a:fld id="{917D347F-F281-4828-BA46-1DDEB626BA2B}" type="slidenum">
+              <a:rPr kumimoji="1" lang="ja-JP" altLang="en-US" smtClean="0"/>
+              <a:t>21</a:t>
+            </a:fld>
+            <a:endParaRPr kumimoji="1" lang="ja-JP" altLang="en-US"/>
+          </a:p>
+        </p:txBody>
+      </p:sp>
+    </p:spTree>
+    <p:extLst>
+      <p:ext uri="{BB962C8B-B14F-4D97-AF65-F5344CB8AC3E}">
+        <p14:creationId xmlns:p14="http://schemas.microsoft.com/office/powerpoint/2010/main" val="3448885406"/>
+      </p:ext>
+    </p:extLst>
+  </p:cSld>
+  <p:clrMapOvr>
+    <a:masterClrMapping/>
+  </p:clrMapOvr>
+</p:notes>
+</file>
+
+<file path=ppt/notesSlides/notesSlide12.xml><?xml version="1.0" encoding="utf-8"?>
+<p:notes xmlns:a="http://schemas.openxmlformats.org/drawingml/2006/main" xmlns:r="http://schemas.openxmlformats.org/officeDocument/2006/relationships" xmlns:p="http://schemas.openxmlformats.org/presentationml/2006/main">
+  <p:cSld>
+    <p:spTree>
+      <p:nvGrpSpPr>
+        <p:cNvPr id="1" name=""/>
+        <p:cNvGrpSpPr/>
+        <p:nvPr/>
+      </p:nvGrpSpPr>
+      <p:grpSpPr>
+        <a:xfrm>
+          <a:off x="0" y="0"/>
+          <a:ext cx="0" cy="0"/>
+          <a:chOff x="0" y="0"/>
+          <a:chExt cx="0" cy="0"/>
+        </a:xfrm>
+      </p:grpSpPr>
+      <p:sp>
+        <p:nvSpPr>
+          <p:cNvPr id="2" name="スライド イメージ プレースホルダー 1"/>
+          <p:cNvSpPr>
+            <a:spLocks noGrp="1" noRot="1" noChangeAspect="1"/>
+          </p:cNvSpPr>
+          <p:nvPr>
+            <p:ph type="sldImg"/>
+          </p:nvPr>
+        </p:nvSpPr>
+        <p:spPr/>
+      </p:sp>
+      <p:sp>
+        <p:nvSpPr>
+          <p:cNvPr id="3" name="ノート プレースホルダー 2"/>
+          <p:cNvSpPr>
+            <a:spLocks noGrp="1"/>
+          </p:cNvSpPr>
+          <p:nvPr>
+            <p:ph type="body" idx="1"/>
+          </p:nvPr>
+        </p:nvSpPr>
+        <p:spPr/>
+        <p:txBody>
+          <a:bodyPr/>
+          <a:lstStyle/>
+          <a:p>
+            <a:endParaRPr kumimoji="1" lang="ja-JP" altLang="en-US" dirty="0"/>
+          </a:p>
+        </p:txBody>
+      </p:sp>
+      <p:sp>
+        <p:nvSpPr>
+          <p:cNvPr id="4" name="スライド番号プレースホルダー 3"/>
+          <p:cNvSpPr>
+            <a:spLocks noGrp="1"/>
+          </p:cNvSpPr>
+          <p:nvPr>
+            <p:ph type="sldNum" sz="quarter" idx="10"/>
+          </p:nvPr>
+        </p:nvSpPr>
+        <p:spPr/>
+        <p:txBody>
+          <a:bodyPr/>
+          <a:lstStyle/>
+          <a:p>
+            <a:fld id="{917D347F-F281-4828-BA46-1DDEB626BA2B}" type="slidenum">
+              <a:rPr kumimoji="1" lang="ja-JP" altLang="en-US" smtClean="0"/>
+              <a:t>22</a:t>
+            </a:fld>
+            <a:endParaRPr kumimoji="1" lang="ja-JP" altLang="en-US"/>
+          </a:p>
+        </p:txBody>
+      </p:sp>
+    </p:spTree>
+    <p:extLst>
+      <p:ext uri="{BB962C8B-B14F-4D97-AF65-F5344CB8AC3E}">
+        <p14:creationId xmlns:p14="http://schemas.microsoft.com/office/powerpoint/2010/main" val="4238390223"/>
+      </p:ext>
+    </p:extLst>
+  </p:cSld>
+  <p:clrMapOvr>
+    <a:masterClrMapping/>
+  </p:clrMapOvr>
+</p:notes>
+</file>
+
+<file path=ppt/notesSlides/notesSlide13.xml><?xml version="1.0" encoding="utf-8"?>
+<p:notes xmlns:a="http://schemas.openxmlformats.org/drawingml/2006/main" xmlns:r="http://schemas.openxmlformats.org/officeDocument/2006/relationships" xmlns:p="http://schemas.openxmlformats.org/presentationml/2006/main">
+  <p:cSld>
+    <p:spTree>
+      <p:nvGrpSpPr>
+        <p:cNvPr id="1" name=""/>
+        <p:cNvGrpSpPr/>
+        <p:nvPr/>
+      </p:nvGrpSpPr>
+      <p:grpSpPr>
+        <a:xfrm>
+          <a:off x="0" y="0"/>
+          <a:ext cx="0" cy="0"/>
+          <a:chOff x="0" y="0"/>
+          <a:chExt cx="0" cy="0"/>
+        </a:xfrm>
+      </p:grpSpPr>
+      <p:sp>
+        <p:nvSpPr>
+          <p:cNvPr id="2" name="スライド イメージ プレースホルダー 1"/>
+          <p:cNvSpPr>
+            <a:spLocks noGrp="1" noRot="1" noChangeAspect="1"/>
+          </p:cNvSpPr>
+          <p:nvPr>
+            <p:ph type="sldImg"/>
+          </p:nvPr>
+        </p:nvSpPr>
+        <p:spPr/>
+      </p:sp>
+      <p:sp>
+        <p:nvSpPr>
+          <p:cNvPr id="3" name="ノート プレースホルダー 2"/>
+          <p:cNvSpPr>
+            <a:spLocks noGrp="1"/>
+          </p:cNvSpPr>
+          <p:nvPr>
+            <p:ph type="body" idx="1"/>
+          </p:nvPr>
+        </p:nvSpPr>
+        <p:spPr/>
+        <p:txBody>
+          <a:bodyPr/>
+          <a:lstStyle/>
+          <a:p>
+            <a:r>
+              <a:rPr kumimoji="1" lang="ja-JP" altLang="en-US" dirty="0" smtClean="0"/>
+              <a:t>ルールの簡略化や、慣れ親しんでいる</a:t>
+            </a:r>
+            <a:r>
+              <a:rPr kumimoji="1" lang="ja-JP" altLang="en-US" dirty="0" err="1" smtClean="0"/>
+              <a:t>で</a:t>
+            </a:r>
+            <a:r>
+              <a:rPr kumimoji="1" lang="ja-JP" altLang="en-US" dirty="0" smtClean="0"/>
+              <a:t>あろうアクションゲームの操作に変更するなど、</a:t>
+            </a:r>
+            <a:endParaRPr kumimoji="1" lang="en-US" altLang="ja-JP" dirty="0" smtClean="0"/>
+          </a:p>
+          <a:p>
+            <a:r>
+              <a:rPr kumimoji="1" lang="ja-JP" altLang="en-US" dirty="0" smtClean="0"/>
+              <a:t>気軽に手に取ってもらうことで</a:t>
+            </a:r>
+            <a:r>
+              <a:rPr kumimoji="1" lang="en-US" altLang="ja-JP" dirty="0" smtClean="0"/>
+              <a:t>MOBA</a:t>
+            </a:r>
+            <a:r>
+              <a:rPr kumimoji="1" lang="ja-JP" altLang="en-US" dirty="0" smtClean="0"/>
+              <a:t>系の第一歩にして頂ければいいな。</a:t>
+            </a:r>
+            <a:endParaRPr kumimoji="1" lang="en-US" altLang="ja-JP" dirty="0" smtClean="0"/>
+          </a:p>
+          <a:p>
+            <a:endParaRPr kumimoji="1" lang="en-US" altLang="ja-JP" dirty="0" smtClean="0"/>
+          </a:p>
+          <a:p>
+            <a:r>
+              <a:rPr kumimoji="1" lang="ja-JP" altLang="en-US" dirty="0" smtClean="0"/>
+              <a:t>そんな願いを持ったゲームがハンティングブレイブスです。</a:t>
+            </a:r>
+            <a:endParaRPr kumimoji="1" lang="ja-JP" altLang="en-US" dirty="0"/>
+          </a:p>
+        </p:txBody>
+      </p:sp>
+      <p:sp>
+        <p:nvSpPr>
+          <p:cNvPr id="4" name="スライド番号プレースホルダー 3"/>
+          <p:cNvSpPr>
+            <a:spLocks noGrp="1"/>
+          </p:cNvSpPr>
+          <p:nvPr>
+            <p:ph type="sldNum" sz="quarter" idx="10"/>
+          </p:nvPr>
+        </p:nvSpPr>
+        <p:spPr/>
+        <p:txBody>
+          <a:bodyPr/>
+          <a:lstStyle/>
+          <a:p>
+            <a:fld id="{917D347F-F281-4828-BA46-1DDEB626BA2B}" type="slidenum">
+              <a:rPr kumimoji="1" lang="ja-JP" altLang="en-US" smtClean="0"/>
+              <a:t>24</a:t>
+            </a:fld>
+            <a:endParaRPr kumimoji="1" lang="ja-JP" altLang="en-US"/>
+          </a:p>
+        </p:txBody>
+      </p:sp>
+    </p:spTree>
+    <p:extLst>
+      <p:ext uri="{BB962C8B-B14F-4D97-AF65-F5344CB8AC3E}">
+        <p14:creationId xmlns:p14="http://schemas.microsoft.com/office/powerpoint/2010/main" val="675405950"/>
+      </p:ext>
+    </p:extLst>
+  </p:cSld>
+  <p:clrMapOvr>
+    <a:masterClrMapping/>
+  </p:clrMapOvr>
+</p:notes>
+</file>
+
+<file path=ppt/notesSlides/notesSlide14.xml><?xml version="1.0" encoding="utf-8"?>
+<p:notes xmlns:a="http://schemas.openxmlformats.org/drawingml/2006/main" xmlns:r="http://schemas.openxmlformats.org/officeDocument/2006/relationships" xmlns:p="http://schemas.openxmlformats.org/presentationml/2006/main">
+  <p:cSld>
+    <p:spTree>
+      <p:nvGrpSpPr>
+        <p:cNvPr id="1" name=""/>
+        <p:cNvGrpSpPr/>
+        <p:nvPr/>
+      </p:nvGrpSpPr>
+      <p:grpSpPr>
+        <a:xfrm>
+          <a:off x="0" y="0"/>
+          <a:ext cx="0" cy="0"/>
+          <a:chOff x="0" y="0"/>
+          <a:chExt cx="0" cy="0"/>
+        </a:xfrm>
+      </p:grpSpPr>
+      <p:sp>
+        <p:nvSpPr>
+          <p:cNvPr id="2" name="スライド イメージ プレースホルダー 1"/>
+          <p:cNvSpPr>
+            <a:spLocks noGrp="1" noRot="1" noChangeAspect="1"/>
+          </p:cNvSpPr>
+          <p:nvPr>
+            <p:ph type="sldImg"/>
+          </p:nvPr>
+        </p:nvSpPr>
+        <p:spPr/>
+      </p:sp>
+      <p:sp>
+        <p:nvSpPr>
+          <p:cNvPr id="3" name="ノート プレースホルダー 2"/>
+          <p:cNvSpPr>
+            <a:spLocks noGrp="1"/>
+          </p:cNvSpPr>
+          <p:nvPr>
+            <p:ph type="body" idx="1"/>
+          </p:nvPr>
+        </p:nvSpPr>
+        <p:spPr/>
+        <p:txBody>
+          <a:bodyPr/>
+          <a:lstStyle/>
+          <a:p>
+            <a:r>
+              <a:rPr kumimoji="1" lang="ja-JP" altLang="en-US" dirty="0" smtClean="0"/>
+              <a:t>では、ここからは進捗の報告に参ります。</a:t>
+            </a:r>
+            <a:endParaRPr kumimoji="1" lang="en-US" altLang="ja-JP" dirty="0" smtClean="0"/>
+          </a:p>
+          <a:p>
+            <a:r>
+              <a:rPr kumimoji="1" lang="ja-JP" altLang="en-US" dirty="0" smtClean="0"/>
+              <a:t>プレイヤーズキャラクターは基本となる</a:t>
+            </a:r>
+            <a:r>
+              <a:rPr kumimoji="1" lang="ja-JP" altLang="en-US" dirty="0" err="1" smtClean="0"/>
+              <a:t>すっ</a:t>
+            </a:r>
+            <a:r>
+              <a:rPr kumimoji="1" lang="ja-JP" altLang="en-US" dirty="0" smtClean="0"/>
+              <a:t>ぴんのモデルが出来上がり、</a:t>
+            </a:r>
+            <a:endParaRPr kumimoji="1" lang="en-US" altLang="ja-JP" dirty="0" smtClean="0"/>
+          </a:p>
+          <a:p>
+            <a:r>
+              <a:rPr kumimoji="1" lang="ja-JP" altLang="en-US" dirty="0" smtClean="0"/>
+              <a:t>ここから他の職業に着手していきます。</a:t>
+            </a:r>
+            <a:endParaRPr kumimoji="1" lang="ja-JP" altLang="en-US" dirty="0"/>
+          </a:p>
+        </p:txBody>
+      </p:sp>
+      <p:sp>
+        <p:nvSpPr>
+          <p:cNvPr id="4" name="スライド番号プレースホルダー 3"/>
+          <p:cNvSpPr>
+            <a:spLocks noGrp="1"/>
+          </p:cNvSpPr>
+          <p:nvPr>
+            <p:ph type="sldNum" sz="quarter" idx="10"/>
+          </p:nvPr>
+        </p:nvSpPr>
+        <p:spPr/>
+        <p:txBody>
+          <a:bodyPr/>
+          <a:lstStyle/>
+          <a:p>
+            <a:fld id="{917D347F-F281-4828-BA46-1DDEB626BA2B}" type="slidenum">
+              <a:rPr kumimoji="1" lang="ja-JP" altLang="en-US" smtClean="0"/>
+              <a:t>25</a:t>
+            </a:fld>
+            <a:endParaRPr kumimoji="1" lang="ja-JP" altLang="en-US"/>
+          </a:p>
+        </p:txBody>
+      </p:sp>
+    </p:spTree>
+    <p:extLst>
+      <p:ext uri="{BB962C8B-B14F-4D97-AF65-F5344CB8AC3E}">
+        <p14:creationId xmlns:p14="http://schemas.microsoft.com/office/powerpoint/2010/main" val="2684374996"/>
+      </p:ext>
+    </p:extLst>
+  </p:cSld>
+  <p:clrMapOvr>
+    <a:masterClrMapping/>
+  </p:clrMapOvr>
+</p:notes>
+</file>
+
+<file path=ppt/notesSlides/notesSlide15.xml><?xml version="1.0" encoding="utf-8"?>
+<p:notes xmlns:a="http://schemas.openxmlformats.org/drawingml/2006/main" xmlns:r="http://schemas.openxmlformats.org/officeDocument/2006/relationships" xmlns:p="http://schemas.openxmlformats.org/presentationml/2006/main">
+  <p:cSld>
+    <p:spTree>
+      <p:nvGrpSpPr>
+        <p:cNvPr id="1" name=""/>
+        <p:cNvGrpSpPr/>
+        <p:nvPr/>
+      </p:nvGrpSpPr>
+      <p:grpSpPr>
+        <a:xfrm>
+          <a:off x="0" y="0"/>
+          <a:ext cx="0" cy="0"/>
+          <a:chOff x="0" y="0"/>
+          <a:chExt cx="0" cy="0"/>
+        </a:xfrm>
+      </p:grpSpPr>
+      <p:sp>
+        <p:nvSpPr>
+          <p:cNvPr id="2" name="スライド イメージ プレースホルダー 1"/>
+          <p:cNvSpPr>
+            <a:spLocks noGrp="1" noRot="1" noChangeAspect="1"/>
+          </p:cNvSpPr>
+          <p:nvPr>
+            <p:ph type="sldImg"/>
+          </p:nvPr>
+        </p:nvSpPr>
+        <p:spPr/>
+      </p:sp>
+      <p:sp>
+        <p:nvSpPr>
+          <p:cNvPr id="3" name="ノート プレースホルダー 2"/>
+          <p:cNvSpPr>
+            <a:spLocks noGrp="1"/>
+          </p:cNvSpPr>
+          <p:nvPr>
+            <p:ph type="body" idx="1"/>
+          </p:nvPr>
+        </p:nvSpPr>
+        <p:spPr/>
+        <p:txBody>
+          <a:bodyPr/>
+          <a:lstStyle/>
+          <a:p>
+            <a:r>
+              <a:rPr kumimoji="1" lang="ja-JP" altLang="en-US" dirty="0" smtClean="0"/>
+              <a:t>次に、戦いの舞台となるステージです。</a:t>
+            </a:r>
+            <a:endParaRPr kumimoji="1" lang="en-US" altLang="ja-JP" dirty="0" smtClean="0"/>
+          </a:p>
+          <a:p>
+            <a:r>
+              <a:rPr kumimoji="1" lang="ja-JP" altLang="en-US" dirty="0" smtClean="0"/>
+              <a:t>プレイヤーの安全地帯となる拠点部分の作成中で、</a:t>
+            </a:r>
+            <a:endParaRPr kumimoji="1" lang="en-US" altLang="ja-JP" dirty="0" smtClean="0"/>
+          </a:p>
+          <a:p>
+            <a:r>
+              <a:rPr kumimoji="1" lang="ja-JP" altLang="en-US" dirty="0" smtClean="0"/>
+              <a:t>出来上がり次第実機に実装をしていきます。</a:t>
+            </a:r>
+            <a:endParaRPr kumimoji="1" lang="ja-JP" altLang="en-US" dirty="0"/>
+          </a:p>
+        </p:txBody>
+      </p:sp>
+      <p:sp>
+        <p:nvSpPr>
+          <p:cNvPr id="4" name="スライド番号プレースホルダー 3"/>
+          <p:cNvSpPr>
+            <a:spLocks noGrp="1"/>
+          </p:cNvSpPr>
+          <p:nvPr>
+            <p:ph type="sldNum" sz="quarter" idx="10"/>
+          </p:nvPr>
+        </p:nvSpPr>
+        <p:spPr/>
+        <p:txBody>
+          <a:bodyPr/>
+          <a:lstStyle/>
+          <a:p>
+            <a:fld id="{917D347F-F281-4828-BA46-1DDEB626BA2B}" type="slidenum">
+              <a:rPr kumimoji="1" lang="ja-JP" altLang="en-US" smtClean="0"/>
+              <a:t>26</a:t>
+            </a:fld>
+            <a:endParaRPr kumimoji="1" lang="ja-JP" altLang="en-US"/>
+          </a:p>
+        </p:txBody>
+      </p:sp>
+    </p:spTree>
+    <p:extLst>
+      <p:ext uri="{BB962C8B-B14F-4D97-AF65-F5344CB8AC3E}">
+        <p14:creationId xmlns:p14="http://schemas.microsoft.com/office/powerpoint/2010/main" val="1341936097"/>
+      </p:ext>
+    </p:extLst>
+  </p:cSld>
+  <p:clrMapOvr>
+    <a:masterClrMapping/>
+  </p:clrMapOvr>
+</p:notes>
+</file>
+
+<file path=ppt/notesSlides/notesSlide16.xml><?xml version="1.0" encoding="utf-8"?>
+<p:notes xmlns:a="http://schemas.openxmlformats.org/drawingml/2006/main" xmlns:r="http://schemas.openxmlformats.org/officeDocument/2006/relationships" xmlns:p="http://schemas.openxmlformats.org/presentationml/2006/main">
+  <p:cSld>
+    <p:spTree>
+      <p:nvGrpSpPr>
+        <p:cNvPr id="1" name=""/>
+        <p:cNvGrpSpPr/>
+        <p:nvPr/>
+      </p:nvGrpSpPr>
+      <p:grpSpPr>
+        <a:xfrm>
+          <a:off x="0" y="0"/>
+          <a:ext cx="0" cy="0"/>
+          <a:chOff x="0" y="0"/>
+          <a:chExt cx="0" cy="0"/>
+        </a:xfrm>
+      </p:grpSpPr>
+      <p:sp>
+        <p:nvSpPr>
+          <p:cNvPr id="2" name="スライド イメージ プレースホルダー 1"/>
+          <p:cNvSpPr>
+            <a:spLocks noGrp="1" noRot="1" noChangeAspect="1"/>
+          </p:cNvSpPr>
+          <p:nvPr>
+            <p:ph type="sldImg"/>
+          </p:nvPr>
+        </p:nvSpPr>
+        <p:spPr/>
+      </p:sp>
+      <p:sp>
+        <p:nvSpPr>
+          <p:cNvPr id="3" name="ノート プレースホルダー 2"/>
+          <p:cNvSpPr>
+            <a:spLocks noGrp="1"/>
+          </p:cNvSpPr>
+          <p:nvPr>
+            <p:ph type="body" idx="1"/>
+          </p:nvPr>
+        </p:nvSpPr>
+        <p:spPr/>
+        <p:txBody>
+          <a:bodyPr/>
+          <a:lstStyle/>
+          <a:p>
+            <a:r>
+              <a:rPr kumimoji="1" lang="ja-JP" altLang="en-US" dirty="0" smtClean="0"/>
+              <a:t>現在、プロトタイプの開発をしています。</a:t>
+            </a:r>
+            <a:endParaRPr kumimoji="1" lang="en-US" altLang="ja-JP" dirty="0" smtClean="0"/>
+          </a:p>
+          <a:p>
+            <a:r>
+              <a:rPr kumimoji="1" lang="ja-JP" altLang="en-US" dirty="0" smtClean="0"/>
+              <a:t>基本的な動作の仮実装や</a:t>
+            </a:r>
+            <a:r>
+              <a:rPr kumimoji="1" lang="en-US" altLang="ja-JP" dirty="0" smtClean="0"/>
+              <a:t>UI</a:t>
+            </a:r>
+            <a:r>
+              <a:rPr kumimoji="1" lang="ja-JP" altLang="en-US" dirty="0" smtClean="0"/>
+              <a:t>配置ツールの作成、ネットワーク周りの整備に着手をしておりまして、</a:t>
+            </a:r>
+            <a:endParaRPr kumimoji="1" lang="en-US" altLang="ja-JP" dirty="0" smtClean="0"/>
+          </a:p>
+          <a:p>
+            <a:r>
+              <a:rPr kumimoji="1" lang="ja-JP" altLang="en-US" dirty="0" smtClean="0"/>
+              <a:t>次回発表には基本的な部分が遊べる状態をお見せしたいと思います。</a:t>
+            </a:r>
+            <a:endParaRPr kumimoji="1" lang="ja-JP" altLang="en-US" dirty="0"/>
+          </a:p>
+        </p:txBody>
+      </p:sp>
+      <p:sp>
+        <p:nvSpPr>
+          <p:cNvPr id="4" name="スライド番号プレースホルダー 3"/>
+          <p:cNvSpPr>
+            <a:spLocks noGrp="1"/>
+          </p:cNvSpPr>
+          <p:nvPr>
+            <p:ph type="sldNum" sz="quarter" idx="10"/>
+          </p:nvPr>
+        </p:nvSpPr>
+        <p:spPr/>
+        <p:txBody>
+          <a:bodyPr/>
+          <a:lstStyle/>
+          <a:p>
+            <a:fld id="{917D347F-F281-4828-BA46-1DDEB626BA2B}" type="slidenum">
+              <a:rPr kumimoji="1" lang="ja-JP" altLang="en-US" smtClean="0"/>
+              <a:t>27</a:t>
+            </a:fld>
+            <a:endParaRPr kumimoji="1" lang="ja-JP" altLang="en-US"/>
+          </a:p>
+        </p:txBody>
+      </p:sp>
+    </p:spTree>
+    <p:extLst>
+      <p:ext uri="{BB962C8B-B14F-4D97-AF65-F5344CB8AC3E}">
+        <p14:creationId xmlns:p14="http://schemas.microsoft.com/office/powerpoint/2010/main" val="8027769"/>
       </p:ext>
     </p:extLst>
   </p:cSld>
@@ -3283,6 +4006,198 @@
           <a:bodyPr/>
           <a:lstStyle/>
           <a:p>
+            <a:r>
+              <a:rPr kumimoji="1" lang="en-US" altLang="ja-JP" dirty="0" smtClean="0"/>
+              <a:t>1</a:t>
+            </a:r>
+            <a:r>
+              <a:rPr kumimoji="1" lang="ja-JP" altLang="en-US" dirty="0" smtClean="0"/>
+              <a:t>～</a:t>
+            </a:r>
+            <a:r>
+              <a:rPr kumimoji="1" lang="en-US" altLang="ja-JP" dirty="0" smtClean="0"/>
+              <a:t>4</a:t>
+            </a:r>
+            <a:r>
+              <a:rPr kumimoji="1" lang="ja-JP" altLang="en-US" dirty="0" smtClean="0"/>
+              <a:t>人でのプレイを想定しており、オンラインの使用を前提としています。</a:t>
+            </a:r>
+            <a:endParaRPr kumimoji="1" lang="ja-JP" altLang="en-US" dirty="0"/>
+          </a:p>
+        </p:txBody>
+      </p:sp>
+      <p:sp>
+        <p:nvSpPr>
+          <p:cNvPr id="4" name="スライド番号プレースホルダー 3"/>
+          <p:cNvSpPr>
+            <a:spLocks noGrp="1"/>
+          </p:cNvSpPr>
+          <p:nvPr>
+            <p:ph type="sldNum" sz="quarter" idx="10"/>
+          </p:nvPr>
+        </p:nvSpPr>
+        <p:spPr/>
+        <p:txBody>
+          <a:bodyPr/>
+          <a:lstStyle/>
+          <a:p>
+            <a:fld id="{917D347F-F281-4828-BA46-1DDEB626BA2B}" type="slidenum">
+              <a:rPr kumimoji="1" lang="ja-JP" altLang="en-US" smtClean="0"/>
+              <a:t>10</a:t>
+            </a:fld>
+            <a:endParaRPr kumimoji="1" lang="ja-JP" altLang="en-US"/>
+          </a:p>
+        </p:txBody>
+      </p:sp>
+    </p:spTree>
+    <p:extLst>
+      <p:ext uri="{BB962C8B-B14F-4D97-AF65-F5344CB8AC3E}">
+        <p14:creationId xmlns:p14="http://schemas.microsoft.com/office/powerpoint/2010/main" val="793074364"/>
+      </p:ext>
+    </p:extLst>
+  </p:cSld>
+  <p:clrMapOvr>
+    <a:masterClrMapping/>
+  </p:clrMapOvr>
+</p:notes>
+</file>
+
+<file path=ppt/notesSlides/notesSlide3.xml><?xml version="1.0" encoding="utf-8"?>
+<p:notes xmlns:a="http://schemas.openxmlformats.org/drawingml/2006/main" xmlns:r="http://schemas.openxmlformats.org/officeDocument/2006/relationships" xmlns:p="http://schemas.openxmlformats.org/presentationml/2006/main">
+  <p:cSld>
+    <p:spTree>
+      <p:nvGrpSpPr>
+        <p:cNvPr id="1" name=""/>
+        <p:cNvGrpSpPr/>
+        <p:nvPr/>
+      </p:nvGrpSpPr>
+      <p:grpSpPr>
+        <a:xfrm>
+          <a:off x="0" y="0"/>
+          <a:ext cx="0" cy="0"/>
+          <a:chOff x="0" y="0"/>
+          <a:chExt cx="0" cy="0"/>
+        </a:xfrm>
+      </p:grpSpPr>
+      <p:sp>
+        <p:nvSpPr>
+          <p:cNvPr id="2" name="スライド イメージ プレースホルダー 1"/>
+          <p:cNvSpPr>
+            <a:spLocks noGrp="1" noRot="1" noChangeAspect="1"/>
+          </p:cNvSpPr>
+          <p:nvPr>
+            <p:ph type="sldImg"/>
+          </p:nvPr>
+        </p:nvSpPr>
+        <p:spPr/>
+      </p:sp>
+      <p:sp>
+        <p:nvSpPr>
+          <p:cNvPr id="3" name="ノート プレースホルダー 2"/>
+          <p:cNvSpPr>
+            <a:spLocks noGrp="1"/>
+          </p:cNvSpPr>
+          <p:nvPr>
+            <p:ph type="body" idx="1"/>
+          </p:nvPr>
+        </p:nvSpPr>
+        <p:spPr/>
+        <p:txBody>
+          <a:bodyPr/>
+          <a:lstStyle/>
+          <a:p>
+            <a:endParaRPr kumimoji="1" lang="ja-JP" altLang="en-US" dirty="0"/>
+          </a:p>
+        </p:txBody>
+      </p:sp>
+      <p:sp>
+        <p:nvSpPr>
+          <p:cNvPr id="4" name="スライド番号プレースホルダー 3"/>
+          <p:cNvSpPr>
+            <a:spLocks noGrp="1"/>
+          </p:cNvSpPr>
+          <p:nvPr>
+            <p:ph type="sldNum" sz="quarter" idx="10"/>
+          </p:nvPr>
+        </p:nvSpPr>
+        <p:spPr/>
+        <p:txBody>
+          <a:bodyPr/>
+          <a:lstStyle/>
+          <a:p>
+            <a:fld id="{917D347F-F281-4828-BA46-1DDEB626BA2B}" type="slidenum">
+              <a:rPr kumimoji="1" lang="ja-JP" altLang="en-US" smtClean="0"/>
+              <a:t>11</a:t>
+            </a:fld>
+            <a:endParaRPr kumimoji="1" lang="ja-JP" altLang="en-US"/>
+          </a:p>
+        </p:txBody>
+      </p:sp>
+    </p:spTree>
+    <p:extLst>
+      <p:ext uri="{BB962C8B-B14F-4D97-AF65-F5344CB8AC3E}">
+        <p14:creationId xmlns:p14="http://schemas.microsoft.com/office/powerpoint/2010/main" val="3970237177"/>
+      </p:ext>
+    </p:extLst>
+  </p:cSld>
+  <p:clrMapOvr>
+    <a:masterClrMapping/>
+  </p:clrMapOvr>
+</p:notes>
+</file>
+
+<file path=ppt/notesSlides/notesSlide4.xml><?xml version="1.0" encoding="utf-8"?>
+<p:notes xmlns:a="http://schemas.openxmlformats.org/drawingml/2006/main" xmlns:r="http://schemas.openxmlformats.org/officeDocument/2006/relationships" xmlns:p="http://schemas.openxmlformats.org/presentationml/2006/main">
+  <p:cSld>
+    <p:spTree>
+      <p:nvGrpSpPr>
+        <p:cNvPr id="1" name=""/>
+        <p:cNvGrpSpPr/>
+        <p:nvPr/>
+      </p:nvGrpSpPr>
+      <p:grpSpPr>
+        <a:xfrm>
+          <a:off x="0" y="0"/>
+          <a:ext cx="0" cy="0"/>
+          <a:chOff x="0" y="0"/>
+          <a:chExt cx="0" cy="0"/>
+        </a:xfrm>
+      </p:grpSpPr>
+      <p:sp>
+        <p:nvSpPr>
+          <p:cNvPr id="2" name="スライド イメージ プレースホルダー 1"/>
+          <p:cNvSpPr>
+            <a:spLocks noGrp="1" noRot="1" noChangeAspect="1"/>
+          </p:cNvSpPr>
+          <p:nvPr>
+            <p:ph type="sldImg"/>
+          </p:nvPr>
+        </p:nvSpPr>
+        <p:spPr/>
+      </p:sp>
+      <p:sp>
+        <p:nvSpPr>
+          <p:cNvPr id="3" name="ノート プレースホルダー 2"/>
+          <p:cNvSpPr>
+            <a:spLocks noGrp="1"/>
+          </p:cNvSpPr>
+          <p:nvPr>
+            <p:ph type="body" idx="1"/>
+          </p:nvPr>
+        </p:nvSpPr>
+        <p:spPr/>
+        <p:txBody>
+          <a:bodyPr/>
+          <a:lstStyle/>
+          <a:p>
+            <a:r>
+              <a:rPr kumimoji="1" lang="en-US" altLang="ja-JP" dirty="0" smtClean="0"/>
+              <a:t>RPG</a:t>
+            </a:r>
+            <a:r>
+              <a:rPr kumimoji="1" lang="ja-JP" altLang="en-US" dirty="0" smtClean="0"/>
+              <a:t>の１～１０を簡略化して一つの試合に集約したものが基本ルールとなります。</a:t>
+            </a:r>
             <a:endParaRPr kumimoji="1" lang="ja-JP" altLang="en-US" dirty="0"/>
           </a:p>
         </p:txBody>
@@ -3313,7 +4228,556 @@
     </p:spTree>
     <p:extLst>
       <p:ext uri="{BB962C8B-B14F-4D97-AF65-F5344CB8AC3E}">
+        <p14:creationId xmlns:p14="http://schemas.microsoft.com/office/powerpoint/2010/main" val="171190192"/>
+      </p:ext>
+    </p:extLst>
+  </p:cSld>
+  <p:clrMapOvr>
+    <a:masterClrMapping/>
+  </p:clrMapOvr>
+</p:notes>
+</file>
+
+<file path=ppt/notesSlides/notesSlide5.xml><?xml version="1.0" encoding="utf-8"?>
+<p:notes xmlns:a="http://schemas.openxmlformats.org/drawingml/2006/main" xmlns:r="http://schemas.openxmlformats.org/officeDocument/2006/relationships" xmlns:p="http://schemas.openxmlformats.org/presentationml/2006/main">
+  <p:cSld>
+    <p:spTree>
+      <p:nvGrpSpPr>
+        <p:cNvPr id="1" name=""/>
+        <p:cNvGrpSpPr/>
+        <p:nvPr/>
+      </p:nvGrpSpPr>
+      <p:grpSpPr>
+        <a:xfrm>
+          <a:off x="0" y="0"/>
+          <a:ext cx="0" cy="0"/>
+          <a:chOff x="0" y="0"/>
+          <a:chExt cx="0" cy="0"/>
+        </a:xfrm>
+      </p:grpSpPr>
+      <p:sp>
+        <p:nvSpPr>
+          <p:cNvPr id="2" name="スライド イメージ プレースホルダー 1"/>
+          <p:cNvSpPr>
+            <a:spLocks noGrp="1" noRot="1" noChangeAspect="1"/>
+          </p:cNvSpPr>
+          <p:nvPr>
+            <p:ph type="sldImg"/>
+          </p:nvPr>
+        </p:nvSpPr>
+        <p:spPr/>
+      </p:sp>
+      <p:sp>
+        <p:nvSpPr>
+          <p:cNvPr id="3" name="ノート プレースホルダー 2"/>
+          <p:cNvSpPr>
+            <a:spLocks noGrp="1"/>
+          </p:cNvSpPr>
+          <p:nvPr>
+            <p:ph type="body" idx="1"/>
+          </p:nvPr>
+        </p:nvSpPr>
+        <p:spPr/>
+        <p:txBody>
+          <a:bodyPr/>
+          <a:lstStyle/>
+          <a:p>
+            <a:r>
+              <a:rPr kumimoji="1" lang="ja-JP" altLang="en-US" dirty="0" smtClean="0"/>
+              <a:t>プレイヤーは２種類の攻撃を　行うことができます。</a:t>
+            </a:r>
+            <a:endParaRPr kumimoji="1" lang="en-US" altLang="ja-JP" dirty="0" smtClean="0"/>
+          </a:p>
+          <a:p>
+            <a:r>
+              <a:rPr kumimoji="1" lang="ja-JP" altLang="en-US" dirty="0" smtClean="0"/>
+              <a:t>遠近どちらを主体に成長させるか、そこにプレイヤーの個性が見えてくるのではないかと考えています。</a:t>
+            </a:r>
+            <a:endParaRPr kumimoji="1" lang="ja-JP" altLang="en-US" dirty="0"/>
+          </a:p>
+        </p:txBody>
+      </p:sp>
+      <p:sp>
+        <p:nvSpPr>
+          <p:cNvPr id="4" name="スライド番号プレースホルダー 3"/>
+          <p:cNvSpPr>
+            <a:spLocks noGrp="1"/>
+          </p:cNvSpPr>
+          <p:nvPr>
+            <p:ph type="sldNum" sz="quarter" idx="10"/>
+          </p:nvPr>
+        </p:nvSpPr>
+        <p:spPr/>
+        <p:txBody>
+          <a:bodyPr/>
+          <a:lstStyle/>
+          <a:p>
+            <a:fld id="{917D347F-F281-4828-BA46-1DDEB626BA2B}" type="slidenum">
+              <a:rPr kumimoji="1" lang="ja-JP" altLang="en-US" smtClean="0"/>
+              <a:t>15</a:t>
+            </a:fld>
+            <a:endParaRPr kumimoji="1" lang="ja-JP" altLang="en-US"/>
+          </a:p>
+        </p:txBody>
+      </p:sp>
+    </p:spTree>
+    <p:extLst>
+      <p:ext uri="{BB962C8B-B14F-4D97-AF65-F5344CB8AC3E}">
+        <p14:creationId xmlns:p14="http://schemas.microsoft.com/office/powerpoint/2010/main" val="3641291743"/>
+      </p:ext>
+    </p:extLst>
+  </p:cSld>
+  <p:clrMapOvr>
+    <a:masterClrMapping/>
+  </p:clrMapOvr>
+</p:notes>
+</file>
+
+<file path=ppt/notesSlides/notesSlide6.xml><?xml version="1.0" encoding="utf-8"?>
+<p:notes xmlns:a="http://schemas.openxmlformats.org/drawingml/2006/main" xmlns:r="http://schemas.openxmlformats.org/officeDocument/2006/relationships" xmlns:p="http://schemas.openxmlformats.org/presentationml/2006/main">
+  <p:cSld>
+    <p:spTree>
+      <p:nvGrpSpPr>
+        <p:cNvPr id="1" name=""/>
+        <p:cNvGrpSpPr/>
+        <p:nvPr/>
+      </p:nvGrpSpPr>
+      <p:grpSpPr>
+        <a:xfrm>
+          <a:off x="0" y="0"/>
+          <a:ext cx="0" cy="0"/>
+          <a:chOff x="0" y="0"/>
+          <a:chExt cx="0" cy="0"/>
+        </a:xfrm>
+      </p:grpSpPr>
+      <p:sp>
+        <p:nvSpPr>
+          <p:cNvPr id="2" name="スライド イメージ プレースホルダー 1"/>
+          <p:cNvSpPr>
+            <a:spLocks noGrp="1" noRot="1" noChangeAspect="1"/>
+          </p:cNvSpPr>
+          <p:nvPr>
+            <p:ph type="sldImg"/>
+          </p:nvPr>
+        </p:nvSpPr>
+        <p:spPr/>
+      </p:sp>
+      <p:sp>
+        <p:nvSpPr>
+          <p:cNvPr id="3" name="ノート プレースホルダー 2"/>
+          <p:cNvSpPr>
+            <a:spLocks noGrp="1"/>
+          </p:cNvSpPr>
+          <p:nvPr>
+            <p:ph type="body" idx="1"/>
+          </p:nvPr>
+        </p:nvSpPr>
+        <p:spPr/>
+        <p:txBody>
+          <a:bodyPr/>
+          <a:lstStyle/>
+          <a:p>
+            <a:r>
+              <a:rPr kumimoji="1" lang="ja-JP" altLang="en-US" dirty="0" smtClean="0"/>
+              <a:t>成長方法についてですが、　</a:t>
+            </a:r>
+            <a:r>
+              <a:rPr kumimoji="1" lang="en-US" altLang="ja-JP" dirty="0" smtClean="0"/>
+              <a:t>(</a:t>
+            </a:r>
+            <a:r>
+              <a:rPr kumimoji="1" lang="ja-JP" altLang="en-US" dirty="0" smtClean="0"/>
+              <a:t>クリック</a:t>
+            </a:r>
+            <a:r>
+              <a:rPr kumimoji="1" lang="en-US" altLang="ja-JP" dirty="0" smtClean="0"/>
+              <a:t>)</a:t>
+            </a:r>
+            <a:r>
+              <a:rPr kumimoji="1" lang="ja-JP" altLang="en-US" dirty="0" smtClean="0"/>
+              <a:t>　</a:t>
+            </a:r>
+            <a:endParaRPr kumimoji="1" lang="en-US" altLang="ja-JP" dirty="0" smtClean="0"/>
+          </a:p>
+          <a:p>
+            <a:r>
+              <a:rPr kumimoji="1" lang="ja-JP" altLang="en-US" dirty="0" smtClean="0"/>
+              <a:t>小型モンスターを倒すことによって　</a:t>
+            </a:r>
+            <a:r>
+              <a:rPr kumimoji="1" lang="en-US" altLang="ja-JP" dirty="0" smtClean="0"/>
+              <a:t>『</a:t>
+            </a:r>
+            <a:r>
+              <a:rPr kumimoji="1" lang="ja-JP" altLang="en-US" dirty="0" smtClean="0"/>
+              <a:t>経験値</a:t>
+            </a:r>
+            <a:r>
+              <a:rPr kumimoji="1" lang="en-US" altLang="ja-JP" dirty="0" smtClean="0"/>
+              <a:t>』</a:t>
+            </a:r>
+            <a:r>
+              <a:rPr kumimoji="1" lang="ja-JP" altLang="en-US" dirty="0" smtClean="0"/>
+              <a:t>を獲得する事ができます。</a:t>
+            </a:r>
+            <a:endParaRPr kumimoji="1" lang="ja-JP" altLang="en-US" dirty="0"/>
+          </a:p>
+        </p:txBody>
+      </p:sp>
+      <p:sp>
+        <p:nvSpPr>
+          <p:cNvPr id="4" name="スライド番号プレースホルダー 3"/>
+          <p:cNvSpPr>
+            <a:spLocks noGrp="1"/>
+          </p:cNvSpPr>
+          <p:nvPr>
+            <p:ph type="sldNum" sz="quarter" idx="10"/>
+          </p:nvPr>
+        </p:nvSpPr>
+        <p:spPr/>
+        <p:txBody>
+          <a:bodyPr/>
+          <a:lstStyle/>
+          <a:p>
+            <a:fld id="{917D347F-F281-4828-BA46-1DDEB626BA2B}" type="slidenum">
+              <a:rPr kumimoji="1" lang="ja-JP" altLang="en-US" smtClean="0"/>
+              <a:t>16</a:t>
+            </a:fld>
+            <a:endParaRPr kumimoji="1" lang="ja-JP" altLang="en-US"/>
+          </a:p>
+        </p:txBody>
+      </p:sp>
+    </p:spTree>
+    <p:extLst>
+      <p:ext uri="{BB962C8B-B14F-4D97-AF65-F5344CB8AC3E}">
         <p14:creationId xmlns:p14="http://schemas.microsoft.com/office/powerpoint/2010/main" val="4192604276"/>
+      </p:ext>
+    </p:extLst>
+  </p:cSld>
+  <p:clrMapOvr>
+    <a:masterClrMapping/>
+  </p:clrMapOvr>
+</p:notes>
+</file>
+
+<file path=ppt/notesSlides/notesSlide7.xml><?xml version="1.0" encoding="utf-8"?>
+<p:notes xmlns:a="http://schemas.openxmlformats.org/drawingml/2006/main" xmlns:r="http://schemas.openxmlformats.org/officeDocument/2006/relationships" xmlns:p="http://schemas.openxmlformats.org/presentationml/2006/main">
+  <p:cSld>
+    <p:spTree>
+      <p:nvGrpSpPr>
+        <p:cNvPr id="1" name=""/>
+        <p:cNvGrpSpPr/>
+        <p:nvPr/>
+      </p:nvGrpSpPr>
+      <p:grpSpPr>
+        <a:xfrm>
+          <a:off x="0" y="0"/>
+          <a:ext cx="0" cy="0"/>
+          <a:chOff x="0" y="0"/>
+          <a:chExt cx="0" cy="0"/>
+        </a:xfrm>
+      </p:grpSpPr>
+      <p:sp>
+        <p:nvSpPr>
+          <p:cNvPr id="2" name="スライド イメージ プレースホルダー 1"/>
+          <p:cNvSpPr>
+            <a:spLocks noGrp="1" noRot="1" noChangeAspect="1"/>
+          </p:cNvSpPr>
+          <p:nvPr>
+            <p:ph type="sldImg"/>
+          </p:nvPr>
+        </p:nvSpPr>
+        <p:spPr/>
+      </p:sp>
+      <p:sp>
+        <p:nvSpPr>
+          <p:cNvPr id="3" name="ノート プレースホルダー 2"/>
+          <p:cNvSpPr>
+            <a:spLocks noGrp="1"/>
+          </p:cNvSpPr>
+          <p:nvPr>
+            <p:ph type="body" idx="1"/>
+          </p:nvPr>
+        </p:nvSpPr>
+        <p:spPr/>
+        <p:txBody>
+          <a:bodyPr/>
+          <a:lstStyle/>
+          <a:p>
+            <a:r>
+              <a:rPr kumimoji="1" lang="ja-JP" altLang="en-US" dirty="0" smtClean="0"/>
+              <a:t>そして、集めた経験値を使って　スキルを獲得する事ができます。</a:t>
+            </a:r>
+            <a:endParaRPr kumimoji="1" lang="en-US" altLang="ja-JP" dirty="0" smtClean="0"/>
+          </a:p>
+          <a:p>
+            <a:r>
+              <a:rPr kumimoji="1" lang="ja-JP" altLang="en-US" dirty="0" smtClean="0"/>
+              <a:t>スキルの系統は６種あり、それぞれ違った傾向のスキルが存在します。</a:t>
+            </a:r>
+            <a:endParaRPr kumimoji="1" lang="en-US" altLang="ja-JP" dirty="0" smtClean="0"/>
+          </a:p>
+          <a:p>
+            <a:r>
+              <a:rPr kumimoji="1" lang="ja-JP" altLang="en-US" dirty="0" smtClean="0"/>
+              <a:t>既存システムに例えるならば、　スキルツリーのようなものです</a:t>
+            </a:r>
+            <a:endParaRPr kumimoji="1" lang="en-US" altLang="ja-JP" dirty="0" smtClean="0"/>
+          </a:p>
+          <a:p>
+            <a:endParaRPr kumimoji="1" lang="en-US" altLang="ja-JP" dirty="0" smtClean="0"/>
+          </a:p>
+          <a:p>
+            <a:r>
+              <a:rPr kumimoji="1" lang="ja-JP" altLang="en-US" dirty="0" smtClean="0"/>
+              <a:t>スキルを獲得することによって、　プレイヤーの能力値を上昇したり　攻撃内容が変化したりと</a:t>
+            </a:r>
+            <a:endParaRPr kumimoji="1" lang="en-US" altLang="ja-JP" dirty="0" smtClean="0"/>
+          </a:p>
+          <a:p>
+            <a:r>
+              <a:rPr kumimoji="1" lang="ja-JP" altLang="en-US" dirty="0" smtClean="0"/>
+              <a:t>様々な恩恵を得ることができます。</a:t>
+            </a:r>
+            <a:endParaRPr kumimoji="1" lang="ja-JP" altLang="en-US" dirty="0"/>
+          </a:p>
+        </p:txBody>
+      </p:sp>
+      <p:sp>
+        <p:nvSpPr>
+          <p:cNvPr id="4" name="スライド番号プレースホルダー 3"/>
+          <p:cNvSpPr>
+            <a:spLocks noGrp="1"/>
+          </p:cNvSpPr>
+          <p:nvPr>
+            <p:ph type="sldNum" sz="quarter" idx="10"/>
+          </p:nvPr>
+        </p:nvSpPr>
+        <p:spPr/>
+        <p:txBody>
+          <a:bodyPr/>
+          <a:lstStyle/>
+          <a:p>
+            <a:fld id="{917D347F-F281-4828-BA46-1DDEB626BA2B}" type="slidenum">
+              <a:rPr kumimoji="1" lang="ja-JP" altLang="en-US" smtClean="0"/>
+              <a:t>17</a:t>
+            </a:fld>
+            <a:endParaRPr kumimoji="1" lang="ja-JP" altLang="en-US"/>
+          </a:p>
+        </p:txBody>
+      </p:sp>
+    </p:spTree>
+    <p:extLst>
+      <p:ext uri="{BB962C8B-B14F-4D97-AF65-F5344CB8AC3E}">
+        <p14:creationId xmlns:p14="http://schemas.microsoft.com/office/powerpoint/2010/main" val="3698548018"/>
+      </p:ext>
+    </p:extLst>
+  </p:cSld>
+  <p:clrMapOvr>
+    <a:masterClrMapping/>
+  </p:clrMapOvr>
+</p:notes>
+</file>
+
+<file path=ppt/notesSlides/notesSlide8.xml><?xml version="1.0" encoding="utf-8"?>
+<p:notes xmlns:a="http://schemas.openxmlformats.org/drawingml/2006/main" xmlns:r="http://schemas.openxmlformats.org/officeDocument/2006/relationships" xmlns:p="http://schemas.openxmlformats.org/presentationml/2006/main">
+  <p:cSld>
+    <p:spTree>
+      <p:nvGrpSpPr>
+        <p:cNvPr id="1" name=""/>
+        <p:cNvGrpSpPr/>
+        <p:nvPr/>
+      </p:nvGrpSpPr>
+      <p:grpSpPr>
+        <a:xfrm>
+          <a:off x="0" y="0"/>
+          <a:ext cx="0" cy="0"/>
+          <a:chOff x="0" y="0"/>
+          <a:chExt cx="0" cy="0"/>
+        </a:xfrm>
+      </p:grpSpPr>
+      <p:sp>
+        <p:nvSpPr>
+          <p:cNvPr id="2" name="スライド イメージ プレースホルダー 1"/>
+          <p:cNvSpPr>
+            <a:spLocks noGrp="1" noRot="1" noChangeAspect="1"/>
+          </p:cNvSpPr>
+          <p:nvPr>
+            <p:ph type="sldImg"/>
+          </p:nvPr>
+        </p:nvSpPr>
+        <p:spPr/>
+      </p:sp>
+      <p:sp>
+        <p:nvSpPr>
+          <p:cNvPr id="3" name="ノート プレースホルダー 2"/>
+          <p:cNvSpPr>
+            <a:spLocks noGrp="1"/>
+          </p:cNvSpPr>
+          <p:nvPr>
+            <p:ph type="body" idx="1"/>
+          </p:nvPr>
+        </p:nvSpPr>
+        <p:spPr/>
+        <p:txBody>
+          <a:bodyPr/>
+          <a:lstStyle/>
+          <a:p>
+            <a:r>
+              <a:rPr kumimoji="1" lang="ja-JP" altLang="en-US" dirty="0" smtClean="0"/>
+              <a:t>一つの系統のスキルを全て獲得することによって、</a:t>
+            </a:r>
+            <a:endParaRPr kumimoji="1" lang="en-US" altLang="ja-JP" dirty="0" smtClean="0"/>
+          </a:p>
+          <a:p>
+            <a:r>
+              <a:rPr kumimoji="1" lang="en-US" altLang="ja-JP" dirty="0" smtClean="0"/>
+              <a:t>『</a:t>
+            </a:r>
+            <a:r>
+              <a:rPr kumimoji="1" lang="ja-JP" altLang="en-US" dirty="0" smtClean="0"/>
+              <a:t>極スキル</a:t>
+            </a:r>
+            <a:r>
+              <a:rPr kumimoji="1" lang="en-US" altLang="ja-JP" dirty="0" smtClean="0"/>
+              <a:t>』</a:t>
+            </a:r>
+            <a:r>
+              <a:rPr kumimoji="1" lang="ja-JP" altLang="en-US" dirty="0" smtClean="0"/>
+              <a:t>を獲得する事ができます。</a:t>
+            </a:r>
+            <a:endParaRPr kumimoji="1" lang="en-US" altLang="ja-JP" dirty="0" smtClean="0"/>
+          </a:p>
+          <a:p>
+            <a:endParaRPr kumimoji="1" lang="en-US" altLang="ja-JP" dirty="0" smtClean="0"/>
+          </a:p>
+          <a:p>
+            <a:r>
+              <a:rPr kumimoji="1" lang="ja-JP" altLang="en-US" dirty="0" smtClean="0"/>
+              <a:t>これを獲得すると見た目が大きく変化し、</a:t>
+            </a:r>
+            <a:endParaRPr kumimoji="1" lang="en-US" altLang="ja-JP" dirty="0" smtClean="0"/>
+          </a:p>
+          <a:p>
+            <a:r>
+              <a:rPr kumimoji="1" lang="ja-JP" altLang="en-US" dirty="0" smtClean="0"/>
+              <a:t>非常に強力な効果を獲得する事ができます。</a:t>
+            </a:r>
+            <a:endParaRPr kumimoji="1" lang="ja-JP" altLang="en-US" dirty="0"/>
+          </a:p>
+        </p:txBody>
+      </p:sp>
+      <p:sp>
+        <p:nvSpPr>
+          <p:cNvPr id="4" name="スライド番号プレースホルダー 3"/>
+          <p:cNvSpPr>
+            <a:spLocks noGrp="1"/>
+          </p:cNvSpPr>
+          <p:nvPr>
+            <p:ph type="sldNum" sz="quarter" idx="10"/>
+          </p:nvPr>
+        </p:nvSpPr>
+        <p:spPr/>
+        <p:txBody>
+          <a:bodyPr/>
+          <a:lstStyle/>
+          <a:p>
+            <a:fld id="{917D347F-F281-4828-BA46-1DDEB626BA2B}" type="slidenum">
+              <a:rPr kumimoji="1" lang="ja-JP" altLang="en-US" smtClean="0"/>
+              <a:t>18</a:t>
+            </a:fld>
+            <a:endParaRPr kumimoji="1" lang="ja-JP" altLang="en-US"/>
+          </a:p>
+        </p:txBody>
+      </p:sp>
+    </p:spTree>
+    <p:extLst>
+      <p:ext uri="{BB962C8B-B14F-4D97-AF65-F5344CB8AC3E}">
+        <p14:creationId xmlns:p14="http://schemas.microsoft.com/office/powerpoint/2010/main" val="1847907734"/>
+      </p:ext>
+    </p:extLst>
+  </p:cSld>
+  <p:clrMapOvr>
+    <a:masterClrMapping/>
+  </p:clrMapOvr>
+</p:notes>
+</file>
+
+<file path=ppt/notesSlides/notesSlide9.xml><?xml version="1.0" encoding="utf-8"?>
+<p:notes xmlns:a="http://schemas.openxmlformats.org/drawingml/2006/main" xmlns:r="http://schemas.openxmlformats.org/officeDocument/2006/relationships" xmlns:p="http://schemas.openxmlformats.org/presentationml/2006/main">
+  <p:cSld>
+    <p:spTree>
+      <p:nvGrpSpPr>
+        <p:cNvPr id="1" name=""/>
+        <p:cNvGrpSpPr/>
+        <p:nvPr/>
+      </p:nvGrpSpPr>
+      <p:grpSpPr>
+        <a:xfrm>
+          <a:off x="0" y="0"/>
+          <a:ext cx="0" cy="0"/>
+          <a:chOff x="0" y="0"/>
+          <a:chExt cx="0" cy="0"/>
+        </a:xfrm>
+      </p:grpSpPr>
+      <p:sp>
+        <p:nvSpPr>
+          <p:cNvPr id="2" name="スライド イメージ プレースホルダー 1"/>
+          <p:cNvSpPr>
+            <a:spLocks noGrp="1" noRot="1" noChangeAspect="1"/>
+          </p:cNvSpPr>
+          <p:nvPr>
+            <p:ph type="sldImg"/>
+          </p:nvPr>
+        </p:nvSpPr>
+        <p:spPr/>
+      </p:sp>
+      <p:sp>
+        <p:nvSpPr>
+          <p:cNvPr id="3" name="ノート プレースホルダー 2"/>
+          <p:cNvSpPr>
+            <a:spLocks noGrp="1"/>
+          </p:cNvSpPr>
+          <p:nvPr>
+            <p:ph type="body" idx="1"/>
+          </p:nvPr>
+        </p:nvSpPr>
+        <p:spPr/>
+        <p:txBody>
+          <a:bodyPr/>
+          <a:lstStyle/>
+          <a:p>
+            <a:endParaRPr kumimoji="1" lang="ja-JP" altLang="en-US" dirty="0"/>
+          </a:p>
+        </p:txBody>
+      </p:sp>
+      <p:sp>
+        <p:nvSpPr>
+          <p:cNvPr id="4" name="スライド番号プレースホルダー 3"/>
+          <p:cNvSpPr>
+            <a:spLocks noGrp="1"/>
+          </p:cNvSpPr>
+          <p:nvPr>
+            <p:ph type="sldNum" sz="quarter" idx="10"/>
+          </p:nvPr>
+        </p:nvSpPr>
+        <p:spPr/>
+        <p:txBody>
+          <a:bodyPr/>
+          <a:lstStyle/>
+          <a:p>
+            <a:fld id="{917D347F-F281-4828-BA46-1DDEB626BA2B}" type="slidenum">
+              <a:rPr kumimoji="1" lang="ja-JP" altLang="en-US" smtClean="0"/>
+              <a:t>19</a:t>
+            </a:fld>
+            <a:endParaRPr kumimoji="1" lang="ja-JP" altLang="en-US"/>
+          </a:p>
+        </p:txBody>
+      </p:sp>
+    </p:spTree>
+    <p:extLst>
+      <p:ext uri="{BB962C8B-B14F-4D97-AF65-F5344CB8AC3E}">
+        <p14:creationId xmlns:p14="http://schemas.microsoft.com/office/powerpoint/2010/main" val="2889317549"/>
       </p:ext>
     </p:extLst>
   </p:cSld>
@@ -3517,7 +4981,7 @@
           <a:p>
             <a:fld id="{E90ED720-0104-4369-84BC-D37694168613}" type="datetimeFigureOut">
               <a:rPr kumimoji="1" lang="ja-JP" altLang="en-US" smtClean="0"/>
-              <a:t>2016/10/18</a:t>
+              <a:t>2016/10/20</a:t>
             </a:fld>
             <a:endParaRPr kumimoji="1" lang="ja-JP" altLang="en-US"/>
           </a:p>
@@ -3902,7 +5366,7 @@
           <a:p>
             <a:fld id="{E90ED720-0104-4369-84BC-D37694168613}" type="datetimeFigureOut">
               <a:rPr kumimoji="1" lang="ja-JP" altLang="en-US" smtClean="0"/>
-              <a:t>2016/10/18</a:t>
+              <a:t>2016/10/20</a:t>
             </a:fld>
             <a:endParaRPr kumimoji="1" lang="ja-JP" altLang="en-US"/>
           </a:p>
@@ -4109,7 +5573,7 @@
           <a:p>
             <a:fld id="{E90ED720-0104-4369-84BC-D37694168613}" type="datetimeFigureOut">
               <a:rPr kumimoji="1" lang="ja-JP" altLang="en-US" smtClean="0"/>
-              <a:t>2016/10/18</a:t>
+              <a:t>2016/10/20</a:t>
             </a:fld>
             <a:endParaRPr kumimoji="1" lang="ja-JP" altLang="en-US"/>
           </a:p>
@@ -4222,7 +5686,7 @@
           <a:p>
             <a:fld id="{E90ED720-0104-4369-84BC-D37694168613}" type="datetimeFigureOut">
               <a:rPr kumimoji="1" lang="ja-JP" altLang="en-US" smtClean="0"/>
-              <a:t>2016/10/18</a:t>
+              <a:t>2016/10/20</a:t>
             </a:fld>
             <a:endParaRPr kumimoji="1" lang="ja-JP" altLang="en-US"/>
           </a:p>
@@ -4612,7 +6076,7 @@
           <a:p>
             <a:fld id="{E90ED720-0104-4369-84BC-D37694168613}" type="datetimeFigureOut">
               <a:rPr kumimoji="1" lang="ja-JP" altLang="en-US" smtClean="0"/>
-              <a:t>2016/10/18</a:t>
+              <a:t>2016/10/20</a:t>
             </a:fld>
             <a:endParaRPr kumimoji="1" lang="ja-JP" altLang="en-US"/>
           </a:p>
@@ -4877,7 +6341,7 @@
           <a:p>
             <a:fld id="{E90ED720-0104-4369-84BC-D37694168613}" type="datetimeFigureOut">
               <a:rPr kumimoji="1" lang="ja-JP" altLang="en-US" smtClean="0"/>
-              <a:t>2016/10/18</a:t>
+              <a:t>2016/10/20</a:t>
             </a:fld>
             <a:endParaRPr kumimoji="1" lang="ja-JP" altLang="en-US"/>
           </a:p>
@@ -5303,7 +6767,7 @@
           <a:p>
             <a:fld id="{E90ED720-0104-4369-84BC-D37694168613}" type="datetimeFigureOut">
               <a:rPr kumimoji="1" lang="ja-JP" altLang="en-US" smtClean="0"/>
-              <a:t>2016/10/18</a:t>
+              <a:t>2016/10/20</a:t>
             </a:fld>
             <a:endParaRPr kumimoji="1" lang="ja-JP" altLang="en-US"/>
           </a:p>
@@ -5594,7 +7058,7 @@
           <a:p>
             <a:fld id="{E90ED720-0104-4369-84BC-D37694168613}" type="datetimeFigureOut">
               <a:rPr kumimoji="1" lang="ja-JP" altLang="en-US" smtClean="0"/>
-              <a:t>2016/10/18</a:t>
+              <a:t>2016/10/20</a:t>
             </a:fld>
             <a:endParaRPr kumimoji="1" lang="ja-JP" altLang="en-US"/>
           </a:p>
@@ -5684,7 +7148,7 @@
           <a:p>
             <a:fld id="{E90ED720-0104-4369-84BC-D37694168613}" type="datetimeFigureOut">
               <a:rPr kumimoji="1" lang="ja-JP" altLang="en-US" smtClean="0"/>
-              <a:t>2016/10/18</a:t>
+              <a:t>2016/10/20</a:t>
             </a:fld>
             <a:endParaRPr kumimoji="1" lang="ja-JP" altLang="en-US"/>
           </a:p>
@@ -5951,7 +7415,7 @@
           <a:p>
             <a:fld id="{E90ED720-0104-4369-84BC-D37694168613}" type="datetimeFigureOut">
               <a:rPr kumimoji="1" lang="ja-JP" altLang="en-US" smtClean="0"/>
-              <a:t>2016/10/18</a:t>
+              <a:t>2016/10/20</a:t>
             </a:fld>
             <a:endParaRPr kumimoji="1" lang="ja-JP" altLang="en-US"/>
           </a:p>
@@ -6211,7 +7675,7 @@
           <a:p>
             <a:fld id="{E90ED720-0104-4369-84BC-D37694168613}" type="datetimeFigureOut">
               <a:rPr kumimoji="1" lang="ja-JP" altLang="en-US" smtClean="0"/>
-              <a:t>2016/10/18</a:t>
+              <a:t>2016/10/20</a:t>
             </a:fld>
             <a:endParaRPr kumimoji="1" lang="ja-JP" altLang="en-US"/>
           </a:p>
@@ -6742,7 +8206,7 @@
           <a:p>
             <a:fld id="{E90ED720-0104-4369-84BC-D37694168613}" type="datetimeFigureOut">
               <a:rPr kumimoji="1" lang="ja-JP" altLang="en-US" smtClean="0"/>
-              <a:t>2016/10/18</a:t>
+              <a:t>2016/10/20</a:t>
             </a:fld>
             <a:endParaRPr kumimoji="1" lang="ja-JP" altLang="en-US"/>
           </a:p>
@@ -6846,6 +8310,13 @@
     <p:sldLayoutId id="2147483706" r:id="rId10"/>
     <p:sldLayoutId id="2147483707" r:id="rId11"/>
   </p:sldLayoutIdLst>
+  <p:timing>
+    <p:tnLst>
+      <p:par>
+        <p:cTn id="1" dur="indefinite" restart="never" nodeType="tmRoot"/>
+      </p:par>
+    </p:tnLst>
+  </p:timing>
   <p:txStyles>
     <p:titleStyle>
       <a:lvl1pPr algn="l" rtl="0" eaLnBrk="1" latinLnBrk="0" hangingPunct="1">
@@ -7192,6 +8663,29 @@
           </a:p>
         </p:txBody>
       </p:sp>
+      <p:sp>
+        <p:nvSpPr>
+          <p:cNvPr id="6" name="日付プレースホルダー 5"/>
+          <p:cNvSpPr>
+            <a:spLocks noGrp="1"/>
+          </p:cNvSpPr>
+          <p:nvPr>
+            <p:ph type="dt" sz="half" idx="10"/>
+          </p:nvPr>
+        </p:nvSpPr>
+        <p:spPr/>
+        <p:txBody>
+          <a:bodyPr/>
+          <a:lstStyle/>
+          <a:p>
+            <a:fld id="{3B0ABBF7-0051-4006-810C-014A19F60712}" type="datetime1">
+              <a:rPr kumimoji="1" lang="ja-JP" altLang="en-US" smtClean="0"/>
+              <a:t>2016/10/20</a:t>
+            </a:fld>
+            <a:endParaRPr kumimoji="1" lang="ja-JP" altLang="en-US"/>
+          </a:p>
+        </p:txBody>
+      </p:sp>
     </p:spTree>
     <p:extLst>
       <p:ext uri="{BB962C8B-B14F-4D97-AF65-F5344CB8AC3E}">
@@ -7229,148 +8723,291 @@
           <a:chExt cx="0" cy="0"/>
         </a:xfrm>
       </p:grpSpPr>
-      <p:pic>
-        <p:nvPicPr>
-          <p:cNvPr id="4" name="Picture 2" descr="C:\Users\2130071\Desktop\scan-001.png"/>
-          <p:cNvPicPr>
-            <a:picLocks noChangeAspect="1" noChangeArrowheads="1"/>
-          </p:cNvPicPr>
+      <p:sp>
+        <p:nvSpPr>
+          <p:cNvPr id="2" name="タイトル 1"/>
+          <p:cNvSpPr>
+            <a:spLocks noGrp="1"/>
+          </p:cNvSpPr>
+          <p:nvPr>
+            <p:ph type="title"/>
+          </p:nvPr>
+        </p:nvSpPr>
+        <p:spPr/>
+        <p:txBody>
+          <a:bodyPr>
+            <a:normAutofit/>
+          </a:bodyPr>
+          <a:lstStyle/>
+          <a:p>
+            <a:r>
+              <a:rPr kumimoji="1" lang="ja-JP" altLang="en-US" dirty="0" smtClean="0"/>
+              <a:t>基本概要</a:t>
+            </a:r>
+            <a:endParaRPr kumimoji="1" lang="ja-JP" altLang="en-US" dirty="0"/>
+          </a:p>
+        </p:txBody>
+      </p:sp>
+      <p:sp>
+        <p:nvSpPr>
+          <p:cNvPr id="4" name="角丸四角形 3"/>
+          <p:cNvSpPr/>
           <p:nvPr/>
-        </p:nvPicPr>
-        <p:blipFill>
-          <a:blip r:embed="rId2" cstate="print">
-            <a:extLst>
-              <a:ext uri="{28A0092B-C50C-407E-A947-70E740481C1C}">
-                <a14:useLocalDpi xmlns:a14="http://schemas.microsoft.com/office/drawing/2010/main" val="0"/>
-              </a:ext>
-            </a:extLst>
-          </a:blip>
-          <a:srcRect/>
-          <a:stretch>
-            <a:fillRect/>
-          </a:stretch>
-        </p:blipFill>
-        <p:spPr bwMode="auto">
+        </p:nvSpPr>
+        <p:spPr>
           <a:xfrm>
-            <a:off x="4860032" y="555526"/>
-            <a:ext cx="4074189" cy="4369420"/>
+            <a:off x="1295636" y="1793654"/>
+            <a:ext cx="6408712" cy="1058368"/>
           </a:xfrm>
-          <a:prstGeom prst="rect">
+          <a:prstGeom prst="roundRect">
             <a:avLst/>
           </a:prstGeom>
-          <a:noFill/>
-          <a:extLst>
-            <a:ext uri="{909E8E84-426E-40DD-AFC4-6F175D3DCCD1}">
-              <a14:hiddenFill xmlns:a14="http://schemas.microsoft.com/office/drawing/2010/main">
+          <a:solidFill>
+            <a:schemeClr val="bg1"/>
+          </a:solidFill>
+          <a:ln w="57150">
+            <a:solidFill>
+              <a:schemeClr val="tx2">
+                <a:lumMod val="50000"/>
+              </a:schemeClr>
+            </a:solidFill>
+          </a:ln>
+        </p:spPr>
+        <p:style>
+          <a:lnRef idx="2">
+            <a:schemeClr val="accent1">
+              <a:shade val="50000"/>
+            </a:schemeClr>
+          </a:lnRef>
+          <a:fillRef idx="1">
+            <a:schemeClr val="accent1"/>
+          </a:fillRef>
+          <a:effectRef idx="0">
+            <a:schemeClr val="accent1"/>
+          </a:effectRef>
+          <a:fontRef idx="minor">
+            <a:schemeClr val="lt1"/>
+          </a:fontRef>
+        </p:style>
+        <p:txBody>
+          <a:bodyPr rtlCol="0" anchor="ctr"/>
+          <a:lstStyle/>
+          <a:p>
+            <a:pPr algn="ctr"/>
+            <a:r>
+              <a:rPr kumimoji="1" lang="ja-JP" altLang="en-US" sz="2800" dirty="0" smtClean="0">
                 <a:solidFill>
-                  <a:srgbClr val="FFFFFF"/>
+                  <a:schemeClr val="tx1"/>
                 </a:solidFill>
-              </a14:hiddenFill>
-            </a:ext>
-          </a:extLst>
-        </p:spPr>
-      </p:pic>
-      <p:sp>
-        <p:nvSpPr>
-          <p:cNvPr id="2" name="タイトル 1"/>
-          <p:cNvSpPr>
-            <a:spLocks noGrp="1"/>
-          </p:cNvSpPr>
-          <p:nvPr>
-            <p:ph type="title"/>
-          </p:nvPr>
-        </p:nvSpPr>
-        <p:spPr/>
-        <p:txBody>
-          <a:bodyPr/>
-          <a:lstStyle/>
-          <a:p>
-            <a:r>
-              <a:rPr kumimoji="1" lang="ja-JP" altLang="en-US" dirty="0" smtClean="0"/>
-              <a:t>簡単に説明</a:t>
-            </a:r>
-            <a:endParaRPr kumimoji="1" lang="ja-JP" altLang="en-US" dirty="0"/>
-          </a:p>
-        </p:txBody>
-      </p:sp>
-      <p:sp>
-        <p:nvSpPr>
-          <p:cNvPr id="3" name="コンテンツ プレースホルダー 2"/>
-          <p:cNvSpPr>
-            <a:spLocks noGrp="1"/>
-          </p:cNvSpPr>
-          <p:nvPr>
-            <p:ph sz="quarter" idx="1"/>
-          </p:nvPr>
+              </a:rPr>
+              <a:t>対戦型アクション</a:t>
+            </a:r>
+            <a:r>
+              <a:rPr kumimoji="1" lang="en-US" altLang="ja-JP" sz="2800" dirty="0" smtClean="0">
+                <a:solidFill>
+                  <a:schemeClr val="tx1"/>
+                </a:solidFill>
+              </a:rPr>
+              <a:t>RPG</a:t>
+            </a:r>
+            <a:endParaRPr kumimoji="1" lang="ja-JP" altLang="en-US" sz="2800" dirty="0">
+              <a:solidFill>
+                <a:schemeClr val="tx1"/>
+              </a:solidFill>
+            </a:endParaRPr>
+          </a:p>
+        </p:txBody>
+      </p:sp>
+      <p:sp>
+        <p:nvSpPr>
+          <p:cNvPr id="5" name="角丸四角形 4"/>
+          <p:cNvSpPr/>
+          <p:nvPr/>
         </p:nvSpPr>
         <p:spPr>
           <a:xfrm>
-            <a:off x="685800" y="1900808"/>
-            <a:ext cx="7772400" cy="1341884"/>
+            <a:off x="575556" y="1577630"/>
+            <a:ext cx="1494166" cy="498055"/>
           </a:xfrm>
+          <a:prstGeom prst="roundRect">
+            <a:avLst/>
+          </a:prstGeom>
+          <a:solidFill>
+            <a:schemeClr val="bg1"/>
+          </a:solidFill>
+          <a:ln w="57150">
+            <a:solidFill>
+              <a:schemeClr val="tx2">
+                <a:lumMod val="50000"/>
+              </a:schemeClr>
+            </a:solidFill>
+          </a:ln>
         </p:spPr>
-        <p:txBody>
-          <a:bodyPr/>
-          <a:lstStyle/>
-          <a:p>
-            <a:r>
-              <a:rPr kumimoji="1" lang="en-US" altLang="ja-JP" dirty="0" smtClean="0"/>
-              <a:t>『</a:t>
-            </a:r>
-            <a:r>
-              <a:rPr kumimoji="1" lang="ja-JP" altLang="en-US" dirty="0" smtClean="0"/>
-              <a:t>ハンティングブレイブス</a:t>
-            </a:r>
-            <a:r>
-              <a:rPr kumimoji="1" lang="en-US" altLang="ja-JP" dirty="0" smtClean="0"/>
-              <a:t>』</a:t>
-            </a:r>
-            <a:r>
-              <a:rPr kumimoji="1" lang="ja-JP" altLang="en-US" dirty="0" smtClean="0"/>
-              <a:t>とは、</a:t>
-            </a:r>
-            <a:endParaRPr lang="en-US" altLang="ja-JP" dirty="0"/>
-          </a:p>
-          <a:p>
-            <a:pPr marL="0" indent="0">
-              <a:buNone/>
-            </a:pPr>
-            <a:r>
-              <a:rPr lang="ja-JP" altLang="en-US" dirty="0"/>
-              <a:t>　</a:t>
-            </a:r>
-            <a:r>
-              <a:rPr lang="ja-JP" altLang="en-US" dirty="0" smtClean="0"/>
-              <a:t>　</a:t>
-            </a:r>
-            <a:r>
-              <a:rPr kumimoji="1" lang="ja-JP" altLang="en-US" dirty="0" smtClean="0"/>
-              <a:t>何の能力も持たない</a:t>
-            </a:r>
-            <a:r>
-              <a:rPr lang="ja-JP" altLang="en-US" dirty="0" err="1"/>
-              <a:t>すっ</a:t>
-            </a:r>
-            <a:r>
-              <a:rPr lang="ja-JP" altLang="en-US" dirty="0"/>
-              <a:t>ぴん君</a:t>
-            </a:r>
-            <a:r>
-              <a:rPr kumimoji="1" lang="ja-JP" altLang="en-US" dirty="0" smtClean="0"/>
-              <a:t>を</a:t>
-            </a:r>
-            <a:r>
-              <a:rPr kumimoji="1" lang="en-US" altLang="ja-JP" dirty="0" smtClean="0"/>
-              <a:t>……</a:t>
-            </a:r>
-            <a:endParaRPr kumimoji="1" lang="ja-JP" altLang="en-US" dirty="0"/>
+        <p:style>
+          <a:lnRef idx="2">
+            <a:schemeClr val="accent1">
+              <a:shade val="50000"/>
+            </a:schemeClr>
+          </a:lnRef>
+          <a:fillRef idx="1">
+            <a:schemeClr val="accent1"/>
+          </a:fillRef>
+          <a:effectRef idx="0">
+            <a:schemeClr val="accent1"/>
+          </a:effectRef>
+          <a:fontRef idx="minor">
+            <a:schemeClr val="lt1"/>
+          </a:fontRef>
+        </p:style>
+        <p:txBody>
+          <a:bodyPr rtlCol="0" anchor="ctr"/>
+          <a:lstStyle/>
+          <a:p>
+            <a:pPr algn="ctr"/>
+            <a:r>
+              <a:rPr kumimoji="1" lang="ja-JP" altLang="en-US" sz="2000" dirty="0" smtClean="0">
+                <a:solidFill>
+                  <a:schemeClr val="tx1"/>
+                </a:solidFill>
+              </a:rPr>
+              <a:t>ジャンル</a:t>
+            </a:r>
+            <a:endParaRPr kumimoji="1" lang="ja-JP" altLang="en-US" sz="2000" dirty="0">
+              <a:solidFill>
+                <a:schemeClr val="tx1"/>
+              </a:solidFill>
+            </a:endParaRPr>
+          </a:p>
+        </p:txBody>
+      </p:sp>
+      <p:sp>
+        <p:nvSpPr>
+          <p:cNvPr id="6" name="角丸四角形 5"/>
+          <p:cNvSpPr/>
+          <p:nvPr/>
+        </p:nvSpPr>
+        <p:spPr>
+          <a:xfrm>
+            <a:off x="1295636" y="3169566"/>
+            <a:ext cx="6408712" cy="1058368"/>
+          </a:xfrm>
+          <a:prstGeom prst="roundRect">
+            <a:avLst/>
+          </a:prstGeom>
+          <a:solidFill>
+            <a:schemeClr val="bg1"/>
+          </a:solidFill>
+          <a:ln w="57150">
+            <a:solidFill>
+              <a:schemeClr val="tx2">
+                <a:lumMod val="50000"/>
+              </a:schemeClr>
+            </a:solidFill>
+          </a:ln>
+        </p:spPr>
+        <p:style>
+          <a:lnRef idx="2">
+            <a:schemeClr val="accent1">
+              <a:shade val="50000"/>
+            </a:schemeClr>
+          </a:lnRef>
+          <a:fillRef idx="1">
+            <a:schemeClr val="accent1"/>
+          </a:fillRef>
+          <a:effectRef idx="0">
+            <a:schemeClr val="accent1"/>
+          </a:effectRef>
+          <a:fontRef idx="minor">
+            <a:schemeClr val="lt1"/>
+          </a:fontRef>
+        </p:style>
+        <p:txBody>
+          <a:bodyPr rtlCol="0" anchor="ctr"/>
+          <a:lstStyle/>
+          <a:p>
+            <a:pPr algn="ctr"/>
+            <a:r>
+              <a:rPr lang="en-US" altLang="ja-JP" sz="2800" dirty="0">
+                <a:solidFill>
+                  <a:schemeClr val="tx1"/>
+                </a:solidFill>
+              </a:rPr>
+              <a:t>PC</a:t>
+            </a:r>
+            <a:endParaRPr kumimoji="1" lang="ja-JP" altLang="en-US" sz="2800" dirty="0">
+              <a:solidFill>
+                <a:schemeClr val="tx1"/>
+              </a:solidFill>
+            </a:endParaRPr>
+          </a:p>
+        </p:txBody>
+      </p:sp>
+      <p:sp>
+        <p:nvSpPr>
+          <p:cNvPr id="7" name="角丸四角形 6"/>
+          <p:cNvSpPr/>
+          <p:nvPr/>
+        </p:nvSpPr>
+        <p:spPr>
+          <a:xfrm>
+            <a:off x="575556" y="2953542"/>
+            <a:ext cx="1692188" cy="498055"/>
+          </a:xfrm>
+          <a:prstGeom prst="roundRect">
+            <a:avLst/>
+          </a:prstGeom>
+          <a:solidFill>
+            <a:schemeClr val="bg1"/>
+          </a:solidFill>
+          <a:ln w="57150">
+            <a:solidFill>
+              <a:schemeClr val="tx2">
+                <a:lumMod val="50000"/>
+              </a:schemeClr>
+            </a:solidFill>
+          </a:ln>
+        </p:spPr>
+        <p:style>
+          <a:lnRef idx="2">
+            <a:schemeClr val="accent1">
+              <a:shade val="50000"/>
+            </a:schemeClr>
+          </a:lnRef>
+          <a:fillRef idx="1">
+            <a:schemeClr val="accent1"/>
+          </a:fillRef>
+          <a:effectRef idx="0">
+            <a:schemeClr val="accent1"/>
+          </a:effectRef>
+          <a:fontRef idx="minor">
+            <a:schemeClr val="lt1"/>
+          </a:fontRef>
+        </p:style>
+        <p:txBody>
+          <a:bodyPr rtlCol="0" anchor="ctr"/>
+          <a:lstStyle/>
+          <a:p>
+            <a:pPr algn="ctr"/>
+            <a:r>
+              <a:rPr kumimoji="1" lang="ja-JP" altLang="en-US" sz="2000" dirty="0" smtClean="0">
+                <a:solidFill>
+                  <a:schemeClr val="tx1"/>
+                </a:solidFill>
+              </a:rPr>
+              <a:t>想定ハード</a:t>
+            </a:r>
+            <a:endParaRPr kumimoji="1" lang="ja-JP" altLang="en-US" sz="2000" dirty="0">
+              <a:solidFill>
+                <a:schemeClr val="tx1"/>
+              </a:solidFill>
+            </a:endParaRPr>
           </a:p>
         </p:txBody>
       </p:sp>
     </p:spTree>
     <p:extLst>
       <p:ext uri="{BB962C8B-B14F-4D97-AF65-F5344CB8AC3E}">
-        <p14:creationId xmlns:p14="http://schemas.microsoft.com/office/powerpoint/2010/main" val="4232054977"/>
+        <p14:creationId xmlns:p14="http://schemas.microsoft.com/office/powerpoint/2010/main" val="3820136793"/>
       </p:ext>
     </p:extLst>
   </p:cSld>
@@ -7406,121 +9043,7 @@
       </p:grpSpPr>
       <p:pic>
         <p:nvPicPr>
-          <p:cNvPr id="5" name="Picture 4" descr="C:\Users\2130071\Desktop\scan-001.jpg"/>
-          <p:cNvPicPr>
-            <a:picLocks noChangeAspect="1" noChangeArrowheads="1"/>
-          </p:cNvPicPr>
-          <p:nvPr/>
-        </p:nvPicPr>
-        <p:blipFill rotWithShape="1">
-          <a:blip r:embed="rId2" cstate="print">
-            <a:extLst>
-              <a:ext uri="{28A0092B-C50C-407E-A947-70E740481C1C}">
-                <a14:useLocalDpi xmlns:a14="http://schemas.microsoft.com/office/drawing/2010/main" val="0"/>
-              </a:ext>
-            </a:extLst>
-          </a:blip>
-          <a:srcRect t="3267" r="48458" b="46492"/>
-          <a:stretch/>
-        </p:blipFill>
-        <p:spPr bwMode="auto">
-          <a:xfrm>
-            <a:off x="2123728" y="1335643"/>
-            <a:ext cx="5318637" cy="3665727"/>
-          </a:xfrm>
-          <a:prstGeom prst="rect">
-            <a:avLst/>
-          </a:prstGeom>
-          <a:noFill/>
-          <a:extLst>
-            <a:ext uri="{909E8E84-426E-40DD-AFC4-6F175D3DCCD1}">
-              <a14:hiddenFill xmlns:a14="http://schemas.microsoft.com/office/drawing/2010/main">
-                <a:solidFill>
-                  <a:srgbClr val="FFFFFF"/>
-                </a:solidFill>
-              </a14:hiddenFill>
-            </a:ext>
-          </a:extLst>
-        </p:spPr>
-      </p:pic>
-      <p:sp>
-        <p:nvSpPr>
-          <p:cNvPr id="2" name="タイトル 1"/>
-          <p:cNvSpPr>
-            <a:spLocks noGrp="1"/>
-          </p:cNvSpPr>
-          <p:nvPr>
-            <p:ph type="title"/>
-          </p:nvPr>
-        </p:nvSpPr>
-        <p:spPr/>
-        <p:txBody>
-          <a:bodyPr/>
-          <a:lstStyle/>
-          <a:p>
-            <a:r>
-              <a:rPr kumimoji="1" lang="ja-JP" altLang="en-US" dirty="0" smtClean="0"/>
-              <a:t>簡単に説明</a:t>
-            </a:r>
-            <a:endParaRPr kumimoji="1" lang="ja-JP" altLang="en-US" dirty="0"/>
-          </a:p>
-        </p:txBody>
-      </p:sp>
-      <p:sp>
-        <p:nvSpPr>
-          <p:cNvPr id="3" name="コンテンツ プレースホルダー 2"/>
-          <p:cNvSpPr>
-            <a:spLocks noGrp="1"/>
-          </p:cNvSpPr>
-          <p:nvPr>
-            <p:ph sz="quarter" idx="1"/>
-          </p:nvPr>
-        </p:nvSpPr>
-        <p:spPr>
-          <a:xfrm>
-            <a:off x="685800" y="2044824"/>
-            <a:ext cx="7772400" cy="1053852"/>
-          </a:xfrm>
-        </p:spPr>
-        <p:txBody>
-          <a:bodyPr>
-            <a:normAutofit/>
-          </a:bodyPr>
-          <a:lstStyle/>
-          <a:p>
-            <a:r>
-              <a:rPr kumimoji="1" lang="ja-JP" altLang="en-US" dirty="0" smtClean="0"/>
-              <a:t>能力を極め、</a:t>
-            </a:r>
-            <a:endParaRPr kumimoji="1" lang="en-US" altLang="ja-JP" dirty="0" smtClean="0"/>
-          </a:p>
-          <a:p>
-            <a:pPr marL="0" indent="0">
-              <a:buNone/>
-            </a:pPr>
-            <a:r>
-              <a:rPr lang="ja-JP" altLang="en-US" dirty="0"/>
-              <a:t>　</a:t>
-            </a:r>
-            <a:r>
-              <a:rPr lang="ja-JP" altLang="en-US" dirty="0" smtClean="0"/>
-              <a:t>　</a:t>
-            </a:r>
-            <a:r>
-              <a:rPr kumimoji="1" lang="ja-JP" altLang="en-US" dirty="0" smtClean="0"/>
-              <a:t>勇ましい姿に成長させ</a:t>
-            </a:r>
-            <a:r>
-              <a:rPr kumimoji="1" lang="en-US" altLang="ja-JP" dirty="0" smtClean="0"/>
-              <a:t>……</a:t>
-            </a:r>
-            <a:endParaRPr kumimoji="1" lang="ja-JP" altLang="en-US" dirty="0"/>
-          </a:p>
-        </p:txBody>
-      </p:sp>
-      <p:pic>
-        <p:nvPicPr>
-          <p:cNvPr id="9" name="Picture 2" descr="C:\Users\2130071\Desktop\scan-001.png"/>
+          <p:cNvPr id="4" name="Picture 2" descr="C:\Users\2130071\Desktop\scan-001.png"/>
           <p:cNvPicPr>
             <a:picLocks noChangeAspect="1" noChangeArrowheads="1"/>
           </p:cNvPicPr>
@@ -7541,8 +9064,8 @@
         </p:blipFill>
         <p:spPr bwMode="auto">
           <a:xfrm>
-            <a:off x="7020272" y="265171"/>
-            <a:ext cx="1858483" cy="1993156"/>
+            <a:off x="4860032" y="555526"/>
+            <a:ext cx="4074189" cy="4369420"/>
           </a:xfrm>
           <a:prstGeom prst="rect">
             <a:avLst/>
@@ -7559,6 +9082,305 @@
           </a:extLst>
         </p:spPr>
       </p:pic>
+      <p:sp>
+        <p:nvSpPr>
+          <p:cNvPr id="2" name="タイトル 1"/>
+          <p:cNvSpPr>
+            <a:spLocks noGrp="1"/>
+          </p:cNvSpPr>
+          <p:nvPr>
+            <p:ph type="title"/>
+          </p:nvPr>
+        </p:nvSpPr>
+        <p:spPr/>
+        <p:txBody>
+          <a:bodyPr/>
+          <a:lstStyle/>
+          <a:p>
+            <a:r>
+              <a:rPr kumimoji="1" lang="ja-JP" altLang="en-US" dirty="0" smtClean="0"/>
+              <a:t>簡単に説明</a:t>
+            </a:r>
+            <a:endParaRPr kumimoji="1" lang="ja-JP" altLang="en-US" dirty="0"/>
+          </a:p>
+        </p:txBody>
+      </p:sp>
+      <p:sp>
+        <p:nvSpPr>
+          <p:cNvPr id="3" name="コンテンツ プレースホルダー 2"/>
+          <p:cNvSpPr>
+            <a:spLocks noGrp="1"/>
+          </p:cNvSpPr>
+          <p:nvPr>
+            <p:ph sz="quarter" idx="1"/>
+          </p:nvPr>
+        </p:nvSpPr>
+        <p:spPr>
+          <a:xfrm>
+            <a:off x="685800" y="1900808"/>
+            <a:ext cx="7772400" cy="1341884"/>
+          </a:xfrm>
+        </p:spPr>
+        <p:txBody>
+          <a:bodyPr>
+            <a:normAutofit lnSpcReduction="10000"/>
+          </a:bodyPr>
+          <a:lstStyle/>
+          <a:p>
+            <a:r>
+              <a:rPr kumimoji="1" lang="en-US" altLang="ja-JP" dirty="0" smtClean="0"/>
+              <a:t>『</a:t>
+            </a:r>
+            <a:r>
+              <a:rPr kumimoji="1" lang="ja-JP" altLang="en-US" dirty="0" smtClean="0"/>
+              <a:t>ハンティングブレイブス</a:t>
+            </a:r>
+            <a:r>
+              <a:rPr kumimoji="1" lang="en-US" altLang="ja-JP" dirty="0" smtClean="0"/>
+              <a:t>』</a:t>
+            </a:r>
+            <a:r>
+              <a:rPr kumimoji="1" lang="ja-JP" altLang="en-US" dirty="0" smtClean="0"/>
+              <a:t>とは、</a:t>
+            </a:r>
+            <a:endParaRPr lang="en-US" altLang="ja-JP" dirty="0"/>
+          </a:p>
+          <a:p>
+            <a:pPr marL="0" indent="0">
+              <a:buNone/>
+            </a:pPr>
+            <a:r>
+              <a:rPr lang="ja-JP" altLang="en-US" dirty="0"/>
+              <a:t>　</a:t>
+            </a:r>
+            <a:r>
+              <a:rPr lang="ja-JP" altLang="en-US" dirty="0" smtClean="0"/>
+              <a:t>　</a:t>
+            </a:r>
+            <a:r>
+              <a:rPr kumimoji="1" lang="ja-JP" altLang="en-US" dirty="0" smtClean="0"/>
+              <a:t>何の能力も持たない</a:t>
+            </a:r>
+            <a:endParaRPr kumimoji="1" lang="en-US" altLang="ja-JP" dirty="0" smtClean="0"/>
+          </a:p>
+          <a:p>
+            <a:pPr marL="0" indent="0">
+              <a:buNone/>
+            </a:pPr>
+            <a:r>
+              <a:rPr lang="en-US" altLang="ja-JP" dirty="0"/>
+              <a:t> </a:t>
+            </a:r>
+            <a:r>
+              <a:rPr lang="en-US" altLang="ja-JP" dirty="0" smtClean="0"/>
+              <a:t>  </a:t>
+            </a:r>
+            <a:r>
+              <a:rPr lang="ja-JP" altLang="en-US" dirty="0" smtClean="0"/>
+              <a:t>弱いすっ</a:t>
+            </a:r>
+            <a:r>
+              <a:rPr lang="ja-JP" altLang="en-US" dirty="0"/>
+              <a:t>ぴん君</a:t>
+            </a:r>
+            <a:r>
+              <a:rPr kumimoji="1" lang="ja-JP" altLang="en-US" dirty="0" smtClean="0"/>
+              <a:t>を</a:t>
+            </a:r>
+            <a:r>
+              <a:rPr kumimoji="1" lang="en-US" altLang="ja-JP" dirty="0" smtClean="0"/>
+              <a:t>……</a:t>
+            </a:r>
+            <a:endParaRPr kumimoji="1" lang="ja-JP" altLang="en-US" dirty="0"/>
+          </a:p>
+        </p:txBody>
+      </p:sp>
+    </p:spTree>
+    <p:extLst>
+      <p:ext uri="{BB962C8B-B14F-4D97-AF65-F5344CB8AC3E}">
+        <p14:creationId xmlns:p14="http://schemas.microsoft.com/office/powerpoint/2010/main" val="4232054977"/>
+      </p:ext>
+    </p:extLst>
+  </p:cSld>
+  <p:clrMapOvr>
+    <a:masterClrMapping/>
+  </p:clrMapOvr>
+  <p:timing>
+    <p:tnLst>
+      <p:par>
+        <p:cTn id="1" dur="indefinite" restart="never" nodeType="tmRoot"/>
+      </p:par>
+    </p:tnLst>
+  </p:timing>
+</p:sld>
+</file>
+
+<file path=ppt/slides/slide12.xml><?xml version="1.0" encoding="utf-8"?>
+<p:sld xmlns:a="http://schemas.openxmlformats.org/drawingml/2006/main" xmlns:r="http://schemas.openxmlformats.org/officeDocument/2006/relationships" xmlns:p="http://schemas.openxmlformats.org/presentationml/2006/main">
+  <p:cSld>
+    <p:spTree>
+      <p:nvGrpSpPr>
+        <p:cNvPr id="1" name=""/>
+        <p:cNvGrpSpPr/>
+        <p:nvPr/>
+      </p:nvGrpSpPr>
+      <p:grpSpPr>
+        <a:xfrm>
+          <a:off x="0" y="0"/>
+          <a:ext cx="0" cy="0"/>
+          <a:chOff x="0" y="0"/>
+          <a:chExt cx="0" cy="0"/>
+        </a:xfrm>
+      </p:grpSpPr>
+      <p:pic>
+        <p:nvPicPr>
+          <p:cNvPr id="5" name="Picture 4" descr="C:\Users\2130071\Desktop\scan-001.jpg"/>
+          <p:cNvPicPr>
+            <a:picLocks noChangeAspect="1" noChangeArrowheads="1"/>
+          </p:cNvPicPr>
+          <p:nvPr/>
+        </p:nvPicPr>
+        <p:blipFill rotWithShape="1">
+          <a:blip r:embed="rId2" cstate="print">
+            <a:extLst>
+              <a:ext uri="{28A0092B-C50C-407E-A947-70E740481C1C}">
+                <a14:useLocalDpi xmlns:a14="http://schemas.microsoft.com/office/drawing/2010/main" val="0"/>
+              </a:ext>
+            </a:extLst>
+          </a:blip>
+          <a:srcRect t="3266" r="48458" b="52521"/>
+          <a:stretch/>
+        </p:blipFill>
+        <p:spPr bwMode="auto">
+          <a:xfrm>
+            <a:off x="1763688" y="1208630"/>
+            <a:ext cx="6110725" cy="3706269"/>
+          </a:xfrm>
+          <a:prstGeom prst="rect">
+            <a:avLst/>
+          </a:prstGeom>
+          <a:noFill/>
+          <a:extLst>
+            <a:ext uri="{909E8E84-426E-40DD-AFC4-6F175D3DCCD1}">
+              <a14:hiddenFill xmlns:a14="http://schemas.microsoft.com/office/drawing/2010/main">
+                <a:solidFill>
+                  <a:srgbClr val="FFFFFF"/>
+                </a:solidFill>
+              </a14:hiddenFill>
+            </a:ext>
+          </a:extLst>
+        </p:spPr>
+      </p:pic>
+      <p:pic>
+        <p:nvPicPr>
+          <p:cNvPr id="8" name="Picture 2" descr="C:\Users\2130071\Desktop\scan-001.png"/>
+          <p:cNvPicPr>
+            <a:picLocks noChangeAspect="1" noChangeArrowheads="1"/>
+          </p:cNvPicPr>
+          <p:nvPr/>
+        </p:nvPicPr>
+        <p:blipFill rotWithShape="1">
+          <a:blip r:embed="rId3" cstate="print">
+            <a:extLst>
+              <a:ext uri="{28A0092B-C50C-407E-A947-70E740481C1C}">
+                <a14:useLocalDpi xmlns:a14="http://schemas.microsoft.com/office/drawing/2010/main" val="0"/>
+              </a:ext>
+            </a:extLst>
+          </a:blip>
+          <a:srcRect l="34510" r="13042" b="40671"/>
+          <a:stretch/>
+        </p:blipFill>
+        <p:spPr bwMode="auto">
+          <a:xfrm>
+            <a:off x="7524328" y="555526"/>
+            <a:ext cx="1326890" cy="1609725"/>
+          </a:xfrm>
+          <a:prstGeom prst="rect">
+            <a:avLst/>
+          </a:prstGeom>
+          <a:noFill/>
+          <a:extLst>
+            <a:ext uri="{909E8E84-426E-40DD-AFC4-6F175D3DCCD1}">
+              <a14:hiddenFill xmlns:a14="http://schemas.microsoft.com/office/drawing/2010/main">
+                <a:solidFill>
+                  <a:srgbClr val="FFFFFF"/>
+                </a:solidFill>
+              </a14:hiddenFill>
+            </a:ext>
+          </a:extLst>
+        </p:spPr>
+      </p:pic>
+      <p:sp>
+        <p:nvSpPr>
+          <p:cNvPr id="2" name="タイトル 1"/>
+          <p:cNvSpPr>
+            <a:spLocks noGrp="1"/>
+          </p:cNvSpPr>
+          <p:nvPr>
+            <p:ph type="title"/>
+          </p:nvPr>
+        </p:nvSpPr>
+        <p:spPr/>
+        <p:txBody>
+          <a:bodyPr/>
+          <a:lstStyle/>
+          <a:p>
+            <a:r>
+              <a:rPr kumimoji="1" lang="ja-JP" altLang="en-US" dirty="0" smtClean="0"/>
+              <a:t>簡単に説明</a:t>
+            </a:r>
+            <a:endParaRPr kumimoji="1" lang="ja-JP" altLang="en-US" dirty="0"/>
+          </a:p>
+        </p:txBody>
+      </p:sp>
+      <p:sp>
+        <p:nvSpPr>
+          <p:cNvPr id="3" name="コンテンツ プレースホルダー 2"/>
+          <p:cNvSpPr>
+            <a:spLocks noGrp="1"/>
+          </p:cNvSpPr>
+          <p:nvPr>
+            <p:ph sz="quarter" idx="1"/>
+          </p:nvPr>
+        </p:nvSpPr>
+        <p:spPr>
+          <a:xfrm>
+            <a:off x="685800" y="2044824"/>
+            <a:ext cx="7772400" cy="1053852"/>
+          </a:xfrm>
+        </p:spPr>
+        <p:txBody>
+          <a:bodyPr>
+            <a:normAutofit/>
+          </a:bodyPr>
+          <a:lstStyle/>
+          <a:p>
+            <a:r>
+              <a:rPr kumimoji="1" lang="ja-JP" altLang="en-US" dirty="0" smtClean="0"/>
+              <a:t>勇ましい姿に</a:t>
+            </a:r>
+            <a:endParaRPr kumimoji="1" lang="en-US" altLang="ja-JP" dirty="0" smtClean="0"/>
+          </a:p>
+          <a:p>
+            <a:pPr marL="0" indent="0">
+              <a:buNone/>
+            </a:pPr>
+            <a:r>
+              <a:rPr lang="ja-JP" altLang="en-US" dirty="0"/>
+              <a:t>　 </a:t>
+            </a:r>
+            <a:r>
+              <a:rPr kumimoji="1" lang="ja-JP" altLang="en-US" dirty="0" smtClean="0"/>
+              <a:t>成長させ</a:t>
+            </a:r>
+            <a:r>
+              <a:rPr kumimoji="1" lang="en-US" altLang="ja-JP" dirty="0" smtClean="0"/>
+              <a:t>……</a:t>
+            </a:r>
+            <a:endParaRPr kumimoji="1" lang="ja-JP" altLang="en-US" dirty="0"/>
+          </a:p>
+        </p:txBody>
+      </p:sp>
       <p:sp>
         <p:nvSpPr>
           <p:cNvPr id="6" name="曲折矢印 5"/>
@@ -7603,6 +9425,73 @@
           </a:p>
         </p:txBody>
       </p:sp>
+      <p:sp>
+        <p:nvSpPr>
+          <p:cNvPr id="4" name="テキスト ボックス 3"/>
+          <p:cNvSpPr txBox="1"/>
+          <p:nvPr/>
+        </p:nvSpPr>
+        <p:spPr>
+          <a:xfrm>
+            <a:off x="2771800" y="4227933"/>
+            <a:ext cx="5929828" cy="584775"/>
+          </a:xfrm>
+          <a:prstGeom prst="rect">
+            <a:avLst/>
+          </a:prstGeom>
+          <a:noFill/>
+        </p:spPr>
+        <p:txBody>
+          <a:bodyPr wrap="none" rtlCol="0">
+            <a:spAutoFit/>
+          </a:bodyPr>
+          <a:lstStyle/>
+          <a:p>
+            <a:r>
+              <a:rPr lang="ja-JP" altLang="en-US" sz="3200" dirty="0" smtClean="0">
+                <a:ln w="19050">
+                  <a:solidFill>
+                    <a:srgbClr val="FF0000"/>
+                  </a:solidFill>
+                </a:ln>
+                <a:solidFill>
+                  <a:schemeClr val="bg1"/>
+                </a:solidFill>
+                <a:latin typeface="A-OTF 新ゴ Pro H" pitchFamily="34" charset="-128"/>
+                <a:ea typeface="A-OTF 新ゴ Pro H" pitchFamily="34" charset="-128"/>
+              </a:rPr>
+              <a:t>モンスターを倒して</a:t>
+            </a:r>
+            <a:r>
+              <a:rPr kumimoji="1" lang="ja-JP" altLang="en-US" sz="3200" dirty="0" smtClean="0">
+                <a:ln w="19050">
+                  <a:solidFill>
+                    <a:srgbClr val="FF0000"/>
+                  </a:solidFill>
+                </a:ln>
+                <a:solidFill>
+                  <a:schemeClr val="bg1"/>
+                </a:solidFill>
+                <a:latin typeface="A-OTF 新ゴ Pro H" pitchFamily="34" charset="-128"/>
+                <a:ea typeface="A-OTF 新ゴ Pro H" pitchFamily="34" charset="-128"/>
+              </a:rPr>
+              <a:t>成長！！！</a:t>
+            </a:r>
+            <a:endParaRPr kumimoji="1" lang="ja-JP" altLang="en-US" sz="3200" dirty="0">
+              <a:ln w="19050">
+                <a:solidFill>
+                  <a:srgbClr val="FF0000"/>
+                </a:solidFill>
+              </a:ln>
+              <a:solidFill>
+                <a:schemeClr val="bg1"/>
+              </a:solidFill>
+              <a:latin typeface="A-OTF 新ゴ Pro H" pitchFamily="34" charset="-128"/>
+              <a:ea typeface="A-OTF 新ゴ Pro H" pitchFamily="34" charset="-128"/>
+            </a:endParaRPr>
+          </a:p>
+        </p:txBody>
+      </p:sp>
     </p:spTree>
     <p:extLst>
       <p:ext uri="{BB962C8B-B14F-4D97-AF65-F5344CB8AC3E}">
@@ -7623,7 +9512,7 @@
 </p:sld>
 </file>
 
-<file path=ppt/slides/slide12.xml><?xml version="1.0" encoding="utf-8"?>
+<file path=ppt/slides/slide13.xml><?xml version="1.0" encoding="utf-8"?>
 <p:sld xmlns:a="http://schemas.openxmlformats.org/drawingml/2006/main" xmlns:r="http://schemas.openxmlformats.org/officeDocument/2006/relationships" xmlns:p="http://schemas.openxmlformats.org/presentationml/2006/main">
   <p:cSld>
     <p:spTree>
@@ -8012,7 +9901,7 @@
 </p:sld>
 </file>
 
-<file path=ppt/slides/slide13.xml><?xml version="1.0" encoding="utf-8"?>
+<file path=ppt/slides/slide14.xml><?xml version="1.0" encoding="utf-8"?>
 <p:sld xmlns:a="http://schemas.openxmlformats.org/drawingml/2006/main" xmlns:r="http://schemas.openxmlformats.org/officeDocument/2006/relationships" xmlns:p="http://schemas.openxmlformats.org/presentationml/2006/main">
   <p:cSld>
     <p:spTree>
@@ -8081,7 +9970,7 @@
         </p:xfrm>
         <a:graphic>
           <a:graphicData uri="http://schemas.openxmlformats.org/drawingml/2006/diagram">
-            <dgm:relIds xmlns:dgm="http://schemas.openxmlformats.org/drawingml/2006/diagram" xmlns:r="http://schemas.openxmlformats.org/officeDocument/2006/relationships" r:dm="rId2" r:lo="rId3" r:qs="rId4" r:cs="rId5"/>
+            <dgm:relIds xmlns:dgm="http://schemas.openxmlformats.org/drawingml/2006/diagram" xmlns:r="http://schemas.openxmlformats.org/officeDocument/2006/relationships" r:dm="rId3" r:lo="rId4" r:qs="rId5" r:cs="rId6"/>
           </a:graphicData>
         </a:graphic>
       </p:graphicFrame>
@@ -8105,7 +9994,7 @@
 </p:sld>
 </file>
 
-<file path=ppt/slides/slide14.xml><?xml version="1.0" encoding="utf-8"?>
+<file path=ppt/slides/slide15.xml><?xml version="1.0" encoding="utf-8"?>
 <p:sld xmlns:a="http://schemas.openxmlformats.org/drawingml/2006/main" xmlns:r="http://schemas.openxmlformats.org/officeDocument/2006/relationships" xmlns:p="http://schemas.openxmlformats.org/presentationml/2006/main">
   <p:cSld>
     <p:spTree>
@@ -8134,7 +10023,9 @@
         </p:nvSpPr>
         <p:spPr/>
         <p:txBody>
-          <a:bodyPr/>
+          <a:bodyPr>
+            <a:normAutofit/>
+          </a:bodyPr>
           <a:lstStyle/>
           <a:p>
             <a:r>
@@ -8147,7 +10038,7 @@
             </a:r>
             <a:r>
               <a:rPr kumimoji="1" lang="ja-JP" altLang="en-US" dirty="0" smtClean="0"/>
-              <a:t>アップグレード編</a:t>
+              <a:t>攻撃</a:t>
             </a:r>
             <a:r>
               <a:rPr kumimoji="1" lang="en-US" altLang="ja-JP" dirty="0" smtClean="0"/>
@@ -8174,6 +10065,232 @@
           <a:p>
             <a:r>
               <a:rPr kumimoji="1" lang="ja-JP" altLang="en-US" dirty="0" smtClean="0"/>
+              <a:t>攻撃は二種類</a:t>
+            </a:r>
+            <a:endParaRPr kumimoji="1" lang="en-US" altLang="ja-JP" dirty="0" smtClean="0"/>
+          </a:p>
+          <a:p>
+            <a:pPr lvl="1"/>
+            <a:r>
+              <a:rPr kumimoji="1" lang="ja-JP" altLang="en-US" dirty="0" smtClean="0"/>
+              <a:t>武器攻撃と魔法攻撃</a:t>
+            </a:r>
+            <a:r>
+              <a:rPr lang="ja-JP" altLang="en-US" dirty="0" smtClean="0"/>
+              <a:t>があります。</a:t>
+            </a:r>
+            <a:endParaRPr kumimoji="1" lang="ja-JP" altLang="en-US" dirty="0"/>
+          </a:p>
+        </p:txBody>
+      </p:sp>
+      <p:pic>
+        <p:nvPicPr>
+          <p:cNvPr id="4" name="Picture 3" descr="C:\Users\2130071\Desktop\VSRPG\DATA\UI\icon\Mturugi.png"/>
+          <p:cNvPicPr>
+            <a:picLocks noChangeAspect="1" noChangeArrowheads="1"/>
+          </p:cNvPicPr>
+          <p:nvPr/>
+        </p:nvPicPr>
+        <p:blipFill>
+          <a:blip r:embed="rId3">
+            <a:extLst>
+              <a:ext uri="{28A0092B-C50C-407E-A947-70E740481C1C}">
+                <a14:useLocalDpi xmlns:a14="http://schemas.microsoft.com/office/drawing/2010/main" val="0"/>
+              </a:ext>
+            </a:extLst>
+          </a:blip>
+          <a:srcRect/>
+          <a:stretch>
+            <a:fillRect/>
+          </a:stretch>
+        </p:blipFill>
+        <p:spPr bwMode="auto">
+          <a:xfrm>
+            <a:off x="3275856" y="2139702"/>
+            <a:ext cx="2592288" cy="2592288"/>
+          </a:xfrm>
+          <a:prstGeom prst="rect">
+            <a:avLst/>
+          </a:prstGeom>
+          <a:noFill/>
+          <a:extLst>
+            <a:ext uri="{909E8E84-426E-40DD-AFC4-6F175D3DCCD1}">
+              <a14:hiddenFill xmlns:a14="http://schemas.microsoft.com/office/drawing/2010/main">
+                <a:solidFill>
+                  <a:srgbClr val="FFFFFF"/>
+                </a:solidFill>
+              </a14:hiddenFill>
+            </a:ext>
+          </a:extLst>
+        </p:spPr>
+      </p:pic>
+      <p:pic>
+        <p:nvPicPr>
+          <p:cNvPr id="5" name="Picture 4" descr="C:\Users\2130071\Desktop\scan-001.jpg"/>
+          <p:cNvPicPr>
+            <a:picLocks noChangeAspect="1" noChangeArrowheads="1"/>
+          </p:cNvPicPr>
+          <p:nvPr/>
+        </p:nvPicPr>
+        <p:blipFill rotWithShape="1">
+          <a:blip r:embed="rId4" cstate="print">
+            <a:extLst>
+              <a:ext uri="{28A0092B-C50C-407E-A947-70E740481C1C}">
+                <a14:useLocalDpi xmlns:a14="http://schemas.microsoft.com/office/drawing/2010/main" val="0"/>
+              </a:ext>
+            </a:extLst>
+          </a:blip>
+          <a:srcRect t="3266" r="48458" b="44927"/>
+          <a:stretch/>
+        </p:blipFill>
+        <p:spPr bwMode="auto">
+          <a:xfrm flipH="1">
+            <a:off x="107504" y="2643758"/>
+            <a:ext cx="3024335" cy="2013173"/>
+          </a:xfrm>
+          <a:prstGeom prst="rect">
+            <a:avLst/>
+          </a:prstGeom>
+          <a:noFill/>
+          <a:extLst>
+            <a:ext uri="{909E8E84-426E-40DD-AFC4-6F175D3DCCD1}">
+              <a14:hiddenFill xmlns:a14="http://schemas.microsoft.com/office/drawing/2010/main">
+                <a:solidFill>
+                  <a:srgbClr val="FFFFFF"/>
+                </a:solidFill>
+              </a14:hiddenFill>
+            </a:ext>
+          </a:extLst>
+        </p:spPr>
+      </p:pic>
+      <p:pic>
+        <p:nvPicPr>
+          <p:cNvPr id="6" name="Picture 6" descr="C:\Users\2130071\Desktop\mahou.png"/>
+          <p:cNvPicPr>
+            <a:picLocks noChangeAspect="1" noChangeArrowheads="1"/>
+          </p:cNvPicPr>
+          <p:nvPr/>
+        </p:nvPicPr>
+        <p:blipFill rotWithShape="1">
+          <a:blip r:embed="rId5" cstate="print">
+            <a:extLst>
+              <a:ext uri="{28A0092B-C50C-407E-A947-70E740481C1C}">
+                <a14:useLocalDpi xmlns:a14="http://schemas.microsoft.com/office/drawing/2010/main" val="0"/>
+              </a:ext>
+            </a:extLst>
+          </a:blip>
+          <a:srcRect t="11178" r="11037" b="6606"/>
+          <a:stretch/>
+        </p:blipFill>
+        <p:spPr bwMode="auto">
+          <a:xfrm>
+            <a:off x="6660232" y="2718474"/>
+            <a:ext cx="1512168" cy="1863739"/>
+          </a:xfrm>
+          <a:prstGeom prst="rect">
+            <a:avLst/>
+          </a:prstGeom>
+          <a:noFill/>
+          <a:extLst>
+            <a:ext uri="{909E8E84-426E-40DD-AFC4-6F175D3DCCD1}">
+              <a14:hiddenFill xmlns:a14="http://schemas.microsoft.com/office/drawing/2010/main">
+                <a:solidFill>
+                  <a:srgbClr val="FFFFFF"/>
+                </a:solidFill>
+              </a14:hiddenFill>
+            </a:ext>
+          </a:extLst>
+        </p:spPr>
+      </p:pic>
+    </p:spTree>
+    <p:extLst>
+      <p:ext uri="{BB962C8B-B14F-4D97-AF65-F5344CB8AC3E}">
+        <p14:creationId xmlns:p14="http://schemas.microsoft.com/office/powerpoint/2010/main" val="2173616024"/>
+      </p:ext>
+    </p:extLst>
+  </p:cSld>
+  <p:clrMapOvr>
+    <a:masterClrMapping/>
+  </p:clrMapOvr>
+  <p:timing>
+    <p:tnLst>
+      <p:par>
+        <p:cTn id="1" dur="indefinite" restart="never" nodeType="tmRoot"/>
+      </p:par>
+    </p:tnLst>
+  </p:timing>
+</p:sld>
+</file>
+
+<file path=ppt/slides/slide16.xml><?xml version="1.0" encoding="utf-8"?>
+<p:sld xmlns:a="http://schemas.openxmlformats.org/drawingml/2006/main" xmlns:r="http://schemas.openxmlformats.org/officeDocument/2006/relationships" xmlns:p="http://schemas.openxmlformats.org/presentationml/2006/main">
+  <p:cSld>
+    <p:spTree>
+      <p:nvGrpSpPr>
+        <p:cNvPr id="1" name=""/>
+        <p:cNvGrpSpPr/>
+        <p:nvPr/>
+      </p:nvGrpSpPr>
+      <p:grpSpPr>
+        <a:xfrm>
+          <a:off x="0" y="0"/>
+          <a:ext cx="0" cy="0"/>
+          <a:chOff x="0" y="0"/>
+          <a:chExt cx="0" cy="0"/>
+        </a:xfrm>
+      </p:grpSpPr>
+      <p:sp>
+        <p:nvSpPr>
+          <p:cNvPr id="2" name="タイトル 1"/>
+          <p:cNvSpPr>
+            <a:spLocks noGrp="1"/>
+          </p:cNvSpPr>
+          <p:nvPr>
+            <p:ph type="title"/>
+          </p:nvPr>
+        </p:nvSpPr>
+        <p:spPr/>
+        <p:txBody>
+          <a:bodyPr/>
+          <a:lstStyle/>
+          <a:p>
+            <a:r>
+              <a:rPr kumimoji="1" lang="ja-JP" altLang="en-US" dirty="0" smtClean="0"/>
+              <a:t>詳しく説明</a:t>
+            </a:r>
+            <a:r>
+              <a:rPr kumimoji="1" lang="en-US" altLang="ja-JP" dirty="0" smtClean="0"/>
+              <a:t>(</a:t>
+            </a:r>
+            <a:r>
+              <a:rPr kumimoji="1" lang="ja-JP" altLang="en-US" dirty="0" smtClean="0"/>
+              <a:t>成長方法</a:t>
+            </a:r>
+            <a:r>
+              <a:rPr kumimoji="1" lang="en-US" altLang="ja-JP" dirty="0" smtClean="0"/>
+              <a:t>)</a:t>
+            </a:r>
+            <a:endParaRPr kumimoji="1" lang="ja-JP" altLang="en-US" dirty="0"/>
+          </a:p>
+        </p:txBody>
+      </p:sp>
+      <p:sp>
+        <p:nvSpPr>
+          <p:cNvPr id="3" name="コンテンツ プレースホルダー 2"/>
+          <p:cNvSpPr>
+            <a:spLocks noGrp="1"/>
+          </p:cNvSpPr>
+          <p:nvPr>
+            <p:ph sz="quarter" idx="1"/>
+          </p:nvPr>
+        </p:nvSpPr>
+        <p:spPr/>
+        <p:txBody>
+          <a:bodyPr/>
+          <a:lstStyle/>
+          <a:p>
+            <a:r>
+              <a:rPr kumimoji="1" lang="ja-JP" altLang="en-US" dirty="0" smtClean="0"/>
               <a:t>小型</a:t>
             </a:r>
             <a:r>
@@ -8182,11 +10299,7 @@
             </a:r>
             <a:r>
               <a:rPr lang="ja-JP" altLang="en-US" dirty="0" smtClean="0"/>
-              <a:t>を倒して経験値</a:t>
-            </a:r>
-            <a:r>
-              <a:rPr lang="ja-JP" altLang="en-US" dirty="0" smtClean="0"/>
-              <a:t>を</a:t>
+              <a:t>を倒して経験値を</a:t>
             </a:r>
             <a:r>
               <a:rPr lang="ja-JP" altLang="en-US" dirty="0"/>
@@ -8844,7 +10957,7 @@
 </p:sld>
 </file>
 
-<file path=ppt/slides/slide15.xml><?xml version="1.0" encoding="utf-8"?>
+<file path=ppt/slides/slide17.xml><?xml version="1.0" encoding="utf-8"?>
 <p:sld xmlns:a="http://schemas.openxmlformats.org/drawingml/2006/main" xmlns:r="http://schemas.openxmlformats.org/officeDocument/2006/relationships" xmlns:p="http://schemas.openxmlformats.org/presentationml/2006/main">
   <p:cSld>
     <p:spTree>
@@ -8861,6 +10974,94 @@
           <a:chExt cx="0" cy="0"/>
         </a:xfrm>
       </p:grpSpPr>
+      <p:pic>
+        <p:nvPicPr>
+          <p:cNvPr id="12" name="Picture 2" descr="C:\Users\2130071\Desktop\scan-001.png"/>
+          <p:cNvPicPr>
+            <a:picLocks noChangeAspect="1" noChangeArrowheads="1"/>
+          </p:cNvPicPr>
+          <p:nvPr/>
+        </p:nvPicPr>
+        <p:blipFill rotWithShape="1">
+          <a:blip r:embed="rId3" cstate="print">
+            <a:extLst>
+              <a:ext uri="{28A0092B-C50C-407E-A947-70E740481C1C}">
+                <a14:useLocalDpi xmlns:a14="http://schemas.microsoft.com/office/drawing/2010/main" val="0"/>
+              </a:ext>
+            </a:extLst>
+          </a:blip>
+          <a:srcRect r="13092"/>
+          <a:stretch/>
+        </p:blipFill>
+        <p:spPr bwMode="auto">
+          <a:xfrm>
+            <a:off x="5262265" y="549052"/>
+            <a:ext cx="3540789" cy="4369420"/>
+          </a:xfrm>
+          <a:prstGeom prst="rect">
+            <a:avLst/>
+          </a:prstGeom>
+          <a:noFill/>
+          <a:extLst>
+            <a:ext uri="{909E8E84-426E-40DD-AFC4-6F175D3DCCD1}">
+              <a14:hiddenFill xmlns:a14="http://schemas.microsoft.com/office/drawing/2010/main">
+                <a:solidFill>
+                  <a:srgbClr val="FFFFFF"/>
+                </a:solidFill>
+              </a14:hiddenFill>
+            </a:ext>
+          </a:extLst>
+        </p:spPr>
+      </p:pic>
+      <p:sp>
+        <p:nvSpPr>
+          <p:cNvPr id="8" name="曲折矢印 7"/>
+          <p:cNvSpPr/>
+          <p:nvPr/>
+        </p:nvSpPr>
+        <p:spPr>
+          <a:xfrm rot="10800000" flipH="1">
+            <a:off x="2123728" y="3141784"/>
+            <a:ext cx="3744416" cy="1800200"/>
+          </a:xfrm>
+          <a:prstGeom prst="bentArrow">
+            <a:avLst>
+              <a:gd name="adj1" fmla="val 25000"/>
+              <a:gd name="adj2" fmla="val 25883"/>
+              <a:gd name="adj3" fmla="val 26325"/>
+              <a:gd name="adj4" fmla="val 40461"/>
+            </a:avLst>
+          </a:prstGeom>
+        </p:spPr>
+        <p:style>
+          <a:lnRef idx="2">
+            <a:schemeClr val="accent1">
+              <a:shade val="50000"/>
+            </a:schemeClr>
+          </a:lnRef>
+          <a:fillRef idx="1">
+            <a:schemeClr val="accent1"/>
+          </a:fillRef>
+          <a:effectRef idx="0">
+            <a:schemeClr val="accent1"/>
+          </a:effectRef>
+          <a:fontRef idx="minor">
+            <a:schemeClr val="lt1"/>
+          </a:fontRef>
+        </p:style>
+        <p:txBody>
+          <a:bodyPr rtlCol="0" anchor="ctr"/>
+          <a:lstStyle/>
+          <a:p>
+            <a:pPr algn="ctr"/>
+            <a:endParaRPr kumimoji="1" lang="ja-JP" altLang="en-US">
+              <a:solidFill>
+                <a:schemeClr val="tx1"/>
+              </a:solidFill>
+            </a:endParaRPr>
+          </a:p>
+        </p:txBody>
+      </p:sp>
       <p:sp>
         <p:nvSpPr>
           <p:cNvPr id="4" name="正方形/長方形 3"/>
@@ -8869,7 +11070,7 @@
         </p:nvSpPr>
         <p:spPr>
           <a:xfrm>
-            <a:off x="251520" y="1851670"/>
+            <a:off x="251520" y="2139702"/>
             <a:ext cx="3960440" cy="1290114"/>
           </a:xfrm>
           <a:prstGeom prst="rect">
@@ -8901,16 +11102,102 @@
           </a:p>
         </p:txBody>
       </p:sp>
+      <p:sp>
+        <p:nvSpPr>
+          <p:cNvPr id="2" name="タイトル 1"/>
+          <p:cNvSpPr>
+            <a:spLocks noGrp="1"/>
+          </p:cNvSpPr>
+          <p:nvPr>
+            <p:ph type="title"/>
+          </p:nvPr>
+        </p:nvSpPr>
+        <p:spPr/>
+        <p:txBody>
+          <a:bodyPr/>
+          <a:lstStyle/>
+          <a:p>
+            <a:r>
+              <a:rPr lang="ja-JP" altLang="en-US" dirty="0"/>
+              <a:t>詳しく</a:t>
+            </a:r>
+            <a:r>
+              <a:rPr lang="ja-JP" altLang="en-US" dirty="0" smtClean="0"/>
+              <a:t>説明</a:t>
+            </a:r>
+            <a:r>
+              <a:rPr lang="en-US" altLang="ja-JP" dirty="0" smtClean="0"/>
+              <a:t>(</a:t>
+            </a:r>
+            <a:r>
+              <a:rPr lang="ja-JP" altLang="en-US" dirty="0" smtClean="0"/>
+              <a:t>成長方法</a:t>
+            </a:r>
+            <a:r>
+              <a:rPr lang="en-US" altLang="ja-JP" dirty="0" smtClean="0"/>
+              <a:t>)</a:t>
+            </a:r>
+            <a:endParaRPr kumimoji="1" lang="ja-JP" altLang="en-US" dirty="0"/>
+          </a:p>
+        </p:txBody>
+      </p:sp>
+      <p:sp>
+        <p:nvSpPr>
+          <p:cNvPr id="3" name="コンテンツ プレースホルダー 2"/>
+          <p:cNvSpPr>
+            <a:spLocks noGrp="1"/>
+          </p:cNvSpPr>
+          <p:nvPr>
+            <p:ph sz="quarter" idx="1"/>
+          </p:nvPr>
+        </p:nvSpPr>
+        <p:spPr/>
+        <p:txBody>
+          <a:bodyPr/>
+          <a:lstStyle/>
+          <a:p>
+            <a:r>
+              <a:rPr kumimoji="1" lang="ja-JP" altLang="en-US" dirty="0" smtClean="0"/>
+              <a:t>集めた経験値を使って</a:t>
+            </a:r>
+            <a:r>
+              <a:rPr lang="ja-JP" altLang="en-US" dirty="0"/>
+              <a:t>スキル</a:t>
+            </a:r>
+            <a:r>
+              <a:rPr kumimoji="1" lang="ja-JP" altLang="en-US" dirty="0" smtClean="0"/>
+              <a:t>を獲得！</a:t>
+            </a:r>
+            <a:endParaRPr kumimoji="1" lang="en-US" altLang="ja-JP" dirty="0" smtClean="0"/>
+          </a:p>
+          <a:p>
+            <a:pPr lvl="1"/>
+            <a:r>
+              <a:rPr lang="ja-JP" altLang="en-US" dirty="0" smtClean="0"/>
+              <a:t>攻撃力や防御力など</a:t>
+            </a:r>
+            <a:r>
+              <a:rPr lang="en-US" altLang="ja-JP" dirty="0" smtClean="0"/>
+              <a:t>……</a:t>
+            </a:r>
+            <a:r>
+              <a:rPr lang="ja-JP" altLang="en-US" dirty="0" smtClean="0"/>
+              <a:t>能力値を強化！</a:t>
+            </a:r>
+            <a:endParaRPr kumimoji="1" lang="ja-JP" altLang="en-US" dirty="0"/>
+          </a:p>
+        </p:txBody>
+      </p:sp>
       <p:pic>
         <p:nvPicPr>
-          <p:cNvPr id="7" name="Picture 2" descr="C:\Users\2130071\Desktop\scan-001.png"/>
+          <p:cNvPr id="4098" name="Picture 2" descr="C:\Users\2130071\Desktop\VSRPG\DATA\UI\icon\Mga-do.png"/>
           <p:cNvPicPr>
             <a:picLocks noChangeAspect="1" noChangeArrowheads="1"/>
           </p:cNvPicPr>
           <p:nvPr/>
         </p:nvPicPr>
         <p:blipFill>
-          <a:blip r:embed="rId2" cstate="print">
+          <a:blip r:embed="rId4">
             <a:extLst>
               <a:ext uri="{28A0092B-C50C-407E-A947-70E740481C1C}">
                 <a14:useLocalDpi xmlns:a14="http://schemas.microsoft.com/office/drawing/2010/main" val="0"/>
@@ -8924,106 +11211,7 @@
         </p:blipFill>
         <p:spPr bwMode="auto">
           <a:xfrm>
-            <a:off x="5292080" y="1563638"/>
-            <a:ext cx="3104703" cy="3329682"/>
-          </a:xfrm>
-          <a:prstGeom prst="rect">
-            <a:avLst/>
-          </a:prstGeom>
-          <a:noFill/>
-          <a:extLst>
-            <a:ext uri="{909E8E84-426E-40DD-AFC4-6F175D3DCCD1}">
-              <a14:hiddenFill xmlns:a14="http://schemas.microsoft.com/office/drawing/2010/main">
-                <a:solidFill>
-                  <a:srgbClr val="FFFFFF"/>
-                </a:solidFill>
-              </a14:hiddenFill>
-            </a:ext>
-          </a:extLst>
-        </p:spPr>
-      </p:pic>
-      <p:sp>
-        <p:nvSpPr>
-          <p:cNvPr id="2" name="タイトル 1"/>
-          <p:cNvSpPr>
-            <a:spLocks noGrp="1"/>
-          </p:cNvSpPr>
-          <p:nvPr>
-            <p:ph type="title"/>
-          </p:nvPr>
-        </p:nvSpPr>
-        <p:spPr/>
-        <p:txBody>
-          <a:bodyPr/>
-          <a:lstStyle/>
-          <a:p>
-            <a:r>
-              <a:rPr lang="ja-JP" altLang="en-US" dirty="0"/>
-              <a:t>詳しく説明</a:t>
-            </a:r>
-            <a:r>
-              <a:rPr lang="en-US" altLang="ja-JP" dirty="0"/>
-              <a:t>(</a:t>
-            </a:r>
-            <a:r>
-              <a:rPr lang="ja-JP" altLang="en-US" dirty="0"/>
-              <a:t>アップグレード編</a:t>
-            </a:r>
-            <a:r>
-              <a:rPr lang="en-US" altLang="ja-JP" dirty="0"/>
-              <a:t>)</a:t>
-            </a:r>
-            <a:endParaRPr kumimoji="1" lang="ja-JP" altLang="en-US" dirty="0"/>
-          </a:p>
-        </p:txBody>
-      </p:sp>
-      <p:sp>
-        <p:nvSpPr>
-          <p:cNvPr id="3" name="コンテンツ プレースホルダー 2"/>
-          <p:cNvSpPr>
-            <a:spLocks noGrp="1"/>
-          </p:cNvSpPr>
-          <p:nvPr>
-            <p:ph sz="quarter" idx="1"/>
-          </p:nvPr>
-        </p:nvSpPr>
-        <p:spPr/>
-        <p:txBody>
-          <a:bodyPr/>
-          <a:lstStyle/>
-          <a:p>
-            <a:r>
-              <a:rPr kumimoji="1" lang="ja-JP" altLang="en-US" dirty="0" smtClean="0"/>
-              <a:t>集めた経験値を使ってアップグレードを獲得！</a:t>
-            </a:r>
-            <a:endParaRPr kumimoji="1" lang="ja-JP" altLang="en-US" dirty="0"/>
-          </a:p>
-        </p:txBody>
-      </p:sp>
-      <p:pic>
-        <p:nvPicPr>
-          <p:cNvPr id="4098" name="Picture 2" descr="C:\Users\2130071\Desktop\VSRPG\DATA\UI\icon\Mga-do.png"/>
-          <p:cNvPicPr>
-            <a:picLocks noChangeAspect="1" noChangeArrowheads="1"/>
-          </p:cNvPicPr>
-          <p:nvPr/>
-        </p:nvPicPr>
-        <p:blipFill>
-          <a:blip r:embed="rId3">
-            <a:extLst>
-              <a:ext uri="{28A0092B-C50C-407E-A947-70E740481C1C}">
-                <a14:useLocalDpi xmlns:a14="http://schemas.microsoft.com/office/drawing/2010/main" val="0"/>
-              </a:ext>
-            </a:extLst>
-          </a:blip>
-          <a:srcRect/>
-          <a:stretch>
-            <a:fillRect/>
-          </a:stretch>
-        </p:blipFill>
-        <p:spPr bwMode="auto">
-          <a:xfrm>
-            <a:off x="1689375" y="2006541"/>
+            <a:off x="1689375" y="2294573"/>
             <a:ext cx="1008111" cy="1008116"/>
           </a:xfrm>
           <a:prstGeom prst="rect">
@@ -9050,7 +11238,7 @@
           <p:nvPr/>
         </p:nvPicPr>
         <p:blipFill>
-          <a:blip r:embed="rId4">
+          <a:blip r:embed="rId5">
             <a:extLst>
               <a:ext uri="{28A0092B-C50C-407E-A947-70E740481C1C}">
                 <a14:useLocalDpi xmlns:a14="http://schemas.microsoft.com/office/drawing/2010/main" val="0"/>
@@ -9064,7 +11252,7 @@
         </p:blipFill>
         <p:spPr bwMode="auto">
           <a:xfrm>
-            <a:off x="478343" y="2002961"/>
+            <a:off x="478343" y="2290993"/>
             <a:ext cx="1008115" cy="1008115"/>
           </a:xfrm>
           <a:prstGeom prst="rect">
@@ -9091,7 +11279,7 @@
           <p:nvPr/>
         </p:nvPicPr>
         <p:blipFill>
-          <a:blip r:embed="rId5">
+          <a:blip r:embed="rId6">
             <a:extLst>
               <a:ext uri="{28A0092B-C50C-407E-A947-70E740481C1C}">
                 <a14:useLocalDpi xmlns:a14="http://schemas.microsoft.com/office/drawing/2010/main" val="0"/>
@@ -9105,7 +11293,7 @@
         </p:blipFill>
         <p:spPr bwMode="auto">
           <a:xfrm>
-            <a:off x="2915816" y="2006550"/>
+            <a:off x="2915816" y="2294582"/>
             <a:ext cx="1008112" cy="1008107"/>
           </a:xfrm>
           <a:prstGeom prst="rect">
@@ -9125,598 +11313,60 @@
       </p:pic>
       <p:sp>
         <p:nvSpPr>
-          <p:cNvPr id="8" name="曲折矢印 7"/>
-          <p:cNvSpPr/>
+          <p:cNvPr id="11" name="テキスト ボックス 10"/>
+          <p:cNvSpPr txBox="1"/>
           <p:nvPr/>
         </p:nvSpPr>
         <p:spPr>
-          <a:xfrm rot="10800000" flipH="1">
-            <a:off x="2123728" y="3141784"/>
-            <a:ext cx="2736304" cy="1800200"/>
-          </a:xfrm>
-          <a:prstGeom prst="bentArrow">
-            <a:avLst>
-              <a:gd name="adj1" fmla="val 25000"/>
-              <a:gd name="adj2" fmla="val 25883"/>
-              <a:gd name="adj3" fmla="val 26325"/>
-              <a:gd name="adj4" fmla="val 28291"/>
-            </a:avLst>
-          </a:prstGeom>
-        </p:spPr>
-        <p:style>
-          <a:lnRef idx="2">
-            <a:schemeClr val="accent1">
-              <a:shade val="50000"/>
-            </a:schemeClr>
-          </a:lnRef>
-          <a:fillRef idx="1">
-            <a:schemeClr val="accent1"/>
-          </a:fillRef>
-          <a:effectRef idx="0">
-            <a:schemeClr val="accent1"/>
-          </a:effectRef>
-          <a:fontRef idx="minor">
-            <a:schemeClr val="lt1"/>
-          </a:fontRef>
-        </p:style>
-        <p:txBody>
-          <a:bodyPr rtlCol="0" anchor="ctr"/>
-          <a:lstStyle/>
-          <a:p>
-            <a:pPr algn="ctr"/>
-            <a:endParaRPr kumimoji="1" lang="ja-JP" altLang="en-US">
-              <a:solidFill>
-                <a:schemeClr val="tx1"/>
-              </a:solidFill>
-            </a:endParaRPr>
-          </a:p>
-        </p:txBody>
-      </p:sp>
-    </p:spTree>
-    <p:extLst>
-      <p:ext uri="{BB962C8B-B14F-4D97-AF65-F5344CB8AC3E}">
-        <p14:creationId xmlns:p14="http://schemas.microsoft.com/office/powerpoint/2010/main" val="502041248"/>
-      </p:ext>
-    </p:extLst>
-  </p:cSld>
-  <p:clrMapOvr>
-    <a:masterClrMapping/>
-  </p:clrMapOvr>
-  <p:timing>
-    <p:tnLst>
-      <p:par>
-        <p:cTn id="1" dur="indefinite" restart="never" nodeType="tmRoot"/>
-      </p:par>
-    </p:tnLst>
-  </p:timing>
-</p:sld>
-</file>
-
-<file path=ppt/slides/slide16.xml><?xml version="1.0" encoding="utf-8"?>
-<p:sld xmlns:a="http://schemas.openxmlformats.org/drawingml/2006/main" xmlns:r="http://schemas.openxmlformats.org/officeDocument/2006/relationships" xmlns:p="http://schemas.openxmlformats.org/presentationml/2006/main">
-  <p:cSld>
-    <p:spTree>
-      <p:nvGrpSpPr>
-        <p:cNvPr id="1" name=""/>
-        <p:cNvGrpSpPr/>
-        <p:nvPr/>
-      </p:nvGrpSpPr>
-      <p:grpSpPr>
-        <a:xfrm>
-          <a:off x="0" y="0"/>
-          <a:ext cx="0" cy="0"/>
-          <a:chOff x="0" y="0"/>
-          <a:chExt cx="0" cy="0"/>
-        </a:xfrm>
-      </p:grpSpPr>
-      <p:pic>
-        <p:nvPicPr>
-          <p:cNvPr id="5" name="Picture 4" descr="C:\Users\2130071\Desktop\scan-001.jpg"/>
-          <p:cNvPicPr>
-            <a:picLocks noChangeAspect="1" noChangeArrowheads="1"/>
-          </p:cNvPicPr>
-          <p:nvPr/>
-        </p:nvPicPr>
-        <p:blipFill rotWithShape="1">
-          <a:blip r:embed="rId2" cstate="print">
-            <a:extLst>
-              <a:ext uri="{28A0092B-C50C-407E-A947-70E740481C1C}">
-                <a14:useLocalDpi xmlns:a14="http://schemas.microsoft.com/office/drawing/2010/main" val="0"/>
-              </a:ext>
-            </a:extLst>
-          </a:blip>
-          <a:srcRect t="3266" r="48458" b="44927"/>
-          <a:stretch/>
-        </p:blipFill>
-        <p:spPr bwMode="auto">
           <a:xfrm>
-            <a:off x="6228184" y="2787774"/>
-            <a:ext cx="2832647" cy="2013173"/>
+            <a:off x="6156176" y="4198191"/>
+            <a:ext cx="2646878" cy="584775"/>
           </a:xfrm>
           <a:prstGeom prst="rect">
             <a:avLst/>
           </a:prstGeom>
           <a:noFill/>
-          <a:extLst>
-            <a:ext uri="{909E8E84-426E-40DD-AFC4-6F175D3DCCD1}">
-              <a14:hiddenFill xmlns:a14="http://schemas.microsoft.com/office/drawing/2010/main">
+        </p:spPr>
+        <p:txBody>
+          <a:bodyPr wrap="none" rtlCol="0">
+            <a:spAutoFit/>
+          </a:bodyPr>
+          <a:lstStyle/>
+          <a:p>
+            <a:r>
+              <a:rPr kumimoji="1" lang="ja-JP" altLang="en-US" sz="3200" dirty="0" smtClean="0">
+                <a:ln w="19050">
+                  <a:solidFill>
+                    <a:srgbClr val="FF0000"/>
+                  </a:solidFill>
+                </a:ln>
                 <a:solidFill>
-                  <a:srgbClr val="FFFFFF"/>
+                  <a:schemeClr val="bg1"/>
                 </a:solidFill>
-              </a14:hiddenFill>
-            </a:ext>
-          </a:extLst>
-        </p:spPr>
-      </p:pic>
-      <p:sp>
-        <p:nvSpPr>
-          <p:cNvPr id="2" name="タイトル 1"/>
-          <p:cNvSpPr>
-            <a:spLocks noGrp="1"/>
-          </p:cNvSpPr>
-          <p:nvPr>
-            <p:ph type="title"/>
-          </p:nvPr>
-        </p:nvSpPr>
-        <p:spPr/>
-        <p:txBody>
-          <a:bodyPr/>
-          <a:lstStyle/>
-          <a:p>
-            <a:r>
-              <a:rPr lang="ja-JP" altLang="en-US" dirty="0"/>
-              <a:t>詳しく説明</a:t>
-            </a:r>
-            <a:r>
-              <a:rPr lang="en-US" altLang="ja-JP" dirty="0"/>
-              <a:t>(</a:t>
-            </a:r>
-            <a:r>
-              <a:rPr lang="ja-JP" altLang="en-US" dirty="0"/>
-              <a:t>アップグレード編</a:t>
-            </a:r>
-            <a:r>
-              <a:rPr lang="en-US" altLang="ja-JP" dirty="0"/>
-              <a:t>)</a:t>
-            </a:r>
-            <a:endParaRPr kumimoji="1" lang="ja-JP" altLang="en-US" dirty="0"/>
-          </a:p>
-        </p:txBody>
-      </p:sp>
-      <p:sp>
-        <p:nvSpPr>
-          <p:cNvPr id="3" name="コンテンツ プレースホルダー 2"/>
-          <p:cNvSpPr>
-            <a:spLocks noGrp="1"/>
-          </p:cNvSpPr>
-          <p:nvPr>
-            <p:ph sz="quarter" idx="1"/>
-          </p:nvPr>
-        </p:nvSpPr>
-        <p:spPr>
-          <a:xfrm>
-            <a:off x="914400" y="1085850"/>
-            <a:ext cx="7772400" cy="1125860"/>
-          </a:xfrm>
-        </p:spPr>
-        <p:txBody>
-          <a:bodyPr/>
-          <a:lstStyle/>
-          <a:p>
-            <a:r>
-              <a:rPr kumimoji="1" lang="en-US" altLang="ja-JP" dirty="0" smtClean="0"/>
-              <a:t>『</a:t>
-            </a:r>
-            <a:r>
-              <a:rPr kumimoji="1" lang="ja-JP" altLang="en-US" dirty="0" smtClean="0"/>
-              <a:t>極アップグレード</a:t>
-            </a:r>
-            <a:r>
-              <a:rPr kumimoji="1" lang="en-US" altLang="ja-JP" dirty="0" smtClean="0"/>
-              <a:t>』</a:t>
-            </a:r>
-            <a:r>
-              <a:rPr kumimoji="1" lang="ja-JP" altLang="en-US" dirty="0" smtClean="0"/>
-              <a:t>を獲得すると見た目が変化！</a:t>
-            </a:r>
-            <a:endParaRPr kumimoji="1" lang="en-US" altLang="ja-JP" dirty="0" smtClean="0"/>
-          </a:p>
-          <a:p>
-            <a:pPr marL="0" indent="0">
-              <a:buNone/>
-            </a:pPr>
-            <a:r>
-              <a:rPr lang="ja-JP" altLang="en-US" dirty="0"/>
-              <a:t>　</a:t>
-            </a:r>
-            <a:r>
-              <a:rPr lang="ja-JP" altLang="en-US" dirty="0" smtClean="0"/>
-              <a:t>　効果も非常に強力！</a:t>
-            </a:r>
-            <a:endParaRPr kumimoji="1" lang="ja-JP" altLang="en-US" dirty="0"/>
-          </a:p>
-        </p:txBody>
-      </p:sp>
-      <p:pic>
-        <p:nvPicPr>
-          <p:cNvPr id="5122" name="Picture 2" descr="C:\Users\2130071\Desktop\プリースト案.PNG"/>
-          <p:cNvPicPr>
-            <a:picLocks noChangeAspect="1" noChangeArrowheads="1"/>
-          </p:cNvPicPr>
-          <p:nvPr/>
-        </p:nvPicPr>
-        <p:blipFill>
-          <a:blip r:embed="rId3" cstate="print">
-            <a:extLst>
-              <a:ext uri="{28A0092B-C50C-407E-A947-70E740481C1C}">
-                <a14:useLocalDpi xmlns:a14="http://schemas.microsoft.com/office/drawing/2010/main" val="0"/>
-              </a:ext>
-            </a:extLst>
-          </a:blip>
-          <a:srcRect/>
-          <a:stretch>
-            <a:fillRect/>
-          </a:stretch>
-        </p:blipFill>
-        <p:spPr bwMode="auto">
-          <a:xfrm>
-            <a:off x="1533412" y="2731453"/>
-            <a:ext cx="1621988" cy="2157190"/>
-          </a:xfrm>
-          <a:prstGeom prst="rect">
-            <a:avLst/>
-          </a:prstGeom>
-          <a:noFill/>
-          <a:extLst>
-            <a:ext uri="{909E8E84-426E-40DD-AFC4-6F175D3DCCD1}">
-              <a14:hiddenFill xmlns:a14="http://schemas.microsoft.com/office/drawing/2010/main">
+                <a:latin typeface="A-OTF 新ゴ Pro H" pitchFamily="34" charset="-128"/>
+                <a:ea typeface="A-OTF 新ゴ Pro H" pitchFamily="34" charset="-128"/>
+              </a:rPr>
+              <a:t>パワーアップ</a:t>
+            </a:r>
+            <a:endParaRPr kumimoji="1" lang="ja-JP" altLang="en-US" sz="3200" dirty="0">
+              <a:ln w="19050">
                 <a:solidFill>
-                  <a:srgbClr val="FFFFFF"/>
+                  <a:srgbClr val="FF0000"/>
                 </a:solidFill>
-              </a14:hiddenFill>
-            </a:ext>
-          </a:extLst>
-        </p:spPr>
-      </p:pic>
-      <p:pic>
-        <p:nvPicPr>
-          <p:cNvPr id="5124" name="Picture 4" descr="C:\Users\2130071\Desktop\VSRPG\仕様\参考画像\プレイヤーラフ\1475676831565.png"/>
-          <p:cNvPicPr>
-            <a:picLocks noChangeAspect="1" noChangeArrowheads="1"/>
-          </p:cNvPicPr>
-          <p:nvPr/>
-        </p:nvPicPr>
-        <p:blipFill rotWithShape="1">
-          <a:blip r:embed="rId4" cstate="print">
-            <a:extLst>
-              <a:ext uri="{28A0092B-C50C-407E-A947-70E740481C1C}">
-                <a14:useLocalDpi xmlns:a14="http://schemas.microsoft.com/office/drawing/2010/main" val="0"/>
-              </a:ext>
-            </a:extLst>
-          </a:blip>
-          <a:srcRect l="35773" t="11005"/>
-          <a:stretch/>
-        </p:blipFill>
-        <p:spPr bwMode="auto">
-          <a:xfrm>
-            <a:off x="4427984" y="2924938"/>
-            <a:ext cx="1169288" cy="1876009"/>
-          </a:xfrm>
-          <a:prstGeom prst="rect">
-            <a:avLst/>
-          </a:prstGeom>
-          <a:noFill/>
-          <a:extLst>
-            <a:ext uri="{909E8E84-426E-40DD-AFC4-6F175D3DCCD1}">
-              <a14:hiddenFill xmlns:a14="http://schemas.microsoft.com/office/drawing/2010/main">
-                <a:solidFill>
-                  <a:srgbClr val="FFFFFF"/>
-                </a:solidFill>
-              </a14:hiddenFill>
-            </a:ext>
-          </a:extLst>
-        </p:spPr>
-      </p:pic>
-      <p:pic>
-        <p:nvPicPr>
-          <p:cNvPr id="5125" name="Picture 5" descr="C:\Users\2130071\Desktop\VSRPG\仕様\参考画像\プレイヤーラフ\1475667039219.png"/>
-          <p:cNvPicPr>
-            <a:picLocks noChangeAspect="1" noChangeArrowheads="1"/>
-          </p:cNvPicPr>
-          <p:nvPr/>
-        </p:nvPicPr>
-        <p:blipFill>
-          <a:blip r:embed="rId5" cstate="print">
-            <a:extLst>
-              <a:ext uri="{28A0092B-C50C-407E-A947-70E740481C1C}">
-                <a14:useLocalDpi xmlns:a14="http://schemas.microsoft.com/office/drawing/2010/main" val="0"/>
-              </a:ext>
-            </a:extLst>
-          </a:blip>
-          <a:srcRect/>
-          <a:stretch>
-            <a:fillRect/>
-          </a:stretch>
-        </p:blipFill>
-        <p:spPr bwMode="auto">
-          <a:xfrm>
-            <a:off x="3349054" y="2595148"/>
-            <a:ext cx="1150938" cy="2247900"/>
-          </a:xfrm>
-          <a:prstGeom prst="rect">
-            <a:avLst/>
-          </a:prstGeom>
-          <a:noFill/>
-          <a:extLst>
-            <a:ext uri="{909E8E84-426E-40DD-AFC4-6F175D3DCCD1}">
-              <a14:hiddenFill xmlns:a14="http://schemas.microsoft.com/office/drawing/2010/main">
-                <a:solidFill>
-                  <a:srgbClr val="FFFFFF"/>
-                </a:solidFill>
-              </a14:hiddenFill>
-            </a:ext>
-          </a:extLst>
-        </p:spPr>
-      </p:pic>
-      <p:pic>
-        <p:nvPicPr>
-          <p:cNvPr id="5126" name="Picture 6" descr="C:\Users\2130071\Desktop\mahou.png"/>
-          <p:cNvPicPr>
-            <a:picLocks noChangeAspect="1" noChangeArrowheads="1"/>
-          </p:cNvPicPr>
-          <p:nvPr/>
-        </p:nvPicPr>
-        <p:blipFill rotWithShape="1">
-          <a:blip r:embed="rId6" cstate="print">
-            <a:extLst>
-              <a:ext uri="{28A0092B-C50C-407E-A947-70E740481C1C}">
-                <a14:useLocalDpi xmlns:a14="http://schemas.microsoft.com/office/drawing/2010/main" val="0"/>
-              </a:ext>
-            </a:extLst>
-          </a:blip>
-          <a:srcRect t="11178" r="11037" b="6606"/>
-          <a:stretch/>
-        </p:blipFill>
-        <p:spPr bwMode="auto">
-          <a:xfrm>
-            <a:off x="251520" y="2924938"/>
-            <a:ext cx="1425908" cy="1863739"/>
-          </a:xfrm>
-          <a:prstGeom prst="rect">
-            <a:avLst/>
-          </a:prstGeom>
-          <a:noFill/>
-          <a:extLst>
-            <a:ext uri="{909E8E84-426E-40DD-AFC4-6F175D3DCCD1}">
-              <a14:hiddenFill xmlns:a14="http://schemas.microsoft.com/office/drawing/2010/main">
-                <a:solidFill>
-                  <a:srgbClr val="FFFFFF"/>
-                </a:solidFill>
-              </a14:hiddenFill>
-            </a:ext>
-          </a:extLst>
-        </p:spPr>
-      </p:pic>
-      <p:pic>
-        <p:nvPicPr>
-          <p:cNvPr id="5123" name="Picture 3" descr="C:\Users\2130071\Desktop\とうぞく.png"/>
-          <p:cNvPicPr>
-            <a:picLocks noChangeAspect="1" noChangeArrowheads="1"/>
-          </p:cNvPicPr>
-          <p:nvPr/>
-        </p:nvPicPr>
-        <p:blipFill rotWithShape="1">
-          <a:blip r:embed="rId7" cstate="print">
-            <a:extLst>
-              <a:ext uri="{28A0092B-C50C-407E-A947-70E740481C1C}">
-                <a14:useLocalDpi xmlns:a14="http://schemas.microsoft.com/office/drawing/2010/main" val="0"/>
-              </a:ext>
-            </a:extLst>
-          </a:blip>
-          <a:srcRect t="21286" r="21140" b="9221"/>
-          <a:stretch/>
-        </p:blipFill>
-        <p:spPr bwMode="auto">
-          <a:xfrm>
-            <a:off x="5328084" y="2852035"/>
-            <a:ext cx="1512168" cy="1884649"/>
-          </a:xfrm>
-          <a:prstGeom prst="rect">
-            <a:avLst/>
-          </a:prstGeom>
-          <a:noFill/>
-          <a:extLst>
-            <a:ext uri="{909E8E84-426E-40DD-AFC4-6F175D3DCCD1}">
-              <a14:hiddenFill xmlns:a14="http://schemas.microsoft.com/office/drawing/2010/main">
-                <a:solidFill>
-                  <a:srgbClr val="FFFFFF"/>
-                </a:solidFill>
-              </a14:hiddenFill>
-            </a:ext>
-          </a:extLst>
-        </p:spPr>
-      </p:pic>
+              </a:ln>
+              <a:solidFill>
+                <a:schemeClr val="bg1"/>
+              </a:solidFill>
+              <a:latin typeface="A-OTF 新ゴ Pro H" pitchFamily="34" charset="-128"/>
+              <a:ea typeface="A-OTF 新ゴ Pro H" pitchFamily="34" charset="-128"/>
+            </a:endParaRPr>
+          </a:p>
+        </p:txBody>
+      </p:sp>
     </p:spTree>
     <p:extLst>
       <p:ext uri="{BB962C8B-B14F-4D97-AF65-F5344CB8AC3E}">
-        <p14:creationId xmlns:p14="http://schemas.microsoft.com/office/powerpoint/2010/main" val="2728950007"/>
-      </p:ext>
-    </p:extLst>
-  </p:cSld>
-  <p:clrMapOvr>
-    <a:masterClrMapping/>
-  </p:clrMapOvr>
-  <p:timing>
-    <p:tnLst>
-      <p:par>
-        <p:cTn id="1" dur="indefinite" restart="never" nodeType="tmRoot"/>
-      </p:par>
-    </p:tnLst>
-  </p:timing>
-</p:sld>
-</file>
-
-<file path=ppt/slides/slide17.xml><?xml version="1.0" encoding="utf-8"?>
-<p:sld xmlns:a="http://schemas.openxmlformats.org/drawingml/2006/main" xmlns:r="http://schemas.openxmlformats.org/officeDocument/2006/relationships" xmlns:p="http://schemas.openxmlformats.org/presentationml/2006/main">
-  <p:cSld>
-    <p:spTree>
-      <p:nvGrpSpPr>
-        <p:cNvPr id="1" name=""/>
-        <p:cNvGrpSpPr/>
-        <p:nvPr/>
-      </p:nvGrpSpPr>
-      <p:grpSpPr>
-        <a:xfrm>
-          <a:off x="0" y="0"/>
-          <a:ext cx="0" cy="0"/>
-          <a:chOff x="0" y="0"/>
-          <a:chExt cx="0" cy="0"/>
-        </a:xfrm>
-      </p:grpSpPr>
-      <p:sp>
-        <p:nvSpPr>
-          <p:cNvPr id="2" name="タイトル 1"/>
-          <p:cNvSpPr>
-            <a:spLocks noGrp="1"/>
-          </p:cNvSpPr>
-          <p:nvPr>
-            <p:ph type="title"/>
-          </p:nvPr>
-        </p:nvSpPr>
-        <p:spPr>
-          <a:xfrm>
-            <a:off x="539552" y="1493342"/>
-            <a:ext cx="8147248" cy="2156817"/>
-          </a:xfrm>
-        </p:spPr>
-        <p:txBody>
-          <a:bodyPr>
-            <a:noAutofit/>
-          </a:bodyPr>
-          <a:lstStyle/>
-          <a:p>
-            <a:r>
-              <a:rPr lang="en-US" altLang="ja-JP" sz="4400" dirty="0" smtClean="0">
-                <a:solidFill>
-                  <a:schemeClr val="tx1"/>
-                </a:solidFill>
-              </a:rPr>
-              <a:t>MOVA</a:t>
-            </a:r>
-            <a:r>
-              <a:rPr lang="ja-JP" altLang="en-US" sz="4400" dirty="0" smtClean="0">
-                <a:solidFill>
-                  <a:schemeClr val="tx1"/>
-                </a:solidFill>
-              </a:rPr>
-              <a:t>系の敷居</a:t>
-            </a:r>
-            <a:r>
-              <a:rPr lang="ja-JP" altLang="en-US" sz="4400" dirty="0">
-                <a:solidFill>
-                  <a:schemeClr val="tx1"/>
-                </a:solidFill>
-              </a:rPr>
-              <a:t>の</a:t>
-            </a:r>
-            <a:r>
-              <a:rPr lang="ja-JP" altLang="en-US" sz="4400" dirty="0" smtClean="0">
-                <a:solidFill>
-                  <a:schemeClr val="tx1"/>
-                </a:solidFill>
-              </a:rPr>
-              <a:t>高さを</a:t>
-            </a:r>
-            <a:r>
-              <a:rPr lang="en-US" altLang="ja-JP" sz="4400" dirty="0" smtClean="0">
-                <a:solidFill>
-                  <a:schemeClr val="tx1"/>
-                </a:solidFill>
-              </a:rPr>
-              <a:t/>
-            </a:r>
-            <a:br>
-              <a:rPr lang="en-US" altLang="ja-JP" sz="4400" dirty="0" smtClean="0">
-                <a:solidFill>
-                  <a:schemeClr val="tx1"/>
-                </a:solidFill>
-              </a:rPr>
-            </a:br>
-            <a:r>
-              <a:rPr lang="ja-JP" altLang="en-US" sz="5400" dirty="0">
-                <a:solidFill>
-                  <a:schemeClr val="tx1"/>
-                </a:solidFill>
-              </a:rPr>
-              <a:t>ルール</a:t>
-            </a:r>
-            <a:r>
-              <a:rPr lang="ja-JP" altLang="en-US" sz="5400" dirty="0" smtClean="0">
-                <a:solidFill>
-                  <a:schemeClr val="tx1"/>
-                </a:solidFill>
-              </a:rPr>
-              <a:t>や操作の簡略化</a:t>
-            </a:r>
-            <a:r>
-              <a:rPr lang="ja-JP" altLang="en-US" sz="4400" dirty="0">
-                <a:solidFill>
-                  <a:schemeClr val="tx1"/>
-                </a:solidFill>
-              </a:rPr>
-              <a:t>に</a:t>
-            </a:r>
-            <a:r>
-              <a:rPr lang="ja-JP" altLang="en-US" sz="4400" dirty="0" smtClean="0">
-                <a:solidFill>
-                  <a:schemeClr val="tx1"/>
-                </a:solidFill>
-              </a:rPr>
-              <a:t>より</a:t>
-            </a:r>
-            <a:r>
-              <a:rPr lang="en-US" altLang="ja-JP" sz="4400" dirty="0" smtClean="0">
-                <a:solidFill>
-                  <a:schemeClr val="tx1"/>
-                </a:solidFill>
-              </a:rPr>
-              <a:t/>
-            </a:r>
-            <a:br>
-              <a:rPr lang="en-US" altLang="ja-JP" sz="4400" dirty="0" smtClean="0">
-                <a:solidFill>
-                  <a:schemeClr val="tx1"/>
-                </a:solidFill>
-              </a:rPr>
-            </a:br>
-            <a:r>
-              <a:rPr lang="ja-JP" altLang="en-US" sz="4400" dirty="0">
-                <a:solidFill>
-                  <a:srgbClr val="FF0000"/>
-                </a:solidFill>
-              </a:rPr>
-              <a:t>窓口</a:t>
-            </a:r>
-            <a:r>
-              <a:rPr lang="ja-JP" altLang="en-US" sz="4400" dirty="0" smtClean="0">
-                <a:solidFill>
-                  <a:srgbClr val="FF0000"/>
-                </a:solidFill>
-              </a:rPr>
-              <a:t>を広げたい！</a:t>
-            </a:r>
-            <a:endParaRPr kumimoji="1" lang="ja-JP" altLang="en-US" sz="4400" dirty="0">
-              <a:solidFill>
-                <a:srgbClr val="FF0000"/>
-              </a:solidFill>
-            </a:endParaRPr>
-          </a:p>
-        </p:txBody>
-      </p:sp>
-    </p:spTree>
-    <p:extLst>
-      <p:ext uri="{BB962C8B-B14F-4D97-AF65-F5344CB8AC3E}">
-        <p14:creationId xmlns:p14="http://schemas.microsoft.com/office/powerpoint/2010/main" val="3659646229"/>
+        <p14:creationId xmlns:p14="http://schemas.microsoft.com/office/powerpoint/2010/main" val="502041248"/>
       </p:ext>
     </p:extLst>
   </p:cSld>
@@ -9750,56 +11400,29 @@
           <a:chExt cx="0" cy="0"/>
         </a:xfrm>
       </p:grpSpPr>
-      <p:sp>
-        <p:nvSpPr>
-          <p:cNvPr id="2" name="タイトル 1"/>
-          <p:cNvSpPr>
-            <a:spLocks noGrp="1"/>
-          </p:cNvSpPr>
-          <p:nvPr>
-            <p:ph type="title"/>
-          </p:nvPr>
-        </p:nvSpPr>
-        <p:spPr/>
-        <p:txBody>
-          <a:bodyPr/>
-          <a:lstStyle/>
-          <a:p>
-            <a:r>
-              <a:rPr kumimoji="1" lang="ja-JP" altLang="en-US" dirty="0" smtClean="0"/>
-              <a:t>そんな思いを秘めたのが</a:t>
-            </a:r>
-            <a:r>
-              <a:rPr kumimoji="1" lang="en-US" altLang="ja-JP" dirty="0" smtClean="0"/>
-              <a:t>……</a:t>
-            </a:r>
-            <a:endParaRPr kumimoji="1" lang="ja-JP" altLang="en-US" dirty="0"/>
-          </a:p>
-        </p:txBody>
-      </p:sp>
       <p:pic>
         <p:nvPicPr>
-          <p:cNvPr id="3" name="Picture 2" descr="C:\Users\2130071\Desktop\名称未設定 1.png"/>
+          <p:cNvPr id="5" name="Picture 4" descr="C:\Users\2130071\Desktop\scan-001.jpg"/>
           <p:cNvPicPr>
             <a:picLocks noChangeAspect="1" noChangeArrowheads="1"/>
           </p:cNvPicPr>
           <p:nvPr/>
         </p:nvPicPr>
         <p:blipFill rotWithShape="1">
-          <a:blip r:embed="rId2" cstate="print">
+          <a:blip r:embed="rId3" cstate="print">
             <a:extLst>
               <a:ext uri="{28A0092B-C50C-407E-A947-70E740481C1C}">
                 <a14:useLocalDpi xmlns:a14="http://schemas.microsoft.com/office/drawing/2010/main" val="0"/>
               </a:ext>
             </a:extLst>
           </a:blip>
-          <a:srcRect b="43171"/>
+          <a:srcRect t="3266" r="48458" b="44927"/>
           <a:stretch/>
         </p:blipFill>
         <p:spPr bwMode="auto">
           <a:xfrm>
-            <a:off x="1187624" y="1127207"/>
-            <a:ext cx="6768752" cy="3846616"/>
+            <a:off x="6228184" y="2188312"/>
+            <a:ext cx="2832647" cy="2013173"/>
           </a:xfrm>
           <a:prstGeom prst="rect">
             <a:avLst/>
@@ -9816,10 +11439,359 @@
           </a:extLst>
         </p:spPr>
       </p:pic>
+      <p:sp>
+        <p:nvSpPr>
+          <p:cNvPr id="2" name="タイトル 1"/>
+          <p:cNvSpPr>
+            <a:spLocks noGrp="1"/>
+          </p:cNvSpPr>
+          <p:nvPr>
+            <p:ph type="title"/>
+          </p:nvPr>
+        </p:nvSpPr>
+        <p:spPr/>
+        <p:txBody>
+          <a:bodyPr/>
+          <a:lstStyle/>
+          <a:p>
+            <a:r>
+              <a:rPr lang="ja-JP" altLang="en-US" dirty="0"/>
+              <a:t>詳しく</a:t>
+            </a:r>
+            <a:r>
+              <a:rPr lang="ja-JP" altLang="en-US" dirty="0" smtClean="0"/>
+              <a:t>説明</a:t>
+            </a:r>
+            <a:r>
+              <a:rPr lang="en-US" altLang="ja-JP" dirty="0" smtClean="0"/>
+              <a:t>(</a:t>
+            </a:r>
+            <a:r>
+              <a:rPr lang="ja-JP" altLang="en-US" dirty="0" smtClean="0"/>
+              <a:t>成長方法</a:t>
+            </a:r>
+            <a:r>
+              <a:rPr lang="en-US" altLang="ja-JP" dirty="0" smtClean="0"/>
+              <a:t>)</a:t>
+            </a:r>
+            <a:endParaRPr kumimoji="1" lang="ja-JP" altLang="en-US" dirty="0"/>
+          </a:p>
+        </p:txBody>
+      </p:sp>
+      <p:sp>
+        <p:nvSpPr>
+          <p:cNvPr id="3" name="コンテンツ プレースホルダー 2"/>
+          <p:cNvSpPr>
+            <a:spLocks noGrp="1"/>
+          </p:cNvSpPr>
+          <p:nvPr>
+            <p:ph sz="quarter" idx="1"/>
+          </p:nvPr>
+        </p:nvSpPr>
+        <p:spPr>
+          <a:xfrm>
+            <a:off x="914400" y="1085850"/>
+            <a:ext cx="7772400" cy="1125860"/>
+          </a:xfrm>
+        </p:spPr>
+        <p:txBody>
+          <a:bodyPr/>
+          <a:lstStyle/>
+          <a:p>
+            <a:r>
+              <a:rPr kumimoji="1" lang="en-US" altLang="ja-JP" dirty="0" smtClean="0"/>
+              <a:t>『</a:t>
+            </a:r>
+            <a:r>
+              <a:rPr kumimoji="1" lang="ja-JP" altLang="en-US" dirty="0" smtClean="0"/>
+              <a:t>極</a:t>
+            </a:r>
+            <a:r>
+              <a:rPr lang="ja-JP" altLang="en-US" dirty="0"/>
+              <a:t>スキル</a:t>
+            </a:r>
+            <a:r>
+              <a:rPr kumimoji="1" lang="en-US" altLang="ja-JP" dirty="0" smtClean="0"/>
+              <a:t>』</a:t>
+            </a:r>
+            <a:r>
+              <a:rPr kumimoji="1" lang="ja-JP" altLang="en-US" dirty="0" smtClean="0"/>
+              <a:t>を獲得すると見た目が変化！</a:t>
+            </a:r>
+            <a:endParaRPr kumimoji="1" lang="en-US" altLang="ja-JP" dirty="0" smtClean="0"/>
+          </a:p>
+          <a:p>
+            <a:pPr marL="0" indent="0">
+              <a:buNone/>
+            </a:pPr>
+            <a:r>
+              <a:rPr lang="ja-JP" altLang="en-US" dirty="0"/>
+              <a:t>　</a:t>
+            </a:r>
+            <a:r>
+              <a:rPr lang="ja-JP" altLang="en-US" dirty="0" smtClean="0"/>
+              <a:t>　効果も非常に強力！</a:t>
+            </a:r>
+            <a:endParaRPr kumimoji="1" lang="ja-JP" altLang="en-US" dirty="0"/>
+          </a:p>
+        </p:txBody>
+      </p:sp>
+      <p:pic>
+        <p:nvPicPr>
+          <p:cNvPr id="5122" name="Picture 2" descr="C:\Users\2130071\Desktop\プリースト案.PNG"/>
+          <p:cNvPicPr>
+            <a:picLocks noChangeAspect="1" noChangeArrowheads="1"/>
+          </p:cNvPicPr>
+          <p:nvPr/>
+        </p:nvPicPr>
+        <p:blipFill>
+          <a:blip r:embed="rId4" cstate="print">
+            <a:extLst>
+              <a:ext uri="{28A0092B-C50C-407E-A947-70E740481C1C}">
+                <a14:useLocalDpi xmlns:a14="http://schemas.microsoft.com/office/drawing/2010/main" val="0"/>
+              </a:ext>
+            </a:extLst>
+          </a:blip>
+          <a:srcRect/>
+          <a:stretch>
+            <a:fillRect/>
+          </a:stretch>
+        </p:blipFill>
+        <p:spPr bwMode="auto">
+          <a:xfrm>
+            <a:off x="1533412" y="2131991"/>
+            <a:ext cx="1621988" cy="2157190"/>
+          </a:xfrm>
+          <a:prstGeom prst="rect">
+            <a:avLst/>
+          </a:prstGeom>
+          <a:noFill/>
+          <a:extLst>
+            <a:ext uri="{909E8E84-426E-40DD-AFC4-6F175D3DCCD1}">
+              <a14:hiddenFill xmlns:a14="http://schemas.microsoft.com/office/drawing/2010/main">
+                <a:solidFill>
+                  <a:srgbClr val="FFFFFF"/>
+                </a:solidFill>
+              </a14:hiddenFill>
+            </a:ext>
+          </a:extLst>
+        </p:spPr>
+      </p:pic>
+      <p:pic>
+        <p:nvPicPr>
+          <p:cNvPr id="5124" name="Picture 4" descr="C:\Users\2130071\Desktop\VSRPG\仕様\参考画像\プレイヤーラフ\1475676831565.png"/>
+          <p:cNvPicPr>
+            <a:picLocks noChangeAspect="1" noChangeArrowheads="1"/>
+          </p:cNvPicPr>
+          <p:nvPr/>
+        </p:nvPicPr>
+        <p:blipFill rotWithShape="1">
+          <a:blip r:embed="rId5" cstate="print">
+            <a:extLst>
+              <a:ext uri="{28A0092B-C50C-407E-A947-70E740481C1C}">
+                <a14:useLocalDpi xmlns:a14="http://schemas.microsoft.com/office/drawing/2010/main" val="0"/>
+              </a:ext>
+            </a:extLst>
+          </a:blip>
+          <a:srcRect l="35773" t="11005"/>
+          <a:stretch/>
+        </p:blipFill>
+        <p:spPr bwMode="auto">
+          <a:xfrm>
+            <a:off x="4427984" y="2325476"/>
+            <a:ext cx="1169288" cy="1876009"/>
+          </a:xfrm>
+          <a:prstGeom prst="rect">
+            <a:avLst/>
+          </a:prstGeom>
+          <a:noFill/>
+          <a:extLst>
+            <a:ext uri="{909E8E84-426E-40DD-AFC4-6F175D3DCCD1}">
+              <a14:hiddenFill xmlns:a14="http://schemas.microsoft.com/office/drawing/2010/main">
+                <a:solidFill>
+                  <a:srgbClr val="FFFFFF"/>
+                </a:solidFill>
+              </a14:hiddenFill>
+            </a:ext>
+          </a:extLst>
+        </p:spPr>
+      </p:pic>
+      <p:pic>
+        <p:nvPicPr>
+          <p:cNvPr id="5125" name="Picture 5" descr="C:\Users\2130071\Desktop\VSRPG\仕様\参考画像\プレイヤーラフ\1475667039219.png"/>
+          <p:cNvPicPr>
+            <a:picLocks noChangeAspect="1" noChangeArrowheads="1"/>
+          </p:cNvPicPr>
+          <p:nvPr/>
+        </p:nvPicPr>
+        <p:blipFill>
+          <a:blip r:embed="rId6" cstate="print">
+            <a:extLst>
+              <a:ext uri="{28A0092B-C50C-407E-A947-70E740481C1C}">
+                <a14:useLocalDpi xmlns:a14="http://schemas.microsoft.com/office/drawing/2010/main" val="0"/>
+              </a:ext>
+            </a:extLst>
+          </a:blip>
+          <a:srcRect/>
+          <a:stretch>
+            <a:fillRect/>
+          </a:stretch>
+        </p:blipFill>
+        <p:spPr bwMode="auto">
+          <a:xfrm>
+            <a:off x="3349054" y="1995686"/>
+            <a:ext cx="1150938" cy="2247900"/>
+          </a:xfrm>
+          <a:prstGeom prst="rect">
+            <a:avLst/>
+          </a:prstGeom>
+          <a:noFill/>
+          <a:extLst>
+            <a:ext uri="{909E8E84-426E-40DD-AFC4-6F175D3DCCD1}">
+              <a14:hiddenFill xmlns:a14="http://schemas.microsoft.com/office/drawing/2010/main">
+                <a:solidFill>
+                  <a:srgbClr val="FFFFFF"/>
+                </a:solidFill>
+              </a14:hiddenFill>
+            </a:ext>
+          </a:extLst>
+        </p:spPr>
+      </p:pic>
+      <p:pic>
+        <p:nvPicPr>
+          <p:cNvPr id="5126" name="Picture 6" descr="C:\Users\2130071\Desktop\mahou.png"/>
+          <p:cNvPicPr>
+            <a:picLocks noChangeAspect="1" noChangeArrowheads="1"/>
+          </p:cNvPicPr>
+          <p:nvPr/>
+        </p:nvPicPr>
+        <p:blipFill rotWithShape="1">
+          <a:blip r:embed="rId7" cstate="print">
+            <a:extLst>
+              <a:ext uri="{28A0092B-C50C-407E-A947-70E740481C1C}">
+                <a14:useLocalDpi xmlns:a14="http://schemas.microsoft.com/office/drawing/2010/main" val="0"/>
+              </a:ext>
+            </a:extLst>
+          </a:blip>
+          <a:srcRect t="11178" r="11037" b="6606"/>
+          <a:stretch/>
+        </p:blipFill>
+        <p:spPr bwMode="auto">
+          <a:xfrm>
+            <a:off x="251520" y="2341164"/>
+            <a:ext cx="1425908" cy="1863739"/>
+          </a:xfrm>
+          <a:prstGeom prst="rect">
+            <a:avLst/>
+          </a:prstGeom>
+          <a:noFill/>
+          <a:extLst>
+            <a:ext uri="{909E8E84-426E-40DD-AFC4-6F175D3DCCD1}">
+              <a14:hiddenFill xmlns:a14="http://schemas.microsoft.com/office/drawing/2010/main">
+                <a:solidFill>
+                  <a:srgbClr val="FFFFFF"/>
+                </a:solidFill>
+              </a14:hiddenFill>
+            </a:ext>
+          </a:extLst>
+        </p:spPr>
+      </p:pic>
+      <p:pic>
+        <p:nvPicPr>
+          <p:cNvPr id="5123" name="Picture 3" descr="C:\Users\2130071\Desktop\とうぞく.png"/>
+          <p:cNvPicPr>
+            <a:picLocks noChangeAspect="1" noChangeArrowheads="1"/>
+          </p:cNvPicPr>
+          <p:nvPr/>
+        </p:nvPicPr>
+        <p:blipFill rotWithShape="1">
+          <a:blip r:embed="rId8" cstate="print">
+            <a:extLst>
+              <a:ext uri="{28A0092B-C50C-407E-A947-70E740481C1C}">
+                <a14:useLocalDpi xmlns:a14="http://schemas.microsoft.com/office/drawing/2010/main" val="0"/>
+              </a:ext>
+            </a:extLst>
+          </a:blip>
+          <a:srcRect t="21286" r="21140" b="9221"/>
+          <a:stretch/>
+        </p:blipFill>
+        <p:spPr bwMode="auto">
+          <a:xfrm>
+            <a:off x="5328084" y="2252573"/>
+            <a:ext cx="1512168" cy="1884649"/>
+          </a:xfrm>
+          <a:prstGeom prst="rect">
+            <a:avLst/>
+          </a:prstGeom>
+          <a:noFill/>
+          <a:extLst>
+            <a:ext uri="{909E8E84-426E-40DD-AFC4-6F175D3DCCD1}">
+              <a14:hiddenFill xmlns:a14="http://schemas.microsoft.com/office/drawing/2010/main">
+                <a:solidFill>
+                  <a:srgbClr val="FFFFFF"/>
+                </a:solidFill>
+              </a14:hiddenFill>
+            </a:ext>
+          </a:extLst>
+        </p:spPr>
+      </p:pic>
+      <p:sp>
+        <p:nvSpPr>
+          <p:cNvPr id="10" name="テキスト ボックス 9"/>
+          <p:cNvSpPr txBox="1"/>
+          <p:nvPr/>
+        </p:nvSpPr>
+        <p:spPr>
+          <a:xfrm>
+            <a:off x="2838192" y="4444296"/>
+            <a:ext cx="3467616" cy="584775"/>
+          </a:xfrm>
+          <a:prstGeom prst="rect">
+            <a:avLst/>
+          </a:prstGeom>
+          <a:noFill/>
+        </p:spPr>
+        <p:txBody>
+          <a:bodyPr wrap="none" rtlCol="0">
+            <a:spAutoFit/>
+          </a:bodyPr>
+          <a:lstStyle/>
+          <a:p>
+            <a:pPr algn="ctr"/>
+            <a:r>
+              <a:rPr kumimoji="1" lang="ja-JP" altLang="en-US" sz="3200" dirty="0" smtClean="0">
+                <a:ln w="19050">
+                  <a:solidFill>
+                    <a:srgbClr val="FF0000"/>
+                  </a:solidFill>
+                </a:ln>
+                <a:solidFill>
+                  <a:schemeClr val="bg1"/>
+                </a:solidFill>
+                <a:latin typeface="A-OTF 新ゴ Pro H" pitchFamily="34" charset="-128"/>
+                <a:ea typeface="A-OTF 新ゴ Pro H" pitchFamily="34" charset="-128"/>
+              </a:rPr>
+              <a:t>ジョブチェンジ！</a:t>
+            </a:r>
+            <a:endParaRPr kumimoji="1" lang="ja-JP" altLang="en-US" sz="3200" dirty="0">
+              <a:ln w="19050">
+                <a:solidFill>
+                  <a:srgbClr val="FF0000"/>
+                </a:solidFill>
+              </a:ln>
+              <a:solidFill>
+                <a:schemeClr val="bg1"/>
+              </a:solidFill>
+              <a:latin typeface="A-OTF 新ゴ Pro H" pitchFamily="34" charset="-128"/>
+              <a:ea typeface="A-OTF 新ゴ Pro H" pitchFamily="34" charset="-128"/>
+            </a:endParaRPr>
+          </a:p>
+        </p:txBody>
+      </p:sp>
     </p:spTree>
     <p:extLst>
       <p:ext uri="{BB962C8B-B14F-4D97-AF65-F5344CB8AC3E}">
-        <p14:creationId xmlns:p14="http://schemas.microsoft.com/office/powerpoint/2010/main" val="860430194"/>
+        <p14:creationId xmlns:p14="http://schemas.microsoft.com/office/powerpoint/2010/main" val="2728950007"/>
       </p:ext>
     </p:extLst>
   </p:cSld>
@@ -9829,75 +11801,7 @@
   <p:timing>
     <p:tnLst>
       <p:par>
-        <p:cTn id="1" dur="indefinite" restart="never" nodeType="tmRoot">
-          <p:childTnLst>
-            <p:seq concurrent="1" nextAc="seek">
-              <p:cTn id="2" dur="indefinite" nodeType="mainSeq">
-                <p:childTnLst>
-                  <p:par>
-                    <p:cTn id="3" fill="hold">
-                      <p:stCondLst>
-                        <p:cond delay="indefinite"/>
-                      </p:stCondLst>
-                      <p:childTnLst>
-                        <p:par>
-                          <p:cTn id="4" fill="hold">
-                            <p:stCondLst>
-                              <p:cond delay="0"/>
-                            </p:stCondLst>
-                            <p:childTnLst>
-                              <p:par>
-                                <p:cTn id="5" presetID="1" presetClass="entr" presetSubtype="0" fill="hold" nodeType="clickEffect">
-                                  <p:stCondLst>
-                                    <p:cond delay="0"/>
-                                  </p:stCondLst>
-                                  <p:childTnLst>
-                                    <p:set>
-                                      <p:cBhvr>
-                                        <p:cTn id="6" dur="1" fill="hold">
-                                          <p:stCondLst>
-                                            <p:cond delay="0"/>
-                                          </p:stCondLst>
-                                        </p:cTn>
-                                        <p:tgtEl>
-                                          <p:spTgt spid="3"/>
-                                        </p:tgtEl>
-                                        <p:attrNameLst>
-                                          <p:attrName>style.visibility</p:attrName>
-                                        </p:attrNameLst>
-                                      </p:cBhvr>
-                                      <p:to>
-                                        <p:strVal val="visible"/>
-                                      </p:to>
-                                    </p:set>
-                                  </p:childTnLst>
-                                </p:cTn>
-                              </p:par>
-                            </p:childTnLst>
-                          </p:cTn>
-                        </p:par>
-                      </p:childTnLst>
-                    </p:cTn>
-                  </p:par>
-                </p:childTnLst>
-              </p:cTn>
-              <p:prevCondLst>
-                <p:cond evt="onPrev" delay="0">
-                  <p:tgtEl>
-                    <p:sldTgt/>
-                  </p:tgtEl>
-                </p:cond>
-              </p:prevCondLst>
-              <p:nextCondLst>
-                <p:cond evt="onNext" delay="0">
-                  <p:tgtEl>
-                    <p:sldTgt/>
-                  </p:tgtEl>
-                </p:cond>
-              </p:nextCondLst>
-            </p:seq>
-          </p:childTnLst>
-        </p:cTn>
+        <p:cTn id="1" dur="indefinite" restart="never" nodeType="tmRoot"/>
       </p:par>
     </p:tnLst>
   </p:timing>
@@ -9933,46 +11837,235 @@
         </p:nvSpPr>
         <p:spPr/>
         <p:txBody>
-          <a:bodyPr>
-            <a:normAutofit/>
+          <a:bodyPr/>
+          <a:lstStyle/>
+          <a:p>
+            <a:r>
+              <a:rPr kumimoji="1" lang="ja-JP" altLang="en-US" dirty="0" smtClean="0"/>
+              <a:t>詳しく説明</a:t>
+            </a:r>
+            <a:r>
+              <a:rPr kumimoji="1" lang="en-US" altLang="ja-JP" dirty="0" smtClean="0"/>
+              <a:t>(</a:t>
+            </a:r>
+            <a:r>
+              <a:rPr kumimoji="1" lang="ja-JP" altLang="en-US" dirty="0" smtClean="0"/>
+              <a:t>補足</a:t>
+            </a:r>
+            <a:r>
+              <a:rPr kumimoji="1" lang="en-US" altLang="ja-JP" dirty="0" smtClean="0"/>
+              <a:t>)</a:t>
+            </a:r>
+            <a:endParaRPr kumimoji="1" lang="ja-JP" altLang="en-US" dirty="0"/>
+          </a:p>
+        </p:txBody>
+      </p:sp>
+      <p:sp>
+        <p:nvSpPr>
+          <p:cNvPr id="3" name="コンテンツ プレースホルダー 2"/>
+          <p:cNvSpPr>
+            <a:spLocks noGrp="1"/>
+          </p:cNvSpPr>
+          <p:nvPr>
+            <p:ph sz="quarter" idx="1"/>
+          </p:nvPr>
+        </p:nvSpPr>
+        <p:spPr/>
+        <p:txBody>
+          <a:bodyPr/>
+          <a:lstStyle/>
+          <a:p>
+            <a:r>
+              <a:rPr kumimoji="1" lang="ja-JP" altLang="en-US" dirty="0" smtClean="0"/>
+              <a:t>敵キャラだけでなく、ほかのプレイヤーも攻撃可能</a:t>
+            </a:r>
+            <a:endParaRPr kumimoji="1" lang="en-US" altLang="ja-JP" dirty="0" smtClean="0"/>
+          </a:p>
+          <a:p>
+            <a:pPr lvl="1"/>
+            <a:r>
+              <a:rPr kumimoji="1" lang="ja-JP" altLang="en-US" dirty="0" smtClean="0"/>
+              <a:t>今後何かしらの効果を付与していく予定。</a:t>
+            </a:r>
+            <a:endParaRPr kumimoji="1" lang="ja-JP" altLang="en-US" dirty="0"/>
+          </a:p>
+        </p:txBody>
+      </p:sp>
+      <p:pic>
+        <p:nvPicPr>
+          <p:cNvPr id="4" name="Picture 4" descr="C:\Users\2130071\Desktop\scan-001.jpg"/>
+          <p:cNvPicPr>
+            <a:picLocks noChangeAspect="1" noChangeArrowheads="1"/>
+          </p:cNvPicPr>
+          <p:nvPr/>
+        </p:nvPicPr>
+        <p:blipFill rotWithShape="1">
+          <a:blip r:embed="rId3" cstate="print">
+            <a:extLst>
+              <a:ext uri="{28A0092B-C50C-407E-A947-70E740481C1C}">
+                <a14:useLocalDpi xmlns:a14="http://schemas.microsoft.com/office/drawing/2010/main" val="0"/>
+              </a:ext>
+            </a:extLst>
+          </a:blip>
+          <a:srcRect t="3266" r="48458" b="44927"/>
+          <a:stretch/>
+        </p:blipFill>
+        <p:spPr bwMode="auto">
+          <a:xfrm>
+            <a:off x="5276428" y="2355726"/>
+            <a:ext cx="3333210" cy="2368925"/>
+          </a:xfrm>
+          <a:prstGeom prst="rect">
+            <a:avLst/>
+          </a:prstGeom>
+          <a:noFill/>
+          <a:extLst>
+            <a:ext uri="{909E8E84-426E-40DD-AFC4-6F175D3DCCD1}">
+              <a14:hiddenFill xmlns:a14="http://schemas.microsoft.com/office/drawing/2010/main">
+                <a:solidFill>
+                  <a:srgbClr val="FFFFFF"/>
+                </a:solidFill>
+              </a14:hiddenFill>
+            </a:ext>
+          </a:extLst>
+        </p:spPr>
+      </p:pic>
+      <p:sp>
+        <p:nvSpPr>
+          <p:cNvPr id="6" name="テキスト ボックス 5"/>
+          <p:cNvSpPr txBox="1"/>
+          <p:nvPr/>
+        </p:nvSpPr>
+        <p:spPr>
+          <a:xfrm>
+            <a:off x="3995936" y="3367194"/>
+            <a:ext cx="1188146" cy="830997"/>
+          </a:xfrm>
+          <a:prstGeom prst="rect">
+            <a:avLst/>
+          </a:prstGeom>
+          <a:noFill/>
+        </p:spPr>
+        <p:txBody>
+          <a:bodyPr wrap="none" rtlCol="0">
+            <a:spAutoFit/>
           </a:bodyPr>
           <a:lstStyle/>
           <a:p>
             <a:r>
-              <a:rPr kumimoji="1" lang="ja-JP" altLang="en-US" dirty="0" smtClean="0"/>
-              <a:t>今まで出来上がった物</a:t>
-            </a:r>
-            <a:endParaRPr kumimoji="1" lang="ja-JP" altLang="en-US" dirty="0"/>
-          </a:p>
-        </p:txBody>
-      </p:sp>
-      <p:sp>
-        <p:nvSpPr>
-          <p:cNvPr id="3" name="コンテンツ プレースホルダー 2"/>
-          <p:cNvSpPr>
-            <a:spLocks noGrp="1"/>
-          </p:cNvSpPr>
-          <p:nvPr>
-            <p:ph sz="quarter" idx="1"/>
-          </p:nvPr>
-        </p:nvSpPr>
-        <p:spPr/>
-        <p:txBody>
-          <a:bodyPr/>
-          <a:lstStyle/>
-          <a:p>
-            <a:r>
-              <a:rPr lang="ja-JP" altLang="en-US" dirty="0" smtClean="0"/>
-              <a:t>プレイヤー</a:t>
-            </a:r>
-            <a:endParaRPr kumimoji="1" lang="ja-JP" altLang="en-US" dirty="0"/>
+              <a:rPr kumimoji="1" lang="en-US" altLang="ja-JP" sz="4800" dirty="0" smtClean="0">
+                <a:ln w="19050">
+                  <a:solidFill>
+                    <a:srgbClr val="FF0000"/>
+                  </a:solidFill>
+                </a:ln>
+                <a:solidFill>
+                  <a:schemeClr val="bg1"/>
+                </a:solidFill>
+                <a:latin typeface="A-OTF 新ゴ Pro H" pitchFamily="34" charset="-128"/>
+                <a:ea typeface="A-OTF 新ゴ Pro H" pitchFamily="34" charset="-128"/>
+              </a:rPr>
+              <a:t>VS</a:t>
+            </a:r>
+            <a:endParaRPr kumimoji="1" lang="ja-JP" altLang="en-US" sz="4800" dirty="0">
+              <a:ln w="19050">
+                <a:solidFill>
+                  <a:srgbClr val="FF0000"/>
+                </a:solidFill>
+              </a:ln>
+              <a:solidFill>
+                <a:schemeClr val="bg1"/>
+              </a:solidFill>
+              <a:latin typeface="A-OTF 新ゴ Pro H" pitchFamily="34" charset="-128"/>
+              <a:ea typeface="A-OTF 新ゴ Pro H" pitchFamily="34" charset="-128"/>
+            </a:endParaRPr>
+          </a:p>
+        </p:txBody>
+      </p:sp>
+      <p:pic>
+        <p:nvPicPr>
+          <p:cNvPr id="7" name="Picture 4" descr="C:\Users\2130071\Desktop\VSRPG\仕様\参考画像\プレイヤーラフ\1475676831565.png"/>
+          <p:cNvPicPr>
+            <a:picLocks noChangeAspect="1" noChangeArrowheads="1"/>
+          </p:cNvPicPr>
+          <p:nvPr/>
+        </p:nvPicPr>
+        <p:blipFill rotWithShape="1">
+          <a:blip r:embed="rId4" cstate="print">
+            <a:extLst>
+              <a:ext uri="{28A0092B-C50C-407E-A947-70E740481C1C}">
+                <a14:useLocalDpi xmlns:a14="http://schemas.microsoft.com/office/drawing/2010/main" val="0"/>
+              </a:ext>
+            </a:extLst>
+          </a:blip>
+          <a:srcRect l="35773" t="11005"/>
+          <a:stretch/>
+        </p:blipFill>
+        <p:spPr bwMode="auto">
+          <a:xfrm flipH="1">
+            <a:off x="1619672" y="2457311"/>
+            <a:ext cx="1584176" cy="2292900"/>
+          </a:xfrm>
+          <a:prstGeom prst="rect">
+            <a:avLst/>
+          </a:prstGeom>
+          <a:noFill/>
+          <a:extLst>
+            <a:ext uri="{909E8E84-426E-40DD-AFC4-6F175D3DCCD1}">
+              <a14:hiddenFill xmlns:a14="http://schemas.microsoft.com/office/drawing/2010/main">
+                <a:solidFill>
+                  <a:srgbClr val="FFFFFF"/>
+                </a:solidFill>
+              </a14:hiddenFill>
+            </a:ext>
+          </a:extLst>
+        </p:spPr>
+      </p:pic>
+      <p:sp>
+        <p:nvSpPr>
+          <p:cNvPr id="5" name="正方形/長方形 4"/>
+          <p:cNvSpPr/>
+          <p:nvPr/>
+        </p:nvSpPr>
+        <p:spPr>
+          <a:xfrm>
+            <a:off x="3059832" y="2355726"/>
+            <a:ext cx="432048" cy="360040"/>
+          </a:xfrm>
+          <a:prstGeom prst="rect">
+            <a:avLst/>
+          </a:prstGeom>
+          <a:ln>
+            <a:noFill/>
+          </a:ln>
+        </p:spPr>
+        <p:style>
+          <a:lnRef idx="2">
+            <a:schemeClr val="accent6"/>
+          </a:lnRef>
+          <a:fillRef idx="1">
+            <a:schemeClr val="lt1"/>
+          </a:fillRef>
+          <a:effectRef idx="0">
+            <a:schemeClr val="accent6"/>
+          </a:effectRef>
+          <a:fontRef idx="minor">
+            <a:schemeClr val="dk1"/>
+          </a:fontRef>
+        </p:style>
+        <p:txBody>
+          <a:bodyPr rtlCol="0" anchor="ctr"/>
+          <a:lstStyle/>
+          <a:p>
+            <a:pPr algn="ctr"/>
+            <a:endParaRPr kumimoji="1" lang="ja-JP" altLang="en-US"/>
           </a:p>
         </p:txBody>
       </p:sp>
     </p:spTree>
     <p:extLst>
       <p:ext uri="{BB962C8B-B14F-4D97-AF65-F5344CB8AC3E}">
-        <p14:creationId xmlns:p14="http://schemas.microsoft.com/office/powerpoint/2010/main" val="3585750419"/>
+        <p14:creationId xmlns:p14="http://schemas.microsoft.com/office/powerpoint/2010/main" val="3475643631"/>
       </p:ext>
     </p:extLst>
   </p:cSld>
@@ -10084,46 +12177,64 @@
             <p:ph type="title"/>
           </p:nvPr>
         </p:nvSpPr>
-        <p:spPr/>
-        <p:txBody>
-          <a:bodyPr/>
-          <a:lstStyle/>
-          <a:p>
-            <a:r>
-              <a:rPr lang="ja-JP" altLang="en-US" dirty="0"/>
-              <a:t>今まで出来上がった物</a:t>
-            </a:r>
-            <a:endParaRPr kumimoji="1" lang="ja-JP" altLang="en-US" dirty="0"/>
-          </a:p>
-        </p:txBody>
-      </p:sp>
-      <p:sp>
-        <p:nvSpPr>
-          <p:cNvPr id="3" name="コンテンツ プレースホルダー 2"/>
-          <p:cNvSpPr>
-            <a:spLocks noGrp="1"/>
-          </p:cNvSpPr>
-          <p:nvPr>
-            <p:ph sz="quarter" idx="1"/>
-          </p:nvPr>
-        </p:nvSpPr>
-        <p:spPr/>
-        <p:txBody>
-          <a:bodyPr/>
-          <a:lstStyle/>
-          <a:p>
-            <a:r>
-              <a:rPr kumimoji="1" lang="ja-JP" altLang="en-US" dirty="0" smtClean="0"/>
-              <a:t>ステージ</a:t>
-            </a:r>
-            <a:endParaRPr kumimoji="1" lang="ja-JP" altLang="en-US" dirty="0"/>
+        <p:spPr>
+          <a:xfrm>
+            <a:off x="685800" y="1889386"/>
+            <a:ext cx="7772400" cy="1364729"/>
+          </a:xfrm>
+        </p:spPr>
+        <p:txBody>
+          <a:bodyPr>
+            <a:noAutofit/>
+          </a:bodyPr>
+          <a:lstStyle/>
+          <a:p>
+            <a:pPr algn="ctr"/>
+            <a:r>
+              <a:rPr kumimoji="1" lang="ja-JP" altLang="en-US" sz="4400" dirty="0" smtClean="0">
+                <a:latin typeface="A-OTF ゴシックMB101 Pro U" pitchFamily="34" charset="-128"/>
+                <a:ea typeface="A-OTF ゴシックMB101 Pro U" pitchFamily="34" charset="-128"/>
+              </a:rPr>
+              <a:t>どのように育成を進めるかが、</a:t>
+            </a:r>
+            <a:r>
+              <a:rPr kumimoji="1" lang="en-US" altLang="ja-JP" sz="4400" dirty="0" smtClean="0">
+                <a:latin typeface="A-OTF ゴシックMB101 Pro U" pitchFamily="34" charset="-128"/>
+                <a:ea typeface="A-OTF ゴシックMB101 Pro U" pitchFamily="34" charset="-128"/>
+              </a:rPr>
+              <a:t/>
+            </a:r>
+            <a:br>
+              <a:rPr kumimoji="1" lang="en-US" altLang="ja-JP" sz="4400" dirty="0" smtClean="0">
+                <a:latin typeface="A-OTF ゴシックMB101 Pro U" pitchFamily="34" charset="-128"/>
+                <a:ea typeface="A-OTF ゴシックMB101 Pro U" pitchFamily="34" charset="-128"/>
+              </a:rPr>
+            </a:br>
+            <a:r>
+              <a:rPr lang="ja-JP" altLang="en-US" sz="4400" dirty="0">
+                <a:latin typeface="A-OTF ゴシックMB101 Pro U" pitchFamily="34" charset="-128"/>
+                <a:ea typeface="A-OTF ゴシックMB101 Pro U" pitchFamily="34" charset="-128"/>
+              </a:rPr>
+              <a:t>勝負</a:t>
+            </a:r>
+            <a:r>
+              <a:rPr lang="ja-JP" altLang="en-US" sz="4400" dirty="0" smtClean="0">
+                <a:latin typeface="A-OTF ゴシックMB101 Pro U" pitchFamily="34" charset="-128"/>
+                <a:ea typeface="A-OTF ゴシックMB101 Pro U" pitchFamily="34" charset="-128"/>
+              </a:rPr>
+              <a:t>のカギ！</a:t>
+            </a:r>
+            <a:endParaRPr kumimoji="1" lang="ja-JP" altLang="en-US" sz="4400" dirty="0">
+              <a:latin typeface="A-OTF ゴシックMB101 Pro U" pitchFamily="34" charset="-128"/>
+              <a:ea typeface="A-OTF ゴシックMB101 Pro U" pitchFamily="34" charset="-128"/>
+            </a:endParaRPr>
           </a:p>
         </p:txBody>
       </p:sp>
     </p:spTree>
     <p:extLst>
       <p:ext uri="{BB962C8B-B14F-4D97-AF65-F5344CB8AC3E}">
-        <p14:creationId xmlns:p14="http://schemas.microsoft.com/office/powerpoint/2010/main" val="3205090828"/>
+        <p14:creationId xmlns:p14="http://schemas.microsoft.com/office/powerpoint/2010/main" val="3169660709"/>
       </p:ext>
     </p:extLst>
   </p:cSld>
@@ -10167,46 +12278,69 @@
             <p:ph type="title"/>
           </p:nvPr>
         </p:nvSpPr>
-        <p:spPr/>
-        <p:txBody>
-          <a:bodyPr/>
-          <a:lstStyle/>
-          <a:p>
-            <a:r>
-              <a:rPr lang="ja-JP" altLang="en-US" dirty="0"/>
-              <a:t>今まで出来上がった物</a:t>
+        <p:spPr>
+          <a:xfrm>
+            <a:off x="6948264" y="3723878"/>
+            <a:ext cx="1584176" cy="857250"/>
+          </a:xfrm>
+        </p:spPr>
+        <p:txBody>
+          <a:bodyPr>
+            <a:normAutofit fontScale="90000"/>
+          </a:bodyPr>
+          <a:lstStyle/>
+          <a:p>
+            <a:r>
+              <a:rPr kumimoji="1" lang="ja-JP" altLang="en-US" dirty="0" smtClean="0"/>
+              <a:t>の狙い</a:t>
             </a:r>
             <a:endParaRPr kumimoji="1" lang="ja-JP" altLang="en-US" dirty="0"/>
           </a:p>
         </p:txBody>
       </p:sp>
-      <p:sp>
-        <p:nvSpPr>
-          <p:cNvPr id="3" name="コンテンツ プレースホルダー 2"/>
-          <p:cNvSpPr>
-            <a:spLocks noGrp="1"/>
-          </p:cNvSpPr>
-          <p:nvPr>
-            <p:ph sz="quarter" idx="1"/>
-          </p:nvPr>
-        </p:nvSpPr>
-        <p:spPr/>
-        <p:txBody>
-          <a:bodyPr/>
-          <a:lstStyle/>
-          <a:p>
-            <a:r>
-              <a:rPr kumimoji="1" lang="ja-JP" altLang="en-US" dirty="0" smtClean="0"/>
-              <a:t>プロトタイプ</a:t>
-            </a:r>
-            <a:endParaRPr kumimoji="1" lang="ja-JP" altLang="en-US" dirty="0"/>
-          </a:p>
-        </p:txBody>
-      </p:sp>
+      <p:pic>
+        <p:nvPicPr>
+          <p:cNvPr id="4" name="Picture 2" descr="C:\Users\2130071\Desktop\名称未設定 1.png"/>
+          <p:cNvPicPr>
+            <a:picLocks noChangeAspect="1" noChangeArrowheads="1"/>
+          </p:cNvPicPr>
+          <p:nvPr/>
+        </p:nvPicPr>
+        <p:blipFill rotWithShape="1">
+          <a:blip r:embed="rId3" cstate="print">
+            <a:extLst>
+              <a:ext uri="{28A0092B-C50C-407E-A947-70E740481C1C}">
+                <a14:useLocalDpi xmlns:a14="http://schemas.microsoft.com/office/drawing/2010/main" val="0"/>
+              </a:ext>
+            </a:extLst>
+          </a:blip>
+          <a:srcRect b="43171"/>
+          <a:stretch/>
+        </p:blipFill>
+        <p:spPr bwMode="auto">
+          <a:xfrm>
+            <a:off x="1259632" y="267494"/>
+            <a:ext cx="6768752" cy="3846616"/>
+          </a:xfrm>
+          <a:prstGeom prst="rect">
+            <a:avLst/>
+          </a:prstGeom>
+          <a:noFill/>
+          <a:extLst>
+            <a:ext uri="{909E8E84-426E-40DD-AFC4-6F175D3DCCD1}">
+              <a14:hiddenFill xmlns:a14="http://schemas.microsoft.com/office/drawing/2010/main">
+                <a:solidFill>
+                  <a:srgbClr val="FFFFFF"/>
+                </a:solidFill>
+              </a14:hiddenFill>
+            </a:ext>
+          </a:extLst>
+        </p:spPr>
+      </p:pic>
     </p:spTree>
     <p:extLst>
       <p:ext uri="{BB962C8B-B14F-4D97-AF65-F5344CB8AC3E}">
-        <p14:creationId xmlns:p14="http://schemas.microsoft.com/office/powerpoint/2010/main" val="1595542022"/>
+        <p14:creationId xmlns:p14="http://schemas.microsoft.com/office/powerpoint/2010/main" val="4131627790"/>
       </p:ext>
     </p:extLst>
   </p:cSld>
@@ -10250,22 +12384,1090 @@
             <p:ph type="title"/>
           </p:nvPr>
         </p:nvSpPr>
+        <p:spPr>
+          <a:xfrm>
+            <a:off x="539552" y="1493342"/>
+            <a:ext cx="8147248" cy="2156817"/>
+          </a:xfrm>
+        </p:spPr>
+        <p:txBody>
+          <a:bodyPr>
+            <a:noAutofit/>
+          </a:bodyPr>
+          <a:lstStyle/>
+          <a:p>
+            <a:r>
+              <a:rPr lang="en-US" altLang="ja-JP" dirty="0" smtClean="0">
+                <a:solidFill>
+                  <a:schemeClr val="tx1"/>
+                </a:solidFill>
+              </a:rPr>
+              <a:t>MOBA</a:t>
+            </a:r>
+            <a:r>
+              <a:rPr lang="ja-JP" altLang="en-US" dirty="0" smtClean="0">
+                <a:solidFill>
+                  <a:schemeClr val="tx1"/>
+                </a:solidFill>
+              </a:rPr>
+              <a:t>系を</a:t>
+            </a:r>
+            <a:r>
+              <a:rPr lang="en-US" altLang="ja-JP" dirty="0" smtClean="0">
+                <a:solidFill>
+                  <a:schemeClr val="tx1"/>
+                </a:solidFill>
+              </a:rPr>
+              <a:t/>
+            </a:r>
+            <a:br>
+              <a:rPr lang="en-US" altLang="ja-JP" dirty="0" smtClean="0">
+                <a:solidFill>
+                  <a:schemeClr val="tx1"/>
+                </a:solidFill>
+              </a:rPr>
+            </a:br>
+            <a:r>
+              <a:rPr lang="ja-JP" altLang="en-US" sz="4800" dirty="0">
+                <a:solidFill>
+                  <a:schemeClr val="tx1"/>
+                </a:solidFill>
+              </a:rPr>
+              <a:t>ルール</a:t>
+            </a:r>
+            <a:r>
+              <a:rPr lang="ja-JP" altLang="en-US" sz="4800" dirty="0" smtClean="0">
+                <a:solidFill>
+                  <a:schemeClr val="tx1"/>
+                </a:solidFill>
+              </a:rPr>
+              <a:t>や操作</a:t>
+            </a:r>
+            <a:r>
+              <a:rPr lang="ja-JP" altLang="en-US" sz="4800" dirty="0">
+                <a:solidFill>
+                  <a:schemeClr val="tx1"/>
+                </a:solidFill>
+              </a:rPr>
+              <a:t>難度</a:t>
+            </a:r>
+            <a:r>
+              <a:rPr lang="ja-JP" altLang="en-US" sz="4800" dirty="0" smtClean="0">
+                <a:solidFill>
+                  <a:schemeClr val="tx1"/>
+                </a:solidFill>
+              </a:rPr>
+              <a:t>の緩和</a:t>
+            </a:r>
+            <a:r>
+              <a:rPr lang="ja-JP" altLang="en-US" dirty="0" smtClean="0">
+                <a:solidFill>
+                  <a:schemeClr val="tx1"/>
+                </a:solidFill>
+              </a:rPr>
+              <a:t>により</a:t>
+            </a:r>
+            <a:r>
+              <a:rPr lang="en-US" altLang="ja-JP" dirty="0" smtClean="0">
+                <a:solidFill>
+                  <a:schemeClr val="tx1"/>
+                </a:solidFill>
+              </a:rPr>
+              <a:t/>
+            </a:r>
+            <a:br>
+              <a:rPr lang="en-US" altLang="ja-JP" dirty="0" smtClean="0">
+                <a:solidFill>
+                  <a:schemeClr val="tx1"/>
+                </a:solidFill>
+              </a:rPr>
+            </a:br>
+            <a:r>
+              <a:rPr lang="ja-JP" altLang="en-US" dirty="0">
+                <a:solidFill>
+                  <a:srgbClr val="FF0000"/>
+                </a:solidFill>
+              </a:rPr>
+              <a:t>知名度</a:t>
+            </a:r>
+            <a:r>
+              <a:rPr lang="ja-JP" altLang="en-US" dirty="0" smtClean="0">
+                <a:solidFill>
+                  <a:srgbClr val="FF0000"/>
+                </a:solidFill>
+              </a:rPr>
+              <a:t>を上げたい！</a:t>
+            </a:r>
+            <a:endParaRPr kumimoji="1" lang="ja-JP" altLang="en-US" dirty="0">
+              <a:solidFill>
+                <a:srgbClr val="FF0000"/>
+              </a:solidFill>
+            </a:endParaRPr>
+          </a:p>
+        </p:txBody>
+      </p:sp>
+    </p:spTree>
+    <p:extLst>
+      <p:ext uri="{BB962C8B-B14F-4D97-AF65-F5344CB8AC3E}">
+        <p14:creationId xmlns:p14="http://schemas.microsoft.com/office/powerpoint/2010/main" val="3659646229"/>
+      </p:ext>
+    </p:extLst>
+  </p:cSld>
+  <p:clrMapOvr>
+    <a:masterClrMapping/>
+  </p:clrMapOvr>
+  <p:timing>
+    <p:tnLst>
+      <p:par>
+        <p:cTn id="1" dur="indefinite" restart="never" nodeType="tmRoot"/>
+      </p:par>
+    </p:tnLst>
+  </p:timing>
+</p:sld>
+</file>
+
+<file path=ppt/slides/slide23.xml><?xml version="1.0" encoding="utf-8"?>
+<p:sld xmlns:a="http://schemas.openxmlformats.org/drawingml/2006/main" xmlns:r="http://schemas.openxmlformats.org/officeDocument/2006/relationships" xmlns:p="http://schemas.openxmlformats.org/presentationml/2006/main">
+  <p:cSld>
+    <p:spTree>
+      <p:nvGrpSpPr>
+        <p:cNvPr id="1" name=""/>
+        <p:cNvGrpSpPr/>
+        <p:nvPr/>
+      </p:nvGrpSpPr>
+      <p:grpSpPr>
+        <a:xfrm>
+          <a:off x="0" y="0"/>
+          <a:ext cx="0" cy="0"/>
+          <a:chOff x="0" y="0"/>
+          <a:chExt cx="0" cy="0"/>
+        </a:xfrm>
+      </p:grpSpPr>
+      <p:sp>
+        <p:nvSpPr>
+          <p:cNvPr id="2" name="タイトル 1"/>
+          <p:cNvSpPr>
+            <a:spLocks noGrp="1"/>
+          </p:cNvSpPr>
+          <p:nvPr>
+            <p:ph type="title"/>
+          </p:nvPr>
+        </p:nvSpPr>
         <p:spPr/>
         <p:txBody>
           <a:bodyPr/>
           <a:lstStyle/>
           <a:p>
             <a:r>
+              <a:rPr kumimoji="1" lang="en-US" altLang="ja-JP" dirty="0" smtClean="0"/>
+              <a:t>MOBA</a:t>
+            </a:r>
+            <a:r>
               <a:rPr kumimoji="1" lang="ja-JP" altLang="en-US" dirty="0" smtClean="0"/>
-              <a:t>今後の進行</a:t>
+              <a:t>系ゲームとは</a:t>
             </a:r>
             <a:r>
               <a:rPr kumimoji="1" lang="en-US" altLang="ja-JP" dirty="0" smtClean="0"/>
-              <a:t>/</a:t>
+              <a:t>……</a:t>
             </a:r>
             <a:r>
               <a:rPr kumimoji="1" lang="ja-JP" altLang="en-US" dirty="0" smtClean="0"/>
-              <a:t>実装予定</a:t>
+              <a:t>？</a:t>
+            </a:r>
+            <a:endParaRPr kumimoji="1" lang="ja-JP" altLang="en-US" dirty="0"/>
+          </a:p>
+        </p:txBody>
+      </p:sp>
+      <p:sp>
+        <p:nvSpPr>
+          <p:cNvPr id="3" name="コンテンツ プレースホルダー 2"/>
+          <p:cNvSpPr>
+            <a:spLocks noGrp="1"/>
+          </p:cNvSpPr>
+          <p:nvPr>
+            <p:ph sz="quarter" idx="1"/>
+          </p:nvPr>
+        </p:nvSpPr>
+        <p:spPr>
+          <a:xfrm>
+            <a:off x="683568" y="1158974"/>
+            <a:ext cx="7772400" cy="3429000"/>
+          </a:xfrm>
+        </p:spPr>
+        <p:txBody>
+          <a:bodyPr/>
+          <a:lstStyle/>
+          <a:p>
+            <a:r>
+              <a:rPr kumimoji="1" lang="ja-JP" altLang="en-US" dirty="0" smtClean="0"/>
+              <a:t>マルチプレイヤーオンラインバトルアリーナの略</a:t>
+            </a:r>
+            <a:endParaRPr kumimoji="1" lang="en-US" altLang="ja-JP" dirty="0" smtClean="0"/>
+          </a:p>
+          <a:p>
+            <a:endParaRPr lang="en-US" altLang="ja-JP" dirty="0"/>
+          </a:p>
+          <a:p>
+            <a:r>
+              <a:rPr kumimoji="1" lang="en-US" altLang="ja-JP" dirty="0" smtClean="0"/>
+              <a:t>RTS</a:t>
+            </a:r>
+            <a:r>
+              <a:rPr lang="ja-JP" altLang="en-US" dirty="0" smtClean="0"/>
+              <a:t>のサブジャンル</a:t>
+            </a:r>
+            <a:endParaRPr kumimoji="1" lang="en-US" altLang="ja-JP" dirty="0" smtClean="0"/>
+          </a:p>
+          <a:p>
+            <a:pPr marL="0" indent="0">
+              <a:buNone/>
+            </a:pPr>
+            <a:r>
+              <a:rPr lang="ja-JP" altLang="en-US" dirty="0"/>
+              <a:t>　 </a:t>
+            </a:r>
+            <a:r>
+              <a:rPr lang="ja-JP" altLang="en-US" dirty="0" smtClean="0"/>
+              <a:t>レベルや装備などの</a:t>
+            </a:r>
+            <a:endParaRPr lang="en-US" altLang="ja-JP" dirty="0" smtClean="0"/>
+          </a:p>
+          <a:p>
+            <a:pPr marL="0" indent="0">
+              <a:buNone/>
+            </a:pPr>
+            <a:r>
+              <a:rPr kumimoji="1" lang="ja-JP" altLang="en-US" dirty="0"/>
+              <a:t>　</a:t>
+            </a:r>
+            <a:r>
+              <a:rPr kumimoji="1" lang="ja-JP" altLang="en-US" dirty="0" smtClean="0"/>
+              <a:t> </a:t>
+            </a:r>
+            <a:r>
+              <a:rPr kumimoji="1" lang="en-US" altLang="ja-JP" dirty="0" smtClean="0"/>
+              <a:t>RPG</a:t>
+            </a:r>
+            <a:r>
+              <a:rPr kumimoji="1" lang="ja-JP" altLang="en-US" dirty="0" smtClean="0"/>
+              <a:t>のような概念がある</a:t>
+            </a:r>
+            <a:endParaRPr kumimoji="1" lang="en-US" altLang="ja-JP" dirty="0" smtClean="0"/>
+          </a:p>
+          <a:p>
+            <a:pPr marL="0" indent="0">
+              <a:buNone/>
+            </a:pPr>
+            <a:endParaRPr lang="en-US" altLang="ja-JP" dirty="0"/>
+          </a:p>
+          <a:p>
+            <a:r>
+              <a:rPr kumimoji="1" lang="ja-JP" altLang="en-US" dirty="0" smtClean="0"/>
+              <a:t>代表作は</a:t>
+            </a:r>
+            <a:r>
+              <a:rPr lang="en-US" altLang="ja-JP" dirty="0"/>
+              <a:t>League of Legends</a:t>
+            </a:r>
+            <a:endParaRPr kumimoji="1" lang="ja-JP" altLang="en-US" dirty="0"/>
+          </a:p>
+        </p:txBody>
+      </p:sp>
+      <p:pic>
+        <p:nvPicPr>
+          <p:cNvPr id="3075" name="Picture 3" descr="C:\Users\2130071\Desktop\LOL01-08.jpg"/>
+          <p:cNvPicPr>
+            <a:picLocks noChangeAspect="1" noChangeArrowheads="1"/>
+          </p:cNvPicPr>
+          <p:nvPr/>
+        </p:nvPicPr>
+        <p:blipFill>
+          <a:blip r:embed="rId2" cstate="print">
+            <a:extLst>
+              <a:ext uri="{28A0092B-C50C-407E-A947-70E740481C1C}">
+                <a14:useLocalDpi xmlns:a14="http://schemas.microsoft.com/office/drawing/2010/main" val="0"/>
+              </a:ext>
+            </a:extLst>
+          </a:blip>
+          <a:srcRect/>
+          <a:stretch>
+            <a:fillRect/>
+          </a:stretch>
+        </p:blipFill>
+        <p:spPr bwMode="auto">
+          <a:xfrm>
+            <a:off x="5292080" y="1995686"/>
+            <a:ext cx="3515183" cy="2376264"/>
+          </a:xfrm>
+          <a:prstGeom prst="rect">
+            <a:avLst/>
+          </a:prstGeom>
+          <a:noFill/>
+          <a:ln w="38100">
+            <a:solidFill>
+              <a:schemeClr val="bg1">
+                <a:lumMod val="85000"/>
+              </a:schemeClr>
+            </a:solidFill>
+          </a:ln>
+          <a:extLst>
+            <a:ext uri="{909E8E84-426E-40DD-AFC4-6F175D3DCCD1}">
+              <a14:hiddenFill xmlns:a14="http://schemas.microsoft.com/office/drawing/2010/main">
+                <a:solidFill>
+                  <a:srgbClr val="FFFFFF"/>
+                </a:solidFill>
+              </a14:hiddenFill>
+            </a:ext>
+          </a:extLst>
+        </p:spPr>
+      </p:pic>
+    </p:spTree>
+    <p:extLst>
+      <p:ext uri="{BB962C8B-B14F-4D97-AF65-F5344CB8AC3E}">
+        <p14:creationId xmlns:p14="http://schemas.microsoft.com/office/powerpoint/2010/main" val="1984303013"/>
+      </p:ext>
+    </p:extLst>
+  </p:cSld>
+  <p:clrMapOvr>
+    <a:masterClrMapping/>
+  </p:clrMapOvr>
+  <p:timing>
+    <p:tnLst>
+      <p:par>
+        <p:cTn id="1" dur="indefinite" restart="never" nodeType="tmRoot"/>
+      </p:par>
+    </p:tnLst>
+  </p:timing>
+</p:sld>
+</file>
+
+<file path=ppt/slides/slide24.xml><?xml version="1.0" encoding="utf-8"?>
+<p:sld xmlns:a="http://schemas.openxmlformats.org/drawingml/2006/main" xmlns:r="http://schemas.openxmlformats.org/officeDocument/2006/relationships" xmlns:p="http://schemas.openxmlformats.org/presentationml/2006/main">
+  <p:cSld>
+    <p:spTree>
+      <p:nvGrpSpPr>
+        <p:cNvPr id="1" name=""/>
+        <p:cNvGrpSpPr/>
+        <p:nvPr/>
+      </p:nvGrpSpPr>
+      <p:grpSpPr>
+        <a:xfrm>
+          <a:off x="0" y="0"/>
+          <a:ext cx="0" cy="0"/>
+          <a:chOff x="0" y="0"/>
+          <a:chExt cx="0" cy="0"/>
+        </a:xfrm>
+      </p:grpSpPr>
+      <p:sp>
+        <p:nvSpPr>
+          <p:cNvPr id="2" name="タイトル 1"/>
+          <p:cNvSpPr>
+            <a:spLocks noGrp="1"/>
+          </p:cNvSpPr>
+          <p:nvPr>
+            <p:ph type="title"/>
+          </p:nvPr>
+        </p:nvSpPr>
+        <p:spPr>
+          <a:xfrm>
+            <a:off x="539552" y="1493342"/>
+            <a:ext cx="8147248" cy="2156817"/>
+          </a:xfrm>
+        </p:spPr>
+        <p:txBody>
+          <a:bodyPr>
+            <a:noAutofit/>
+          </a:bodyPr>
+          <a:lstStyle/>
+          <a:p>
+            <a:r>
+              <a:rPr lang="en-US" altLang="ja-JP" dirty="0" smtClean="0">
+                <a:solidFill>
+                  <a:schemeClr val="tx1"/>
+                </a:solidFill>
+              </a:rPr>
+              <a:t>MOBA</a:t>
+            </a:r>
+            <a:r>
+              <a:rPr lang="ja-JP" altLang="en-US" dirty="0" smtClean="0">
+                <a:solidFill>
+                  <a:schemeClr val="tx1"/>
+                </a:solidFill>
+              </a:rPr>
+              <a:t>系を</a:t>
+            </a:r>
+            <a:r>
+              <a:rPr lang="en-US" altLang="ja-JP" dirty="0" smtClean="0">
+                <a:solidFill>
+                  <a:schemeClr val="tx1"/>
+                </a:solidFill>
+              </a:rPr>
+              <a:t/>
+            </a:r>
+            <a:br>
+              <a:rPr lang="en-US" altLang="ja-JP" dirty="0" smtClean="0">
+                <a:solidFill>
+                  <a:schemeClr val="tx1"/>
+                </a:solidFill>
+              </a:rPr>
+            </a:br>
+            <a:r>
+              <a:rPr lang="ja-JP" altLang="en-US" sz="4800" dirty="0">
+                <a:solidFill>
+                  <a:schemeClr val="tx1"/>
+                </a:solidFill>
+              </a:rPr>
+              <a:t>ルール</a:t>
+            </a:r>
+            <a:r>
+              <a:rPr lang="ja-JP" altLang="en-US" sz="4800" dirty="0" smtClean="0">
+                <a:solidFill>
+                  <a:schemeClr val="tx1"/>
+                </a:solidFill>
+              </a:rPr>
+              <a:t>や操作</a:t>
+            </a:r>
+            <a:r>
+              <a:rPr lang="ja-JP" altLang="en-US" sz="4800" dirty="0">
+                <a:solidFill>
+                  <a:schemeClr val="tx1"/>
+                </a:solidFill>
+              </a:rPr>
+              <a:t>難度</a:t>
+            </a:r>
+            <a:r>
+              <a:rPr lang="ja-JP" altLang="en-US" sz="4800" dirty="0" smtClean="0">
+                <a:solidFill>
+                  <a:schemeClr val="tx1"/>
+                </a:solidFill>
+              </a:rPr>
+              <a:t>の緩和</a:t>
+            </a:r>
+            <a:r>
+              <a:rPr lang="ja-JP" altLang="en-US" dirty="0" smtClean="0">
+                <a:solidFill>
+                  <a:schemeClr val="tx1"/>
+                </a:solidFill>
+              </a:rPr>
+              <a:t>により</a:t>
+            </a:r>
+            <a:r>
+              <a:rPr lang="en-US" altLang="ja-JP" dirty="0" smtClean="0">
+                <a:solidFill>
+                  <a:schemeClr val="tx1"/>
+                </a:solidFill>
+              </a:rPr>
+              <a:t/>
+            </a:r>
+            <a:br>
+              <a:rPr lang="en-US" altLang="ja-JP" dirty="0" smtClean="0">
+                <a:solidFill>
+                  <a:schemeClr val="tx1"/>
+                </a:solidFill>
+              </a:rPr>
+            </a:br>
+            <a:r>
+              <a:rPr lang="ja-JP" altLang="en-US" dirty="0" smtClean="0">
+                <a:solidFill>
+                  <a:srgbClr val="FF0000"/>
+                </a:solidFill>
+              </a:rPr>
+              <a:t>知名度を上げたい！</a:t>
+            </a:r>
+            <a:endParaRPr kumimoji="1" lang="ja-JP" altLang="en-US" dirty="0">
+              <a:solidFill>
+                <a:srgbClr val="FF0000"/>
+              </a:solidFill>
+            </a:endParaRPr>
+          </a:p>
+        </p:txBody>
+      </p:sp>
+    </p:spTree>
+    <p:extLst>
+      <p:ext uri="{BB962C8B-B14F-4D97-AF65-F5344CB8AC3E}">
+        <p14:creationId xmlns:p14="http://schemas.microsoft.com/office/powerpoint/2010/main" val="4287103264"/>
+      </p:ext>
+    </p:extLst>
+  </p:cSld>
+  <p:clrMapOvr>
+    <a:masterClrMapping/>
+  </p:clrMapOvr>
+  <p:timing>
+    <p:tnLst>
+      <p:par>
+        <p:cTn id="1" dur="indefinite" restart="never" nodeType="tmRoot"/>
+      </p:par>
+    </p:tnLst>
+  </p:timing>
+</p:sld>
+</file>
+
+<file path=ppt/slides/slide25.xml><?xml version="1.0" encoding="utf-8"?>
+<p:sld xmlns:a="http://schemas.openxmlformats.org/drawingml/2006/main" xmlns:r="http://schemas.openxmlformats.org/officeDocument/2006/relationships" xmlns:p="http://schemas.openxmlformats.org/presentationml/2006/main">
+  <p:cSld>
+    <p:spTree>
+      <p:nvGrpSpPr>
+        <p:cNvPr id="1" name=""/>
+        <p:cNvGrpSpPr/>
+        <p:nvPr/>
+      </p:nvGrpSpPr>
+      <p:grpSpPr>
+        <a:xfrm>
+          <a:off x="0" y="0"/>
+          <a:ext cx="0" cy="0"/>
+          <a:chOff x="0" y="0"/>
+          <a:chExt cx="0" cy="0"/>
+        </a:xfrm>
+      </p:grpSpPr>
+      <p:sp>
+        <p:nvSpPr>
+          <p:cNvPr id="2" name="タイトル 1"/>
+          <p:cNvSpPr>
+            <a:spLocks noGrp="1"/>
+          </p:cNvSpPr>
+          <p:nvPr>
+            <p:ph type="title"/>
+          </p:nvPr>
+        </p:nvSpPr>
+        <p:spPr/>
+        <p:txBody>
+          <a:bodyPr>
+            <a:normAutofit/>
+          </a:bodyPr>
+          <a:lstStyle/>
+          <a:p>
+            <a:r>
+              <a:rPr kumimoji="1" lang="ja-JP" altLang="en-US" dirty="0" smtClean="0"/>
+              <a:t>今まで出来上がった物</a:t>
+            </a:r>
+            <a:endParaRPr kumimoji="1" lang="ja-JP" altLang="en-US" dirty="0"/>
+          </a:p>
+        </p:txBody>
+      </p:sp>
+      <p:sp>
+        <p:nvSpPr>
+          <p:cNvPr id="3" name="コンテンツ プレースホルダー 2"/>
+          <p:cNvSpPr>
+            <a:spLocks noGrp="1"/>
+          </p:cNvSpPr>
+          <p:nvPr>
+            <p:ph sz="quarter" idx="1"/>
+          </p:nvPr>
+        </p:nvSpPr>
+        <p:spPr>
+          <a:xfrm>
+            <a:off x="914400" y="1085850"/>
+            <a:ext cx="7772400" cy="909836"/>
+          </a:xfrm>
+        </p:spPr>
+        <p:txBody>
+          <a:bodyPr/>
+          <a:lstStyle/>
+          <a:p>
+            <a:r>
+              <a:rPr lang="ja-JP" altLang="en-US" dirty="0" smtClean="0"/>
+              <a:t>プレイヤー</a:t>
+            </a:r>
+            <a:endParaRPr lang="en-US" altLang="ja-JP" dirty="0" smtClean="0"/>
+          </a:p>
+          <a:p>
+            <a:pPr lvl="1"/>
+            <a:r>
+              <a:rPr kumimoji="1" lang="ja-JP" altLang="en-US" dirty="0"/>
+              <a:t>すっ</a:t>
+            </a:r>
+            <a:r>
+              <a:rPr kumimoji="1" lang="ja-JP" altLang="en-US" dirty="0" smtClean="0"/>
+              <a:t>ぴん</a:t>
+            </a:r>
+            <a:r>
+              <a:rPr lang="en-US" altLang="ja-JP" dirty="0" smtClean="0"/>
+              <a:t>(</a:t>
+            </a:r>
+            <a:r>
+              <a:rPr lang="ja-JP" altLang="en-US" dirty="0" smtClean="0"/>
+              <a:t>プレイヤーキャラクター</a:t>
+            </a:r>
+            <a:r>
+              <a:rPr lang="en-US" altLang="ja-JP" dirty="0" smtClean="0"/>
+              <a:t>)</a:t>
+            </a:r>
+            <a:endParaRPr kumimoji="1" lang="ja-JP" altLang="en-US" dirty="0"/>
+          </a:p>
+        </p:txBody>
+      </p:sp>
+      <p:pic>
+        <p:nvPicPr>
+          <p:cNvPr id="1026" name="Picture 2" descr="C:\Users\2130071\Desktop\suppin.png"/>
+          <p:cNvPicPr>
+            <a:picLocks noChangeAspect="1" noChangeArrowheads="1"/>
+          </p:cNvPicPr>
+          <p:nvPr/>
+        </p:nvPicPr>
+        <p:blipFill>
+          <a:blip r:embed="rId3" cstate="print">
+            <a:extLst>
+              <a:ext uri="{28A0092B-C50C-407E-A947-70E740481C1C}">
+                <a14:useLocalDpi xmlns:a14="http://schemas.microsoft.com/office/drawing/2010/main" val="0"/>
+              </a:ext>
+            </a:extLst>
+          </a:blip>
+          <a:srcRect/>
+          <a:stretch>
+            <a:fillRect/>
+          </a:stretch>
+        </p:blipFill>
+        <p:spPr bwMode="auto">
+          <a:xfrm>
+            <a:off x="2375756" y="2092897"/>
+            <a:ext cx="4392488" cy="2855117"/>
+          </a:xfrm>
+          <a:prstGeom prst="rect">
+            <a:avLst/>
+          </a:prstGeom>
+          <a:noFill/>
+          <a:ln w="19050">
+            <a:solidFill>
+              <a:schemeClr val="bg1">
+                <a:lumMod val="75000"/>
+              </a:schemeClr>
+            </a:solidFill>
+          </a:ln>
+          <a:extLst>
+            <a:ext uri="{909E8E84-426E-40DD-AFC4-6F175D3DCCD1}">
+              <a14:hiddenFill xmlns:a14="http://schemas.microsoft.com/office/drawing/2010/main">
+                <a:solidFill>
+                  <a:srgbClr val="FFFFFF"/>
+                </a:solidFill>
+              </a14:hiddenFill>
+            </a:ext>
+          </a:extLst>
+        </p:spPr>
+      </p:pic>
+    </p:spTree>
+    <p:extLst>
+      <p:ext uri="{BB962C8B-B14F-4D97-AF65-F5344CB8AC3E}">
+        <p14:creationId xmlns:p14="http://schemas.microsoft.com/office/powerpoint/2010/main" val="3585750419"/>
+      </p:ext>
+    </p:extLst>
+  </p:cSld>
+  <p:clrMapOvr>
+    <a:masterClrMapping/>
+  </p:clrMapOvr>
+  <p:timing>
+    <p:tnLst>
+      <p:par>
+        <p:cTn id="1" dur="indefinite" restart="never" nodeType="tmRoot"/>
+      </p:par>
+    </p:tnLst>
+  </p:timing>
+</p:sld>
+</file>
+
+<file path=ppt/slides/slide26.xml><?xml version="1.0" encoding="utf-8"?>
+<p:sld xmlns:a="http://schemas.openxmlformats.org/drawingml/2006/main" xmlns:r="http://schemas.openxmlformats.org/officeDocument/2006/relationships" xmlns:p="http://schemas.openxmlformats.org/presentationml/2006/main">
+  <p:cSld>
+    <p:spTree>
+      <p:nvGrpSpPr>
+        <p:cNvPr id="1" name=""/>
+        <p:cNvGrpSpPr/>
+        <p:nvPr/>
+      </p:nvGrpSpPr>
+      <p:grpSpPr>
+        <a:xfrm>
+          <a:off x="0" y="0"/>
+          <a:ext cx="0" cy="0"/>
+          <a:chOff x="0" y="0"/>
+          <a:chExt cx="0" cy="0"/>
+        </a:xfrm>
+      </p:grpSpPr>
+      <p:pic>
+        <p:nvPicPr>
+          <p:cNvPr id="2051" name="Picture 3" descr="C:\Users\2130071\Desktop\背景02.PNG"/>
+          <p:cNvPicPr>
+            <a:picLocks noChangeAspect="1" noChangeArrowheads="1"/>
+          </p:cNvPicPr>
+          <p:nvPr/>
+        </p:nvPicPr>
+        <p:blipFill>
+          <a:blip r:embed="rId3" cstate="print">
+            <a:extLst>
+              <a:ext uri="{28A0092B-C50C-407E-A947-70E740481C1C}">
+                <a14:useLocalDpi xmlns:a14="http://schemas.microsoft.com/office/drawing/2010/main" val="0"/>
+              </a:ext>
+            </a:extLst>
+          </a:blip>
+          <a:srcRect/>
+          <a:stretch>
+            <a:fillRect/>
+          </a:stretch>
+        </p:blipFill>
+        <p:spPr bwMode="auto">
+          <a:xfrm>
+            <a:off x="2987824" y="2805568"/>
+            <a:ext cx="3081487" cy="2101445"/>
+          </a:xfrm>
+          <a:prstGeom prst="rect">
+            <a:avLst/>
+          </a:prstGeom>
+          <a:noFill/>
+          <a:ln>
+            <a:solidFill>
+              <a:schemeClr val="bg1">
+                <a:lumMod val="75000"/>
+              </a:schemeClr>
+            </a:solidFill>
+          </a:ln>
+          <a:extLst>
+            <a:ext uri="{909E8E84-426E-40DD-AFC4-6F175D3DCCD1}">
+              <a14:hiddenFill xmlns:a14="http://schemas.microsoft.com/office/drawing/2010/main">
+                <a:solidFill>
+                  <a:srgbClr val="FFFFFF"/>
+                </a:solidFill>
+              </a14:hiddenFill>
+            </a:ext>
+          </a:extLst>
+        </p:spPr>
+      </p:pic>
+      <p:sp>
+        <p:nvSpPr>
+          <p:cNvPr id="2" name="タイトル 1"/>
+          <p:cNvSpPr>
+            <a:spLocks noGrp="1"/>
+          </p:cNvSpPr>
+          <p:nvPr>
+            <p:ph type="title"/>
+          </p:nvPr>
+        </p:nvSpPr>
+        <p:spPr/>
+        <p:txBody>
+          <a:bodyPr/>
+          <a:lstStyle/>
+          <a:p>
+            <a:r>
+              <a:rPr lang="ja-JP" altLang="en-US" dirty="0"/>
+              <a:t>今まで出来上がった物</a:t>
+            </a:r>
+            <a:endParaRPr kumimoji="1" lang="ja-JP" altLang="en-US" dirty="0"/>
+          </a:p>
+        </p:txBody>
+      </p:sp>
+      <p:sp>
+        <p:nvSpPr>
+          <p:cNvPr id="3" name="コンテンツ プレースホルダー 2"/>
+          <p:cNvSpPr>
+            <a:spLocks noGrp="1"/>
+          </p:cNvSpPr>
+          <p:nvPr>
+            <p:ph sz="quarter" idx="1"/>
+          </p:nvPr>
+        </p:nvSpPr>
+        <p:spPr/>
+        <p:txBody>
+          <a:bodyPr/>
+          <a:lstStyle/>
+          <a:p>
+            <a:r>
+              <a:rPr kumimoji="1" lang="ja-JP" altLang="en-US" dirty="0" smtClean="0"/>
+              <a:t>ステージ</a:t>
+            </a:r>
+            <a:endParaRPr kumimoji="1" lang="en-US" altLang="ja-JP" dirty="0" smtClean="0"/>
+          </a:p>
+          <a:p>
+            <a:pPr lvl="1"/>
+            <a:r>
+              <a:rPr lang="ja-JP" altLang="en-US" dirty="0"/>
+              <a:t>拠点</a:t>
+            </a:r>
+            <a:r>
+              <a:rPr lang="ja-JP" altLang="en-US" dirty="0" smtClean="0"/>
+              <a:t>部分の作成中</a:t>
+            </a:r>
+            <a:endParaRPr kumimoji="1" lang="ja-JP" altLang="en-US" dirty="0"/>
+          </a:p>
+        </p:txBody>
+      </p:sp>
+      <p:pic>
+        <p:nvPicPr>
+          <p:cNvPr id="2050" name="Picture 2" descr="C:\Users\2130071\Desktop\背景01.PNG"/>
+          <p:cNvPicPr>
+            <a:picLocks noChangeAspect="1" noChangeArrowheads="1"/>
+          </p:cNvPicPr>
+          <p:nvPr/>
+        </p:nvPicPr>
+        <p:blipFill>
+          <a:blip r:embed="rId4" cstate="print">
+            <a:extLst>
+              <a:ext uri="{28A0092B-C50C-407E-A947-70E740481C1C}">
+                <a14:useLocalDpi xmlns:a14="http://schemas.microsoft.com/office/drawing/2010/main" val="0"/>
+              </a:ext>
+            </a:extLst>
+          </a:blip>
+          <a:srcRect/>
+          <a:stretch>
+            <a:fillRect/>
+          </a:stretch>
+        </p:blipFill>
+        <p:spPr bwMode="auto">
+          <a:xfrm>
+            <a:off x="467544" y="2139702"/>
+            <a:ext cx="2808939" cy="2077575"/>
+          </a:xfrm>
+          <a:prstGeom prst="rect">
+            <a:avLst/>
+          </a:prstGeom>
+          <a:noFill/>
+          <a:ln>
+            <a:solidFill>
+              <a:schemeClr val="bg1">
+                <a:lumMod val="75000"/>
+              </a:schemeClr>
+            </a:solidFill>
+          </a:ln>
+          <a:extLst>
+            <a:ext uri="{909E8E84-426E-40DD-AFC4-6F175D3DCCD1}">
+              <a14:hiddenFill xmlns:a14="http://schemas.microsoft.com/office/drawing/2010/main">
+                <a:solidFill>
+                  <a:srgbClr val="FFFFFF"/>
+                </a:solidFill>
+              </a14:hiddenFill>
+            </a:ext>
+          </a:extLst>
+        </p:spPr>
+      </p:pic>
+      <p:pic>
+        <p:nvPicPr>
+          <p:cNvPr id="2052" name="Picture 4" descr="C:\Users\2130071\Desktop\背景03.PNG"/>
+          <p:cNvPicPr>
+            <a:picLocks noChangeAspect="1" noChangeArrowheads="1"/>
+          </p:cNvPicPr>
+          <p:nvPr/>
+        </p:nvPicPr>
+        <p:blipFill>
+          <a:blip r:embed="rId5" cstate="print">
+            <a:extLst>
+              <a:ext uri="{28A0092B-C50C-407E-A947-70E740481C1C}">
+                <a14:useLocalDpi xmlns:a14="http://schemas.microsoft.com/office/drawing/2010/main" val="0"/>
+              </a:ext>
+            </a:extLst>
+          </a:blip>
+          <a:srcRect/>
+          <a:stretch>
+            <a:fillRect/>
+          </a:stretch>
+        </p:blipFill>
+        <p:spPr bwMode="auto">
+          <a:xfrm>
+            <a:off x="5645446" y="2139702"/>
+            <a:ext cx="3096344" cy="1735915"/>
+          </a:xfrm>
+          <a:prstGeom prst="rect">
+            <a:avLst/>
+          </a:prstGeom>
+          <a:noFill/>
+          <a:ln>
+            <a:solidFill>
+              <a:schemeClr val="bg1">
+                <a:lumMod val="75000"/>
+              </a:schemeClr>
+            </a:solidFill>
+          </a:ln>
+          <a:extLst>
+            <a:ext uri="{909E8E84-426E-40DD-AFC4-6F175D3DCCD1}">
+              <a14:hiddenFill xmlns:a14="http://schemas.microsoft.com/office/drawing/2010/main">
+                <a:solidFill>
+                  <a:srgbClr val="FFFFFF"/>
+                </a:solidFill>
+              </a14:hiddenFill>
+            </a:ext>
+          </a:extLst>
+        </p:spPr>
+      </p:pic>
+    </p:spTree>
+    <p:extLst>
+      <p:ext uri="{BB962C8B-B14F-4D97-AF65-F5344CB8AC3E}">
+        <p14:creationId xmlns:p14="http://schemas.microsoft.com/office/powerpoint/2010/main" val="3205090828"/>
+      </p:ext>
+    </p:extLst>
+  </p:cSld>
+  <p:clrMapOvr>
+    <a:masterClrMapping/>
+  </p:clrMapOvr>
+  <p:timing>
+    <p:tnLst>
+      <p:par>
+        <p:cTn id="1" dur="indefinite" restart="never" nodeType="tmRoot"/>
+      </p:par>
+    </p:tnLst>
+  </p:timing>
+</p:sld>
+</file>
+
+<file path=ppt/slides/slide27.xml><?xml version="1.0" encoding="utf-8"?>
+<p:sld xmlns:a="http://schemas.openxmlformats.org/drawingml/2006/main" xmlns:r="http://schemas.openxmlformats.org/officeDocument/2006/relationships" xmlns:p="http://schemas.openxmlformats.org/presentationml/2006/main">
+  <p:cSld>
+    <p:spTree>
+      <p:nvGrpSpPr>
+        <p:cNvPr id="1" name=""/>
+        <p:cNvGrpSpPr/>
+        <p:nvPr/>
+      </p:nvGrpSpPr>
+      <p:grpSpPr>
+        <a:xfrm>
+          <a:off x="0" y="0"/>
+          <a:ext cx="0" cy="0"/>
+          <a:chOff x="0" y="0"/>
+          <a:chExt cx="0" cy="0"/>
+        </a:xfrm>
+      </p:grpSpPr>
+      <p:sp>
+        <p:nvSpPr>
+          <p:cNvPr id="2" name="タイトル 1"/>
+          <p:cNvSpPr>
+            <a:spLocks noGrp="1"/>
+          </p:cNvSpPr>
+          <p:nvPr>
+            <p:ph type="title"/>
+          </p:nvPr>
+        </p:nvSpPr>
+        <p:spPr/>
+        <p:txBody>
+          <a:bodyPr/>
+          <a:lstStyle/>
+          <a:p>
+            <a:r>
+              <a:rPr lang="ja-JP" altLang="en-US" dirty="0"/>
+              <a:t>今まで出来上がった物</a:t>
+            </a:r>
+            <a:endParaRPr kumimoji="1" lang="ja-JP" altLang="en-US" dirty="0"/>
+          </a:p>
+        </p:txBody>
+      </p:sp>
+      <p:sp>
+        <p:nvSpPr>
+          <p:cNvPr id="3" name="コンテンツ プレースホルダー 2"/>
+          <p:cNvSpPr>
+            <a:spLocks noGrp="1"/>
+          </p:cNvSpPr>
+          <p:nvPr>
+            <p:ph sz="quarter" idx="1"/>
+          </p:nvPr>
+        </p:nvSpPr>
+        <p:spPr>
+          <a:xfrm>
+            <a:off x="914400" y="1085850"/>
+            <a:ext cx="7772400" cy="3574132"/>
+          </a:xfrm>
+        </p:spPr>
+        <p:txBody>
+          <a:bodyPr>
+            <a:normAutofit/>
+          </a:bodyPr>
+          <a:lstStyle/>
+          <a:p>
+            <a:r>
+              <a:rPr kumimoji="1" lang="ja-JP" altLang="en-US" dirty="0" smtClean="0"/>
+              <a:t>プロトタイプ</a:t>
+            </a:r>
+            <a:endParaRPr kumimoji="1" lang="en-US" altLang="ja-JP" dirty="0" smtClean="0"/>
+          </a:p>
+          <a:p>
+            <a:pPr lvl="1"/>
+            <a:endParaRPr kumimoji="1" lang="en-US" altLang="ja-JP" dirty="0" smtClean="0"/>
+          </a:p>
+          <a:p>
+            <a:pPr lvl="1"/>
+            <a:r>
+              <a:rPr kumimoji="1" lang="ja-JP" altLang="en-US" dirty="0" smtClean="0"/>
+              <a:t>移動、攻撃などの仮実装</a:t>
+            </a:r>
+            <a:endParaRPr kumimoji="1" lang="en-US" altLang="ja-JP" dirty="0" smtClean="0"/>
+          </a:p>
+          <a:p>
+            <a:pPr lvl="1"/>
+            <a:endParaRPr lang="en-US" altLang="ja-JP" dirty="0" smtClean="0"/>
+          </a:p>
+          <a:p>
+            <a:pPr lvl="1"/>
+            <a:r>
+              <a:rPr lang="en-US" altLang="ja-JP" dirty="0" smtClean="0"/>
+              <a:t>UI</a:t>
+            </a:r>
+            <a:r>
+              <a:rPr lang="ja-JP" altLang="en-US" dirty="0" smtClean="0"/>
+              <a:t>配置ツールの作成</a:t>
+            </a:r>
+            <a:endParaRPr lang="en-US" altLang="ja-JP" dirty="0" smtClean="0"/>
+          </a:p>
+          <a:p>
+            <a:pPr lvl="1"/>
+            <a:endParaRPr kumimoji="1" lang="en-US" altLang="ja-JP" dirty="0" smtClean="0"/>
+          </a:p>
+          <a:p>
+            <a:pPr lvl="1"/>
+            <a:r>
+              <a:rPr kumimoji="1" lang="ja-JP" altLang="en-US" dirty="0" smtClean="0"/>
+              <a:t>ネットワーク周りの整備</a:t>
+            </a:r>
+            <a:endParaRPr kumimoji="1" lang="ja-JP" altLang="en-US" dirty="0"/>
+          </a:p>
+        </p:txBody>
+      </p:sp>
+    </p:spTree>
+    <p:extLst>
+      <p:ext uri="{BB962C8B-B14F-4D97-AF65-F5344CB8AC3E}">
+        <p14:creationId xmlns:p14="http://schemas.microsoft.com/office/powerpoint/2010/main" val="1595542022"/>
+      </p:ext>
+    </p:extLst>
+  </p:cSld>
+  <p:clrMapOvr>
+    <a:masterClrMapping/>
+  </p:clrMapOvr>
+  <p:timing>
+    <p:tnLst>
+      <p:par>
+        <p:cTn id="1" dur="indefinite" restart="never" nodeType="tmRoot"/>
+      </p:par>
+    </p:tnLst>
+  </p:timing>
+</p:sld>
+</file>
+
+<file path=ppt/slides/slide28.xml><?xml version="1.0" encoding="utf-8"?>
+<p:sld xmlns:a="http://schemas.openxmlformats.org/drawingml/2006/main" xmlns:r="http://schemas.openxmlformats.org/officeDocument/2006/relationships" xmlns:p="http://schemas.openxmlformats.org/presentationml/2006/main">
+  <p:cSld>
+    <p:spTree>
+      <p:nvGrpSpPr>
+        <p:cNvPr id="1" name=""/>
+        <p:cNvGrpSpPr/>
+        <p:nvPr/>
+      </p:nvGrpSpPr>
+      <p:grpSpPr>
+        <a:xfrm>
+          <a:off x="0" y="0"/>
+          <a:ext cx="0" cy="0"/>
+          <a:chOff x="0" y="0"/>
+          <a:chExt cx="0" cy="0"/>
+        </a:xfrm>
+      </p:grpSpPr>
+      <p:sp>
+        <p:nvSpPr>
+          <p:cNvPr id="2" name="タイトル 1"/>
+          <p:cNvSpPr>
+            <a:spLocks noGrp="1"/>
+          </p:cNvSpPr>
+          <p:nvPr>
+            <p:ph type="title"/>
+          </p:nvPr>
+        </p:nvSpPr>
+        <p:spPr/>
+        <p:txBody>
+          <a:bodyPr/>
+          <a:lstStyle/>
+          <a:p>
+            <a:r>
+              <a:rPr kumimoji="1" lang="ja-JP" altLang="en-US" dirty="0" smtClean="0"/>
+              <a:t>今後の進行予定</a:t>
             </a:r>
             <a:endParaRPr kumimoji="1" lang="ja-JP" altLang="en-US" dirty="0"/>
           </a:p>
@@ -10284,7 +13486,7 @@
         <p:spPr>
           <a:xfrm>
             <a:off x="914400" y="1230982"/>
-            <a:ext cx="7772400" cy="3429000"/>
+            <a:ext cx="7772400" cy="3212976"/>
           </a:xfrm>
         </p:spPr>
         <p:txBody>
@@ -10303,7 +13505,7 @@
             <a:pPr lvl="1"/>
             <a:r>
               <a:rPr kumimoji="1" lang="ja-JP" altLang="en-US" dirty="0" smtClean="0"/>
-              <a:t>サーバー等通信周りの作成</a:t>
+              <a:t>サーバー等通信周りを一通り作成</a:t>
             </a:r>
             <a:endParaRPr kumimoji="1" lang="en-US" altLang="ja-JP" dirty="0" smtClean="0"/>
           </a:p>
@@ -10365,6 +13567,53 @@
               <a:t>の着手</a:t>
             </a:r>
             <a:endParaRPr kumimoji="1" lang="ja-JP" altLang="en-US" dirty="0"/>
+          </a:p>
+        </p:txBody>
+      </p:sp>
+      <p:sp>
+        <p:nvSpPr>
+          <p:cNvPr id="4" name="テキスト ボックス 3"/>
+          <p:cNvSpPr txBox="1"/>
+          <p:nvPr/>
+        </p:nvSpPr>
+        <p:spPr>
+          <a:xfrm>
+            <a:off x="1523022" y="4506674"/>
+            <a:ext cx="6322565" cy="461665"/>
+          </a:xfrm>
+          <a:prstGeom prst="rect">
+            <a:avLst/>
+          </a:prstGeom>
+          <a:noFill/>
+        </p:spPr>
+        <p:txBody>
+          <a:bodyPr wrap="none" rtlCol="0">
+            <a:spAutoFit/>
+          </a:bodyPr>
+          <a:lstStyle/>
+          <a:p>
+            <a:pPr algn="ctr"/>
+            <a:r>
+              <a:rPr kumimoji="1" lang="ja-JP" altLang="en-US" sz="2400" dirty="0" smtClean="0"/>
+              <a:t>次回発表までに</a:t>
+            </a:r>
+            <a:r>
+              <a:rPr kumimoji="1" lang="en-US" altLang="ja-JP" sz="2400" dirty="0" smtClean="0"/>
+              <a:t>『</a:t>
+            </a:r>
+            <a:r>
+              <a:rPr kumimoji="1" lang="ja-JP" altLang="en-US" sz="2400" dirty="0" smtClean="0"/>
+              <a:t>ある程度遊べる状態</a:t>
+            </a:r>
+            <a:r>
+              <a:rPr kumimoji="1" lang="en-US" altLang="ja-JP" sz="2400" dirty="0" smtClean="0"/>
+              <a:t>』</a:t>
+            </a:r>
+            <a:r>
+              <a:rPr kumimoji="1" lang="ja-JP" altLang="en-US" sz="2400" dirty="0" smtClean="0"/>
+              <a:t>を目指す</a:t>
+            </a:r>
+            <a:endParaRPr kumimoji="1" lang="ja-JP" altLang="en-US" sz="2400" dirty="0"/>
           </a:p>
         </p:txBody>
       </p:sp>
@@ -10388,7 +13637,7 @@
 </p:sld>
 </file>
 
-<file path=ppt/slides/slide23.xml><?xml version="1.0" encoding="utf-8"?>
+<file path=ppt/slides/slide29.xml><?xml version="1.0" encoding="utf-8"?>
 <p:sld xmlns:a="http://schemas.openxmlformats.org/drawingml/2006/main" xmlns:r="http://schemas.openxmlformats.org/officeDocument/2006/relationships" xmlns:p="http://schemas.openxmlformats.org/presentationml/2006/main">
   <p:cSld>
     <p:spTree>
@@ -10478,12 +13727,12 @@
               <a:rPr kumimoji="1" lang="en-US" altLang="ja-JP" dirty="0" smtClean="0"/>
             </a:br>
             <a:r>
+              <a:rPr lang="ja-JP" altLang="en-US" dirty="0" smtClean="0"/>
+              <a:t>ありがとうございました</a:t>
+            </a:r>
+            <a:r>
               <a:rPr lang="ja-JP" altLang="en-US" dirty="0"/>
-              <a:t>ありがとう</a:t>
-            </a:r>
-            <a:r>
-              <a:rPr lang="ja-JP" altLang="en-US" dirty="0" smtClean="0"/>
-              <a:t>ございました。</a:t>
+              <a:t>！</a:t>
             </a:r>
             <a:endParaRPr kumimoji="1" lang="ja-JP" altLang="en-US" dirty="0"/>
           </a:p>
@@ -10567,6 +13816,97 @@
       </p:grpSpPr>
       <p:sp>
         <p:nvSpPr>
+          <p:cNvPr id="4" name="タイトル 1"/>
+          <p:cNvSpPr>
+            <a:spLocks noGrp="1"/>
+          </p:cNvSpPr>
+          <p:nvPr>
+            <p:ph type="title"/>
+          </p:nvPr>
+        </p:nvSpPr>
+        <p:spPr>
+          <a:xfrm>
+            <a:off x="685800" y="1709366"/>
+            <a:ext cx="7772400" cy="1724769"/>
+          </a:xfrm>
+        </p:spPr>
+        <p:txBody>
+          <a:bodyPr>
+            <a:noAutofit/>
+          </a:bodyPr>
+          <a:lstStyle/>
+          <a:p>
+            <a:pPr algn="ctr"/>
+            <a:r>
+              <a:rPr lang="ja-JP" altLang="en-US" sz="5400" dirty="0" smtClean="0"/>
+              <a:t>約半年ぶり</a:t>
+            </a:r>
+            <a:r>
+              <a:rPr kumimoji="1" lang="ja-JP" altLang="en-US" sz="5400" dirty="0" smtClean="0"/>
+              <a:t>と</a:t>
+            </a:r>
+            <a:r>
+              <a:rPr kumimoji="1" lang="ja-JP" altLang="en-US" sz="5400" dirty="0" smtClean="0"/>
+              <a:t>いうことで、</a:t>
+            </a:r>
+            <a:r>
+              <a:rPr kumimoji="1" lang="en-US" altLang="ja-JP" sz="5400" dirty="0" smtClean="0"/>
+              <a:t/>
+            </a:r>
+            <a:br>
+              <a:rPr kumimoji="1" lang="en-US" altLang="ja-JP" sz="5400" dirty="0" smtClean="0"/>
+            </a:br>
+            <a:r>
+              <a:rPr lang="ja-JP" altLang="en-US" sz="5400" dirty="0"/>
+              <a:t>恒例</a:t>
+            </a:r>
+            <a:r>
+              <a:rPr lang="ja-JP" altLang="en-US" sz="5400" dirty="0" smtClean="0"/>
+              <a:t>のメンバー紹介から</a:t>
+            </a:r>
+            <a:endParaRPr kumimoji="1" lang="ja-JP" altLang="en-US" sz="5400" dirty="0"/>
+          </a:p>
+        </p:txBody>
+      </p:sp>
+    </p:spTree>
+    <p:extLst>
+      <p:ext uri="{BB962C8B-B14F-4D97-AF65-F5344CB8AC3E}">
+        <p14:creationId xmlns:p14="http://schemas.microsoft.com/office/powerpoint/2010/main" val="1674692260"/>
+      </p:ext>
+    </p:extLst>
+  </p:cSld>
+  <p:clrMapOvr>
+    <a:masterClrMapping/>
+  </p:clrMapOvr>
+  <p:timing>
+    <p:tnLst>
+      <p:par>
+        <p:cTn id="1" dur="indefinite" restart="never" nodeType="tmRoot"/>
+      </p:par>
+    </p:tnLst>
+  </p:timing>
+</p:sld>
+</file>
+
+<file path=ppt/slides/slide4.xml><?xml version="1.0" encoding="utf-8"?>
+<p:sld xmlns:a="http://schemas.openxmlformats.org/drawingml/2006/main" xmlns:r="http://schemas.openxmlformats.org/officeDocument/2006/relationships" xmlns:p="http://schemas.openxmlformats.org/presentationml/2006/main">
+  <p:cSld>
+    <p:spTree>
+      <p:nvGrpSpPr>
+        <p:cNvPr id="1" name=""/>
+        <p:cNvGrpSpPr/>
+        <p:nvPr/>
+      </p:nvGrpSpPr>
+      <p:grpSpPr>
+        <a:xfrm>
+          <a:off x="0" y="0"/>
+          <a:ext cx="0" cy="0"/>
+          <a:chOff x="0" y="0"/>
+          <a:chExt cx="0" cy="0"/>
+        </a:xfrm>
+      </p:grpSpPr>
+      <p:sp>
+        <p:nvSpPr>
           <p:cNvPr id="2" name="タイトル 1"/>
           <p:cNvSpPr>
             <a:spLocks noGrp="1"/>
@@ -10996,7 +14336,7 @@
 </p:sld>
 </file>
 
-<file path=ppt/slides/slide4.xml><?xml version="1.0" encoding="utf-8"?>
+<file path=ppt/slides/slide5.xml><?xml version="1.0" encoding="utf-8"?>
 <p:sld xmlns:a="http://schemas.openxmlformats.org/drawingml/2006/main" xmlns:r="http://schemas.openxmlformats.org/officeDocument/2006/relationships" xmlns:p="http://schemas.openxmlformats.org/presentationml/2006/main">
   <p:cSld>
     <p:spTree>
@@ -11052,11 +14392,15 @@
             </a:r>
             <a:r>
               <a:rPr lang="ja-JP" altLang="en-US" sz="2700" dirty="0" smtClean="0"/>
-              <a:t>メンバーの変更もありましたが</a:t>
+              <a:t>メンバーの</a:t>
+            </a:r>
+            <a:r>
+              <a:rPr lang="ja-JP" altLang="en-US" sz="2700" dirty="0" smtClean="0"/>
+              <a:t>変更など紆余曲折ありました</a:t>
             </a:r>
             <a:r>
               <a:rPr lang="en-US" altLang="ja-JP" sz="2700" dirty="0" smtClean="0"/>
-              <a:t>……)</a:t>
+              <a:t>)</a:t>
             </a:r>
             <a:endParaRPr kumimoji="1" lang="ja-JP" altLang="en-US" dirty="0"/>
           </a:p>
@@ -11082,7 +14426,7 @@
 </p:sld>
 </file>
 
-<file path=ppt/slides/slide5.xml><?xml version="1.0" encoding="utf-8"?>
+<file path=ppt/slides/slide6.xml><?xml version="1.0" encoding="utf-8"?>
 <p:sld xmlns:a="http://schemas.openxmlformats.org/drawingml/2006/main" xmlns:r="http://schemas.openxmlformats.org/officeDocument/2006/relationships" xmlns:p="http://schemas.openxmlformats.org/presentationml/2006/main">
   <p:cSld>
     <p:spTree>
@@ -11543,7 +14887,7 @@
 </p:sld>
 </file>
 
-<file path=ppt/slides/slide6.xml><?xml version="1.0" encoding="utf-8"?>
+<file path=ppt/slides/slide7.xml><?xml version="1.0" encoding="utf-8"?>
 <p:sld xmlns:a="http://schemas.openxmlformats.org/drawingml/2006/main" xmlns:r="http://schemas.openxmlformats.org/officeDocument/2006/relationships" xmlns:p="http://schemas.openxmlformats.org/presentationml/2006/main">
   <p:cSld>
     <p:spTree>
@@ -11610,7 +14954,7 @@
 </p:sld>
 </file>
 
-<file path=ppt/slides/slide7.xml><?xml version="1.0" encoding="utf-8"?>
+<file path=ppt/slides/slide8.xml><?xml version="1.0" encoding="utf-8"?>
 <p:sld xmlns:a="http://schemas.openxmlformats.org/drawingml/2006/main" xmlns:r="http://schemas.openxmlformats.org/officeDocument/2006/relationships" xmlns:p="http://schemas.openxmlformats.org/presentationml/2006/main">
   <p:cSld>
     <p:spTree>
@@ -11792,13 +15136,30 @@
           <a:p>
             <a:r>
               <a:rPr lang="ja-JP" altLang="en-US" dirty="0">
+                <a:ln w="12700">
+                  <a:solidFill>
+                    <a:schemeClr val="accent2">
+                      <a:lumMod val="40000"/>
+                      <a:lumOff val="60000"/>
+                    </a:schemeClr>
+                  </a:solidFill>
+                </a:ln>
                 <a:latin typeface="AR明朝体U" panose="020B0609010101010101" pitchFamily="49" charset="-128"/>
                 <a:ea typeface="AR明朝体U" panose="020B0609010101010101" pitchFamily="49" charset="-128"/>
                 <a:cs typeface="A-OTF 見出ミンMA31 Pro MA31" pitchFamily="18" charset="-128"/>
               </a:rPr>
               <a:t>また</a:t>
             </a:r>
-            <a:endParaRPr kumimoji="1" lang="ja-JP" altLang="en-US" dirty="0"/>
+            <a:endParaRPr kumimoji="1" lang="ja-JP" altLang="en-US" dirty="0">
+              <a:ln w="12700">
+                <a:solidFill>
+                  <a:schemeClr val="accent2">
+                    <a:lumMod val="40000"/>
+                    <a:lumOff val="60000"/>
+                  </a:schemeClr>
+                </a:solidFill>
+              </a:ln>
+            </a:endParaRPr>
           </a:p>
         </p:txBody>
       </p:sp>
@@ -11822,7 +15183,7 @@
 </p:sld>
 </file>
 
-<file path=ppt/slides/slide8.xml><?xml version="1.0" encoding="utf-8"?>
+<file path=ppt/slides/slide9.xml><?xml version="1.0" encoding="utf-8"?>
 <p:sld xmlns:a="http://schemas.openxmlformats.org/drawingml/2006/main" xmlns:r="http://schemas.openxmlformats.org/officeDocument/2006/relationships" xmlns:p="http://schemas.openxmlformats.org/presentationml/2006/main">
   <p:cSld>
     <p:spTree>
@@ -11875,7 +15236,7 @@
           <p:nvPr/>
         </p:nvPicPr>
         <p:blipFill rotWithShape="1">
-          <a:blip r:embed="rId2" cstate="print">
+          <a:blip r:embed="rId3" cstate="print">
             <a:extLst>
               <a:ext uri="{28A0092B-C50C-407E-A947-70E740481C1C}">
                 <a14:useLocalDpi xmlns:a14="http://schemas.microsoft.com/office/drawing/2010/main" val="0"/>
@@ -11987,324 +15348,6 @@
             </p:seq>
           </p:childTnLst>
         </p:cTn>
-      </p:par>
-    </p:tnLst>
-  </p:timing>
-</p:sld>
-</file>
-
-<file path=ppt/slides/slide9.xml><?xml version="1.0" encoding="utf-8"?>
-<p:sld xmlns:a="http://schemas.openxmlformats.org/drawingml/2006/main" xmlns:r="http://schemas.openxmlformats.org/officeDocument/2006/relationships" xmlns:p="http://schemas.openxmlformats.org/presentationml/2006/main">
-  <p:cSld>
-    <p:spTree>
-      <p:nvGrpSpPr>
-        <p:cNvPr id="1" name=""/>
-        <p:cNvGrpSpPr/>
-        <p:nvPr/>
-      </p:nvGrpSpPr>
-      <p:grpSpPr>
-        <a:xfrm>
-          <a:off x="0" y="0"/>
-          <a:ext cx="0" cy="0"/>
-          <a:chOff x="0" y="0"/>
-          <a:chExt cx="0" cy="0"/>
-        </a:xfrm>
-      </p:grpSpPr>
-      <p:sp>
-        <p:nvSpPr>
-          <p:cNvPr id="2" name="タイトル 1"/>
-          <p:cNvSpPr>
-            <a:spLocks noGrp="1"/>
-          </p:cNvSpPr>
-          <p:nvPr>
-            <p:ph type="title"/>
-          </p:nvPr>
-        </p:nvSpPr>
-        <p:spPr/>
-        <p:txBody>
-          <a:bodyPr>
-            <a:normAutofit/>
-          </a:bodyPr>
-          <a:lstStyle/>
-          <a:p>
-            <a:r>
-              <a:rPr kumimoji="1" lang="ja-JP" altLang="en-US" dirty="0" smtClean="0"/>
-              <a:t>基本概要</a:t>
-            </a:r>
-            <a:endParaRPr kumimoji="1" lang="ja-JP" altLang="en-US" dirty="0"/>
-          </a:p>
-        </p:txBody>
-      </p:sp>
-      <p:sp>
-        <p:nvSpPr>
-          <p:cNvPr id="4" name="角丸四角形 3"/>
-          <p:cNvSpPr/>
-          <p:nvPr/>
-        </p:nvSpPr>
-        <p:spPr>
-          <a:xfrm>
-            <a:off x="1295636" y="1793654"/>
-            <a:ext cx="6408712" cy="1058368"/>
-          </a:xfrm>
-          <a:prstGeom prst="roundRect">
-            <a:avLst/>
-          </a:prstGeom>
-          <a:solidFill>
-            <a:schemeClr val="bg1"/>
-          </a:solidFill>
-          <a:ln w="57150">
-            <a:solidFill>
-              <a:schemeClr val="tx2">
-                <a:lumMod val="50000"/>
-              </a:schemeClr>
-            </a:solidFill>
-          </a:ln>
-        </p:spPr>
-        <p:style>
-          <a:lnRef idx="2">
-            <a:schemeClr val="accent1">
-              <a:shade val="50000"/>
-            </a:schemeClr>
-          </a:lnRef>
-          <a:fillRef idx="1">
-            <a:schemeClr val="accent1"/>
-          </a:fillRef>
-          <a:effectRef idx="0">
-            <a:schemeClr val="accent1"/>
-          </a:effectRef>
-          <a:fontRef idx="minor">
-            <a:schemeClr val="lt1"/>
-          </a:fontRef>
-        </p:style>
-        <p:txBody>
-          <a:bodyPr rtlCol="0" anchor="ctr"/>
-          <a:lstStyle/>
-          <a:p>
-            <a:pPr algn="ctr"/>
-            <a:r>
-              <a:rPr kumimoji="1" lang="ja-JP" altLang="en-US" sz="2800" dirty="0" smtClean="0">
-                <a:solidFill>
-                  <a:schemeClr val="tx1"/>
-                </a:solidFill>
-              </a:rPr>
-              <a:t>対戦型アクション</a:t>
-            </a:r>
-            <a:r>
-              <a:rPr kumimoji="1" lang="en-US" altLang="ja-JP" sz="2800" dirty="0" smtClean="0">
-                <a:solidFill>
-                  <a:schemeClr val="tx1"/>
-                </a:solidFill>
-              </a:rPr>
-              <a:t>RPG</a:t>
-            </a:r>
-            <a:endParaRPr kumimoji="1" lang="ja-JP" altLang="en-US" sz="2800" dirty="0">
-              <a:solidFill>
-                <a:schemeClr val="tx1"/>
-              </a:solidFill>
-            </a:endParaRPr>
-          </a:p>
-        </p:txBody>
-      </p:sp>
-      <p:sp>
-        <p:nvSpPr>
-          <p:cNvPr id="5" name="角丸四角形 4"/>
-          <p:cNvSpPr/>
-          <p:nvPr/>
-        </p:nvSpPr>
-        <p:spPr>
-          <a:xfrm>
-            <a:off x="575556" y="1577630"/>
-            <a:ext cx="1494166" cy="498055"/>
-          </a:xfrm>
-          <a:prstGeom prst="roundRect">
-            <a:avLst/>
-          </a:prstGeom>
-          <a:solidFill>
-            <a:schemeClr val="bg1"/>
-          </a:solidFill>
-          <a:ln w="57150">
-            <a:solidFill>
-              <a:schemeClr val="tx2">
-                <a:lumMod val="50000"/>
-              </a:schemeClr>
-            </a:solidFill>
-          </a:ln>
-        </p:spPr>
-        <p:style>
-          <a:lnRef idx="2">
-            <a:schemeClr val="accent1">
-              <a:shade val="50000"/>
-            </a:schemeClr>
-          </a:lnRef>
-          <a:fillRef idx="1">
-            <a:schemeClr val="accent1"/>
-          </a:fillRef>
-          <a:effectRef idx="0">
-            <a:schemeClr val="accent1"/>
-          </a:effectRef>
-          <a:fontRef idx="minor">
-            <a:schemeClr val="lt1"/>
-          </a:fontRef>
-        </p:style>
-        <p:txBody>
-          <a:bodyPr rtlCol="0" anchor="ctr"/>
-          <a:lstStyle/>
-          <a:p>
-            <a:pPr algn="ctr"/>
-            <a:r>
-              <a:rPr kumimoji="1" lang="ja-JP" altLang="en-US" sz="2000" dirty="0" smtClean="0">
-                <a:solidFill>
-                  <a:schemeClr val="tx1"/>
-                </a:solidFill>
-              </a:rPr>
-              <a:t>ジャンル</a:t>
-            </a:r>
-            <a:endParaRPr kumimoji="1" lang="ja-JP" altLang="en-US" sz="2000" dirty="0">
-              <a:solidFill>
-                <a:schemeClr val="tx1"/>
-              </a:solidFill>
-            </a:endParaRPr>
-          </a:p>
-        </p:txBody>
-      </p:sp>
-      <p:sp>
-        <p:nvSpPr>
-          <p:cNvPr id="6" name="角丸四角形 5"/>
-          <p:cNvSpPr/>
-          <p:nvPr/>
-        </p:nvSpPr>
-        <p:spPr>
-          <a:xfrm>
-            <a:off x="1295636" y="3169566"/>
-            <a:ext cx="6408712" cy="1058368"/>
-          </a:xfrm>
-          <a:prstGeom prst="roundRect">
-            <a:avLst/>
-          </a:prstGeom>
-          <a:solidFill>
-            <a:schemeClr val="bg1"/>
-          </a:solidFill>
-          <a:ln w="57150">
-            <a:solidFill>
-              <a:schemeClr val="tx2">
-                <a:lumMod val="50000"/>
-              </a:schemeClr>
-            </a:solidFill>
-          </a:ln>
-        </p:spPr>
-        <p:style>
-          <a:lnRef idx="2">
-            <a:schemeClr val="accent1">
-              <a:shade val="50000"/>
-            </a:schemeClr>
-          </a:lnRef>
-          <a:fillRef idx="1">
-            <a:schemeClr val="accent1"/>
-          </a:fillRef>
-          <a:effectRef idx="0">
-            <a:schemeClr val="accent1"/>
-          </a:effectRef>
-          <a:fontRef idx="minor">
-            <a:schemeClr val="lt1"/>
-          </a:fontRef>
-        </p:style>
-        <p:txBody>
-          <a:bodyPr rtlCol="0" anchor="ctr"/>
-          <a:lstStyle/>
-          <a:p>
-            <a:pPr algn="ctr"/>
-            <a:r>
-              <a:rPr lang="en-US" altLang="ja-JP" sz="2800" dirty="0">
-                <a:solidFill>
-                  <a:schemeClr val="tx1"/>
-                </a:solidFill>
-              </a:rPr>
-              <a:t>PC</a:t>
-            </a:r>
-            <a:endParaRPr kumimoji="1" lang="ja-JP" altLang="en-US" sz="2800" dirty="0">
-              <a:solidFill>
-                <a:schemeClr val="tx1"/>
-              </a:solidFill>
-            </a:endParaRPr>
-          </a:p>
-        </p:txBody>
-      </p:sp>
-      <p:sp>
-        <p:nvSpPr>
-          <p:cNvPr id="7" name="角丸四角形 6"/>
-          <p:cNvSpPr/>
-          <p:nvPr/>
-        </p:nvSpPr>
-        <p:spPr>
-          <a:xfrm>
-            <a:off x="575556" y="2953542"/>
-            <a:ext cx="1692188" cy="498055"/>
-          </a:xfrm>
-          <a:prstGeom prst="roundRect">
-            <a:avLst/>
-          </a:prstGeom>
-          <a:solidFill>
-            <a:schemeClr val="bg1"/>
-          </a:solidFill>
-          <a:ln w="57150">
-            <a:solidFill>
-              <a:schemeClr val="tx2">
-                <a:lumMod val="50000"/>
-              </a:schemeClr>
-            </a:solidFill>
-          </a:ln>
-        </p:spPr>
-        <p:style>
-          <a:lnRef idx="2">
-            <a:schemeClr val="accent1">
-              <a:shade val="50000"/>
-            </a:schemeClr>
-          </a:lnRef>
-          <a:fillRef idx="1">
-            <a:schemeClr val="accent1"/>
-          </a:fillRef>
-          <a:effectRef idx="0">
-            <a:schemeClr val="accent1"/>
-          </a:effectRef>
-          <a:fontRef idx="minor">
-            <a:schemeClr val="lt1"/>
-          </a:fontRef>
-        </p:style>
-        <p:txBody>
-          <a:bodyPr rtlCol="0" anchor="ctr"/>
-          <a:lstStyle/>
-          <a:p>
-            <a:pPr algn="ctr"/>
-            <a:r>
-              <a:rPr kumimoji="1" lang="ja-JP" altLang="en-US" sz="2000" dirty="0" smtClean="0">
-                <a:solidFill>
-                  <a:schemeClr val="tx1"/>
-                </a:solidFill>
-              </a:rPr>
-              <a:t>想定ハード</a:t>
-            </a:r>
-            <a:endParaRPr kumimoji="1" lang="ja-JP" altLang="en-US" sz="2000" dirty="0">
-              <a:solidFill>
-                <a:schemeClr val="tx1"/>
-              </a:solidFill>
-            </a:endParaRPr>
-          </a:p>
-        </p:txBody>
-      </p:sp>
-    </p:spTree>
-    <p:extLst>
-      <p:ext uri="{BB962C8B-B14F-4D97-AF65-F5344CB8AC3E}">
-        <p14:creationId xmlns:p14="http://schemas.microsoft.com/office/powerpoint/2010/main" val="3820136793"/>
-      </p:ext>
-    </p:extLst>
-  </p:cSld>
-  <p:clrMapOvr>
-    <a:masterClrMapping/>
-  </p:clrMapOvr>
-  <p:timing>
-    <p:tnLst>
-      <p:par>
-        <p:cTn id="1" dur="indefinite" restart="never" nodeType="tmRoot"/>
       </p:par>
     </p:tnLst>
   </p:timing>
